--- a/bp.pptx
+++ b/bp.pptx
@@ -7,6 +7,12 @@
   <p:sldIdLst>
     <p:sldId id="256" r:id="rId2"/>
     <p:sldId id="257" r:id="rId3"/>
+    <p:sldId id="258" r:id="rId4"/>
+    <p:sldId id="259" r:id="rId5"/>
+    <p:sldId id="260" r:id="rId6"/>
+    <p:sldId id="261" r:id="rId7"/>
+    <p:sldId id="262" r:id="rId8"/>
+    <p:sldId id="263" r:id="rId9"/>
   </p:sldIdLst>
   <p:sldSz cx="9144000" cy="6858000" type="screen4x3"/>
   <p:notesSz cx="6858000" cy="9144000"/>
@@ -294,7 +300,7 @@
           <a:p>
             <a:fld id="{70BA1CFD-BFF0-48BC-9BA5-4974D7A6AB15}" type="datetimeFigureOut">
               <a:rPr lang="en-US" smtClean="0"/>
-              <a:t>10/8/13</a:t>
+              <a:t>10/10/13</a:t>
             </a:fld>
             <a:endParaRPr lang="en-US"/>
           </a:p>
@@ -651,7 +657,7 @@
           <a:p>
             <a:fld id="{70BA1CFD-BFF0-48BC-9BA5-4974D7A6AB15}" type="datetimeFigureOut">
               <a:rPr lang="en-US" smtClean="0"/>
-              <a:t>10/8/13</a:t>
+              <a:t>10/10/13</a:t>
             </a:fld>
             <a:endParaRPr lang="en-US"/>
           </a:p>
@@ -820,7 +826,7 @@
           <a:p>
             <a:fld id="{70BA1CFD-BFF0-48BC-9BA5-4974D7A6AB15}" type="datetimeFigureOut">
               <a:rPr lang="en-US" smtClean="0"/>
-              <a:t>10/8/13</a:t>
+              <a:t>10/10/13</a:t>
             </a:fld>
             <a:endParaRPr lang="en-US"/>
           </a:p>
@@ -999,7 +1005,7 @@
           <a:p>
             <a:fld id="{70BA1CFD-BFF0-48BC-9BA5-4974D7A6AB15}" type="datetimeFigureOut">
               <a:rPr lang="en-US" smtClean="0"/>
-              <a:t>10/8/13</a:t>
+              <a:t>10/10/13</a:t>
             </a:fld>
             <a:endParaRPr lang="en-US"/>
           </a:p>
@@ -1168,7 +1174,7 @@
           <a:p>
             <a:fld id="{70BA1CFD-BFF0-48BC-9BA5-4974D7A6AB15}" type="datetimeFigureOut">
               <a:rPr lang="en-US" smtClean="0"/>
-              <a:t>10/8/13</a:t>
+              <a:t>10/10/13</a:t>
             </a:fld>
             <a:endParaRPr lang="en-US"/>
           </a:p>
@@ -1445,7 +1451,7 @@
           <a:p>
             <a:fld id="{70BA1CFD-BFF0-48BC-9BA5-4974D7A6AB15}" type="datetimeFigureOut">
               <a:rPr lang="en-US" smtClean="0"/>
-              <a:t>10/8/13</a:t>
+              <a:t>10/10/13</a:t>
             </a:fld>
             <a:endParaRPr lang="en-US"/>
           </a:p>
@@ -1737,7 +1743,7 @@
           <a:p>
             <a:fld id="{70BA1CFD-BFF0-48BC-9BA5-4974D7A6AB15}" type="datetimeFigureOut">
               <a:rPr lang="en-US" smtClean="0"/>
-              <a:t>10/8/13</a:t>
+              <a:t>10/10/13</a:t>
             </a:fld>
             <a:endParaRPr lang="en-US"/>
           </a:p>
@@ -2173,7 +2179,7 @@
           <a:p>
             <a:fld id="{70BA1CFD-BFF0-48BC-9BA5-4974D7A6AB15}" type="datetimeFigureOut">
               <a:rPr lang="en-US" smtClean="0"/>
-              <a:t>10/8/13</a:t>
+              <a:t>10/10/13</a:t>
             </a:fld>
             <a:endParaRPr lang="en-US"/>
           </a:p>
@@ -2286,7 +2292,7 @@
           <a:p>
             <a:fld id="{70BA1CFD-BFF0-48BC-9BA5-4974D7A6AB15}" type="datetimeFigureOut">
               <a:rPr lang="en-US" smtClean="0"/>
-              <a:t>10/8/13</a:t>
+              <a:t>10/10/13</a:t>
             </a:fld>
             <a:endParaRPr lang="en-US"/>
           </a:p>
@@ -2376,7 +2382,7 @@
           <a:p>
             <a:fld id="{70BA1CFD-BFF0-48BC-9BA5-4974D7A6AB15}" type="datetimeFigureOut">
               <a:rPr lang="en-US" smtClean="0"/>
-              <a:t>10/8/13</a:t>
+              <a:t>10/10/13</a:t>
             </a:fld>
             <a:endParaRPr lang="en-US"/>
           </a:p>
@@ -2713,7 +2719,7 @@
           <a:p>
             <a:fld id="{70BA1CFD-BFF0-48BC-9BA5-4974D7A6AB15}" type="datetimeFigureOut">
               <a:rPr lang="en-US" smtClean="0"/>
-              <a:t>10/8/13</a:t>
+              <a:t>10/10/13</a:t>
             </a:fld>
             <a:endParaRPr lang="en-US"/>
           </a:p>
@@ -3029,7 +3035,7 @@
           <a:p>
             <a:fld id="{70BA1CFD-BFF0-48BC-9BA5-4974D7A6AB15}" type="datetimeFigureOut">
               <a:rPr lang="en-US" smtClean="0"/>
-              <a:t>10/8/13</a:t>
+              <a:t>10/10/13</a:t>
             </a:fld>
             <a:endParaRPr lang="en-US"/>
           </a:p>
@@ -3275,7 +3281,7 @@
           <a:p>
             <a:fld id="{70BA1CFD-BFF0-48BC-9BA5-4974D7A6AB15}" type="datetimeFigureOut">
               <a:rPr lang="en-US" smtClean="0"/>
-              <a:t>10/8/13</a:t>
+              <a:t>10/10/13</a:t>
             </a:fld>
             <a:endParaRPr lang="en-US"/>
           </a:p>
@@ -3765,16 +3771,16 @@
           <a:p>
             <a:r>
               <a:rPr lang="zh-CN" altLang="en-US" dirty="0" smtClean="0">
-                <a:latin typeface="Hiragino Sans GB W3"/>
-                <a:ea typeface="Hiragino Sans GB W3"/>
-                <a:cs typeface="Hiragino Sans GB W3"/>
+                <a:latin typeface="华文细黑"/>
+                <a:ea typeface="华文细黑"/>
+                <a:cs typeface="华文细黑"/>
               </a:rPr>
               <a:t>商业计划</a:t>
             </a:r>
             <a:endParaRPr lang="en-US" dirty="0">
-              <a:latin typeface="Hiragino Sans GB W3"/>
-              <a:ea typeface="Hiragino Sans GB W3"/>
-              <a:cs typeface="Hiragino Sans GB W3"/>
+              <a:latin typeface="华文细黑"/>
+              <a:ea typeface="华文细黑"/>
+              <a:cs typeface="华文细黑"/>
             </a:endParaRPr>
           </a:p>
         </p:txBody>
@@ -3795,10 +3801,18 @@
           <a:lstStyle/>
           <a:p>
             <a:r>
-              <a:rPr lang="zh-CN" altLang="en-US" dirty="0" smtClean="0"/>
+              <a:rPr lang="zh-CN" altLang="en-US" dirty="0" smtClean="0">
+                <a:latin typeface="华文细黑"/>
+                <a:ea typeface="华文细黑"/>
+                <a:cs typeface="华文细黑"/>
+              </a:rPr>
               <a:t>两栖移动生态别墅</a:t>
             </a:r>
-            <a:endParaRPr lang="en-US" dirty="0"/>
+            <a:endParaRPr lang="en-US" dirty="0">
+              <a:latin typeface="华文细黑"/>
+              <a:ea typeface="华文细黑"/>
+              <a:cs typeface="华文细黑"/>
+            </a:endParaRPr>
           </a:p>
         </p:txBody>
       </p:sp>
@@ -3812,11 +3826,11 @@
   <p:clrMapOvr>
     <a:masterClrMapping/>
   </p:clrMapOvr>
-  <mc:AlternateContent xmlns:mc="http://schemas.openxmlformats.org/markup-compatibility/2006">
-    <mc:Choice xmlns:p14="http://schemas.microsoft.com/office/powerpoint/2010/main" Requires="p14">
+  <mc:AlternateContent xmlns:mc="http://schemas.openxmlformats.org/markup-compatibility/2006" xmlns:p14="http://schemas.microsoft.com/office/powerpoint/2010/main">
+    <mc:Choice Requires="p14">
       <p:transition spd="slow" p14:dur="2000"/>
     </mc:Choice>
-    <mc:Fallback>
+    <mc:Fallback xmlns="">
       <p:transition xmlns:p14="http://schemas.microsoft.com/office/powerpoint/2010/main" spd="slow"/>
     </mc:Fallback>
   </mc:AlternateContent>
@@ -3864,7 +3878,7 @@
           <a:p>
             <a:r>
               <a:rPr lang="zh-CN" altLang="en-US" dirty="0" smtClean="0"/>
-              <a:t>提供的价值</a:t>
+              <a:t>是什么？</a:t>
             </a:r>
             <a:endParaRPr lang="en-US" dirty="0"/>
           </a:p>
@@ -3880,43 +3894,171 @@
             <p:ph idx="1"/>
           </p:nvPr>
         </p:nvSpPr>
-        <p:spPr/>
-        <p:txBody>
-          <a:bodyPr/>
-          <a:lstStyle/>
-          <a:p>
-            <a:r>
-              <a:rPr lang="zh-CN" altLang="en-US" dirty="0" smtClean="0"/>
-              <a:t>舒适宜人的生活空间</a:t>
-            </a:r>
-            <a:endParaRPr lang="en-US" altLang="zh-CN" dirty="0" smtClean="0"/>
-          </a:p>
-          <a:p>
-            <a:r>
-              <a:rPr lang="zh-CN" altLang="en-US" dirty="0" smtClean="0"/>
-              <a:t>可以移动的生活空间</a:t>
-            </a:r>
-            <a:endParaRPr lang="en-US" altLang="zh-CN" dirty="0" smtClean="0"/>
-          </a:p>
-          <a:p>
-            <a:r>
-              <a:rPr lang="zh-CN" altLang="en-US" dirty="0" smtClean="0"/>
-              <a:t>生态自足的生活空间</a:t>
-            </a:r>
-            <a:endParaRPr lang="en-US" altLang="zh-CN" dirty="0" smtClean="0"/>
-          </a:p>
-          <a:p>
-            <a:r>
-              <a:rPr lang="zh-CN" altLang="en-US" dirty="0" smtClean="0"/>
-              <a:t>一种新的生活方式</a:t>
-            </a:r>
-            <a:endParaRPr lang="en-US" altLang="zh-CN" dirty="0" smtClean="0"/>
-          </a:p>
-          <a:p>
-            <a:endParaRPr lang="en-US" altLang="zh-CN" dirty="0" smtClean="0"/>
-          </a:p>
-          <a:p>
-            <a:endParaRPr lang="en-US" dirty="0"/>
+        <p:spPr>
+          <a:xfrm>
+            <a:off x="779462" y="1882588"/>
+            <a:ext cx="7581901" cy="3085994"/>
+          </a:xfrm>
+        </p:spPr>
+        <p:txBody>
+          <a:bodyPr>
+            <a:noAutofit/>
+          </a:bodyPr>
+          <a:lstStyle/>
+          <a:p>
+            <a:r>
+              <a:rPr lang="zh-CN" altLang="en-US" dirty="0" smtClean="0">
+                <a:latin typeface="华文细黑"/>
+                <a:ea typeface="华文细黑"/>
+                <a:cs typeface="华文细黑"/>
+              </a:rPr>
+              <a:t>可在海洋和陆地环境中移动的生态别墅</a:t>
+            </a:r>
+            <a:endParaRPr lang="en-US" altLang="zh-CN" dirty="0" smtClean="0">
+              <a:latin typeface="华文细黑"/>
+              <a:ea typeface="华文细黑"/>
+              <a:cs typeface="华文细黑"/>
+            </a:endParaRPr>
+          </a:p>
+          <a:p>
+            <a:r>
+              <a:rPr lang="zh-CN" altLang="en-US" dirty="0" smtClean="0">
+                <a:latin typeface="华文细黑"/>
+                <a:ea typeface="华文细黑"/>
+                <a:cs typeface="华文细黑"/>
+              </a:rPr>
+              <a:t>别墅</a:t>
+            </a:r>
+            <a:r>
+              <a:rPr lang="en-US" altLang="zh-CN" dirty="0" smtClean="0">
+                <a:latin typeface="华文细黑"/>
+                <a:ea typeface="华文细黑"/>
+                <a:cs typeface="华文细黑"/>
+              </a:rPr>
+              <a:t>   </a:t>
+            </a:r>
+            <a:r>
+              <a:rPr lang="zh-CN" altLang="en-US" dirty="0" smtClean="0">
+                <a:latin typeface="华文细黑"/>
+                <a:ea typeface="华文细黑"/>
+                <a:cs typeface="华文细黑"/>
+              </a:rPr>
+              <a:t>居住空间</a:t>
+            </a:r>
+            <a:endParaRPr lang="en-US" altLang="zh-CN" dirty="0" smtClean="0">
+              <a:latin typeface="华文细黑"/>
+              <a:ea typeface="华文细黑"/>
+              <a:cs typeface="华文细黑"/>
+            </a:endParaRPr>
+          </a:p>
+          <a:p>
+            <a:r>
+              <a:rPr lang="zh-CN" altLang="en-US" dirty="0" smtClean="0">
+                <a:latin typeface="华文细黑"/>
+                <a:ea typeface="华文细黑"/>
+                <a:cs typeface="华文细黑"/>
+              </a:rPr>
+              <a:t>生态别墅</a:t>
+            </a:r>
+            <a:r>
+              <a:rPr lang="en-US" altLang="zh-CN" dirty="0" smtClean="0">
+                <a:latin typeface="华文细黑"/>
+                <a:ea typeface="华文细黑"/>
+                <a:cs typeface="华文细黑"/>
+              </a:rPr>
+              <a:t>   </a:t>
+            </a:r>
+            <a:r>
+              <a:rPr lang="zh-CN" altLang="en-US" dirty="0" smtClean="0">
+                <a:latin typeface="华文细黑"/>
+                <a:ea typeface="华文细黑"/>
+                <a:cs typeface="华文细黑"/>
+              </a:rPr>
+              <a:t>生活空间，自足可持续的微生态空间</a:t>
+            </a:r>
+            <a:endParaRPr lang="en-US" altLang="zh-CN" dirty="0" smtClean="0">
+              <a:latin typeface="华文细黑"/>
+              <a:ea typeface="华文细黑"/>
+              <a:cs typeface="华文细黑"/>
+            </a:endParaRPr>
+          </a:p>
+          <a:p>
+            <a:r>
+              <a:rPr lang="zh-CN" altLang="en-US" dirty="0" smtClean="0">
+                <a:latin typeface="华文细黑"/>
+                <a:ea typeface="华文细黑"/>
+                <a:cs typeface="华文细黑"/>
+              </a:rPr>
+              <a:t>移动</a:t>
+            </a:r>
+            <a:r>
+              <a:rPr lang="en-US" altLang="zh-CN" dirty="0" smtClean="0">
+                <a:latin typeface="华文细黑"/>
+                <a:ea typeface="华文细黑"/>
+                <a:cs typeface="华文细黑"/>
+              </a:rPr>
+              <a:t>   </a:t>
+            </a:r>
+            <a:r>
+              <a:rPr lang="zh-CN" altLang="en-US" dirty="0" smtClean="0">
+                <a:latin typeface="华文细黑"/>
+                <a:ea typeface="华文细黑"/>
+                <a:cs typeface="华文细黑"/>
+              </a:rPr>
+              <a:t>可以自主改变位置</a:t>
+            </a:r>
+            <a:endParaRPr lang="en-US" altLang="zh-CN" dirty="0" smtClean="0">
+              <a:latin typeface="华文细黑"/>
+              <a:ea typeface="华文细黑"/>
+              <a:cs typeface="华文细黑"/>
+            </a:endParaRPr>
+          </a:p>
+          <a:p>
+            <a:r>
+              <a:rPr lang="zh-CN" altLang="en-US" dirty="0" smtClean="0">
+                <a:latin typeface="华文细黑"/>
+                <a:ea typeface="华文细黑"/>
+                <a:cs typeface="华文细黑"/>
+              </a:rPr>
+              <a:t>两栖</a:t>
+            </a:r>
+            <a:r>
+              <a:rPr lang="en-US" altLang="zh-CN" dirty="0" smtClean="0">
+                <a:latin typeface="华文细黑"/>
+                <a:ea typeface="华文细黑"/>
+                <a:cs typeface="华文细黑"/>
+              </a:rPr>
+              <a:t>   </a:t>
+            </a:r>
+            <a:r>
+              <a:rPr lang="zh-CN" altLang="en-US" dirty="0" smtClean="0">
+                <a:latin typeface="华文细黑"/>
+                <a:ea typeface="华文细黑"/>
+                <a:cs typeface="华文细黑"/>
+              </a:rPr>
+              <a:t>运动的范围包括海洋湖泊</a:t>
+            </a:r>
+            <a:r>
+              <a:rPr lang="en-US" altLang="zh-CN" dirty="0" smtClean="0">
+                <a:latin typeface="华文细黑"/>
+                <a:ea typeface="华文细黑"/>
+                <a:cs typeface="华文细黑"/>
+              </a:rPr>
+              <a:t>  </a:t>
+            </a:r>
+            <a:r>
+              <a:rPr lang="zh-CN" altLang="en-US" dirty="0" smtClean="0">
+                <a:latin typeface="华文细黑"/>
+                <a:ea typeface="华文细黑"/>
+                <a:cs typeface="华文细黑"/>
+              </a:rPr>
+              <a:t>陆地</a:t>
+            </a:r>
+            <a:endParaRPr lang="en-US" dirty="0">
+              <a:latin typeface="华文细黑"/>
+              <a:ea typeface="华文细黑"/>
+              <a:cs typeface="华文细黑"/>
+            </a:endParaRPr>
           </a:p>
         </p:txBody>
       </p:sp>
@@ -3930,10 +4072,631 @@
   <p:clrMapOvr>
     <a:masterClrMapping/>
   </p:clrMapOvr>
+  <mc:AlternateContent xmlns:mc="http://schemas.openxmlformats.org/markup-compatibility/2006" xmlns:p14="http://schemas.microsoft.com/office/powerpoint/2010/main">
+    <mc:Choice Requires="p14">
+      <p:transition spd="slow" p14:dur="2000">
+        <p14:prism isContent="1"/>
+      </p:transition>
+    </mc:Choice>
+    <mc:Fallback xmlns="">
+      <p:transition xmlns:p14="http://schemas.microsoft.com/office/powerpoint/2010/main" spd="slow">
+        <p:fade/>
+      </p:transition>
+    </mc:Fallback>
+  </mc:AlternateContent>
+  <p:timing>
+    <p:tnLst>
+      <p:par>
+        <p:cTn xmlns:p14="http://schemas.microsoft.com/office/powerpoint/2010/main" id="1" dur="indefinite" restart="never" nodeType="tmRoot">
+          <p:childTnLst>
+            <p:seq concurrent="1" nextAc="seek">
+              <p:cTn id="2" dur="indefinite" nodeType="mainSeq">
+                <p:childTnLst>
+                  <p:par>
+                    <p:cTn id="3" fill="hold">
+                      <p:stCondLst>
+                        <p:cond delay="indefinite"/>
+                      </p:stCondLst>
+                      <p:childTnLst>
+                        <p:par>
+                          <p:cTn id="4" fill="hold">
+                            <p:stCondLst>
+                              <p:cond delay="0"/>
+                            </p:stCondLst>
+                            <p:childTnLst>
+                              <p:par>
+                                <p:cTn id="5" presetID="1" presetClass="entr" presetSubtype="0" fill="hold" nodeType="clickEffect">
+                                  <p:stCondLst>
+                                    <p:cond delay="0"/>
+                                  </p:stCondLst>
+                                  <p:childTnLst>
+                                    <p:set>
+                                      <p:cBhvr>
+                                        <p:cTn id="6" dur="1" fill="hold">
+                                          <p:stCondLst>
+                                            <p:cond delay="0"/>
+                                          </p:stCondLst>
+                                        </p:cTn>
+                                        <p:tgtEl>
+                                          <p:spTgt spid="3">
+                                            <p:txEl>
+                                              <p:pRg st="0" end="0"/>
+                                            </p:txEl>
+                                          </p:spTgt>
+                                        </p:tgtEl>
+                                        <p:attrNameLst>
+                                          <p:attrName>style.visibility</p:attrName>
+                                        </p:attrNameLst>
+                                      </p:cBhvr>
+                                      <p:to>
+                                        <p:strVal val="visible"/>
+                                      </p:to>
+                                    </p:set>
+                                  </p:childTnLst>
+                                </p:cTn>
+                              </p:par>
+                            </p:childTnLst>
+                          </p:cTn>
+                        </p:par>
+                      </p:childTnLst>
+                    </p:cTn>
+                  </p:par>
+                  <p:par>
+                    <p:cTn id="7" fill="hold">
+                      <p:stCondLst>
+                        <p:cond delay="indefinite"/>
+                      </p:stCondLst>
+                      <p:childTnLst>
+                        <p:par>
+                          <p:cTn id="8" fill="hold">
+                            <p:stCondLst>
+                              <p:cond delay="0"/>
+                            </p:stCondLst>
+                            <p:childTnLst>
+                              <p:par>
+                                <p:cTn id="9" presetID="12" presetClass="entr" presetSubtype="4" fill="hold" nodeType="clickEffect">
+                                  <p:stCondLst>
+                                    <p:cond delay="0"/>
+                                  </p:stCondLst>
+                                  <p:childTnLst>
+                                    <p:set>
+                                      <p:cBhvr>
+                                        <p:cTn id="10" dur="1" fill="hold">
+                                          <p:stCondLst>
+                                            <p:cond delay="0"/>
+                                          </p:stCondLst>
+                                        </p:cTn>
+                                        <p:tgtEl>
+                                          <p:spTgt spid="3">
+                                            <p:txEl>
+                                              <p:pRg st="1" end="1"/>
+                                            </p:txEl>
+                                          </p:spTgt>
+                                        </p:tgtEl>
+                                        <p:attrNameLst>
+                                          <p:attrName>style.visibility</p:attrName>
+                                        </p:attrNameLst>
+                                      </p:cBhvr>
+                                      <p:to>
+                                        <p:strVal val="visible"/>
+                                      </p:to>
+                                    </p:set>
+                                    <p:anim calcmode="lin" valueType="num">
+                                      <p:cBhvr additive="base">
+                                        <p:cTn id="11" dur="500"/>
+                                        <p:tgtEl>
+                                          <p:spTgt spid="3">
+                                            <p:txEl>
+                                              <p:pRg st="1" end="1"/>
+                                            </p:txEl>
+                                          </p:spTgt>
+                                        </p:tgtEl>
+                                        <p:attrNameLst>
+                                          <p:attrName>ppt_y</p:attrName>
+                                        </p:attrNameLst>
+                                      </p:cBhvr>
+                                      <p:tavLst>
+                                        <p:tav tm="0">
+                                          <p:val>
+                                            <p:strVal val="#ppt_y+#ppt_h*1.125000"/>
+                                          </p:val>
+                                        </p:tav>
+                                        <p:tav tm="100000">
+                                          <p:val>
+                                            <p:strVal val="#ppt_y"/>
+                                          </p:val>
+                                        </p:tav>
+                                      </p:tavLst>
+                                    </p:anim>
+                                    <p:animEffect transition="in" filter="wipe(up)">
+                                      <p:cBhvr>
+                                        <p:cTn id="12" dur="500"/>
+                                        <p:tgtEl>
+                                          <p:spTgt spid="3">
+                                            <p:txEl>
+                                              <p:pRg st="1" end="1"/>
+                                            </p:txEl>
+                                          </p:spTgt>
+                                        </p:tgtEl>
+                                      </p:cBhvr>
+                                    </p:animEffect>
+                                  </p:childTnLst>
+                                </p:cTn>
+                              </p:par>
+                            </p:childTnLst>
+                          </p:cTn>
+                        </p:par>
+                      </p:childTnLst>
+                    </p:cTn>
+                  </p:par>
+                  <p:par>
+                    <p:cTn id="13" fill="hold">
+                      <p:stCondLst>
+                        <p:cond delay="indefinite"/>
+                      </p:stCondLst>
+                      <p:childTnLst>
+                        <p:par>
+                          <p:cTn id="14" fill="hold">
+                            <p:stCondLst>
+                              <p:cond delay="0"/>
+                            </p:stCondLst>
+                            <p:childTnLst>
+                              <p:par>
+                                <p:cTn id="15" presetID="2" presetClass="entr" presetSubtype="4" fill="hold" nodeType="clickEffect">
+                                  <p:stCondLst>
+                                    <p:cond delay="0"/>
+                                  </p:stCondLst>
+                                  <p:childTnLst>
+                                    <p:set>
+                                      <p:cBhvr>
+                                        <p:cTn id="16" dur="1" fill="hold">
+                                          <p:stCondLst>
+                                            <p:cond delay="0"/>
+                                          </p:stCondLst>
+                                        </p:cTn>
+                                        <p:tgtEl>
+                                          <p:spTgt spid="3">
+                                            <p:txEl>
+                                              <p:pRg st="2" end="2"/>
+                                            </p:txEl>
+                                          </p:spTgt>
+                                        </p:tgtEl>
+                                        <p:attrNameLst>
+                                          <p:attrName>style.visibility</p:attrName>
+                                        </p:attrNameLst>
+                                      </p:cBhvr>
+                                      <p:to>
+                                        <p:strVal val="visible"/>
+                                      </p:to>
+                                    </p:set>
+                                    <p:anim calcmode="lin" valueType="num">
+                                      <p:cBhvr additive="base">
+                                        <p:cTn id="17" dur="500" fill="hold"/>
+                                        <p:tgtEl>
+                                          <p:spTgt spid="3">
+                                            <p:txEl>
+                                              <p:pRg st="2" end="2"/>
+                                            </p:txEl>
+                                          </p:spTgt>
+                                        </p:tgtEl>
+                                        <p:attrNameLst>
+                                          <p:attrName>ppt_x</p:attrName>
+                                        </p:attrNameLst>
+                                      </p:cBhvr>
+                                      <p:tavLst>
+                                        <p:tav tm="0">
+                                          <p:val>
+                                            <p:strVal val="#ppt_x"/>
+                                          </p:val>
+                                        </p:tav>
+                                        <p:tav tm="100000">
+                                          <p:val>
+                                            <p:strVal val="#ppt_x"/>
+                                          </p:val>
+                                        </p:tav>
+                                      </p:tavLst>
+                                    </p:anim>
+                                    <p:anim calcmode="lin" valueType="num">
+                                      <p:cBhvr additive="base">
+                                        <p:cTn id="18" dur="500" fill="hold"/>
+                                        <p:tgtEl>
+                                          <p:spTgt spid="3">
+                                            <p:txEl>
+                                              <p:pRg st="2" end="2"/>
+                                            </p:txEl>
+                                          </p:spTgt>
+                                        </p:tgtEl>
+                                        <p:attrNameLst>
+                                          <p:attrName>ppt_y</p:attrName>
+                                        </p:attrNameLst>
+                                      </p:cBhvr>
+                                      <p:tavLst>
+                                        <p:tav tm="0">
+                                          <p:val>
+                                            <p:strVal val="1+#ppt_h/2"/>
+                                          </p:val>
+                                        </p:tav>
+                                        <p:tav tm="100000">
+                                          <p:val>
+                                            <p:strVal val="#ppt_y"/>
+                                          </p:val>
+                                        </p:tav>
+                                      </p:tavLst>
+                                    </p:anim>
+                                  </p:childTnLst>
+                                </p:cTn>
+                              </p:par>
+                            </p:childTnLst>
+                          </p:cTn>
+                        </p:par>
+                      </p:childTnLst>
+                    </p:cTn>
+                  </p:par>
+                  <p:par>
+                    <p:cTn id="19" fill="hold">
+                      <p:stCondLst>
+                        <p:cond delay="indefinite"/>
+                      </p:stCondLst>
+                      <p:childTnLst>
+                        <p:par>
+                          <p:cTn id="20" fill="hold">
+                            <p:stCondLst>
+                              <p:cond delay="0"/>
+                            </p:stCondLst>
+                            <p:childTnLst>
+                              <p:par>
+                                <p:cTn id="21" presetID="2" presetClass="entr" presetSubtype="4" fill="hold" nodeType="clickEffect">
+                                  <p:stCondLst>
+                                    <p:cond delay="0"/>
+                                  </p:stCondLst>
+                                  <p:childTnLst>
+                                    <p:set>
+                                      <p:cBhvr>
+                                        <p:cTn id="22" dur="1" fill="hold">
+                                          <p:stCondLst>
+                                            <p:cond delay="0"/>
+                                          </p:stCondLst>
+                                        </p:cTn>
+                                        <p:tgtEl>
+                                          <p:spTgt spid="3">
+                                            <p:txEl>
+                                              <p:pRg st="3" end="3"/>
+                                            </p:txEl>
+                                          </p:spTgt>
+                                        </p:tgtEl>
+                                        <p:attrNameLst>
+                                          <p:attrName>style.visibility</p:attrName>
+                                        </p:attrNameLst>
+                                      </p:cBhvr>
+                                      <p:to>
+                                        <p:strVal val="visible"/>
+                                      </p:to>
+                                    </p:set>
+                                    <p:anim calcmode="lin" valueType="num">
+                                      <p:cBhvr additive="base">
+                                        <p:cTn id="23" dur="500" fill="hold"/>
+                                        <p:tgtEl>
+                                          <p:spTgt spid="3">
+                                            <p:txEl>
+                                              <p:pRg st="3" end="3"/>
+                                            </p:txEl>
+                                          </p:spTgt>
+                                        </p:tgtEl>
+                                        <p:attrNameLst>
+                                          <p:attrName>ppt_x</p:attrName>
+                                        </p:attrNameLst>
+                                      </p:cBhvr>
+                                      <p:tavLst>
+                                        <p:tav tm="0">
+                                          <p:val>
+                                            <p:strVal val="#ppt_x"/>
+                                          </p:val>
+                                        </p:tav>
+                                        <p:tav tm="100000">
+                                          <p:val>
+                                            <p:strVal val="#ppt_x"/>
+                                          </p:val>
+                                        </p:tav>
+                                      </p:tavLst>
+                                    </p:anim>
+                                    <p:anim calcmode="lin" valueType="num">
+                                      <p:cBhvr additive="base">
+                                        <p:cTn id="24" dur="500" fill="hold"/>
+                                        <p:tgtEl>
+                                          <p:spTgt spid="3">
+                                            <p:txEl>
+                                              <p:pRg st="3" end="3"/>
+                                            </p:txEl>
+                                          </p:spTgt>
+                                        </p:tgtEl>
+                                        <p:attrNameLst>
+                                          <p:attrName>ppt_y</p:attrName>
+                                        </p:attrNameLst>
+                                      </p:cBhvr>
+                                      <p:tavLst>
+                                        <p:tav tm="0">
+                                          <p:val>
+                                            <p:strVal val="1+#ppt_h/2"/>
+                                          </p:val>
+                                        </p:tav>
+                                        <p:tav tm="100000">
+                                          <p:val>
+                                            <p:strVal val="#ppt_y"/>
+                                          </p:val>
+                                        </p:tav>
+                                      </p:tavLst>
+                                    </p:anim>
+                                  </p:childTnLst>
+                                </p:cTn>
+                              </p:par>
+                            </p:childTnLst>
+                          </p:cTn>
+                        </p:par>
+                      </p:childTnLst>
+                    </p:cTn>
+                  </p:par>
+                  <p:par>
+                    <p:cTn id="25" fill="hold">
+                      <p:stCondLst>
+                        <p:cond delay="indefinite"/>
+                      </p:stCondLst>
+                      <p:childTnLst>
+                        <p:par>
+                          <p:cTn id="26" fill="hold">
+                            <p:stCondLst>
+                              <p:cond delay="0"/>
+                            </p:stCondLst>
+                            <p:childTnLst>
+                              <p:par>
+                                <p:cTn id="27" presetID="2" presetClass="entr" presetSubtype="4" fill="hold" nodeType="clickEffect">
+                                  <p:stCondLst>
+                                    <p:cond delay="0"/>
+                                  </p:stCondLst>
+                                  <p:childTnLst>
+                                    <p:set>
+                                      <p:cBhvr>
+                                        <p:cTn id="28" dur="1" fill="hold">
+                                          <p:stCondLst>
+                                            <p:cond delay="0"/>
+                                          </p:stCondLst>
+                                        </p:cTn>
+                                        <p:tgtEl>
+                                          <p:spTgt spid="3">
+                                            <p:txEl>
+                                              <p:pRg st="4" end="4"/>
+                                            </p:txEl>
+                                          </p:spTgt>
+                                        </p:tgtEl>
+                                        <p:attrNameLst>
+                                          <p:attrName>style.visibility</p:attrName>
+                                        </p:attrNameLst>
+                                      </p:cBhvr>
+                                      <p:to>
+                                        <p:strVal val="visible"/>
+                                      </p:to>
+                                    </p:set>
+                                    <p:anim calcmode="lin" valueType="num">
+                                      <p:cBhvr additive="base">
+                                        <p:cTn id="29" dur="500" fill="hold"/>
+                                        <p:tgtEl>
+                                          <p:spTgt spid="3">
+                                            <p:txEl>
+                                              <p:pRg st="4" end="4"/>
+                                            </p:txEl>
+                                          </p:spTgt>
+                                        </p:tgtEl>
+                                        <p:attrNameLst>
+                                          <p:attrName>ppt_x</p:attrName>
+                                        </p:attrNameLst>
+                                      </p:cBhvr>
+                                      <p:tavLst>
+                                        <p:tav tm="0">
+                                          <p:val>
+                                            <p:strVal val="#ppt_x"/>
+                                          </p:val>
+                                        </p:tav>
+                                        <p:tav tm="100000">
+                                          <p:val>
+                                            <p:strVal val="#ppt_x"/>
+                                          </p:val>
+                                        </p:tav>
+                                      </p:tavLst>
+                                    </p:anim>
+                                    <p:anim calcmode="lin" valueType="num">
+                                      <p:cBhvr additive="base">
+                                        <p:cTn id="30" dur="500" fill="hold"/>
+                                        <p:tgtEl>
+                                          <p:spTgt spid="3">
+                                            <p:txEl>
+                                              <p:pRg st="4" end="4"/>
+                                            </p:txEl>
+                                          </p:spTgt>
+                                        </p:tgtEl>
+                                        <p:attrNameLst>
+                                          <p:attrName>ppt_y</p:attrName>
+                                        </p:attrNameLst>
+                                      </p:cBhvr>
+                                      <p:tavLst>
+                                        <p:tav tm="0">
+                                          <p:val>
+                                            <p:strVal val="1+#ppt_h/2"/>
+                                          </p:val>
+                                        </p:tav>
+                                        <p:tav tm="100000">
+                                          <p:val>
+                                            <p:strVal val="#ppt_y"/>
+                                          </p:val>
+                                        </p:tav>
+                                      </p:tavLst>
+                                    </p:anim>
+                                  </p:childTnLst>
+                                </p:cTn>
+                              </p:par>
+                            </p:childTnLst>
+                          </p:cTn>
+                        </p:par>
+                      </p:childTnLst>
+                    </p:cTn>
+                  </p:par>
+                </p:childTnLst>
+              </p:cTn>
+              <p:prevCondLst>
+                <p:cond evt="onPrev" delay="0">
+                  <p:tgtEl>
+                    <p:sldTgt/>
+                  </p:tgtEl>
+                </p:cond>
+              </p:prevCondLst>
+              <p:nextCondLst>
+                <p:cond evt="onNext" delay="0">
+                  <p:tgtEl>
+                    <p:sldTgt/>
+                  </p:tgtEl>
+                </p:cond>
+              </p:nextCondLst>
+            </p:seq>
+          </p:childTnLst>
+        </p:cTn>
+      </p:par>
+    </p:tnLst>
+  </p:timing>
+</p:sld>
+</file>
+
+<file path=ppt/slides/slide3.xml><?xml version="1.0" encoding="utf-8"?>
+<p:sld xmlns:a="http://schemas.openxmlformats.org/drawingml/2006/main" xmlns:r="http://schemas.openxmlformats.org/officeDocument/2006/relationships" xmlns:p="http://schemas.openxmlformats.org/presentationml/2006/main">
+  <p:cSld>
+    <p:spTree>
+      <p:nvGrpSpPr>
+        <p:cNvPr id="1" name=""/>
+        <p:cNvGrpSpPr/>
+        <p:nvPr/>
+      </p:nvGrpSpPr>
+      <p:grpSpPr>
+        <a:xfrm>
+          <a:off x="0" y="0"/>
+          <a:ext cx="0" cy="0"/>
+          <a:chOff x="0" y="0"/>
+          <a:chExt cx="0" cy="0"/>
+        </a:xfrm>
+      </p:grpSpPr>
+      <p:sp>
+        <p:nvSpPr>
+          <p:cNvPr id="2" name="Title 1"/>
+          <p:cNvSpPr>
+            <a:spLocks noGrp="1"/>
+          </p:cNvSpPr>
+          <p:nvPr>
+            <p:ph type="title"/>
+          </p:nvPr>
+        </p:nvSpPr>
+        <p:spPr/>
+        <p:txBody>
+          <a:bodyPr/>
+          <a:lstStyle/>
+          <a:p>
+            <a:r>
+              <a:rPr lang="en-US" altLang="zh-CN" dirty="0" smtClean="0">
+                <a:latin typeface="华文细黑"/>
+                <a:ea typeface="华文细黑"/>
+                <a:cs typeface="华文细黑"/>
+              </a:rPr>
+              <a:t>VISION</a:t>
+            </a:r>
+            <a:endParaRPr lang="en-US" dirty="0">
+              <a:latin typeface="华文细黑"/>
+              <a:ea typeface="华文细黑"/>
+              <a:cs typeface="华文细黑"/>
+            </a:endParaRPr>
+          </a:p>
+        </p:txBody>
+      </p:sp>
+      <p:pic>
+        <p:nvPicPr>
+          <p:cNvPr id="4" name="Content Placeholder 3" descr="ball1.jpg"/>
+          <p:cNvPicPr>
+            <a:picLocks noGrp="1" noChangeAspect="1"/>
+          </p:cNvPicPr>
+          <p:nvPr>
+            <p:ph idx="1"/>
+          </p:nvPr>
+        </p:nvPicPr>
+        <p:blipFill rotWithShape="1">
+          <a:blip r:embed="rId2" cstate="print">
+            <a:extLst>
+              <a:ext uri="{28A0092B-C50C-407E-A947-70E740481C1C}">
+                <a14:useLocalDpi xmlns:a14="http://schemas.microsoft.com/office/drawing/2010/main" val="0"/>
+              </a:ext>
+            </a:extLst>
+          </a:blip>
+          <a:srcRect l="1164" t="13940" r="2138" b="34007"/>
+          <a:stretch/>
+        </p:blipFill>
+        <p:spPr>
+          <a:xfrm>
+            <a:off x="1029734" y="2157574"/>
+            <a:ext cx="7331629" cy="3156221"/>
+          </a:xfrm>
+          <a:prstGeom prst="rect">
+            <a:avLst/>
+          </a:prstGeom>
+          <a:ln>
+            <a:noFill/>
+          </a:ln>
+          <a:effectLst>
+            <a:softEdge rad="112500"/>
+          </a:effectLst>
+        </p:spPr>
+      </p:pic>
+      <p:pic>
+        <p:nvPicPr>
+          <p:cNvPr id="5" name="Picture 4" descr="ball-house.png"/>
+          <p:cNvPicPr>
+            <a:picLocks noChangeAspect="1"/>
+          </p:cNvPicPr>
+          <p:nvPr/>
+        </p:nvPicPr>
+        <p:blipFill rotWithShape="1">
+          <a:blip r:embed="rId3">
+            <a:extLst>
+              <a:ext uri="{28A0092B-C50C-407E-A947-70E740481C1C}">
+                <a14:useLocalDpi xmlns:a14="http://schemas.microsoft.com/office/drawing/2010/main" val="0"/>
+              </a:ext>
+            </a:extLst>
+          </a:blip>
+          <a:srcRect b="3647"/>
+          <a:stretch/>
+        </p:blipFill>
+        <p:spPr>
+          <a:xfrm>
+            <a:off x="1220639" y="1540839"/>
+            <a:ext cx="6744336" cy="4873752"/>
+          </a:xfrm>
+          <a:prstGeom prst="rect">
+            <a:avLst/>
+          </a:prstGeom>
+          <a:ln>
+            <a:noFill/>
+          </a:ln>
+          <a:effectLst>
+            <a:softEdge rad="112500"/>
+          </a:effectLst>
+        </p:spPr>
+      </p:pic>
+    </p:spTree>
+    <p:extLst>
+      <p:ext uri="{BB962C8B-B14F-4D97-AF65-F5344CB8AC3E}">
+        <p14:creationId xmlns:p14="http://schemas.microsoft.com/office/powerpoint/2010/main" val="2449091067"/>
+      </p:ext>
+    </p:extLst>
+  </p:cSld>
+  <p:clrMapOvr>
+    <a:masterClrMapping/>
+  </p:clrMapOvr>
   <mc:AlternateContent xmlns:mc="http://schemas.openxmlformats.org/markup-compatibility/2006">
     <mc:Choice xmlns:p14="http://schemas.microsoft.com/office/powerpoint/2010/main" Requires="p14">
-      <p:transition spd="slow" p14:dur="2000">
-        <p14:prism isContent="1"/>
+      <p:transition spd="slow" p14:dur="1400">
+        <p14:ripple/>
       </p:transition>
     </mc:Choice>
     <mc:Fallback>
@@ -3945,10 +4708,756 @@
   <p:timing>
     <p:tnLst>
       <p:par>
+        <p:cTn xmlns:p14="http://schemas.microsoft.com/office/powerpoint/2010/main" id="1" dur="indefinite" restart="never" nodeType="tmRoot">
+          <p:childTnLst>
+            <p:seq concurrent="1" nextAc="seek">
+              <p:cTn id="2" dur="indefinite" nodeType="mainSeq">
+                <p:childTnLst>
+                  <p:par>
+                    <p:cTn id="3" fill="hold">
+                      <p:stCondLst>
+                        <p:cond delay="indefinite"/>
+                      </p:stCondLst>
+                      <p:childTnLst>
+                        <p:par>
+                          <p:cTn id="4" fill="hold">
+                            <p:stCondLst>
+                              <p:cond delay="0"/>
+                            </p:stCondLst>
+                            <p:childTnLst>
+                              <p:par>
+                                <p:cTn id="5" presetID="22" presetClass="entr" presetSubtype="2" fill="hold" nodeType="clickEffect">
+                                  <p:stCondLst>
+                                    <p:cond delay="0"/>
+                                  </p:stCondLst>
+                                  <p:childTnLst>
+                                    <p:set>
+                                      <p:cBhvr>
+                                        <p:cTn id="6" dur="1" fill="hold">
+                                          <p:stCondLst>
+                                            <p:cond delay="0"/>
+                                          </p:stCondLst>
+                                        </p:cTn>
+                                        <p:tgtEl>
+                                          <p:spTgt spid="4"/>
+                                        </p:tgtEl>
+                                        <p:attrNameLst>
+                                          <p:attrName>style.visibility</p:attrName>
+                                        </p:attrNameLst>
+                                      </p:cBhvr>
+                                      <p:to>
+                                        <p:strVal val="visible"/>
+                                      </p:to>
+                                    </p:set>
+                                    <p:animEffect transition="in" filter="wipe(right)">
+                                      <p:cBhvr>
+                                        <p:cTn id="7" dur="3500"/>
+                                        <p:tgtEl>
+                                          <p:spTgt spid="4"/>
+                                        </p:tgtEl>
+                                      </p:cBhvr>
+                                    </p:animEffect>
+                                  </p:childTnLst>
+                                </p:cTn>
+                              </p:par>
+                            </p:childTnLst>
+                          </p:cTn>
+                        </p:par>
+                      </p:childTnLst>
+                    </p:cTn>
+                  </p:par>
+                  <p:par>
+                    <p:cTn id="8" fill="hold">
+                      <p:stCondLst>
+                        <p:cond delay="indefinite"/>
+                      </p:stCondLst>
+                      <p:childTnLst>
+                        <p:par>
+                          <p:cTn id="9" fill="hold">
+                            <p:stCondLst>
+                              <p:cond delay="0"/>
+                            </p:stCondLst>
+                            <p:childTnLst>
+                              <p:par>
+                                <p:cTn id="10" presetID="53" presetClass="exit" presetSubtype="32" fill="hold" nodeType="clickEffect">
+                                  <p:stCondLst>
+                                    <p:cond delay="0"/>
+                                  </p:stCondLst>
+                                  <p:childTnLst>
+                                    <p:anim calcmode="lin" valueType="num">
+                                      <p:cBhvr>
+                                        <p:cTn id="11" dur="2000"/>
+                                        <p:tgtEl>
+                                          <p:spTgt spid="4"/>
+                                        </p:tgtEl>
+                                        <p:attrNameLst>
+                                          <p:attrName>ppt_w</p:attrName>
+                                        </p:attrNameLst>
+                                      </p:cBhvr>
+                                      <p:tavLst>
+                                        <p:tav tm="0">
+                                          <p:val>
+                                            <p:strVal val="ppt_w"/>
+                                          </p:val>
+                                        </p:tav>
+                                        <p:tav tm="100000">
+                                          <p:val>
+                                            <p:fltVal val="0"/>
+                                          </p:val>
+                                        </p:tav>
+                                      </p:tavLst>
+                                    </p:anim>
+                                    <p:anim calcmode="lin" valueType="num">
+                                      <p:cBhvr>
+                                        <p:cTn id="12" dur="2000"/>
+                                        <p:tgtEl>
+                                          <p:spTgt spid="4"/>
+                                        </p:tgtEl>
+                                        <p:attrNameLst>
+                                          <p:attrName>ppt_h</p:attrName>
+                                        </p:attrNameLst>
+                                      </p:cBhvr>
+                                      <p:tavLst>
+                                        <p:tav tm="0">
+                                          <p:val>
+                                            <p:strVal val="ppt_h"/>
+                                          </p:val>
+                                        </p:tav>
+                                        <p:tav tm="100000">
+                                          <p:val>
+                                            <p:fltVal val="0"/>
+                                          </p:val>
+                                        </p:tav>
+                                      </p:tavLst>
+                                    </p:anim>
+                                    <p:animEffect transition="out" filter="fade">
+                                      <p:cBhvr>
+                                        <p:cTn id="13" dur="2000"/>
+                                        <p:tgtEl>
+                                          <p:spTgt spid="4"/>
+                                        </p:tgtEl>
+                                      </p:cBhvr>
+                                    </p:animEffect>
+                                    <p:set>
+                                      <p:cBhvr>
+                                        <p:cTn id="14" dur="1" fill="hold">
+                                          <p:stCondLst>
+                                            <p:cond delay="1999"/>
+                                          </p:stCondLst>
+                                        </p:cTn>
+                                        <p:tgtEl>
+                                          <p:spTgt spid="4"/>
+                                        </p:tgtEl>
+                                        <p:attrNameLst>
+                                          <p:attrName>style.visibility</p:attrName>
+                                        </p:attrNameLst>
+                                      </p:cBhvr>
+                                      <p:to>
+                                        <p:strVal val="hidden"/>
+                                      </p:to>
+                                    </p:set>
+                                  </p:childTnLst>
+                                </p:cTn>
+                              </p:par>
+                            </p:childTnLst>
+                          </p:cTn>
+                        </p:par>
+                      </p:childTnLst>
+                    </p:cTn>
+                  </p:par>
+                  <p:par>
+                    <p:cTn id="15" fill="hold">
+                      <p:stCondLst>
+                        <p:cond delay="indefinite"/>
+                      </p:stCondLst>
+                      <p:childTnLst>
+                        <p:par>
+                          <p:cTn id="16" fill="hold">
+                            <p:stCondLst>
+                              <p:cond delay="0"/>
+                            </p:stCondLst>
+                            <p:childTnLst>
+                              <p:par>
+                                <p:cTn id="17" presetID="53" presetClass="entr" presetSubtype="16" fill="hold" nodeType="clickEffect">
+                                  <p:stCondLst>
+                                    <p:cond delay="0"/>
+                                  </p:stCondLst>
+                                  <p:childTnLst>
+                                    <p:set>
+                                      <p:cBhvr>
+                                        <p:cTn id="18" dur="1" fill="hold">
+                                          <p:stCondLst>
+                                            <p:cond delay="0"/>
+                                          </p:stCondLst>
+                                        </p:cTn>
+                                        <p:tgtEl>
+                                          <p:spTgt spid="5"/>
+                                        </p:tgtEl>
+                                        <p:attrNameLst>
+                                          <p:attrName>style.visibility</p:attrName>
+                                        </p:attrNameLst>
+                                      </p:cBhvr>
+                                      <p:to>
+                                        <p:strVal val="visible"/>
+                                      </p:to>
+                                    </p:set>
+                                    <p:anim calcmode="lin" valueType="num">
+                                      <p:cBhvr>
+                                        <p:cTn id="19" dur="3500" fill="hold"/>
+                                        <p:tgtEl>
+                                          <p:spTgt spid="5"/>
+                                        </p:tgtEl>
+                                        <p:attrNameLst>
+                                          <p:attrName>ppt_w</p:attrName>
+                                        </p:attrNameLst>
+                                      </p:cBhvr>
+                                      <p:tavLst>
+                                        <p:tav tm="0">
+                                          <p:val>
+                                            <p:fltVal val="0"/>
+                                          </p:val>
+                                        </p:tav>
+                                        <p:tav tm="100000">
+                                          <p:val>
+                                            <p:strVal val="#ppt_w"/>
+                                          </p:val>
+                                        </p:tav>
+                                      </p:tavLst>
+                                    </p:anim>
+                                    <p:anim calcmode="lin" valueType="num">
+                                      <p:cBhvr>
+                                        <p:cTn id="20" dur="3500" fill="hold"/>
+                                        <p:tgtEl>
+                                          <p:spTgt spid="5"/>
+                                        </p:tgtEl>
+                                        <p:attrNameLst>
+                                          <p:attrName>ppt_h</p:attrName>
+                                        </p:attrNameLst>
+                                      </p:cBhvr>
+                                      <p:tavLst>
+                                        <p:tav tm="0">
+                                          <p:val>
+                                            <p:fltVal val="0"/>
+                                          </p:val>
+                                        </p:tav>
+                                        <p:tav tm="100000">
+                                          <p:val>
+                                            <p:strVal val="#ppt_h"/>
+                                          </p:val>
+                                        </p:tav>
+                                      </p:tavLst>
+                                    </p:anim>
+                                    <p:animEffect transition="in" filter="fade">
+                                      <p:cBhvr>
+                                        <p:cTn id="21" dur="3500"/>
+                                        <p:tgtEl>
+                                          <p:spTgt spid="5"/>
+                                        </p:tgtEl>
+                                      </p:cBhvr>
+                                    </p:animEffect>
+                                  </p:childTnLst>
+                                </p:cTn>
+                              </p:par>
+                            </p:childTnLst>
+                          </p:cTn>
+                        </p:par>
+                      </p:childTnLst>
+                    </p:cTn>
+                  </p:par>
+                </p:childTnLst>
+              </p:cTn>
+              <p:prevCondLst>
+                <p:cond evt="onPrev" delay="0">
+                  <p:tgtEl>
+                    <p:sldTgt/>
+                  </p:tgtEl>
+                </p:cond>
+              </p:prevCondLst>
+              <p:nextCondLst>
+                <p:cond evt="onNext" delay="0">
+                  <p:tgtEl>
+                    <p:sldTgt/>
+                  </p:tgtEl>
+                </p:cond>
+              </p:nextCondLst>
+            </p:seq>
+          </p:childTnLst>
+        </p:cTn>
+      </p:par>
+    </p:tnLst>
+  </p:timing>
+</p:sld>
+</file>
+
+<file path=ppt/slides/slide4.xml><?xml version="1.0" encoding="utf-8"?>
+<p:sld xmlns:a="http://schemas.openxmlformats.org/drawingml/2006/main" xmlns:r="http://schemas.openxmlformats.org/officeDocument/2006/relationships" xmlns:p="http://schemas.openxmlformats.org/presentationml/2006/main">
+  <p:cSld>
+    <p:spTree>
+      <p:nvGrpSpPr>
+        <p:cNvPr id="1" name=""/>
+        <p:cNvGrpSpPr/>
+        <p:nvPr/>
+      </p:nvGrpSpPr>
+      <p:grpSpPr>
+        <a:xfrm>
+          <a:off x="0" y="0"/>
+          <a:ext cx="0" cy="0"/>
+          <a:chOff x="0" y="0"/>
+          <a:chExt cx="0" cy="0"/>
+        </a:xfrm>
+      </p:grpSpPr>
+      <p:sp>
+        <p:nvSpPr>
+          <p:cNvPr id="2" name="Title 1"/>
+          <p:cNvSpPr>
+            <a:spLocks noGrp="1"/>
+          </p:cNvSpPr>
+          <p:nvPr>
+            <p:ph type="title"/>
+          </p:nvPr>
+        </p:nvSpPr>
+        <p:spPr/>
+        <p:txBody>
+          <a:bodyPr/>
+          <a:lstStyle/>
+          <a:p>
+            <a:r>
+              <a:rPr lang="zh-CN" altLang="en-US" dirty="0" smtClean="0">
+                <a:latin typeface="华文细黑"/>
+                <a:ea typeface="华文细黑"/>
+                <a:cs typeface="华文细黑"/>
+              </a:rPr>
+              <a:t>技术可行性</a:t>
+            </a:r>
+            <a:endParaRPr lang="en-US" dirty="0">
+              <a:latin typeface="华文细黑"/>
+              <a:ea typeface="华文细黑"/>
+              <a:cs typeface="华文细黑"/>
+            </a:endParaRPr>
+          </a:p>
+        </p:txBody>
+      </p:sp>
+      <p:sp>
+        <p:nvSpPr>
+          <p:cNvPr id="3" name="Content Placeholder 2"/>
+          <p:cNvSpPr>
+            <a:spLocks noGrp="1"/>
+          </p:cNvSpPr>
+          <p:nvPr>
+            <p:ph idx="1"/>
+          </p:nvPr>
+        </p:nvSpPr>
+        <p:spPr/>
+        <p:txBody>
+          <a:bodyPr/>
+          <a:lstStyle/>
+          <a:p>
+            <a:r>
+              <a:rPr lang="zh-CN" altLang="en-US" dirty="0" smtClean="0">
+                <a:latin typeface="华文细黑"/>
+                <a:ea typeface="华文细黑"/>
+                <a:cs typeface="华文细黑"/>
+              </a:rPr>
+              <a:t>所有技术都是基于分布在多行业中的现有成熟技术</a:t>
+            </a:r>
+            <a:endParaRPr lang="en-US" dirty="0">
+              <a:latin typeface="华文细黑"/>
+              <a:ea typeface="华文细黑"/>
+              <a:cs typeface="华文细黑"/>
+            </a:endParaRPr>
+          </a:p>
+        </p:txBody>
+      </p:sp>
+    </p:spTree>
+    <p:extLst>
+      <p:ext uri="{BB962C8B-B14F-4D97-AF65-F5344CB8AC3E}">
+        <p14:creationId xmlns:p14="http://schemas.microsoft.com/office/powerpoint/2010/main" val="2772041136"/>
+      </p:ext>
+    </p:extLst>
+  </p:cSld>
+  <p:clrMapOvr>
+    <a:masterClrMapping/>
+  </p:clrMapOvr>
+  <p:timing>
+    <p:tnLst>
+      <p:par>
         <p:cTn xmlns:p14="http://schemas.microsoft.com/office/powerpoint/2010/main" id="1" dur="indefinite" restart="never" nodeType="tmRoot"/>
       </p:par>
     </p:tnLst>
   </p:timing>
+</p:sld>
+</file>
+
+<file path=ppt/slides/slide5.xml><?xml version="1.0" encoding="utf-8"?>
+<p:sld xmlns:a="http://schemas.openxmlformats.org/drawingml/2006/main" xmlns:r="http://schemas.openxmlformats.org/officeDocument/2006/relationships" xmlns:p="http://schemas.openxmlformats.org/presentationml/2006/main">
+  <p:cSld>
+    <p:spTree>
+      <p:nvGrpSpPr>
+        <p:cNvPr id="1" name=""/>
+        <p:cNvGrpSpPr/>
+        <p:nvPr/>
+      </p:nvGrpSpPr>
+      <p:grpSpPr>
+        <a:xfrm>
+          <a:off x="0" y="0"/>
+          <a:ext cx="0" cy="0"/>
+          <a:chOff x="0" y="0"/>
+          <a:chExt cx="0" cy="0"/>
+        </a:xfrm>
+      </p:grpSpPr>
+      <p:sp>
+        <p:nvSpPr>
+          <p:cNvPr id="2" name="Title 1"/>
+          <p:cNvSpPr>
+            <a:spLocks noGrp="1"/>
+          </p:cNvSpPr>
+          <p:nvPr>
+            <p:ph type="title"/>
+          </p:nvPr>
+        </p:nvSpPr>
+        <p:spPr/>
+        <p:txBody>
+          <a:bodyPr/>
+          <a:lstStyle/>
+          <a:p>
+            <a:r>
+              <a:rPr lang="zh-CN" altLang="en-US" dirty="0" smtClean="0">
+                <a:latin typeface="华文细黑"/>
+                <a:ea typeface="华文细黑"/>
+                <a:cs typeface="华文细黑"/>
+              </a:rPr>
+              <a:t>为什么选我们</a:t>
+            </a:r>
+            <a:endParaRPr lang="en-US" dirty="0">
+              <a:latin typeface="华文细黑"/>
+              <a:ea typeface="华文细黑"/>
+              <a:cs typeface="华文细黑"/>
+            </a:endParaRPr>
+          </a:p>
+        </p:txBody>
+      </p:sp>
+      <p:sp>
+        <p:nvSpPr>
+          <p:cNvPr id="3" name="Content Placeholder 2"/>
+          <p:cNvSpPr>
+            <a:spLocks noGrp="1"/>
+          </p:cNvSpPr>
+          <p:nvPr>
+            <p:ph idx="1"/>
+          </p:nvPr>
+        </p:nvSpPr>
+        <p:spPr/>
+        <p:txBody>
+          <a:bodyPr/>
+          <a:lstStyle/>
+          <a:p>
+            <a:r>
+              <a:rPr lang="zh-CN" altLang="en-US" dirty="0" smtClean="0">
+                <a:latin typeface="华文细黑"/>
+                <a:ea typeface="华文细黑"/>
+                <a:cs typeface="华文细黑"/>
+              </a:rPr>
+              <a:t>独家专利所有者</a:t>
+            </a:r>
+            <a:endParaRPr lang="en-US" dirty="0">
+              <a:latin typeface="华文细黑"/>
+              <a:ea typeface="华文细黑"/>
+              <a:cs typeface="华文细黑"/>
+            </a:endParaRPr>
+          </a:p>
+        </p:txBody>
+      </p:sp>
+    </p:spTree>
+    <p:extLst>
+      <p:ext uri="{BB962C8B-B14F-4D97-AF65-F5344CB8AC3E}">
+        <p14:creationId xmlns:p14="http://schemas.microsoft.com/office/powerpoint/2010/main" val="1569179634"/>
+      </p:ext>
+    </p:extLst>
+  </p:cSld>
+  <p:clrMapOvr>
+    <a:masterClrMapping/>
+  </p:clrMapOvr>
+</p:sld>
+</file>
+
+<file path=ppt/slides/slide6.xml><?xml version="1.0" encoding="utf-8"?>
+<p:sld xmlns:a="http://schemas.openxmlformats.org/drawingml/2006/main" xmlns:r="http://schemas.openxmlformats.org/officeDocument/2006/relationships" xmlns:p="http://schemas.openxmlformats.org/presentationml/2006/main">
+  <p:cSld>
+    <p:spTree>
+      <p:nvGrpSpPr>
+        <p:cNvPr id="1" name=""/>
+        <p:cNvGrpSpPr/>
+        <p:nvPr/>
+      </p:nvGrpSpPr>
+      <p:grpSpPr>
+        <a:xfrm>
+          <a:off x="0" y="0"/>
+          <a:ext cx="0" cy="0"/>
+          <a:chOff x="0" y="0"/>
+          <a:chExt cx="0" cy="0"/>
+        </a:xfrm>
+      </p:grpSpPr>
+      <p:sp>
+        <p:nvSpPr>
+          <p:cNvPr id="2" name="Title 1"/>
+          <p:cNvSpPr>
+            <a:spLocks noGrp="1"/>
+          </p:cNvSpPr>
+          <p:nvPr>
+            <p:ph type="title"/>
+          </p:nvPr>
+        </p:nvSpPr>
+        <p:spPr/>
+        <p:txBody>
+          <a:bodyPr/>
+          <a:lstStyle/>
+          <a:p>
+            <a:r>
+              <a:rPr lang="zh-CN" altLang="en-US" dirty="0" smtClean="0"/>
+              <a:t>应用范围</a:t>
+            </a:r>
+            <a:endParaRPr lang="en-US" dirty="0"/>
+          </a:p>
+        </p:txBody>
+      </p:sp>
+      <p:sp>
+        <p:nvSpPr>
+          <p:cNvPr id="3" name="Content Placeholder 2"/>
+          <p:cNvSpPr>
+            <a:spLocks noGrp="1"/>
+          </p:cNvSpPr>
+          <p:nvPr>
+            <p:ph idx="1"/>
+          </p:nvPr>
+        </p:nvSpPr>
+        <p:spPr/>
+        <p:txBody>
+          <a:bodyPr/>
+          <a:lstStyle/>
+          <a:p>
+            <a:r>
+              <a:rPr lang="zh-CN" altLang="en-US" dirty="0" smtClean="0"/>
+              <a:t>公海国际商务社区基础设施</a:t>
+            </a:r>
+            <a:endParaRPr lang="en-US" altLang="zh-CN" dirty="0" smtClean="0"/>
+          </a:p>
+          <a:p>
+            <a:r>
+              <a:rPr lang="zh-CN" altLang="en-US" dirty="0" smtClean="0"/>
+              <a:t>边远地区兵站、科考基地</a:t>
+            </a:r>
+            <a:endParaRPr lang="en-US" altLang="zh-CN" dirty="0" smtClean="0"/>
+          </a:p>
+          <a:p>
+            <a:r>
+              <a:rPr lang="zh-CN" altLang="en-US" dirty="0" smtClean="0"/>
+              <a:t>恶劣环境中农业基地</a:t>
+            </a:r>
+            <a:endParaRPr lang="en-US" altLang="zh-CN" dirty="0" smtClean="0"/>
+          </a:p>
+          <a:p>
+            <a:r>
+              <a:rPr lang="zh-CN" altLang="en-US" dirty="0" smtClean="0"/>
+              <a:t>旅游度假旅店</a:t>
+            </a:r>
+            <a:endParaRPr lang="en-US" altLang="zh-CN" dirty="0" smtClean="0"/>
+          </a:p>
+          <a:p>
+            <a:r>
+              <a:rPr lang="zh-CN" altLang="en-US" dirty="0" smtClean="0"/>
+              <a:t>气候、地质灾变庇护所</a:t>
+            </a:r>
+            <a:endParaRPr lang="en-US" dirty="0"/>
+          </a:p>
+        </p:txBody>
+      </p:sp>
+    </p:spTree>
+    <p:extLst>
+      <p:ext uri="{BB962C8B-B14F-4D97-AF65-F5344CB8AC3E}">
+        <p14:creationId xmlns:p14="http://schemas.microsoft.com/office/powerpoint/2010/main" val="4149039828"/>
+      </p:ext>
+    </p:extLst>
+  </p:cSld>
+  <p:clrMapOvr>
+    <a:masterClrMapping/>
+  </p:clrMapOvr>
+</p:sld>
+</file>
+
+<file path=ppt/slides/slide7.xml><?xml version="1.0" encoding="utf-8"?>
+<p:sld xmlns:a="http://schemas.openxmlformats.org/drawingml/2006/main" xmlns:r="http://schemas.openxmlformats.org/officeDocument/2006/relationships" xmlns:p="http://schemas.openxmlformats.org/presentationml/2006/main">
+  <p:cSld>
+    <p:spTree>
+      <p:nvGrpSpPr>
+        <p:cNvPr id="1" name=""/>
+        <p:cNvGrpSpPr/>
+        <p:nvPr/>
+      </p:nvGrpSpPr>
+      <p:grpSpPr>
+        <a:xfrm>
+          <a:off x="0" y="0"/>
+          <a:ext cx="0" cy="0"/>
+          <a:chOff x="0" y="0"/>
+          <a:chExt cx="0" cy="0"/>
+        </a:xfrm>
+      </p:grpSpPr>
+      <p:sp>
+        <p:nvSpPr>
+          <p:cNvPr id="2" name="Title 1"/>
+          <p:cNvSpPr>
+            <a:spLocks noGrp="1"/>
+          </p:cNvSpPr>
+          <p:nvPr>
+            <p:ph type="title"/>
+          </p:nvPr>
+        </p:nvSpPr>
+        <p:spPr/>
+        <p:txBody>
+          <a:bodyPr/>
+          <a:lstStyle/>
+          <a:p>
+            <a:r>
+              <a:rPr lang="zh-CN" altLang="en-US" dirty="0" smtClean="0"/>
+              <a:t>开发计划</a:t>
+            </a:r>
+            <a:endParaRPr lang="en-US" dirty="0"/>
+          </a:p>
+        </p:txBody>
+      </p:sp>
+      <p:sp>
+        <p:nvSpPr>
+          <p:cNvPr id="3" name="Content Placeholder 2"/>
+          <p:cNvSpPr>
+            <a:spLocks noGrp="1"/>
+          </p:cNvSpPr>
+          <p:nvPr>
+            <p:ph idx="1"/>
+          </p:nvPr>
+        </p:nvSpPr>
+        <p:spPr/>
+        <p:txBody>
+          <a:bodyPr/>
+          <a:lstStyle/>
+          <a:p>
+            <a:r>
+              <a:rPr lang="en-US" altLang="zh-CN" dirty="0" smtClean="0"/>
+              <a:t>D6</a:t>
+            </a:r>
+            <a:r>
+              <a:rPr lang="zh-CN" altLang="en-US" dirty="0" smtClean="0"/>
+              <a:t>原型</a:t>
+            </a:r>
+            <a:endParaRPr lang="en-US" altLang="zh-CN" dirty="0" smtClean="0"/>
+          </a:p>
+          <a:p>
+            <a:r>
+              <a:rPr lang="en-US" altLang="zh-CN" dirty="0" smtClean="0"/>
+              <a:t>D20</a:t>
+            </a:r>
+            <a:r>
+              <a:rPr lang="zh-CN" altLang="en-US" dirty="0" smtClean="0"/>
+              <a:t>原型</a:t>
+            </a:r>
+            <a:endParaRPr lang="en-US" altLang="zh-CN" dirty="0" smtClean="0"/>
+          </a:p>
+          <a:p>
+            <a:endParaRPr lang="en-US" dirty="0"/>
+          </a:p>
+        </p:txBody>
+      </p:sp>
+    </p:spTree>
+    <p:extLst>
+      <p:ext uri="{BB962C8B-B14F-4D97-AF65-F5344CB8AC3E}">
+        <p14:creationId xmlns:p14="http://schemas.microsoft.com/office/powerpoint/2010/main" val="3252179932"/>
+      </p:ext>
+    </p:extLst>
+  </p:cSld>
+  <p:clrMapOvr>
+    <a:masterClrMapping/>
+  </p:clrMapOvr>
+</p:sld>
+</file>
+
+<file path=ppt/slides/slide8.xml><?xml version="1.0" encoding="utf-8"?>
+<p:sld xmlns:a="http://schemas.openxmlformats.org/drawingml/2006/main" xmlns:r="http://schemas.openxmlformats.org/officeDocument/2006/relationships" xmlns:p="http://schemas.openxmlformats.org/presentationml/2006/main">
+  <p:cSld>
+    <p:spTree>
+      <p:nvGrpSpPr>
+        <p:cNvPr id="1" name=""/>
+        <p:cNvGrpSpPr/>
+        <p:nvPr/>
+      </p:nvGrpSpPr>
+      <p:grpSpPr>
+        <a:xfrm>
+          <a:off x="0" y="0"/>
+          <a:ext cx="0" cy="0"/>
+          <a:chOff x="0" y="0"/>
+          <a:chExt cx="0" cy="0"/>
+        </a:xfrm>
+      </p:grpSpPr>
+      <p:sp>
+        <p:nvSpPr>
+          <p:cNvPr id="2" name="Title 1"/>
+          <p:cNvSpPr>
+            <a:spLocks noGrp="1"/>
+          </p:cNvSpPr>
+          <p:nvPr>
+            <p:ph type="title"/>
+          </p:nvPr>
+        </p:nvSpPr>
+        <p:spPr/>
+        <p:txBody>
+          <a:bodyPr/>
+          <a:lstStyle/>
+          <a:p>
+            <a:r>
+              <a:rPr lang="zh-CN" altLang="en-US" dirty="0" smtClean="0"/>
+              <a:t>资金需求</a:t>
+            </a:r>
+            <a:endParaRPr lang="en-US" dirty="0"/>
+          </a:p>
+        </p:txBody>
+      </p:sp>
+      <p:sp>
+        <p:nvSpPr>
+          <p:cNvPr id="3" name="Content Placeholder 2"/>
+          <p:cNvSpPr>
+            <a:spLocks noGrp="1"/>
+          </p:cNvSpPr>
+          <p:nvPr>
+            <p:ph idx="1"/>
+          </p:nvPr>
+        </p:nvSpPr>
+        <p:spPr/>
+        <p:txBody>
+          <a:bodyPr/>
+          <a:lstStyle/>
+          <a:p>
+            <a:r>
+              <a:rPr lang="en-US" dirty="0" smtClean="0"/>
+              <a:t>2000</a:t>
+            </a:r>
+            <a:r>
+              <a:rPr lang="zh-CN" altLang="en-US" dirty="0" smtClean="0"/>
+              <a:t>万</a:t>
+            </a:r>
+            <a:endParaRPr lang="en-US" altLang="zh-CN" dirty="0" smtClean="0"/>
+          </a:p>
+          <a:p>
+            <a:endParaRPr lang="en-US" dirty="0"/>
+          </a:p>
+        </p:txBody>
+      </p:sp>
+    </p:spTree>
+    <p:extLst>
+      <p:ext uri="{BB962C8B-B14F-4D97-AF65-F5344CB8AC3E}">
+        <p14:creationId xmlns:p14="http://schemas.microsoft.com/office/powerpoint/2010/main" val="2113868685"/>
+      </p:ext>
+    </p:extLst>
+  </p:cSld>
+  <p:clrMapOvr>
+    <a:masterClrMapping/>
+  </p:clrMapOvr>
 </p:sld>
 </file>
 

--- a/bp.pptx
+++ b/bp.pptx
@@ -12,10 +12,17 @@
     <p:sldId id="259" r:id="rId6"/>
     <p:sldId id="265" r:id="rId7"/>
     <p:sldId id="261" r:id="rId8"/>
-    <p:sldId id="262" r:id="rId9"/>
-    <p:sldId id="263" r:id="rId10"/>
-    <p:sldId id="260" r:id="rId11"/>
-    <p:sldId id="266" r:id="rId12"/>
+    <p:sldId id="267" r:id="rId9"/>
+    <p:sldId id="269" r:id="rId10"/>
+    <p:sldId id="268" r:id="rId11"/>
+    <p:sldId id="270" r:id="rId12"/>
+    <p:sldId id="271" r:id="rId13"/>
+    <p:sldId id="272" r:id="rId14"/>
+    <p:sldId id="273" r:id="rId15"/>
+    <p:sldId id="262" r:id="rId16"/>
+    <p:sldId id="263" r:id="rId17"/>
+    <p:sldId id="260" r:id="rId18"/>
+    <p:sldId id="266" r:id="rId19"/>
   </p:sldIdLst>
   <p:sldSz cx="9144000" cy="6858000" type="screen4x3"/>
   <p:notesSz cx="6858000" cy="9144000"/>
@@ -5325,7 +5332,7 @@
             <a:fld id="{70BA1CFD-BFF0-48BC-9BA5-4974D7A6AB15}" type="datetimeFigureOut">
               <a:rPr lang="en-US" smtClean="0"/>
               <a:pPr/>
-              <a:t>10/15/13</a:t>
+              <a:t>10/16/13</a:t>
             </a:fld>
             <a:endParaRPr lang="en-US"/>
           </a:p>
@@ -5684,7 +5691,7 @@
             <a:fld id="{70BA1CFD-BFF0-48BC-9BA5-4974D7A6AB15}" type="datetimeFigureOut">
               <a:rPr lang="en-US" smtClean="0"/>
               <a:pPr/>
-              <a:t>10/15/13</a:t>
+              <a:t>10/16/13</a:t>
             </a:fld>
             <a:endParaRPr lang="en-US"/>
           </a:p>
@@ -5855,7 +5862,7 @@
             <a:fld id="{70BA1CFD-BFF0-48BC-9BA5-4974D7A6AB15}" type="datetimeFigureOut">
               <a:rPr lang="en-US" smtClean="0"/>
               <a:pPr/>
-              <a:t>10/15/13</a:t>
+              <a:t>10/16/13</a:t>
             </a:fld>
             <a:endParaRPr lang="en-US"/>
           </a:p>
@@ -6036,7 +6043,7 @@
             <a:fld id="{70BA1CFD-BFF0-48BC-9BA5-4974D7A6AB15}" type="datetimeFigureOut">
               <a:rPr lang="en-US" smtClean="0"/>
               <a:pPr/>
-              <a:t>10/15/13</a:t>
+              <a:t>10/16/13</a:t>
             </a:fld>
             <a:endParaRPr lang="en-US"/>
           </a:p>
@@ -6207,7 +6214,7 @@
             <a:fld id="{70BA1CFD-BFF0-48BC-9BA5-4974D7A6AB15}" type="datetimeFigureOut">
               <a:rPr lang="en-US" smtClean="0"/>
               <a:pPr/>
-              <a:t>10/15/13</a:t>
+              <a:t>10/16/13</a:t>
             </a:fld>
             <a:endParaRPr lang="en-US"/>
           </a:p>
@@ -6486,7 +6493,7 @@
             <a:fld id="{70BA1CFD-BFF0-48BC-9BA5-4974D7A6AB15}" type="datetimeFigureOut">
               <a:rPr lang="en-US" smtClean="0"/>
               <a:pPr/>
-              <a:t>10/15/13</a:t>
+              <a:t>10/16/13</a:t>
             </a:fld>
             <a:endParaRPr lang="en-US"/>
           </a:p>
@@ -6780,7 +6787,7 @@
             <a:fld id="{70BA1CFD-BFF0-48BC-9BA5-4974D7A6AB15}" type="datetimeFigureOut">
               <a:rPr lang="en-US" smtClean="0"/>
               <a:pPr/>
-              <a:t>10/15/13</a:t>
+              <a:t>10/16/13</a:t>
             </a:fld>
             <a:endParaRPr lang="en-US"/>
           </a:p>
@@ -7218,7 +7225,7 @@
             <a:fld id="{70BA1CFD-BFF0-48BC-9BA5-4974D7A6AB15}" type="datetimeFigureOut">
               <a:rPr lang="en-US" smtClean="0"/>
               <a:pPr/>
-              <a:t>10/15/13</a:t>
+              <a:t>10/16/13</a:t>
             </a:fld>
             <a:endParaRPr lang="en-US"/>
           </a:p>
@@ -7333,7 +7340,7 @@
             <a:fld id="{70BA1CFD-BFF0-48BC-9BA5-4974D7A6AB15}" type="datetimeFigureOut">
               <a:rPr lang="en-US" smtClean="0"/>
               <a:pPr/>
-              <a:t>10/15/13</a:t>
+              <a:t>10/16/13</a:t>
             </a:fld>
             <a:endParaRPr lang="en-US"/>
           </a:p>
@@ -7425,7 +7432,7 @@
             <a:fld id="{70BA1CFD-BFF0-48BC-9BA5-4974D7A6AB15}" type="datetimeFigureOut">
               <a:rPr lang="en-US" smtClean="0"/>
               <a:pPr/>
-              <a:t>10/15/13</a:t>
+              <a:t>10/16/13</a:t>
             </a:fld>
             <a:endParaRPr lang="en-US"/>
           </a:p>
@@ -7764,7 +7771,7 @@
             <a:fld id="{70BA1CFD-BFF0-48BC-9BA5-4974D7A6AB15}" type="datetimeFigureOut">
               <a:rPr lang="en-US" smtClean="0"/>
               <a:pPr/>
-              <a:t>10/15/13</a:t>
+              <a:t>10/16/13</a:t>
             </a:fld>
             <a:endParaRPr lang="en-US"/>
           </a:p>
@@ -8081,7 +8088,7 @@
             <a:fld id="{70BA1CFD-BFF0-48BC-9BA5-4974D7A6AB15}" type="datetimeFigureOut">
               <a:rPr lang="en-US" smtClean="0"/>
               <a:pPr/>
-              <a:t>10/15/13</a:t>
+              <a:t>10/16/13</a:t>
             </a:fld>
             <a:endParaRPr lang="en-US"/>
           </a:p>
@@ -8329,7 +8336,7 @@
             <a:fld id="{70BA1CFD-BFF0-48BC-9BA5-4974D7A6AB15}" type="datetimeFigureOut">
               <a:rPr lang="en-US" smtClean="0"/>
               <a:pPr/>
-              <a:t>10/15/13</a:t>
+              <a:t>10/16/13</a:t>
             </a:fld>
             <a:endParaRPr lang="en-US"/>
           </a:p>
@@ -8926,56 +8933,643 @@
           <a:lstStyle/>
           <a:p>
             <a:r>
-              <a:rPr lang="zh-CN" altLang="en-US" dirty="0" smtClean="0">
-                <a:latin typeface="华文细黑"/>
-                <a:ea typeface="华文细黑"/>
-                <a:cs typeface="华文细黑"/>
-              </a:rPr>
-              <a:t>为什么选我们</a:t>
+              <a:rPr lang="zh-CN" altLang="en-US" dirty="0" smtClean="0"/>
+              <a:t>甲板布局</a:t>
             </a:r>
-            <a:endParaRPr lang="en-US" dirty="0">
-              <a:latin typeface="华文细黑"/>
-              <a:ea typeface="华文细黑"/>
-              <a:cs typeface="华文细黑"/>
-            </a:endParaRPr>
+            <a:endParaRPr lang="en-US" dirty="0"/>
           </a:p>
         </p:txBody>
       </p:sp>
       <p:sp>
         <p:nvSpPr>
-          <p:cNvPr id="3" name="Content Placeholder 2"/>
-          <p:cNvSpPr>
-            <a:spLocks noGrp="1"/>
-          </p:cNvSpPr>
-          <p:nvPr>
-            <p:ph idx="1"/>
-          </p:nvPr>
+          <p:cNvPr id="4" name="Oval 3"/>
+          <p:cNvSpPr/>
+          <p:nvPr/>
         </p:nvSpPr>
-        <p:spPr/>
+        <p:spPr>
+          <a:xfrm>
+            <a:off x="1348154" y="2090614"/>
+            <a:ext cx="2237154" cy="2178540"/>
+          </a:xfrm>
+          <a:prstGeom prst="ellipse">
+            <a:avLst/>
+          </a:prstGeom>
+        </p:spPr>
+        <p:style>
+          <a:lnRef idx="1">
+            <a:schemeClr val="accent1"/>
+          </a:lnRef>
+          <a:fillRef idx="3">
+            <a:schemeClr val="accent1"/>
+          </a:fillRef>
+          <a:effectRef idx="2">
+            <a:schemeClr val="accent1"/>
+          </a:effectRef>
+          <a:fontRef idx="minor">
+            <a:schemeClr val="lt1"/>
+          </a:fontRef>
+        </p:style>
         <p:txBody>
-          <a:bodyPr/>
+          <a:bodyPr rtlCol="0" anchor="ctr"/>
           <a:lstStyle/>
           <a:p>
-            <a:r>
-              <a:rPr lang="zh-CN" altLang="en-US" dirty="0" smtClean="0">
-                <a:latin typeface="华文细黑"/>
-                <a:ea typeface="华文细黑"/>
-                <a:cs typeface="华文细黑"/>
-              </a:rPr>
-              <a:t>独家专利所有者</a:t>
-            </a:r>
-            <a:endParaRPr lang="en-US" dirty="0">
-              <a:latin typeface="华文细黑"/>
-              <a:ea typeface="华文细黑"/>
-              <a:cs typeface="华文细黑"/>
-            </a:endParaRPr>
+            <a:pPr algn="ctr"/>
+            <a:endParaRPr lang="en-US"/>
           </a:p>
         </p:txBody>
       </p:sp>
+      <p:sp>
+        <p:nvSpPr>
+          <p:cNvPr id="5" name="Rectangle 4"/>
+          <p:cNvSpPr/>
+          <p:nvPr/>
+        </p:nvSpPr>
+        <p:spPr>
+          <a:xfrm>
+            <a:off x="2051539" y="2813538"/>
+            <a:ext cx="830384" cy="683847"/>
+          </a:xfrm>
+          <a:prstGeom prst="rect">
+            <a:avLst/>
+          </a:prstGeom>
+          <a:solidFill>
+            <a:schemeClr val="bg1"/>
+          </a:solidFill>
+          <a:effectLst/>
+        </p:spPr>
+        <p:style>
+          <a:lnRef idx="1">
+            <a:schemeClr val="dk1"/>
+          </a:lnRef>
+          <a:fillRef idx="3">
+            <a:schemeClr val="dk1"/>
+          </a:fillRef>
+          <a:effectRef idx="2">
+            <a:schemeClr val="dk1"/>
+          </a:effectRef>
+          <a:fontRef idx="minor">
+            <a:schemeClr val="lt1"/>
+          </a:fontRef>
+        </p:style>
+        <p:txBody>
+          <a:bodyPr rtlCol="0" anchor="ctr"/>
+          <a:lstStyle/>
+          <a:p>
+            <a:pPr algn="ctr"/>
+            <a:endParaRPr lang="en-US"/>
+          </a:p>
+        </p:txBody>
+      </p:sp>
+      <p:sp>
+        <p:nvSpPr>
+          <p:cNvPr id="6" name="Oval 5"/>
+          <p:cNvSpPr/>
+          <p:nvPr/>
+        </p:nvSpPr>
+        <p:spPr>
+          <a:xfrm>
+            <a:off x="5197231" y="1944077"/>
+            <a:ext cx="2618154" cy="2569308"/>
+          </a:xfrm>
+          <a:prstGeom prst="ellipse">
+            <a:avLst/>
+          </a:prstGeom>
+        </p:spPr>
+        <p:style>
+          <a:lnRef idx="1">
+            <a:schemeClr val="accent1"/>
+          </a:lnRef>
+          <a:fillRef idx="3">
+            <a:schemeClr val="accent1"/>
+          </a:fillRef>
+          <a:effectRef idx="2">
+            <a:schemeClr val="accent1"/>
+          </a:effectRef>
+          <a:fontRef idx="minor">
+            <a:schemeClr val="lt1"/>
+          </a:fontRef>
+        </p:style>
+        <p:txBody>
+          <a:bodyPr rtlCol="0" anchor="ctr"/>
+          <a:lstStyle/>
+          <a:p>
+            <a:pPr algn="ctr"/>
+            <a:endParaRPr lang="en-US"/>
+          </a:p>
+        </p:txBody>
+      </p:sp>
+      <p:sp>
+        <p:nvSpPr>
+          <p:cNvPr id="7" name="Rectangle 6"/>
+          <p:cNvSpPr/>
+          <p:nvPr/>
+        </p:nvSpPr>
+        <p:spPr>
+          <a:xfrm>
+            <a:off x="5724769" y="2412999"/>
+            <a:ext cx="1611923" cy="1494693"/>
+          </a:xfrm>
+          <a:prstGeom prst="rect">
+            <a:avLst/>
+          </a:prstGeom>
+        </p:spPr>
+        <p:style>
+          <a:lnRef idx="1">
+            <a:schemeClr val="accent1"/>
+          </a:lnRef>
+          <a:fillRef idx="3">
+            <a:schemeClr val="accent1"/>
+          </a:fillRef>
+          <a:effectRef idx="2">
+            <a:schemeClr val="accent1"/>
+          </a:effectRef>
+          <a:fontRef idx="minor">
+            <a:schemeClr val="lt1"/>
+          </a:fontRef>
+        </p:style>
+        <p:txBody>
+          <a:bodyPr rtlCol="0" anchor="ctr"/>
+          <a:lstStyle/>
+          <a:p>
+            <a:pPr algn="ctr"/>
+            <a:endParaRPr lang="en-US" dirty="0" smtClean="0"/>
+          </a:p>
+          <a:p>
+            <a:pPr algn="ctr"/>
+            <a:endParaRPr lang="en-US" dirty="0"/>
+          </a:p>
+        </p:txBody>
+      </p:sp>
+      <p:sp>
+        <p:nvSpPr>
+          <p:cNvPr id="8" name="Rectangle 7"/>
+          <p:cNvSpPr/>
+          <p:nvPr/>
+        </p:nvSpPr>
+        <p:spPr>
+          <a:xfrm>
+            <a:off x="6131170" y="2813538"/>
+            <a:ext cx="830384" cy="683847"/>
+          </a:xfrm>
+          <a:prstGeom prst="rect">
+            <a:avLst/>
+          </a:prstGeom>
+          <a:solidFill>
+            <a:schemeClr val="bg1"/>
+          </a:solidFill>
+          <a:effectLst/>
+        </p:spPr>
+        <p:style>
+          <a:lnRef idx="1">
+            <a:schemeClr val="dk1"/>
+          </a:lnRef>
+          <a:fillRef idx="3">
+            <a:schemeClr val="dk1"/>
+          </a:fillRef>
+          <a:effectRef idx="2">
+            <a:schemeClr val="dk1"/>
+          </a:effectRef>
+          <a:fontRef idx="minor">
+            <a:schemeClr val="lt1"/>
+          </a:fontRef>
+        </p:style>
+        <p:txBody>
+          <a:bodyPr rtlCol="0" anchor="ctr"/>
+          <a:lstStyle/>
+          <a:p>
+            <a:pPr algn="ctr"/>
+            <a:endParaRPr lang="en-US"/>
+          </a:p>
+        </p:txBody>
+      </p:sp>
+      <p:sp>
+        <p:nvSpPr>
+          <p:cNvPr id="9" name="TextBox 8"/>
+          <p:cNvSpPr txBox="1"/>
+          <p:nvPr/>
+        </p:nvSpPr>
+        <p:spPr>
+          <a:xfrm>
+            <a:off x="3829538" y="2307438"/>
+            <a:ext cx="877163" cy="369332"/>
+          </a:xfrm>
+          <a:prstGeom prst="rect">
+            <a:avLst/>
+          </a:prstGeom>
+          <a:noFill/>
+        </p:spPr>
+        <p:txBody>
+          <a:bodyPr wrap="none" rtlCol="0">
+            <a:spAutoFit/>
+          </a:bodyPr>
+          <a:lstStyle/>
+          <a:p>
+            <a:r>
+              <a:rPr lang="zh-CN" altLang="en-US" dirty="0" smtClean="0"/>
+              <a:t>种植区</a:t>
+            </a:r>
+            <a:endParaRPr lang="en-US" dirty="0"/>
+          </a:p>
+        </p:txBody>
+      </p:sp>
+      <p:cxnSp>
+        <p:nvCxnSpPr>
+          <p:cNvPr id="11" name="Straight Arrow Connector 10"/>
+          <p:cNvCxnSpPr>
+            <a:stCxn id="9" idx="3"/>
+          </p:cNvCxnSpPr>
+          <p:nvPr/>
+        </p:nvCxnSpPr>
+        <p:spPr>
+          <a:xfrm>
+            <a:off x="4706701" y="2492104"/>
+            <a:ext cx="1174376" cy="184666"/>
+          </a:xfrm>
+          <a:prstGeom prst="straightConnector1">
+            <a:avLst/>
+          </a:prstGeom>
+          <a:ln>
+            <a:solidFill>
+              <a:srgbClr val="7C9BA5"/>
+            </a:solidFill>
+            <a:tailEnd type="arrow"/>
+          </a:ln>
+        </p:spPr>
+        <p:style>
+          <a:lnRef idx="2">
+            <a:schemeClr val="accent1"/>
+          </a:lnRef>
+          <a:fillRef idx="0">
+            <a:schemeClr val="accent1"/>
+          </a:fillRef>
+          <a:effectRef idx="1">
+            <a:schemeClr val="accent1"/>
+          </a:effectRef>
+          <a:fontRef idx="minor">
+            <a:schemeClr val="tx1"/>
+          </a:fontRef>
+        </p:style>
+      </p:cxnSp>
+      <p:cxnSp>
+        <p:nvCxnSpPr>
+          <p:cNvPr id="13" name="Straight Arrow Connector 12"/>
+          <p:cNvCxnSpPr>
+            <a:stCxn id="9" idx="1"/>
+          </p:cNvCxnSpPr>
+          <p:nvPr/>
+        </p:nvCxnSpPr>
+        <p:spPr>
+          <a:xfrm flipH="1">
+            <a:off x="3438769" y="2492104"/>
+            <a:ext cx="390769" cy="184666"/>
+          </a:xfrm>
+          <a:prstGeom prst="straightConnector1">
+            <a:avLst/>
+          </a:prstGeom>
+          <a:ln>
+            <a:solidFill>
+              <a:srgbClr val="7C9BA5"/>
+            </a:solidFill>
+            <a:tailEnd type="arrow"/>
+          </a:ln>
+        </p:spPr>
+        <p:style>
+          <a:lnRef idx="2">
+            <a:schemeClr val="accent1"/>
+          </a:lnRef>
+          <a:fillRef idx="0">
+            <a:schemeClr val="accent1"/>
+          </a:fillRef>
+          <a:effectRef idx="1">
+            <a:schemeClr val="accent1"/>
+          </a:effectRef>
+          <a:fontRef idx="minor">
+            <a:schemeClr val="tx1"/>
+          </a:fontRef>
+        </p:style>
+      </p:cxnSp>
+      <p:sp>
+        <p:nvSpPr>
+          <p:cNvPr id="14" name="TextBox 13"/>
+          <p:cNvSpPr txBox="1"/>
+          <p:nvPr/>
+        </p:nvSpPr>
+        <p:spPr>
+          <a:xfrm>
+            <a:off x="4060370" y="3653693"/>
+            <a:ext cx="646331" cy="369332"/>
+          </a:xfrm>
+          <a:prstGeom prst="rect">
+            <a:avLst/>
+          </a:prstGeom>
+          <a:noFill/>
+        </p:spPr>
+        <p:txBody>
+          <a:bodyPr wrap="none" rtlCol="0">
+            <a:spAutoFit/>
+          </a:bodyPr>
+          <a:lstStyle/>
+          <a:p>
+            <a:r>
+              <a:rPr lang="zh-CN" altLang="en-US" dirty="0" smtClean="0"/>
+              <a:t>通道</a:t>
+            </a:r>
+            <a:endParaRPr lang="en-US" dirty="0"/>
+          </a:p>
+        </p:txBody>
+      </p:sp>
+      <p:cxnSp>
+        <p:nvCxnSpPr>
+          <p:cNvPr id="16" name="Straight Arrow Connector 15"/>
+          <p:cNvCxnSpPr>
+            <a:stCxn id="14" idx="3"/>
+          </p:cNvCxnSpPr>
+          <p:nvPr/>
+        </p:nvCxnSpPr>
+        <p:spPr>
+          <a:xfrm flipV="1">
+            <a:off x="4706701" y="3165231"/>
+            <a:ext cx="1653068" cy="673128"/>
+          </a:xfrm>
+          <a:prstGeom prst="straightConnector1">
+            <a:avLst/>
+          </a:prstGeom>
+          <a:ln>
+            <a:solidFill>
+              <a:srgbClr val="7C9BA5"/>
+            </a:solidFill>
+            <a:tailEnd type="arrow"/>
+          </a:ln>
+        </p:spPr>
+        <p:style>
+          <a:lnRef idx="2">
+            <a:schemeClr val="accent1"/>
+          </a:lnRef>
+          <a:fillRef idx="0">
+            <a:schemeClr val="accent1"/>
+          </a:fillRef>
+          <a:effectRef idx="1">
+            <a:schemeClr val="accent1"/>
+          </a:effectRef>
+          <a:fontRef idx="minor">
+            <a:schemeClr val="tx1"/>
+          </a:fontRef>
+        </p:style>
+      </p:cxnSp>
+      <p:cxnSp>
+        <p:nvCxnSpPr>
+          <p:cNvPr id="18" name="Straight Arrow Connector 17"/>
+          <p:cNvCxnSpPr>
+            <a:stCxn id="14" idx="1"/>
+          </p:cNvCxnSpPr>
+          <p:nvPr/>
+        </p:nvCxnSpPr>
+        <p:spPr>
+          <a:xfrm flipH="1" flipV="1">
+            <a:off x="2442308" y="3165231"/>
+            <a:ext cx="1618062" cy="673128"/>
+          </a:xfrm>
+          <a:prstGeom prst="straightConnector1">
+            <a:avLst/>
+          </a:prstGeom>
+          <a:ln>
+            <a:solidFill>
+              <a:srgbClr val="7C9BA5"/>
+            </a:solidFill>
+            <a:tailEnd type="arrow"/>
+          </a:ln>
+        </p:spPr>
+        <p:style>
+          <a:lnRef idx="2">
+            <a:schemeClr val="accent1"/>
+          </a:lnRef>
+          <a:fillRef idx="0">
+            <a:schemeClr val="accent1"/>
+          </a:fillRef>
+          <a:effectRef idx="1">
+            <a:schemeClr val="accent1"/>
+          </a:effectRef>
+          <a:fontRef idx="minor">
+            <a:schemeClr val="tx1"/>
+          </a:fontRef>
+        </p:style>
+      </p:cxnSp>
+      <p:sp>
+        <p:nvSpPr>
+          <p:cNvPr id="20" name="TextBox 19"/>
+          <p:cNvSpPr txBox="1"/>
+          <p:nvPr/>
+        </p:nvSpPr>
+        <p:spPr>
+          <a:xfrm>
+            <a:off x="1733701" y="1544288"/>
+            <a:ext cx="1107996" cy="369332"/>
+          </a:xfrm>
+          <a:prstGeom prst="rect">
+            <a:avLst/>
+          </a:prstGeom>
+          <a:noFill/>
+        </p:spPr>
+        <p:txBody>
+          <a:bodyPr wrap="none" rtlCol="0">
+            <a:spAutoFit/>
+          </a:bodyPr>
+          <a:lstStyle/>
+          <a:p>
+            <a:r>
+              <a:rPr lang="zh-CN" altLang="en-US" dirty="0" smtClean="0"/>
+              <a:t>上层甲板</a:t>
+            </a:r>
+            <a:endParaRPr lang="en-US" dirty="0"/>
+          </a:p>
+        </p:txBody>
+      </p:sp>
+      <p:sp>
+        <p:nvSpPr>
+          <p:cNvPr id="21" name="TextBox 20"/>
+          <p:cNvSpPr txBox="1"/>
+          <p:nvPr/>
+        </p:nvSpPr>
+        <p:spPr>
+          <a:xfrm>
+            <a:off x="6084391" y="1359622"/>
+            <a:ext cx="877163" cy="369332"/>
+          </a:xfrm>
+          <a:prstGeom prst="rect">
+            <a:avLst/>
+          </a:prstGeom>
+          <a:noFill/>
+        </p:spPr>
+        <p:txBody>
+          <a:bodyPr wrap="none" rtlCol="0">
+            <a:spAutoFit/>
+          </a:bodyPr>
+          <a:lstStyle/>
+          <a:p>
+            <a:r>
+              <a:rPr lang="zh-CN" altLang="en-US" dirty="0" smtClean="0"/>
+              <a:t>主甲板</a:t>
+            </a:r>
+            <a:endParaRPr lang="en-US" dirty="0"/>
+          </a:p>
+        </p:txBody>
+      </p:sp>
+      <p:sp>
+        <p:nvSpPr>
+          <p:cNvPr id="22" name="Oval 21"/>
+          <p:cNvSpPr/>
+          <p:nvPr/>
+        </p:nvSpPr>
+        <p:spPr>
+          <a:xfrm>
+            <a:off x="3308436" y="4269154"/>
+            <a:ext cx="2237154" cy="2178540"/>
+          </a:xfrm>
+          <a:prstGeom prst="ellipse">
+            <a:avLst/>
+          </a:prstGeom>
+        </p:spPr>
+        <p:style>
+          <a:lnRef idx="1">
+            <a:schemeClr val="accent1"/>
+          </a:lnRef>
+          <a:fillRef idx="3">
+            <a:schemeClr val="accent1"/>
+          </a:fillRef>
+          <a:effectRef idx="2">
+            <a:schemeClr val="accent1"/>
+          </a:effectRef>
+          <a:fontRef idx="minor">
+            <a:schemeClr val="lt1"/>
+          </a:fontRef>
+        </p:style>
+        <p:txBody>
+          <a:bodyPr rtlCol="0" anchor="ctr"/>
+          <a:lstStyle/>
+          <a:p>
+            <a:pPr algn="ctr"/>
+            <a:endParaRPr lang="en-US"/>
+          </a:p>
+        </p:txBody>
+      </p:sp>
+      <p:sp>
+        <p:nvSpPr>
+          <p:cNvPr id="24" name="Rectangle 23"/>
+          <p:cNvSpPr/>
+          <p:nvPr/>
+        </p:nvSpPr>
+        <p:spPr>
+          <a:xfrm>
+            <a:off x="3629097" y="4627282"/>
+            <a:ext cx="1611923" cy="1494693"/>
+          </a:xfrm>
+          <a:prstGeom prst="rect">
+            <a:avLst/>
+          </a:prstGeom>
+          <a:solidFill>
+            <a:schemeClr val="accent1">
+              <a:lumMod val="50000"/>
+            </a:schemeClr>
+          </a:solidFill>
+          <a:effectLst/>
+        </p:spPr>
+        <p:style>
+          <a:lnRef idx="1">
+            <a:schemeClr val="dk1"/>
+          </a:lnRef>
+          <a:fillRef idx="3">
+            <a:schemeClr val="dk1"/>
+          </a:fillRef>
+          <a:effectRef idx="2">
+            <a:schemeClr val="dk1"/>
+          </a:effectRef>
+          <a:fontRef idx="minor">
+            <a:schemeClr val="lt1"/>
+          </a:fontRef>
+        </p:style>
+        <p:txBody>
+          <a:bodyPr rtlCol="0" anchor="ctr"/>
+          <a:lstStyle/>
+          <a:p>
+            <a:pPr algn="ctr"/>
+            <a:r>
+              <a:rPr lang="zh-CN" altLang="en-US" dirty="0" smtClean="0"/>
+              <a:t>居住区</a:t>
+            </a:r>
+            <a:endParaRPr lang="en-US" dirty="0"/>
+          </a:p>
+        </p:txBody>
+      </p:sp>
+      <p:sp>
+        <p:nvSpPr>
+          <p:cNvPr id="27" name="TextBox 26"/>
+          <p:cNvSpPr txBox="1"/>
+          <p:nvPr/>
+        </p:nvSpPr>
+        <p:spPr>
+          <a:xfrm>
+            <a:off x="2256118" y="5468471"/>
+            <a:ext cx="1086339" cy="369332"/>
+          </a:xfrm>
+          <a:prstGeom prst="rect">
+            <a:avLst/>
+          </a:prstGeom>
+          <a:noFill/>
+        </p:spPr>
+        <p:txBody>
+          <a:bodyPr wrap="square" rtlCol="0">
+            <a:spAutoFit/>
+          </a:bodyPr>
+          <a:lstStyle/>
+          <a:p>
+            <a:r>
+              <a:rPr lang="zh-CN" altLang="en-US" dirty="0" smtClean="0"/>
+              <a:t>种植区</a:t>
+            </a:r>
+            <a:endParaRPr lang="en-US" dirty="0"/>
+          </a:p>
+        </p:txBody>
+      </p:sp>
+      <p:cxnSp>
+        <p:nvCxnSpPr>
+          <p:cNvPr id="29" name="Straight Arrow Connector 28"/>
+          <p:cNvCxnSpPr/>
+          <p:nvPr/>
+        </p:nvCxnSpPr>
+        <p:spPr>
+          <a:xfrm flipV="1">
+            <a:off x="3048000" y="5468471"/>
+            <a:ext cx="390769" cy="209176"/>
+          </a:xfrm>
+          <a:prstGeom prst="straightConnector1">
+            <a:avLst/>
+          </a:prstGeom>
+          <a:ln>
+            <a:solidFill>
+              <a:srgbClr val="7C9BA5"/>
+            </a:solidFill>
+            <a:tailEnd type="arrow"/>
+          </a:ln>
+        </p:spPr>
+        <p:style>
+          <a:lnRef idx="2">
+            <a:schemeClr val="accent1"/>
+          </a:lnRef>
+          <a:fillRef idx="0">
+            <a:schemeClr val="accent1"/>
+          </a:fillRef>
+          <a:effectRef idx="1">
+            <a:schemeClr val="accent1"/>
+          </a:effectRef>
+          <a:fontRef idx="minor">
+            <a:schemeClr val="tx1"/>
+          </a:fontRef>
+        </p:style>
+      </p:cxnSp>
     </p:spTree>
     <p:extLst>
       <p:ext uri="{BB962C8B-B14F-4D97-AF65-F5344CB8AC3E}">
-        <p14:creationId xmlns:p14="http://schemas.microsoft.com/office/powerpoint/2010/main" val="1569179634"/>
+        <p14:creationId xmlns:p14="http://schemas.microsoft.com/office/powerpoint/2010/main" val="170856426"/>
       </p:ext>
     </p:extLst>
   </p:cSld>
@@ -9009,34 +9603,6 @@
           <a:chExt cx="0" cy="0"/>
         </a:xfrm>
       </p:grpSpPr>
-      <p:pic>
-        <p:nvPicPr>
-          <p:cNvPr id="1026" name="Picture 2" descr="http://t3.gstatic.com/images?q=tbn:ANd9GcS8M7axQPVCX5GuEQllqaV3psMTvhFHhnrXRqqvP1MqmkqePwDG"/>
-          <p:cNvPicPr>
-            <a:picLocks noChangeAspect="1" noChangeArrowheads="1"/>
-          </p:cNvPicPr>
-          <p:nvPr/>
-        </p:nvPicPr>
-        <p:blipFill>
-          <a:blip r:embed="rId2">
-            <a:lum bright="-7000" contrast="-25000"/>
-          </a:blip>
-          <a:srcRect/>
-          <a:stretch>
-            <a:fillRect/>
-          </a:stretch>
-        </p:blipFill>
-        <p:spPr bwMode="auto">
-          <a:xfrm>
-            <a:off x="3939611" y="1991075"/>
-            <a:ext cx="4421752" cy="3170315"/>
-          </a:xfrm>
-          <a:prstGeom prst="rect">
-            <a:avLst/>
-          </a:prstGeom>
-          <a:noFill/>
-        </p:spPr>
-      </p:pic>
       <p:sp>
         <p:nvSpPr>
           <p:cNvPr id="2" name="Title 1"/>
@@ -9054,7 +9620,7 @@
           <a:p>
             <a:r>
               <a:rPr lang="zh-CN" altLang="en-US" dirty="0" smtClean="0"/>
-              <a:t>谢谢！</a:t>
+              <a:t>居住区</a:t>
             </a:r>
             <a:endParaRPr lang="en-US" dirty="0"/>
           </a:p>
@@ -9062,60 +9628,202 @@
       </p:sp>
       <p:sp>
         <p:nvSpPr>
-          <p:cNvPr id="3" name="Content Placeholder 2"/>
-          <p:cNvSpPr>
-            <a:spLocks noGrp="1"/>
-          </p:cNvSpPr>
-          <p:nvPr>
-            <p:ph idx="1"/>
-          </p:nvPr>
+          <p:cNvPr id="5" name="Rectangle 4"/>
+          <p:cNvSpPr/>
+          <p:nvPr/>
         </p:nvSpPr>
         <p:spPr>
           <a:xfrm>
-            <a:off x="779462" y="2208052"/>
-            <a:ext cx="7581901" cy="3953436"/>
+            <a:off x="2211293" y="1598705"/>
+            <a:ext cx="4826001" cy="4228354"/>
           </a:xfrm>
+          <a:prstGeom prst="rect">
+            <a:avLst/>
+          </a:prstGeom>
         </p:spPr>
+        <p:style>
+          <a:lnRef idx="1">
+            <a:schemeClr val="accent1"/>
+          </a:lnRef>
+          <a:fillRef idx="3">
+            <a:schemeClr val="accent1"/>
+          </a:fillRef>
+          <a:effectRef idx="2">
+            <a:schemeClr val="accent1"/>
+          </a:effectRef>
+          <a:fontRef idx="minor">
+            <a:schemeClr val="lt1"/>
+          </a:fontRef>
+        </p:style>
         <p:txBody>
-          <a:bodyPr/>
+          <a:bodyPr rtlCol="0" anchor="ctr"/>
           <a:lstStyle/>
           <a:p>
-            <a:r>
-              <a:rPr lang="en-US" altLang="zh-CN" dirty="0" smtClean="0"/>
-              <a:t>Thanks</a:t>
-            </a:r>
+            <a:pPr algn="ctr"/>
+            <a:endParaRPr lang="en-US"/>
+          </a:p>
+        </p:txBody>
+      </p:sp>
+      <p:sp>
+        <p:nvSpPr>
+          <p:cNvPr id="9" name="Rectangle 8"/>
+          <p:cNvSpPr/>
+          <p:nvPr/>
+        </p:nvSpPr>
+        <p:spPr>
+          <a:xfrm>
+            <a:off x="2211293" y="1598706"/>
+            <a:ext cx="2300942" cy="2017060"/>
+          </a:xfrm>
+          <a:prstGeom prst="rect">
+            <a:avLst/>
+          </a:prstGeom>
+        </p:spPr>
+        <p:style>
+          <a:lnRef idx="1">
+            <a:schemeClr val="accent1"/>
+          </a:lnRef>
+          <a:fillRef idx="3">
+            <a:schemeClr val="accent1"/>
+          </a:fillRef>
+          <a:effectRef idx="2">
+            <a:schemeClr val="accent1"/>
+          </a:effectRef>
+          <a:fontRef idx="minor">
+            <a:schemeClr val="lt1"/>
+          </a:fontRef>
+        </p:style>
+        <p:txBody>
+          <a:bodyPr rtlCol="0" anchor="ctr"/>
+          <a:lstStyle/>
+          <a:p>
+            <a:pPr algn="ctr"/>
             <a:r>
               <a:rPr lang="zh-CN" altLang="en-US" dirty="0" smtClean="0"/>
-              <a:t>！</a:t>
+              <a:t>卧室</a:t>
             </a:r>
-            <a:endParaRPr lang="en-US" altLang="zh-CN" dirty="0" smtClean="0"/>
-          </a:p>
-          <a:p>
+            <a:endParaRPr lang="en-US" dirty="0"/>
+          </a:p>
+        </p:txBody>
+      </p:sp>
+      <p:sp>
+        <p:nvSpPr>
+          <p:cNvPr id="11" name="Rectangle 10"/>
+          <p:cNvSpPr/>
+          <p:nvPr/>
+        </p:nvSpPr>
+        <p:spPr>
+          <a:xfrm>
+            <a:off x="2211293" y="3768166"/>
+            <a:ext cx="2300942" cy="2017060"/>
+          </a:xfrm>
+          <a:prstGeom prst="rect">
+            <a:avLst/>
+          </a:prstGeom>
+        </p:spPr>
+        <p:style>
+          <a:lnRef idx="1">
+            <a:schemeClr val="accent1"/>
+          </a:lnRef>
+          <a:fillRef idx="3">
+            <a:schemeClr val="accent1"/>
+          </a:fillRef>
+          <a:effectRef idx="2">
+            <a:schemeClr val="accent1"/>
+          </a:effectRef>
+          <a:fontRef idx="minor">
+            <a:schemeClr val="lt1"/>
+          </a:fontRef>
+        </p:style>
+        <p:txBody>
+          <a:bodyPr rtlCol="0" anchor="ctr"/>
+          <a:lstStyle/>
+          <a:p>
+            <a:pPr algn="ctr"/>
             <a:r>
-              <a:rPr lang="en-US" altLang="zh-CN" dirty="0" smtClean="0"/>
-              <a:t>Dank</a:t>
+              <a:rPr lang="zh-CN" altLang="en-US" dirty="0" smtClean="0"/>
+              <a:t>卧室</a:t>
             </a:r>
-          </a:p>
-          <a:p>
+            <a:endParaRPr lang="en-US" dirty="0"/>
+          </a:p>
+        </p:txBody>
+      </p:sp>
+      <p:sp>
+        <p:nvSpPr>
+          <p:cNvPr id="12" name="Rectangle 11"/>
+          <p:cNvSpPr/>
+          <p:nvPr/>
+        </p:nvSpPr>
+        <p:spPr>
+          <a:xfrm>
+            <a:off x="4616824" y="2438400"/>
+            <a:ext cx="2420470" cy="3346826"/>
+          </a:xfrm>
+          <a:prstGeom prst="rect">
+            <a:avLst/>
+          </a:prstGeom>
+        </p:spPr>
+        <p:style>
+          <a:lnRef idx="1">
+            <a:schemeClr val="accent1"/>
+          </a:lnRef>
+          <a:fillRef idx="3">
+            <a:schemeClr val="accent1"/>
+          </a:fillRef>
+          <a:effectRef idx="2">
+            <a:schemeClr val="accent1"/>
+          </a:effectRef>
+          <a:fontRef idx="minor">
+            <a:schemeClr val="lt1"/>
+          </a:fontRef>
+        </p:style>
+        <p:txBody>
+          <a:bodyPr rtlCol="0" anchor="ctr"/>
+          <a:lstStyle/>
+          <a:p>
+            <a:pPr algn="ctr"/>
             <a:r>
-              <a:rPr lang="ja-JP" altLang="en-US" dirty="0"/>
-              <a:t>どうも</a:t>
+              <a:rPr lang="zh-CN" altLang="en-US" dirty="0" smtClean="0"/>
+              <a:t>控制室</a:t>
             </a:r>
-            <a:r>
-              <a:rPr lang="ja-JP" altLang="en-US" dirty="0" smtClean="0"/>
-              <a:t>ありがとう</a:t>
-            </a:r>
-            <a:endParaRPr lang="en-US" altLang="ja-JP" dirty="0" smtClean="0"/>
-          </a:p>
-          <a:p>
-            <a:r>
-              <a:rPr lang="en-US" altLang="zh-CN" dirty="0" err="1" smtClean="0"/>
-              <a:t>k</a:t>
-            </a:r>
-            <a:r>
-              <a:rPr lang="en-US" dirty="0" err="1" smtClean="0"/>
-              <a:t>i’e</a:t>
-            </a:r>
+            <a:endParaRPr lang="en-US" dirty="0"/>
+          </a:p>
+        </p:txBody>
+      </p:sp>
+      <p:sp>
+        <p:nvSpPr>
+          <p:cNvPr id="13" name="Rectangle 12"/>
+          <p:cNvSpPr/>
+          <p:nvPr/>
+        </p:nvSpPr>
+        <p:spPr>
+          <a:xfrm>
+            <a:off x="4616824" y="1598705"/>
+            <a:ext cx="2420470" cy="687295"/>
+          </a:xfrm>
+          <a:prstGeom prst="rect">
+            <a:avLst/>
+          </a:prstGeom>
+        </p:spPr>
+        <p:style>
+          <a:lnRef idx="1">
+            <a:schemeClr val="accent1"/>
+          </a:lnRef>
+          <a:fillRef idx="3">
+            <a:schemeClr val="accent1"/>
+          </a:fillRef>
+          <a:effectRef idx="2">
+            <a:schemeClr val="accent1"/>
+          </a:effectRef>
+          <a:fontRef idx="minor">
+            <a:schemeClr val="lt1"/>
+          </a:fontRef>
+        </p:style>
+        <p:txBody>
+          <a:bodyPr rtlCol="0" anchor="ctr"/>
+          <a:lstStyle/>
+          <a:p>
+            <a:pPr algn="ctr"/>
             <a:endParaRPr lang="en-US" dirty="0"/>
           </a:p>
         </p:txBody>
@@ -9123,16 +9831,13 @@
     </p:spTree>
     <p:extLst>
       <p:ext uri="{BB962C8B-B14F-4D97-AF65-F5344CB8AC3E}">
-        <p14:creationId xmlns:p14="http://schemas.microsoft.com/office/powerpoint/2010/main" val="1215046793"/>
+        <p14:creationId xmlns:p14="http://schemas.microsoft.com/office/powerpoint/2010/main" val="3832625698"/>
       </p:ext>
     </p:extLst>
   </p:cSld>
   <p:clrMapOvr>
     <a:masterClrMapping/>
   </p:clrMapOvr>
-  <p:transition xmlns:p14="http://schemas.microsoft.com/office/powerpoint/2010/main">
-    <p:wedge/>
-  </p:transition>
   <p:timing>
     <p:tnLst>
       <p:par>
@@ -9143,7 +9848,7 @@
 </p:sld>
 </file>
 
-<file path=ppt/slides/slide2.xml><?xml version="1.0" encoding="utf-8"?>
+<file path=ppt/slides/slide12.xml><?xml version="1.0" encoding="utf-8"?>
 <p:sld xmlns:a="http://schemas.openxmlformats.org/drawingml/2006/main" xmlns:r="http://schemas.openxmlformats.org/officeDocument/2006/relationships" xmlns:p="http://schemas.openxmlformats.org/presentationml/2006/main">
   <p:cSld>
     <p:spTree>
@@ -9176,15 +9881,8 @@
           <a:lstStyle/>
           <a:p>
             <a:r>
-              <a:rPr lang="zh-CN" altLang="en-US" sz="4800" dirty="0" smtClean="0">
-                <a:latin typeface="黑体" pitchFamily="2" charset="-122"/>
-                <a:ea typeface="黑体" pitchFamily="2" charset="-122"/>
-              </a:rPr>
-              <a:t>两栖移动生态别墅是什么</a:t>
-            </a:r>
-            <a:r>
               <a:rPr lang="zh-CN" altLang="en-US" dirty="0" smtClean="0"/>
-              <a:t>？</a:t>
+              <a:t>基座单元</a:t>
             </a:r>
             <a:endParaRPr lang="en-US" dirty="0"/>
           </a:p>
@@ -9192,162 +9890,399 @@
       </p:sp>
       <p:sp>
         <p:nvSpPr>
-          <p:cNvPr id="3" name="Content Placeholder 2"/>
-          <p:cNvSpPr>
-            <a:spLocks noGrp="1"/>
-          </p:cNvSpPr>
-          <p:nvPr>
-            <p:ph idx="1"/>
-          </p:nvPr>
+          <p:cNvPr id="4" name="Hexagon 3"/>
+          <p:cNvSpPr/>
+          <p:nvPr/>
         </p:nvSpPr>
         <p:spPr>
           <a:xfrm>
-            <a:off x="779462" y="1882588"/>
-            <a:ext cx="8147562" cy="3085994"/>
+            <a:off x="1105648" y="1761565"/>
+            <a:ext cx="2510118" cy="2046942"/>
           </a:xfrm>
+          <a:prstGeom prst="hexagon">
+            <a:avLst/>
+          </a:prstGeom>
+          <a:solidFill>
+            <a:schemeClr val="bg2"/>
+          </a:solidFill>
         </p:spPr>
+        <p:style>
+          <a:lnRef idx="1">
+            <a:schemeClr val="accent1"/>
+          </a:lnRef>
+          <a:fillRef idx="3">
+            <a:schemeClr val="accent1"/>
+          </a:fillRef>
+          <a:effectRef idx="2">
+            <a:schemeClr val="accent1"/>
+          </a:effectRef>
+          <a:fontRef idx="minor">
+            <a:schemeClr val="lt1"/>
+          </a:fontRef>
+        </p:style>
         <p:txBody>
-          <a:bodyPr>
-            <a:noAutofit/>
-          </a:bodyPr>
+          <a:bodyPr rtlCol="0" anchor="ctr"/>
           <a:lstStyle/>
           <a:p>
-            <a:r>
-              <a:rPr lang="zh-CN" altLang="en-US" dirty="0" smtClean="0">
-                <a:latin typeface="华文细黑"/>
-                <a:ea typeface="华文细黑"/>
-                <a:cs typeface="华文细黑"/>
-              </a:rPr>
-              <a:t>是可在海洋和陆地环境中移动的生态别墅</a:t>
-            </a:r>
-            <a:endParaRPr lang="en-US" altLang="zh-CN" dirty="0" smtClean="0">
-              <a:latin typeface="华文细黑"/>
-              <a:ea typeface="华文细黑"/>
-              <a:cs typeface="华文细黑"/>
+            <a:pPr algn="ctr"/>
+            <a:endParaRPr lang="en-US"/>
+          </a:p>
+        </p:txBody>
+      </p:sp>
+      <p:sp>
+        <p:nvSpPr>
+          <p:cNvPr id="6" name="Oval 5"/>
+          <p:cNvSpPr/>
+          <p:nvPr/>
+        </p:nvSpPr>
+        <p:spPr>
+          <a:xfrm>
+            <a:off x="1703294" y="2136588"/>
+            <a:ext cx="1299882" cy="1225177"/>
+          </a:xfrm>
+          <a:prstGeom prst="ellipse">
+            <a:avLst/>
+          </a:prstGeom>
+        </p:spPr>
+        <p:style>
+          <a:lnRef idx="1">
+            <a:schemeClr val="accent1"/>
+          </a:lnRef>
+          <a:fillRef idx="3">
+            <a:schemeClr val="accent1"/>
+          </a:fillRef>
+          <a:effectRef idx="2">
+            <a:schemeClr val="accent1"/>
+          </a:effectRef>
+          <a:fontRef idx="minor">
+            <a:schemeClr val="lt1"/>
+          </a:fontRef>
+        </p:style>
+        <p:txBody>
+          <a:bodyPr rtlCol="0" anchor="ctr"/>
+          <a:lstStyle/>
+          <a:p>
+            <a:pPr algn="ctr"/>
+            <a:endParaRPr lang="en-US"/>
+          </a:p>
+        </p:txBody>
+      </p:sp>
+      <p:sp>
+        <p:nvSpPr>
+          <p:cNvPr id="7" name="Rectangle 6"/>
+          <p:cNvSpPr/>
+          <p:nvPr/>
+        </p:nvSpPr>
+        <p:spPr>
+          <a:xfrm>
+            <a:off x="4945529" y="1776507"/>
+            <a:ext cx="2644589" cy="2032000"/>
+          </a:xfrm>
+          <a:prstGeom prst="rect">
+            <a:avLst/>
+          </a:prstGeom>
+        </p:spPr>
+        <p:style>
+          <a:lnRef idx="1">
+            <a:schemeClr val="accent1"/>
+          </a:lnRef>
+          <a:fillRef idx="3">
+            <a:schemeClr val="accent1"/>
+          </a:fillRef>
+          <a:effectRef idx="2">
+            <a:schemeClr val="accent1"/>
+          </a:effectRef>
+          <a:fontRef idx="minor">
+            <a:schemeClr val="lt1"/>
+          </a:fontRef>
+        </p:style>
+        <p:txBody>
+          <a:bodyPr rtlCol="0" anchor="ctr"/>
+          <a:lstStyle/>
+          <a:p>
+            <a:pPr algn="ctr"/>
+            <a:endParaRPr lang="en-US"/>
+          </a:p>
+        </p:txBody>
+      </p:sp>
+      <p:sp>
+        <p:nvSpPr>
+          <p:cNvPr id="8" name="Rectangle 7"/>
+          <p:cNvSpPr/>
+          <p:nvPr/>
+        </p:nvSpPr>
+        <p:spPr>
+          <a:xfrm>
+            <a:off x="5647765" y="1776507"/>
+            <a:ext cx="1299882" cy="2032000"/>
+          </a:xfrm>
+          <a:prstGeom prst="rect">
+            <a:avLst/>
+          </a:prstGeom>
+        </p:spPr>
+        <p:style>
+          <a:lnRef idx="1">
+            <a:schemeClr val="accent1"/>
+          </a:lnRef>
+          <a:fillRef idx="3">
+            <a:schemeClr val="accent1"/>
+          </a:fillRef>
+          <a:effectRef idx="2">
+            <a:schemeClr val="accent1"/>
+          </a:effectRef>
+          <a:fontRef idx="minor">
+            <a:schemeClr val="lt1"/>
+          </a:fontRef>
+        </p:style>
+        <p:txBody>
+          <a:bodyPr rtlCol="0" anchor="ctr"/>
+          <a:lstStyle/>
+          <a:p>
+            <a:pPr algn="ctr"/>
+            <a:endParaRPr lang="en-US"/>
+          </a:p>
+        </p:txBody>
+      </p:sp>
+      <p:sp>
+        <p:nvSpPr>
+          <p:cNvPr id="9" name="Rectangle 8"/>
+          <p:cNvSpPr/>
+          <p:nvPr/>
+        </p:nvSpPr>
+        <p:spPr>
+          <a:xfrm>
+            <a:off x="4945529" y="2465294"/>
+            <a:ext cx="702236" cy="1343213"/>
+          </a:xfrm>
+          <a:prstGeom prst="rect">
+            <a:avLst/>
+          </a:prstGeom>
+        </p:spPr>
+        <p:style>
+          <a:lnRef idx="1">
+            <a:schemeClr val="accent1"/>
+          </a:lnRef>
+          <a:fillRef idx="3">
+            <a:schemeClr val="accent1"/>
+          </a:fillRef>
+          <a:effectRef idx="2">
+            <a:schemeClr val="accent1"/>
+          </a:effectRef>
+          <a:fontRef idx="minor">
+            <a:schemeClr val="lt1"/>
+          </a:fontRef>
+        </p:style>
+        <p:txBody>
+          <a:bodyPr rtlCol="0" anchor="ctr"/>
+          <a:lstStyle/>
+          <a:p>
+            <a:pPr algn="ctr"/>
+            <a:endParaRPr lang="en-US"/>
+          </a:p>
+        </p:txBody>
+      </p:sp>
+      <p:sp>
+        <p:nvSpPr>
+          <p:cNvPr id="10" name="Rectangle 9"/>
+          <p:cNvSpPr/>
+          <p:nvPr/>
+        </p:nvSpPr>
+        <p:spPr>
+          <a:xfrm>
+            <a:off x="6947647" y="2465294"/>
+            <a:ext cx="642471" cy="1343213"/>
+          </a:xfrm>
+          <a:prstGeom prst="rect">
+            <a:avLst/>
+          </a:prstGeom>
+        </p:spPr>
+        <p:style>
+          <a:lnRef idx="1">
+            <a:schemeClr val="accent1"/>
+          </a:lnRef>
+          <a:fillRef idx="3">
+            <a:schemeClr val="accent1"/>
+          </a:fillRef>
+          <a:effectRef idx="2">
+            <a:schemeClr val="accent1"/>
+          </a:effectRef>
+          <a:fontRef idx="minor">
+            <a:schemeClr val="lt1"/>
+          </a:fontRef>
+        </p:style>
+        <p:txBody>
+          <a:bodyPr rtlCol="0" anchor="ctr"/>
+          <a:lstStyle/>
+          <a:p>
+            <a:pPr algn="ctr"/>
+            <a:endParaRPr lang="en-US"/>
+          </a:p>
+        </p:txBody>
+      </p:sp>
+      <p:sp>
+        <p:nvSpPr>
+          <p:cNvPr id="13" name="Diagonal Stripe 12"/>
+          <p:cNvSpPr/>
+          <p:nvPr/>
+        </p:nvSpPr>
+        <p:spPr>
+          <a:xfrm rot="19060546">
+            <a:off x="2153771" y="2228843"/>
+            <a:ext cx="493058" cy="493059"/>
+          </a:xfrm>
+          <a:prstGeom prst="diagStripe">
+            <a:avLst/>
+          </a:prstGeom>
+        </p:spPr>
+        <p:style>
+          <a:lnRef idx="1">
+            <a:schemeClr val="accent1"/>
+          </a:lnRef>
+          <a:fillRef idx="3">
+            <a:schemeClr val="accent1"/>
+          </a:fillRef>
+          <a:effectRef idx="2">
+            <a:schemeClr val="accent1"/>
+          </a:effectRef>
+          <a:fontRef idx="minor">
+            <a:schemeClr val="lt1"/>
+          </a:fontRef>
+        </p:style>
+        <p:txBody>
+          <a:bodyPr rtlCol="0" anchor="ctr"/>
+          <a:lstStyle/>
+          <a:p>
+            <a:pPr algn="ctr"/>
+            <a:endParaRPr lang="en-US">
+              <a:solidFill>
+                <a:schemeClr val="tx1"/>
+              </a:solidFill>
             </a:endParaRPr>
           </a:p>
-          <a:p>
-            <a:r>
-              <a:rPr lang="zh-CN" altLang="en-US" dirty="0" smtClean="0">
-                <a:latin typeface="华文细黑"/>
-                <a:ea typeface="华文细黑"/>
-                <a:cs typeface="华文细黑"/>
-              </a:rPr>
-              <a:t>是别墅</a:t>
-            </a:r>
-            <a:r>
-              <a:rPr lang="en-US" altLang="zh-CN" dirty="0" smtClean="0">
-                <a:latin typeface="华文细黑"/>
-                <a:ea typeface="华文细黑"/>
-                <a:cs typeface="华文细黑"/>
-              </a:rPr>
-              <a:t>      </a:t>
-            </a:r>
-            <a:r>
-              <a:rPr lang="zh-CN" altLang="en-US" dirty="0" smtClean="0">
-                <a:latin typeface="华文细黑"/>
-                <a:ea typeface="华文细黑"/>
-                <a:cs typeface="华文细黑"/>
-              </a:rPr>
-              <a:t>一种舒适的生活空间</a:t>
-            </a:r>
-            <a:endParaRPr lang="en-US" altLang="zh-CN" dirty="0" smtClean="0">
-              <a:latin typeface="华文细黑"/>
-              <a:ea typeface="华文细黑"/>
-              <a:cs typeface="华文细黑"/>
+        </p:txBody>
+      </p:sp>
+      <p:sp>
+        <p:nvSpPr>
+          <p:cNvPr id="15" name="Diagonal Stripe 14"/>
+          <p:cNvSpPr/>
+          <p:nvPr/>
+        </p:nvSpPr>
+        <p:spPr>
+          <a:xfrm rot="2925388">
+            <a:off x="2373656" y="2566658"/>
+            <a:ext cx="493058" cy="493059"/>
+          </a:xfrm>
+          <a:prstGeom prst="diagStripe">
+            <a:avLst/>
+          </a:prstGeom>
+        </p:spPr>
+        <p:style>
+          <a:lnRef idx="1">
+            <a:schemeClr val="accent1"/>
+          </a:lnRef>
+          <a:fillRef idx="3">
+            <a:schemeClr val="accent1"/>
+          </a:fillRef>
+          <a:effectRef idx="2">
+            <a:schemeClr val="accent1"/>
+          </a:effectRef>
+          <a:fontRef idx="minor">
+            <a:schemeClr val="lt1"/>
+          </a:fontRef>
+        </p:style>
+        <p:txBody>
+          <a:bodyPr rtlCol="0" anchor="ctr"/>
+          <a:lstStyle/>
+          <a:p>
+            <a:pPr algn="ctr"/>
+            <a:endParaRPr lang="en-US">
+              <a:solidFill>
+                <a:schemeClr val="tx1"/>
+              </a:solidFill>
             </a:endParaRPr>
           </a:p>
-          <a:p>
-            <a:r>
-              <a:rPr lang="zh-CN" altLang="en-US" dirty="0" smtClean="0">
-                <a:latin typeface="华文细黑"/>
-                <a:ea typeface="华文细黑"/>
-                <a:cs typeface="华文细黑"/>
-              </a:rPr>
-              <a:t>是生态别墅</a:t>
-            </a:r>
-            <a:r>
-              <a:rPr lang="en-US" altLang="zh-CN" dirty="0" smtClean="0">
-                <a:latin typeface="华文细黑"/>
-                <a:ea typeface="华文细黑"/>
-                <a:cs typeface="华文细黑"/>
-              </a:rPr>
-              <a:t>   </a:t>
-            </a:r>
-            <a:r>
-              <a:rPr lang="zh-CN" altLang="en-US" dirty="0" smtClean="0">
-                <a:latin typeface="华文细黑"/>
-                <a:ea typeface="华文细黑"/>
-                <a:cs typeface="华文细黑"/>
-              </a:rPr>
-              <a:t>一种生态自足的、零排放的迷你生物圈</a:t>
-            </a:r>
-            <a:endParaRPr lang="en-US" altLang="zh-CN" dirty="0" smtClean="0">
-              <a:latin typeface="华文细黑"/>
-              <a:ea typeface="华文细黑"/>
-              <a:cs typeface="华文细黑"/>
+        </p:txBody>
+      </p:sp>
+      <p:sp>
+        <p:nvSpPr>
+          <p:cNvPr id="16" name="Diagonal Stripe 15"/>
+          <p:cNvSpPr/>
+          <p:nvPr/>
+        </p:nvSpPr>
+        <p:spPr>
+          <a:xfrm rot="8191752">
+            <a:off x="2059267" y="2772337"/>
+            <a:ext cx="493058" cy="493059"/>
+          </a:xfrm>
+          <a:prstGeom prst="diagStripe">
+            <a:avLst/>
+          </a:prstGeom>
+        </p:spPr>
+        <p:style>
+          <a:lnRef idx="1">
+            <a:schemeClr val="accent1"/>
+          </a:lnRef>
+          <a:fillRef idx="3">
+            <a:schemeClr val="accent1"/>
+          </a:fillRef>
+          <a:effectRef idx="2">
+            <a:schemeClr val="accent1"/>
+          </a:effectRef>
+          <a:fontRef idx="minor">
+            <a:schemeClr val="lt1"/>
+          </a:fontRef>
+        </p:style>
+        <p:txBody>
+          <a:bodyPr rtlCol="0" anchor="ctr"/>
+          <a:lstStyle/>
+          <a:p>
+            <a:pPr algn="ctr"/>
+            <a:endParaRPr lang="en-US">
+              <a:solidFill>
+                <a:schemeClr val="tx1"/>
+              </a:solidFill>
             </a:endParaRPr>
           </a:p>
-          <a:p>
-            <a:r>
-              <a:rPr lang="zh-CN" altLang="en-US" dirty="0" smtClean="0">
-                <a:latin typeface="华文细黑"/>
-                <a:ea typeface="华文细黑"/>
-                <a:cs typeface="华文细黑"/>
-              </a:rPr>
-              <a:t>是可移动的生态别墅</a:t>
-            </a:r>
-            <a:r>
-              <a:rPr lang="en-US" altLang="zh-CN" dirty="0" smtClean="0">
-                <a:latin typeface="华文细黑"/>
-                <a:ea typeface="华文细黑"/>
-                <a:cs typeface="华文细黑"/>
-              </a:rPr>
-              <a:t>   </a:t>
-            </a:r>
-            <a:r>
-              <a:rPr lang="zh-CN" altLang="en-US" dirty="0" smtClean="0">
-                <a:latin typeface="华文细黑"/>
-                <a:ea typeface="华文细黑"/>
-                <a:cs typeface="华文细黑"/>
-              </a:rPr>
-              <a:t>一种可自主迁徙的住宅</a:t>
-            </a:r>
-            <a:endParaRPr lang="en-US" altLang="zh-CN" dirty="0" smtClean="0">
-              <a:latin typeface="华文细黑"/>
-              <a:ea typeface="华文细黑"/>
-              <a:cs typeface="华文细黑"/>
-            </a:endParaRPr>
-          </a:p>
-          <a:p>
-            <a:r>
-              <a:rPr lang="zh-CN" altLang="en-US" dirty="0" smtClean="0">
-                <a:latin typeface="华文细黑"/>
-                <a:ea typeface="华文细黑"/>
-                <a:cs typeface="华文细黑"/>
-              </a:rPr>
-              <a:t>是具有两栖功能的生态别墅</a:t>
-            </a:r>
-            <a:r>
-              <a:rPr lang="en-US" altLang="zh-CN" dirty="0" smtClean="0">
-                <a:latin typeface="华文细黑"/>
-                <a:ea typeface="华文细黑"/>
-                <a:cs typeface="华文细黑"/>
-              </a:rPr>
-              <a:t>   </a:t>
-            </a:r>
-            <a:r>
-              <a:rPr lang="zh-CN" altLang="en-US" dirty="0" smtClean="0">
-                <a:latin typeface="华文细黑"/>
-                <a:ea typeface="华文细黑"/>
-                <a:cs typeface="华文细黑"/>
-              </a:rPr>
-              <a:t>迁徙范围跨越海洋、陆地</a:t>
-            </a:r>
-            <a:endParaRPr lang="en-US" dirty="0">
-              <a:latin typeface="华文细黑"/>
-              <a:ea typeface="华文细黑"/>
-              <a:cs typeface="华文细黑"/>
+        </p:txBody>
+      </p:sp>
+      <p:sp>
+        <p:nvSpPr>
+          <p:cNvPr id="17" name="Diagonal Stripe 16"/>
+          <p:cNvSpPr/>
+          <p:nvPr/>
+        </p:nvSpPr>
+        <p:spPr>
+          <a:xfrm rot="13401879">
+            <a:off x="1805268" y="2423816"/>
+            <a:ext cx="493058" cy="493059"/>
+          </a:xfrm>
+          <a:prstGeom prst="diagStripe">
+            <a:avLst/>
+          </a:prstGeom>
+        </p:spPr>
+        <p:style>
+          <a:lnRef idx="1">
+            <a:schemeClr val="accent1"/>
+          </a:lnRef>
+          <a:fillRef idx="3">
+            <a:schemeClr val="accent1"/>
+          </a:fillRef>
+          <a:effectRef idx="2">
+            <a:schemeClr val="accent1"/>
+          </a:effectRef>
+          <a:fontRef idx="minor">
+            <a:schemeClr val="lt1"/>
+          </a:fontRef>
+        </p:style>
+        <p:txBody>
+          <a:bodyPr rtlCol="0" anchor="ctr"/>
+          <a:lstStyle/>
+          <a:p>
+            <a:pPr algn="ctr"/>
+            <a:endParaRPr lang="en-US">
+              <a:solidFill>
+                <a:schemeClr val="tx1"/>
+              </a:solidFill>
             </a:endParaRPr>
           </a:p>
         </p:txBody>
@@ -9355,505 +10290,17 @@
     </p:spTree>
     <p:extLst>
       <p:ext uri="{BB962C8B-B14F-4D97-AF65-F5344CB8AC3E}">
-        <p14:creationId xmlns:p14="http://schemas.microsoft.com/office/powerpoint/2010/main" val="2140588685"/>
+        <p14:creationId xmlns:p14="http://schemas.microsoft.com/office/powerpoint/2010/main" val="2627434333"/>
       </p:ext>
     </p:extLst>
   </p:cSld>
   <p:clrMapOvr>
     <a:masterClrMapping/>
   </p:clrMapOvr>
-  <mc:AlternateContent xmlns:mc="http://schemas.openxmlformats.org/markup-compatibility/2006" xmlns:p14="http://schemas.microsoft.com/office/powerpoint/2010/main">
-    <mc:Choice Requires="p14">
-      <p:transition spd="slow" p14:dur="2000">
-        <p14:prism isContent="1"/>
-      </p:transition>
-    </mc:Choice>
-    <mc:Fallback xmlns="">
-      <p:transition spd="slow">
-        <p:fade/>
-      </p:transition>
-    </mc:Fallback>
-  </mc:AlternateContent>
-  <p:timing>
-    <p:tnLst>
-      <p:par>
-        <p:cTn xmlns:p14="http://schemas.microsoft.com/office/powerpoint/2010/main" id="1" dur="indefinite" restart="never" nodeType="tmRoot">
-          <p:childTnLst>
-            <p:seq concurrent="1" nextAc="seek">
-              <p:cTn id="2" dur="indefinite" nodeType="mainSeq">
-                <p:childTnLst>
-                  <p:par>
-                    <p:cTn id="3" fill="hold">
-                      <p:stCondLst>
-                        <p:cond delay="indefinite"/>
-                      </p:stCondLst>
-                      <p:childTnLst>
-                        <p:par>
-                          <p:cTn id="4" fill="hold">
-                            <p:stCondLst>
-                              <p:cond delay="0"/>
-                            </p:stCondLst>
-                            <p:childTnLst>
-                              <p:par>
-                                <p:cTn id="5" presetID="1" presetClass="entr" presetSubtype="0" fill="hold" nodeType="clickEffect">
-                                  <p:stCondLst>
-                                    <p:cond delay="0"/>
-                                  </p:stCondLst>
-                                  <p:childTnLst>
-                                    <p:set>
-                                      <p:cBhvr>
-                                        <p:cTn id="6" dur="1" fill="hold">
-                                          <p:stCondLst>
-                                            <p:cond delay="0"/>
-                                          </p:stCondLst>
-                                        </p:cTn>
-                                        <p:tgtEl>
-                                          <p:spTgt spid="3">
-                                            <p:txEl>
-                                              <p:pRg st="0" end="0"/>
-                                            </p:txEl>
-                                          </p:spTgt>
-                                        </p:tgtEl>
-                                        <p:attrNameLst>
-                                          <p:attrName>style.visibility</p:attrName>
-                                        </p:attrNameLst>
-                                      </p:cBhvr>
-                                      <p:to>
-                                        <p:strVal val="visible"/>
-                                      </p:to>
-                                    </p:set>
-                                  </p:childTnLst>
-                                </p:cTn>
-                              </p:par>
-                            </p:childTnLst>
-                          </p:cTn>
-                        </p:par>
-                      </p:childTnLst>
-                    </p:cTn>
-                  </p:par>
-                  <p:par>
-                    <p:cTn id="7" fill="hold">
-                      <p:stCondLst>
-                        <p:cond delay="indefinite"/>
-                      </p:stCondLst>
-                      <p:childTnLst>
-                        <p:par>
-                          <p:cTn id="8" fill="hold">
-                            <p:stCondLst>
-                              <p:cond delay="0"/>
-                            </p:stCondLst>
-                            <p:childTnLst>
-                              <p:par>
-                                <p:cTn id="9" presetID="12" presetClass="entr" presetSubtype="4" fill="hold" nodeType="clickEffect">
-                                  <p:stCondLst>
-                                    <p:cond delay="0"/>
-                                  </p:stCondLst>
-                                  <p:childTnLst>
-                                    <p:set>
-                                      <p:cBhvr>
-                                        <p:cTn id="10" dur="1" fill="hold">
-                                          <p:stCondLst>
-                                            <p:cond delay="0"/>
-                                          </p:stCondLst>
-                                        </p:cTn>
-                                        <p:tgtEl>
-                                          <p:spTgt spid="3">
-                                            <p:txEl>
-                                              <p:pRg st="1" end="1"/>
-                                            </p:txEl>
-                                          </p:spTgt>
-                                        </p:tgtEl>
-                                        <p:attrNameLst>
-                                          <p:attrName>style.visibility</p:attrName>
-                                        </p:attrNameLst>
-                                      </p:cBhvr>
-                                      <p:to>
-                                        <p:strVal val="visible"/>
-                                      </p:to>
-                                    </p:set>
-                                    <p:anim calcmode="lin" valueType="num">
-                                      <p:cBhvr additive="base">
-                                        <p:cTn id="11" dur="500"/>
-                                        <p:tgtEl>
-                                          <p:spTgt spid="3">
-                                            <p:txEl>
-                                              <p:pRg st="1" end="1"/>
-                                            </p:txEl>
-                                          </p:spTgt>
-                                        </p:tgtEl>
-                                        <p:attrNameLst>
-                                          <p:attrName>ppt_y</p:attrName>
-                                        </p:attrNameLst>
-                                      </p:cBhvr>
-                                      <p:tavLst>
-                                        <p:tav tm="0">
-                                          <p:val>
-                                            <p:strVal val="#ppt_y+#ppt_h*1.125000"/>
-                                          </p:val>
-                                        </p:tav>
-                                        <p:tav tm="100000">
-                                          <p:val>
-                                            <p:strVal val="#ppt_y"/>
-                                          </p:val>
-                                        </p:tav>
-                                      </p:tavLst>
-                                    </p:anim>
-                                    <p:animEffect transition="in" filter="wipe(up)">
-                                      <p:cBhvr>
-                                        <p:cTn id="12" dur="500"/>
-                                        <p:tgtEl>
-                                          <p:spTgt spid="3">
-                                            <p:txEl>
-                                              <p:pRg st="1" end="1"/>
-                                            </p:txEl>
-                                          </p:spTgt>
-                                        </p:tgtEl>
-                                      </p:cBhvr>
-                                    </p:animEffect>
-                                  </p:childTnLst>
-                                </p:cTn>
-                              </p:par>
-                            </p:childTnLst>
-                          </p:cTn>
-                        </p:par>
-                      </p:childTnLst>
-                    </p:cTn>
-                  </p:par>
-                  <p:par>
-                    <p:cTn id="13" fill="hold">
-                      <p:stCondLst>
-                        <p:cond delay="indefinite"/>
-                      </p:stCondLst>
-                      <p:childTnLst>
-                        <p:par>
-                          <p:cTn id="14" fill="hold">
-                            <p:stCondLst>
-                              <p:cond delay="0"/>
-                            </p:stCondLst>
-                            <p:childTnLst>
-                              <p:par>
-                                <p:cTn id="15" presetID="2" presetClass="entr" presetSubtype="4" fill="hold" nodeType="clickEffect">
-                                  <p:stCondLst>
-                                    <p:cond delay="0"/>
-                                  </p:stCondLst>
-                                  <p:childTnLst>
-                                    <p:set>
-                                      <p:cBhvr>
-                                        <p:cTn id="16" dur="1" fill="hold">
-                                          <p:stCondLst>
-                                            <p:cond delay="0"/>
-                                          </p:stCondLst>
-                                        </p:cTn>
-                                        <p:tgtEl>
-                                          <p:spTgt spid="3">
-                                            <p:txEl>
-                                              <p:pRg st="2" end="2"/>
-                                            </p:txEl>
-                                          </p:spTgt>
-                                        </p:tgtEl>
-                                        <p:attrNameLst>
-                                          <p:attrName>style.visibility</p:attrName>
-                                        </p:attrNameLst>
-                                      </p:cBhvr>
-                                      <p:to>
-                                        <p:strVal val="visible"/>
-                                      </p:to>
-                                    </p:set>
-                                    <p:anim calcmode="lin" valueType="num">
-                                      <p:cBhvr additive="base">
-                                        <p:cTn id="17" dur="500" fill="hold"/>
-                                        <p:tgtEl>
-                                          <p:spTgt spid="3">
-                                            <p:txEl>
-                                              <p:pRg st="2" end="2"/>
-                                            </p:txEl>
-                                          </p:spTgt>
-                                        </p:tgtEl>
-                                        <p:attrNameLst>
-                                          <p:attrName>ppt_x</p:attrName>
-                                        </p:attrNameLst>
-                                      </p:cBhvr>
-                                      <p:tavLst>
-                                        <p:tav tm="0">
-                                          <p:val>
-                                            <p:strVal val="#ppt_x"/>
-                                          </p:val>
-                                        </p:tav>
-                                        <p:tav tm="100000">
-                                          <p:val>
-                                            <p:strVal val="#ppt_x"/>
-                                          </p:val>
-                                        </p:tav>
-                                      </p:tavLst>
-                                    </p:anim>
-                                    <p:anim calcmode="lin" valueType="num">
-                                      <p:cBhvr additive="base">
-                                        <p:cTn id="18" dur="500" fill="hold"/>
-                                        <p:tgtEl>
-                                          <p:spTgt spid="3">
-                                            <p:txEl>
-                                              <p:pRg st="2" end="2"/>
-                                            </p:txEl>
-                                          </p:spTgt>
-                                        </p:tgtEl>
-                                        <p:attrNameLst>
-                                          <p:attrName>ppt_y</p:attrName>
-                                        </p:attrNameLst>
-                                      </p:cBhvr>
-                                      <p:tavLst>
-                                        <p:tav tm="0">
-                                          <p:val>
-                                            <p:strVal val="1+#ppt_h/2"/>
-                                          </p:val>
-                                        </p:tav>
-                                        <p:tav tm="100000">
-                                          <p:val>
-                                            <p:strVal val="#ppt_y"/>
-                                          </p:val>
-                                        </p:tav>
-                                      </p:tavLst>
-                                    </p:anim>
-                                  </p:childTnLst>
-                                </p:cTn>
-                              </p:par>
-                            </p:childTnLst>
-                          </p:cTn>
-                        </p:par>
-                      </p:childTnLst>
-                    </p:cTn>
-                  </p:par>
-                  <p:par>
-                    <p:cTn id="19" fill="hold">
-                      <p:stCondLst>
-                        <p:cond delay="indefinite"/>
-                      </p:stCondLst>
-                      <p:childTnLst>
-                        <p:par>
-                          <p:cTn id="20" fill="hold">
-                            <p:stCondLst>
-                              <p:cond delay="0"/>
-                            </p:stCondLst>
-                            <p:childTnLst>
-                              <p:par>
-                                <p:cTn id="21" presetID="2" presetClass="entr" presetSubtype="4" fill="hold" nodeType="clickEffect">
-                                  <p:stCondLst>
-                                    <p:cond delay="0"/>
-                                  </p:stCondLst>
-                                  <p:childTnLst>
-                                    <p:set>
-                                      <p:cBhvr>
-                                        <p:cTn id="22" dur="1" fill="hold">
-                                          <p:stCondLst>
-                                            <p:cond delay="0"/>
-                                          </p:stCondLst>
-                                        </p:cTn>
-                                        <p:tgtEl>
-                                          <p:spTgt spid="3">
-                                            <p:txEl>
-                                              <p:pRg st="3" end="3"/>
-                                            </p:txEl>
-                                          </p:spTgt>
-                                        </p:tgtEl>
-                                        <p:attrNameLst>
-                                          <p:attrName>style.visibility</p:attrName>
-                                        </p:attrNameLst>
-                                      </p:cBhvr>
-                                      <p:to>
-                                        <p:strVal val="visible"/>
-                                      </p:to>
-                                    </p:set>
-                                    <p:anim calcmode="lin" valueType="num">
-                                      <p:cBhvr additive="base">
-                                        <p:cTn id="23" dur="500" fill="hold"/>
-                                        <p:tgtEl>
-                                          <p:spTgt spid="3">
-                                            <p:txEl>
-                                              <p:pRg st="3" end="3"/>
-                                            </p:txEl>
-                                          </p:spTgt>
-                                        </p:tgtEl>
-                                        <p:attrNameLst>
-                                          <p:attrName>ppt_x</p:attrName>
-                                        </p:attrNameLst>
-                                      </p:cBhvr>
-                                      <p:tavLst>
-                                        <p:tav tm="0">
-                                          <p:val>
-                                            <p:strVal val="#ppt_x"/>
-                                          </p:val>
-                                        </p:tav>
-                                        <p:tav tm="100000">
-                                          <p:val>
-                                            <p:strVal val="#ppt_x"/>
-                                          </p:val>
-                                        </p:tav>
-                                      </p:tavLst>
-                                    </p:anim>
-                                    <p:anim calcmode="lin" valueType="num">
-                                      <p:cBhvr additive="base">
-                                        <p:cTn id="24" dur="500" fill="hold"/>
-                                        <p:tgtEl>
-                                          <p:spTgt spid="3">
-                                            <p:txEl>
-                                              <p:pRg st="3" end="3"/>
-                                            </p:txEl>
-                                          </p:spTgt>
-                                        </p:tgtEl>
-                                        <p:attrNameLst>
-                                          <p:attrName>ppt_y</p:attrName>
-                                        </p:attrNameLst>
-                                      </p:cBhvr>
-                                      <p:tavLst>
-                                        <p:tav tm="0">
-                                          <p:val>
-                                            <p:strVal val="1+#ppt_h/2"/>
-                                          </p:val>
-                                        </p:tav>
-                                        <p:tav tm="100000">
-                                          <p:val>
-                                            <p:strVal val="#ppt_y"/>
-                                          </p:val>
-                                        </p:tav>
-                                      </p:tavLst>
-                                    </p:anim>
-                                  </p:childTnLst>
-                                </p:cTn>
-                              </p:par>
-                            </p:childTnLst>
-                          </p:cTn>
-                        </p:par>
-                      </p:childTnLst>
-                    </p:cTn>
-                  </p:par>
-                  <p:par>
-                    <p:cTn id="25" fill="hold">
-                      <p:stCondLst>
-                        <p:cond delay="indefinite"/>
-                      </p:stCondLst>
-                      <p:childTnLst>
-                        <p:par>
-                          <p:cTn id="26" fill="hold">
-                            <p:stCondLst>
-                              <p:cond delay="0"/>
-                            </p:stCondLst>
-                            <p:childTnLst>
-                              <p:par>
-                                <p:cTn id="27" presetID="2" presetClass="entr" presetSubtype="4" fill="hold" nodeType="clickEffect">
-                                  <p:stCondLst>
-                                    <p:cond delay="0"/>
-                                  </p:stCondLst>
-                                  <p:childTnLst>
-                                    <p:set>
-                                      <p:cBhvr>
-                                        <p:cTn id="28" dur="1" fill="hold">
-                                          <p:stCondLst>
-                                            <p:cond delay="0"/>
-                                          </p:stCondLst>
-                                        </p:cTn>
-                                        <p:tgtEl>
-                                          <p:spTgt spid="3">
-                                            <p:txEl>
-                                              <p:pRg st="4" end="4"/>
-                                            </p:txEl>
-                                          </p:spTgt>
-                                        </p:tgtEl>
-                                        <p:attrNameLst>
-                                          <p:attrName>style.visibility</p:attrName>
-                                        </p:attrNameLst>
-                                      </p:cBhvr>
-                                      <p:to>
-                                        <p:strVal val="visible"/>
-                                      </p:to>
-                                    </p:set>
-                                    <p:anim calcmode="lin" valueType="num">
-                                      <p:cBhvr additive="base">
-                                        <p:cTn id="29" dur="500" fill="hold"/>
-                                        <p:tgtEl>
-                                          <p:spTgt spid="3">
-                                            <p:txEl>
-                                              <p:pRg st="4" end="4"/>
-                                            </p:txEl>
-                                          </p:spTgt>
-                                        </p:tgtEl>
-                                        <p:attrNameLst>
-                                          <p:attrName>ppt_x</p:attrName>
-                                        </p:attrNameLst>
-                                      </p:cBhvr>
-                                      <p:tavLst>
-                                        <p:tav tm="0">
-                                          <p:val>
-                                            <p:strVal val="#ppt_x"/>
-                                          </p:val>
-                                        </p:tav>
-                                        <p:tav tm="100000">
-                                          <p:val>
-                                            <p:strVal val="#ppt_x"/>
-                                          </p:val>
-                                        </p:tav>
-                                      </p:tavLst>
-                                    </p:anim>
-                                    <p:anim calcmode="lin" valueType="num">
-                                      <p:cBhvr additive="base">
-                                        <p:cTn id="30" dur="500" fill="hold"/>
-                                        <p:tgtEl>
-                                          <p:spTgt spid="3">
-                                            <p:txEl>
-                                              <p:pRg st="4" end="4"/>
-                                            </p:txEl>
-                                          </p:spTgt>
-                                        </p:tgtEl>
-                                        <p:attrNameLst>
-                                          <p:attrName>ppt_y</p:attrName>
-                                        </p:attrNameLst>
-                                      </p:cBhvr>
-                                      <p:tavLst>
-                                        <p:tav tm="0">
-                                          <p:val>
-                                            <p:strVal val="1+#ppt_h/2"/>
-                                          </p:val>
-                                        </p:tav>
-                                        <p:tav tm="100000">
-                                          <p:val>
-                                            <p:strVal val="#ppt_y"/>
-                                          </p:val>
-                                        </p:tav>
-                                      </p:tavLst>
-                                    </p:anim>
-                                  </p:childTnLst>
-                                </p:cTn>
-                              </p:par>
-                            </p:childTnLst>
-                          </p:cTn>
-                        </p:par>
-                      </p:childTnLst>
-                    </p:cTn>
-                  </p:par>
-                </p:childTnLst>
-              </p:cTn>
-              <p:prevCondLst>
-                <p:cond evt="onPrev" delay="0">
-                  <p:tgtEl>
-                    <p:sldTgt/>
-                  </p:tgtEl>
-                </p:cond>
-              </p:prevCondLst>
-              <p:nextCondLst>
-                <p:cond evt="onNext" delay="0">
-                  <p:tgtEl>
-                    <p:sldTgt/>
-                  </p:tgtEl>
-                </p:cond>
-              </p:nextCondLst>
-            </p:seq>
-          </p:childTnLst>
-        </p:cTn>
-      </p:par>
-    </p:tnLst>
-  </p:timing>
 </p:sld>
 </file>
 
-<file path=ppt/slides/slide3.xml><?xml version="1.0" encoding="utf-8"?>
+<file path=ppt/slides/slide13.xml><?xml version="1.0" encoding="utf-8"?>
 <p:sld xmlns:a="http://schemas.openxmlformats.org/drawingml/2006/main" xmlns:r="http://schemas.openxmlformats.org/officeDocument/2006/relationships" xmlns:p="http://schemas.openxmlformats.org/presentationml/2006/main">
   <p:cSld>
     <p:spTree>
@@ -9886,170 +10333,407 @@
           <a:lstStyle/>
           <a:p>
             <a:r>
-              <a:rPr lang="en-US" altLang="zh-CN" dirty="0" smtClean="0">
-                <a:latin typeface="华文细黑"/>
-                <a:ea typeface="华文细黑"/>
-                <a:cs typeface="华文细黑"/>
-              </a:rPr>
-              <a:t>VISION</a:t>
+              <a:rPr lang="zh-CN" altLang="en-US" dirty="0" smtClean="0"/>
+              <a:t>基座单元布局</a:t>
             </a:r>
-            <a:endParaRPr lang="en-US" dirty="0">
-              <a:latin typeface="华文细黑"/>
-              <a:ea typeface="华文细黑"/>
-              <a:cs typeface="华文细黑"/>
-            </a:endParaRPr>
+            <a:endParaRPr lang="en-US" dirty="0"/>
           </a:p>
         </p:txBody>
       </p:sp>
-      <p:pic>
-        <p:nvPicPr>
-          <p:cNvPr id="4" name="Content Placeholder 3" descr="ball1.jpg"/>
-          <p:cNvPicPr>
-            <a:picLocks noGrp="1" noChangeAspect="1"/>
-          </p:cNvPicPr>
-          <p:nvPr>
-            <p:ph idx="1"/>
-          </p:nvPr>
-        </p:nvPicPr>
-        <p:blipFill rotWithShape="1">
-          <a:blip r:embed="rId2" cstate="print">
-            <a:extLst>
-              <a:ext uri="{28A0092B-C50C-407E-A947-70E740481C1C}">
-                <a14:useLocalDpi xmlns:a14="http://schemas.microsoft.com/office/drawing/2010/main" val="0"/>
-              </a:ext>
-            </a:extLst>
-          </a:blip>
-          <a:srcRect l="1164" t="13940" r="2138" b="34007"/>
-          <a:stretch/>
-        </p:blipFill>
+      <p:sp>
+        <p:nvSpPr>
+          <p:cNvPr id="4" name="Hexagon 3"/>
+          <p:cNvSpPr/>
+          <p:nvPr/>
+        </p:nvSpPr>
         <p:spPr>
           <a:xfrm>
-            <a:off x="1029734" y="2157574"/>
-            <a:ext cx="7331629" cy="3156221"/>
+            <a:off x="4241860" y="3460375"/>
+            <a:ext cx="1060704" cy="914400"/>
           </a:xfrm>
-          <a:prstGeom prst="rect">
+          <a:prstGeom prst="hexagon">
             <a:avLst/>
           </a:prstGeom>
-          <a:ln>
-            <a:noFill/>
-          </a:ln>
-          <a:effectLst>
-            <a:softEdge rad="112500"/>
-          </a:effectLst>
         </p:spPr>
-      </p:pic>
+        <p:style>
+          <a:lnRef idx="1">
+            <a:schemeClr val="accent1"/>
+          </a:lnRef>
+          <a:fillRef idx="3">
+            <a:schemeClr val="accent1"/>
+          </a:fillRef>
+          <a:effectRef idx="2">
+            <a:schemeClr val="accent1"/>
+          </a:effectRef>
+          <a:fontRef idx="minor">
+            <a:schemeClr val="lt1"/>
+          </a:fontRef>
+        </p:style>
+        <p:txBody>
+          <a:bodyPr rtlCol="0" anchor="ctr"/>
+          <a:lstStyle/>
+          <a:p>
+            <a:pPr algn="ctr"/>
+            <a:endParaRPr lang="en-US"/>
+          </a:p>
+        </p:txBody>
+      </p:sp>
+      <p:sp>
+        <p:nvSpPr>
+          <p:cNvPr id="5" name="Hexagon 4"/>
+          <p:cNvSpPr/>
+          <p:nvPr/>
+        </p:nvSpPr>
+        <p:spPr>
+          <a:xfrm>
+            <a:off x="3406708" y="2934446"/>
+            <a:ext cx="1060704" cy="914400"/>
+          </a:xfrm>
+          <a:prstGeom prst="hexagon">
+            <a:avLst/>
+          </a:prstGeom>
+        </p:spPr>
+        <p:style>
+          <a:lnRef idx="1">
+            <a:schemeClr val="accent1"/>
+          </a:lnRef>
+          <a:fillRef idx="3">
+            <a:schemeClr val="accent1"/>
+          </a:fillRef>
+          <a:effectRef idx="2">
+            <a:schemeClr val="accent1"/>
+          </a:effectRef>
+          <a:fontRef idx="minor">
+            <a:schemeClr val="lt1"/>
+          </a:fontRef>
+        </p:style>
+        <p:txBody>
+          <a:bodyPr rtlCol="0" anchor="ctr"/>
+          <a:lstStyle/>
+          <a:p>
+            <a:pPr algn="ctr"/>
+            <a:endParaRPr lang="en-US"/>
+          </a:p>
+        </p:txBody>
+      </p:sp>
+      <p:sp>
+        <p:nvSpPr>
+          <p:cNvPr id="6" name="Hexagon 5"/>
+          <p:cNvSpPr/>
+          <p:nvPr/>
+        </p:nvSpPr>
+        <p:spPr>
+          <a:xfrm>
+            <a:off x="3406708" y="3851835"/>
+            <a:ext cx="1060704" cy="914400"/>
+          </a:xfrm>
+          <a:prstGeom prst="hexagon">
+            <a:avLst/>
+          </a:prstGeom>
+        </p:spPr>
+        <p:style>
+          <a:lnRef idx="1">
+            <a:schemeClr val="accent1"/>
+          </a:lnRef>
+          <a:fillRef idx="3">
+            <a:schemeClr val="accent1"/>
+          </a:fillRef>
+          <a:effectRef idx="2">
+            <a:schemeClr val="accent1"/>
+          </a:effectRef>
+          <a:fontRef idx="minor">
+            <a:schemeClr val="lt1"/>
+          </a:fontRef>
+        </p:style>
+        <p:txBody>
+          <a:bodyPr rtlCol="0" anchor="ctr"/>
+          <a:lstStyle/>
+          <a:p>
+            <a:pPr algn="ctr"/>
+            <a:endParaRPr lang="en-US"/>
+          </a:p>
+        </p:txBody>
+      </p:sp>
+      <p:sp>
+        <p:nvSpPr>
+          <p:cNvPr id="7" name="Hexagon 6"/>
+          <p:cNvSpPr/>
+          <p:nvPr/>
+        </p:nvSpPr>
+        <p:spPr>
+          <a:xfrm>
+            <a:off x="2498165" y="3433481"/>
+            <a:ext cx="1060704" cy="914400"/>
+          </a:xfrm>
+          <a:prstGeom prst="hexagon">
+            <a:avLst/>
+          </a:prstGeom>
+        </p:spPr>
+        <p:style>
+          <a:lnRef idx="1">
+            <a:schemeClr val="accent1"/>
+          </a:lnRef>
+          <a:fillRef idx="3">
+            <a:schemeClr val="accent1"/>
+          </a:fillRef>
+          <a:effectRef idx="2">
+            <a:schemeClr val="accent1"/>
+          </a:effectRef>
+          <a:fontRef idx="minor">
+            <a:schemeClr val="lt1"/>
+          </a:fontRef>
+        </p:style>
+        <p:txBody>
+          <a:bodyPr rtlCol="0" anchor="ctr"/>
+          <a:lstStyle/>
+          <a:p>
+            <a:pPr algn="ctr"/>
+            <a:endParaRPr lang="en-US"/>
+          </a:p>
+        </p:txBody>
+      </p:sp>
+      <p:sp>
+        <p:nvSpPr>
+          <p:cNvPr id="8" name="Hexagon 7"/>
+          <p:cNvSpPr/>
+          <p:nvPr/>
+        </p:nvSpPr>
+        <p:spPr>
+          <a:xfrm>
+            <a:off x="4241860" y="2501152"/>
+            <a:ext cx="1060704" cy="914400"/>
+          </a:xfrm>
+          <a:prstGeom prst="hexagon">
+            <a:avLst/>
+          </a:prstGeom>
+        </p:spPr>
+        <p:style>
+          <a:lnRef idx="1">
+            <a:schemeClr val="accent1"/>
+          </a:lnRef>
+          <a:fillRef idx="3">
+            <a:schemeClr val="accent1"/>
+          </a:fillRef>
+          <a:effectRef idx="2">
+            <a:schemeClr val="accent1"/>
+          </a:effectRef>
+          <a:fontRef idx="minor">
+            <a:schemeClr val="lt1"/>
+          </a:fontRef>
+        </p:style>
+        <p:txBody>
+          <a:bodyPr rtlCol="0" anchor="ctr"/>
+          <a:lstStyle/>
+          <a:p>
+            <a:pPr algn="ctr"/>
+            <a:endParaRPr lang="en-US"/>
+          </a:p>
+        </p:txBody>
+      </p:sp>
+      <p:sp>
+        <p:nvSpPr>
+          <p:cNvPr id="9" name="Hexagon 8"/>
+          <p:cNvSpPr/>
+          <p:nvPr/>
+        </p:nvSpPr>
+        <p:spPr>
+          <a:xfrm>
+            <a:off x="3406708" y="2020046"/>
+            <a:ext cx="1060704" cy="914400"/>
+          </a:xfrm>
+          <a:prstGeom prst="hexagon">
+            <a:avLst/>
+          </a:prstGeom>
+        </p:spPr>
+        <p:style>
+          <a:lnRef idx="1">
+            <a:schemeClr val="accent1"/>
+          </a:lnRef>
+          <a:fillRef idx="3">
+            <a:schemeClr val="accent1"/>
+          </a:fillRef>
+          <a:effectRef idx="2">
+            <a:schemeClr val="accent1"/>
+          </a:effectRef>
+          <a:fontRef idx="minor">
+            <a:schemeClr val="lt1"/>
+          </a:fontRef>
+        </p:style>
+        <p:txBody>
+          <a:bodyPr rtlCol="0" anchor="ctr"/>
+          <a:lstStyle/>
+          <a:p>
+            <a:pPr algn="ctr"/>
+            <a:endParaRPr lang="en-US"/>
+          </a:p>
+        </p:txBody>
+      </p:sp>
+      <p:sp>
+        <p:nvSpPr>
+          <p:cNvPr id="10" name="Hexagon 9"/>
+          <p:cNvSpPr/>
+          <p:nvPr/>
+        </p:nvSpPr>
+        <p:spPr>
+          <a:xfrm>
+            <a:off x="2498165" y="2477246"/>
+            <a:ext cx="1060704" cy="914400"/>
+          </a:xfrm>
+          <a:prstGeom prst="hexagon">
+            <a:avLst/>
+          </a:prstGeom>
+        </p:spPr>
+        <p:style>
+          <a:lnRef idx="1">
+            <a:schemeClr val="accent1"/>
+          </a:lnRef>
+          <a:fillRef idx="3">
+            <a:schemeClr val="accent1"/>
+          </a:fillRef>
+          <a:effectRef idx="2">
+            <a:schemeClr val="accent1"/>
+          </a:effectRef>
+          <a:fontRef idx="minor">
+            <a:schemeClr val="lt1"/>
+          </a:fontRef>
+        </p:style>
+        <p:txBody>
+          <a:bodyPr rtlCol="0" anchor="ctr"/>
+          <a:lstStyle/>
+          <a:p>
+            <a:pPr algn="ctr"/>
+            <a:endParaRPr lang="en-US"/>
+          </a:p>
+        </p:txBody>
+      </p:sp>
+      <p:sp>
+        <p:nvSpPr>
+          <p:cNvPr id="11" name="Oval 10"/>
+          <p:cNvSpPr/>
+          <p:nvPr/>
+        </p:nvSpPr>
+        <p:spPr>
+          <a:xfrm>
+            <a:off x="2817128" y="2714811"/>
+            <a:ext cx="468497" cy="475131"/>
+          </a:xfrm>
+          <a:prstGeom prst="ellipse">
+            <a:avLst/>
+          </a:prstGeom>
+        </p:spPr>
+        <p:style>
+          <a:lnRef idx="1">
+            <a:schemeClr val="accent1"/>
+          </a:lnRef>
+          <a:fillRef idx="3">
+            <a:schemeClr val="accent1"/>
+          </a:fillRef>
+          <a:effectRef idx="2">
+            <a:schemeClr val="accent1"/>
+          </a:effectRef>
+          <a:fontRef idx="minor">
+            <a:schemeClr val="lt1"/>
+          </a:fontRef>
+        </p:style>
+        <p:txBody>
+          <a:bodyPr rtlCol="0" anchor="ctr"/>
+          <a:lstStyle/>
+          <a:p>
+            <a:pPr algn="ctr"/>
+            <a:endParaRPr lang="en-US"/>
+          </a:p>
+        </p:txBody>
+      </p:sp>
+      <p:sp>
+        <p:nvSpPr>
+          <p:cNvPr id="12" name="Oval 11"/>
+          <p:cNvSpPr/>
+          <p:nvPr/>
+        </p:nvSpPr>
+        <p:spPr>
+          <a:xfrm>
+            <a:off x="3668775" y="4062502"/>
+            <a:ext cx="468497" cy="475131"/>
+          </a:xfrm>
+          <a:prstGeom prst="ellipse">
+            <a:avLst/>
+          </a:prstGeom>
+        </p:spPr>
+        <p:style>
+          <a:lnRef idx="1">
+            <a:schemeClr val="accent1"/>
+          </a:lnRef>
+          <a:fillRef idx="3">
+            <a:schemeClr val="accent1"/>
+          </a:fillRef>
+          <a:effectRef idx="2">
+            <a:schemeClr val="accent1"/>
+          </a:effectRef>
+          <a:fontRef idx="minor">
+            <a:schemeClr val="lt1"/>
+          </a:fontRef>
+        </p:style>
+        <p:txBody>
+          <a:bodyPr rtlCol="0" anchor="ctr"/>
+          <a:lstStyle/>
+          <a:p>
+            <a:pPr algn="ctr"/>
+            <a:endParaRPr lang="en-US"/>
+          </a:p>
+        </p:txBody>
+      </p:sp>
+      <p:sp>
+        <p:nvSpPr>
+          <p:cNvPr id="13" name="Oval 12"/>
+          <p:cNvSpPr/>
+          <p:nvPr/>
+        </p:nvSpPr>
+        <p:spPr>
+          <a:xfrm>
+            <a:off x="4467412" y="2696880"/>
+            <a:ext cx="468497" cy="475131"/>
+          </a:xfrm>
+          <a:prstGeom prst="ellipse">
+            <a:avLst/>
+          </a:prstGeom>
+        </p:spPr>
+        <p:style>
+          <a:lnRef idx="1">
+            <a:schemeClr val="accent1"/>
+          </a:lnRef>
+          <a:fillRef idx="3">
+            <a:schemeClr val="accent1"/>
+          </a:fillRef>
+          <a:effectRef idx="2">
+            <a:schemeClr val="accent1"/>
+          </a:effectRef>
+          <a:fontRef idx="minor">
+            <a:schemeClr val="lt1"/>
+          </a:fontRef>
+        </p:style>
+        <p:txBody>
+          <a:bodyPr rtlCol="0" anchor="ctr"/>
+          <a:lstStyle/>
+          <a:p>
+            <a:pPr algn="ctr"/>
+            <a:endParaRPr lang="en-US"/>
+          </a:p>
+        </p:txBody>
+      </p:sp>
     </p:spTree>
     <p:extLst>
       <p:ext uri="{BB962C8B-B14F-4D97-AF65-F5344CB8AC3E}">
-        <p14:creationId xmlns:p14="http://schemas.microsoft.com/office/powerpoint/2010/main" val="2449091067"/>
+        <p14:creationId xmlns:p14="http://schemas.microsoft.com/office/powerpoint/2010/main" val="1172662031"/>
       </p:ext>
     </p:extLst>
   </p:cSld>
   <p:clrMapOvr>
     <a:masterClrMapping/>
   </p:clrMapOvr>
-  <mc:AlternateContent xmlns:mc="http://schemas.openxmlformats.org/markup-compatibility/2006" xmlns:p14="http://schemas.microsoft.com/office/powerpoint/2010/main">
-    <mc:Choice Requires="p14">
-      <p:transition spd="slow" p14:dur="1400">
-        <p14:ripple/>
-      </p:transition>
-    </mc:Choice>
-    <mc:Fallback xmlns="">
-      <p:transition spd="slow">
-        <p:fade/>
-      </p:transition>
-    </mc:Fallback>
-  </mc:AlternateContent>
-  <p:timing>
-    <p:tnLst>
-      <p:par>
-        <p:cTn xmlns:p14="http://schemas.microsoft.com/office/powerpoint/2010/main" id="1" dur="indefinite" restart="never" nodeType="tmRoot">
-          <p:childTnLst>
-            <p:seq concurrent="1" nextAc="seek">
-              <p:cTn id="2" dur="indefinite" nodeType="mainSeq">
-                <p:childTnLst>
-                  <p:par>
-                    <p:cTn id="3" fill="hold">
-                      <p:stCondLst>
-                        <p:cond delay="indefinite"/>
-                        <p:cond evt="onBegin" delay="0">
-                          <p:tn val="2"/>
-                        </p:cond>
-                      </p:stCondLst>
-                      <p:childTnLst>
-                        <p:par>
-                          <p:cTn id="4" fill="hold">
-                            <p:stCondLst>
-                              <p:cond delay="0"/>
-                            </p:stCondLst>
-                            <p:childTnLst>
-                              <p:par>
-                                <p:cTn id="5" presetID="22" presetClass="entr" presetSubtype="2" fill="hold" nodeType="withEffect">
-                                  <p:stCondLst>
-                                    <p:cond delay="0"/>
-                                  </p:stCondLst>
-                                  <p:childTnLst>
-                                    <p:set>
-                                      <p:cBhvr>
-                                        <p:cTn id="6" dur="1" fill="hold">
-                                          <p:stCondLst>
-                                            <p:cond delay="0"/>
-                                          </p:stCondLst>
-                                        </p:cTn>
-                                        <p:tgtEl>
-                                          <p:spTgt spid="4"/>
-                                        </p:tgtEl>
-                                        <p:attrNameLst>
-                                          <p:attrName>style.visibility</p:attrName>
-                                        </p:attrNameLst>
-                                      </p:cBhvr>
-                                      <p:to>
-                                        <p:strVal val="visible"/>
-                                      </p:to>
-                                    </p:set>
-                                    <p:animEffect transition="in" filter="wipe(right)">
-                                      <p:cBhvr>
-                                        <p:cTn id="7" dur="3500"/>
-                                        <p:tgtEl>
-                                          <p:spTgt spid="4"/>
-                                        </p:tgtEl>
-                                      </p:cBhvr>
-                                    </p:animEffect>
-                                  </p:childTnLst>
-                                </p:cTn>
-                              </p:par>
-                            </p:childTnLst>
-                          </p:cTn>
-                        </p:par>
-                      </p:childTnLst>
-                    </p:cTn>
-                  </p:par>
-                </p:childTnLst>
-              </p:cTn>
-              <p:prevCondLst>
-                <p:cond evt="onPrev" delay="0">
-                  <p:tgtEl>
-                    <p:sldTgt/>
-                  </p:tgtEl>
-                </p:cond>
-              </p:prevCondLst>
-              <p:nextCondLst>
-                <p:cond evt="onNext" delay="0">
-                  <p:tgtEl>
-                    <p:sldTgt/>
-                  </p:tgtEl>
-                </p:cond>
-              </p:nextCondLst>
-            </p:seq>
-          </p:childTnLst>
-        </p:cTn>
-      </p:par>
-    </p:tnLst>
-  </p:timing>
 </p:sld>
 </file>
 
-<file path=ppt/slides/slide4.xml><?xml version="1.0" encoding="utf-8"?>
+<file path=ppt/slides/slide14.xml><?xml version="1.0" encoding="utf-8"?>
 <p:sld xmlns:a="http://schemas.openxmlformats.org/drawingml/2006/main" xmlns:r="http://schemas.openxmlformats.org/officeDocument/2006/relationships" xmlns:p="http://schemas.openxmlformats.org/presentationml/2006/main">
   <p:cSld>
     <p:spTree>
@@ -10082,127 +10766,10 @@
           <a:lstStyle/>
           <a:p>
             <a:r>
-              <a:rPr lang="en-US" altLang="zh-CN" dirty="0" smtClean="0"/>
-              <a:t>VISION</a:t>
+              <a:rPr lang="zh-CN" altLang="en-US" dirty="0" smtClean="0"/>
+              <a:t>水循环流程</a:t>
             </a:r>
             <a:endParaRPr lang="en-US" dirty="0"/>
-          </a:p>
-        </p:txBody>
-      </p:sp>
-      <p:pic>
-        <p:nvPicPr>
-          <p:cNvPr id="4" name="Content Placeholder 3" descr="ball-house.png"/>
-          <p:cNvPicPr>
-            <a:picLocks noGrp="1" noChangeAspect="1"/>
-          </p:cNvPicPr>
-          <p:nvPr>
-            <p:ph idx="1"/>
-          </p:nvPr>
-        </p:nvPicPr>
-        <p:blipFill rotWithShape="1">
-          <a:blip r:embed="rId2">
-            <a:extLst>
-              <a:ext uri="{28A0092B-C50C-407E-A947-70E740481C1C}">
-                <a14:useLocalDpi xmlns:a14="http://schemas.microsoft.com/office/drawing/2010/main" val="0"/>
-              </a:ext>
-            </a:extLst>
-          </a:blip>
-          <a:srcRect t="15243" b="9169"/>
-          <a:stretch/>
-        </p:blipFill>
-        <p:spPr>
-          <a:xfrm>
-            <a:off x="779462" y="1882587"/>
-            <a:ext cx="7581901" cy="4515793"/>
-          </a:xfrm>
-          <a:prstGeom prst="rect">
-            <a:avLst/>
-          </a:prstGeom>
-          <a:ln>
-            <a:noFill/>
-          </a:ln>
-          <a:effectLst>
-            <a:softEdge rad="112500"/>
-          </a:effectLst>
-        </p:spPr>
-      </p:pic>
-    </p:spTree>
-    <p:extLst>
-      <p:ext uri="{BB962C8B-B14F-4D97-AF65-F5344CB8AC3E}">
-        <p14:creationId xmlns:p14="http://schemas.microsoft.com/office/powerpoint/2010/main" val="1421919838"/>
-      </p:ext>
-    </p:extLst>
-  </p:cSld>
-  <p:clrMapOvr>
-    <a:masterClrMapping/>
-  </p:clrMapOvr>
-  <mc:AlternateContent xmlns:mc="http://schemas.openxmlformats.org/markup-compatibility/2006" xmlns:p14="http://schemas.microsoft.com/office/powerpoint/2010/main">
-    <mc:Choice Requires="p14">
-      <p:transition spd="slow" p14:dur="1400">
-        <p14:ripple/>
-      </p:transition>
-    </mc:Choice>
-    <mc:Fallback xmlns="">
-      <p:transition spd="slow">
-        <p:fade/>
-      </p:transition>
-    </mc:Fallback>
-  </mc:AlternateContent>
-  <p:timing>
-    <p:tnLst>
-      <p:par>
-        <p:cTn xmlns:p14="http://schemas.microsoft.com/office/powerpoint/2010/main" id="1" dur="indefinite" restart="never" nodeType="tmRoot"/>
-      </p:par>
-    </p:tnLst>
-  </p:timing>
-</p:sld>
-</file>
-
-<file path=ppt/slides/slide5.xml><?xml version="1.0" encoding="utf-8"?>
-<p:sld xmlns:a="http://schemas.openxmlformats.org/drawingml/2006/main" xmlns:r="http://schemas.openxmlformats.org/officeDocument/2006/relationships" xmlns:p="http://schemas.openxmlformats.org/presentationml/2006/main">
-  <p:cSld>
-    <p:spTree>
-      <p:nvGrpSpPr>
-        <p:cNvPr id="1" name=""/>
-        <p:cNvGrpSpPr/>
-        <p:nvPr/>
-      </p:nvGrpSpPr>
-      <p:grpSpPr>
-        <a:xfrm>
-          <a:off x="0" y="0"/>
-          <a:ext cx="0" cy="0"/>
-          <a:chOff x="0" y="0"/>
-          <a:chExt cx="0" cy="0"/>
-        </a:xfrm>
-      </p:grpSpPr>
-      <p:sp>
-        <p:nvSpPr>
-          <p:cNvPr id="2" name="Title 1"/>
-          <p:cNvSpPr>
-            <a:spLocks noGrp="1"/>
-          </p:cNvSpPr>
-          <p:nvPr>
-            <p:ph type="title"/>
-          </p:nvPr>
-        </p:nvSpPr>
-        <p:spPr/>
-        <p:txBody>
-          <a:bodyPr/>
-          <a:lstStyle/>
-          <a:p>
-            <a:r>
-              <a:rPr lang="zh-CN" altLang="en-US" dirty="0" smtClean="0">
-                <a:latin typeface="华文细黑"/>
-                <a:ea typeface="华文细黑"/>
-                <a:cs typeface="华文细黑"/>
-              </a:rPr>
-              <a:t>技术可行性</a:t>
-            </a:r>
-            <a:endParaRPr lang="en-US" dirty="0">
-              <a:latin typeface="华文细黑"/>
-              <a:ea typeface="华文细黑"/>
-              <a:cs typeface="华文细黑"/>
-            </a:endParaRPr>
           </a:p>
         </p:txBody>
       </p:sp>
@@ -10221,1095 +10788,24 @@
           <a:bodyPr/>
           <a:lstStyle/>
           <a:p>
-            <a:r>
-              <a:rPr lang="zh-CN" altLang="en-US" dirty="0" smtClean="0">
-                <a:latin typeface="华文细黑"/>
-                <a:ea typeface="华文细黑"/>
-                <a:cs typeface="华文细黑"/>
-              </a:rPr>
-              <a:t>所有技术都是基于分布在多行业中的现有成熟技术</a:t>
-            </a:r>
-            <a:endParaRPr lang="en-US" dirty="0">
-              <a:latin typeface="华文细黑"/>
-              <a:ea typeface="华文细黑"/>
-              <a:cs typeface="华文细黑"/>
-            </a:endParaRPr>
+            <a:endParaRPr lang="en-US"/>
           </a:p>
         </p:txBody>
       </p:sp>
-      <p:pic>
-        <p:nvPicPr>
-          <p:cNvPr id="4" name="Picture 3"/>
-          <p:cNvPicPr>
-            <a:picLocks noChangeAspect="1"/>
-          </p:cNvPicPr>
-          <p:nvPr/>
-        </p:nvPicPr>
-        <p:blipFill>
-          <a:blip r:embed="rId2" cstate="print"/>
-          <a:stretch>
-            <a:fillRect/>
-          </a:stretch>
-        </p:blipFill>
-        <p:spPr>
-          <a:xfrm>
-            <a:off x="1101876" y="2927047"/>
-            <a:ext cx="1135743" cy="908915"/>
-          </a:xfrm>
-          <a:prstGeom prst="rect">
-            <a:avLst/>
-          </a:prstGeom>
-        </p:spPr>
-      </p:pic>
-      <p:pic>
-        <p:nvPicPr>
-          <p:cNvPr id="5" name="Picture 4"/>
-          <p:cNvPicPr>
-            <a:picLocks noChangeAspect="1"/>
-          </p:cNvPicPr>
-          <p:nvPr/>
-        </p:nvPicPr>
-        <p:blipFill>
-          <a:blip r:embed="rId3"/>
-          <a:stretch>
-            <a:fillRect/>
-          </a:stretch>
-        </p:blipFill>
-        <p:spPr>
-          <a:xfrm>
-            <a:off x="3511844" y="2332609"/>
-            <a:ext cx="1307344" cy="908915"/>
-          </a:xfrm>
-          <a:prstGeom prst="rect">
-            <a:avLst/>
-          </a:prstGeom>
-        </p:spPr>
-      </p:pic>
-      <p:pic>
-        <p:nvPicPr>
-          <p:cNvPr id="6" name="Picture 5"/>
-          <p:cNvPicPr>
-            <a:picLocks noChangeAspect="1"/>
-          </p:cNvPicPr>
-          <p:nvPr/>
-        </p:nvPicPr>
-        <p:blipFill>
-          <a:blip r:embed="rId4" cstate="print"/>
-          <a:stretch>
-            <a:fillRect/>
-          </a:stretch>
-        </p:blipFill>
-        <p:spPr>
-          <a:xfrm>
-            <a:off x="6168572" y="2927047"/>
-            <a:ext cx="1366761" cy="907143"/>
-          </a:xfrm>
-          <a:prstGeom prst="rect">
-            <a:avLst/>
-          </a:prstGeom>
-        </p:spPr>
-      </p:pic>
-      <p:pic>
-        <p:nvPicPr>
-          <p:cNvPr id="7" name="Picture 6"/>
-          <p:cNvPicPr>
-            <a:picLocks noChangeAspect="1"/>
-          </p:cNvPicPr>
-          <p:nvPr/>
-        </p:nvPicPr>
-        <p:blipFill>
-          <a:blip r:embed="rId5" cstate="print"/>
-          <a:stretch>
-            <a:fillRect/>
-          </a:stretch>
-        </p:blipFill>
-        <p:spPr>
-          <a:xfrm>
-            <a:off x="1101876" y="4782457"/>
-            <a:ext cx="1135743" cy="829733"/>
-          </a:xfrm>
-          <a:prstGeom prst="rect">
-            <a:avLst/>
-          </a:prstGeom>
-        </p:spPr>
-      </p:pic>
-      <p:pic>
-        <p:nvPicPr>
-          <p:cNvPr id="8" name="Picture 7"/>
-          <p:cNvPicPr>
-            <a:picLocks noChangeAspect="1"/>
-          </p:cNvPicPr>
-          <p:nvPr/>
-        </p:nvPicPr>
-        <p:blipFill>
-          <a:blip r:embed="rId6"/>
-          <a:stretch>
-            <a:fillRect/>
-          </a:stretch>
-        </p:blipFill>
-        <p:spPr>
-          <a:xfrm>
-            <a:off x="3511844" y="5836023"/>
-            <a:ext cx="1313860" cy="829733"/>
-          </a:xfrm>
-          <a:prstGeom prst="rect">
-            <a:avLst/>
-          </a:prstGeom>
-        </p:spPr>
-      </p:pic>
-      <p:pic>
-        <p:nvPicPr>
-          <p:cNvPr id="9" name="Picture 8"/>
-          <p:cNvPicPr>
-            <a:picLocks noChangeAspect="1"/>
-          </p:cNvPicPr>
-          <p:nvPr/>
-        </p:nvPicPr>
-        <p:blipFill>
-          <a:blip r:embed="rId7" cstate="print"/>
-          <a:stretch>
-            <a:fillRect/>
-          </a:stretch>
-        </p:blipFill>
-        <p:spPr>
-          <a:xfrm>
-            <a:off x="6023429" y="4782457"/>
-            <a:ext cx="1366761" cy="829734"/>
-          </a:xfrm>
-          <a:prstGeom prst="rect">
-            <a:avLst/>
-          </a:prstGeom>
-        </p:spPr>
-      </p:pic>
-      <p:sp>
-        <p:nvSpPr>
-          <p:cNvPr id="10" name="TextBox 9"/>
-          <p:cNvSpPr txBox="1"/>
-          <p:nvPr/>
-        </p:nvSpPr>
-        <p:spPr>
-          <a:xfrm>
-            <a:off x="1200834" y="3873714"/>
-            <a:ext cx="646331" cy="369332"/>
-          </a:xfrm>
-          <a:prstGeom prst="rect">
-            <a:avLst/>
-          </a:prstGeom>
-          <a:noFill/>
-        </p:spPr>
-        <p:txBody>
-          <a:bodyPr wrap="none" rtlCol="0">
-            <a:spAutoFit/>
-          </a:bodyPr>
-          <a:lstStyle/>
-          <a:p>
-            <a:r>
-              <a:rPr lang="zh-CN" altLang="en-US" dirty="0" smtClean="0"/>
-              <a:t>航空</a:t>
-            </a:r>
-            <a:endParaRPr lang="en-US" altLang="zh-CN" dirty="0" smtClean="0"/>
-          </a:p>
-        </p:txBody>
-      </p:sp>
-      <p:sp>
-        <p:nvSpPr>
-          <p:cNvPr id="11" name="TextBox 10"/>
-          <p:cNvSpPr txBox="1"/>
-          <p:nvPr/>
-        </p:nvSpPr>
-        <p:spPr>
-          <a:xfrm>
-            <a:off x="3789215" y="3129734"/>
-            <a:ext cx="646331" cy="369332"/>
-          </a:xfrm>
-          <a:prstGeom prst="rect">
-            <a:avLst/>
-          </a:prstGeom>
-          <a:noFill/>
-        </p:spPr>
-        <p:txBody>
-          <a:bodyPr wrap="none" rtlCol="0">
-            <a:spAutoFit/>
-          </a:bodyPr>
-          <a:lstStyle/>
-          <a:p>
-            <a:r>
-              <a:rPr lang="zh-CN" altLang="en-US" dirty="0" smtClean="0"/>
-              <a:t>船舶</a:t>
-            </a:r>
-            <a:endParaRPr lang="en-US" dirty="0"/>
-          </a:p>
-        </p:txBody>
-      </p:sp>
-      <p:sp>
-        <p:nvSpPr>
-          <p:cNvPr id="12" name="TextBox 11"/>
-          <p:cNvSpPr txBox="1"/>
-          <p:nvPr/>
-        </p:nvSpPr>
-        <p:spPr>
-          <a:xfrm>
-            <a:off x="6565668" y="3834190"/>
-            <a:ext cx="646331" cy="369332"/>
-          </a:xfrm>
-          <a:prstGeom prst="rect">
-            <a:avLst/>
-          </a:prstGeom>
-          <a:noFill/>
-        </p:spPr>
-        <p:txBody>
-          <a:bodyPr wrap="none" rtlCol="0">
-            <a:spAutoFit/>
-          </a:bodyPr>
-          <a:lstStyle/>
-          <a:p>
-            <a:r>
-              <a:rPr lang="zh-CN" altLang="en-US" dirty="0" smtClean="0"/>
-              <a:t>建筑</a:t>
-            </a:r>
-            <a:endParaRPr lang="en-US" dirty="0"/>
-          </a:p>
-        </p:txBody>
-      </p:sp>
-      <p:sp>
-        <p:nvSpPr>
-          <p:cNvPr id="13" name="TextBox 12"/>
-          <p:cNvSpPr txBox="1"/>
-          <p:nvPr/>
-        </p:nvSpPr>
-        <p:spPr>
-          <a:xfrm>
-            <a:off x="1147002" y="5466692"/>
-            <a:ext cx="1107996" cy="369332"/>
-          </a:xfrm>
-          <a:prstGeom prst="rect">
-            <a:avLst/>
-          </a:prstGeom>
-          <a:noFill/>
-        </p:spPr>
-        <p:txBody>
-          <a:bodyPr wrap="none" rtlCol="0">
-            <a:spAutoFit/>
-          </a:bodyPr>
-          <a:lstStyle/>
-          <a:p>
-            <a:r>
-              <a:rPr lang="zh-CN" altLang="en-US" dirty="0" smtClean="0"/>
-              <a:t>温室农业</a:t>
-            </a:r>
-            <a:endParaRPr lang="en-US" dirty="0"/>
-          </a:p>
-        </p:txBody>
-      </p:sp>
-      <p:sp>
-        <p:nvSpPr>
-          <p:cNvPr id="14" name="TextBox 13"/>
-          <p:cNvSpPr txBox="1"/>
-          <p:nvPr/>
-        </p:nvSpPr>
-        <p:spPr>
-          <a:xfrm>
-            <a:off x="3650716" y="6481090"/>
-            <a:ext cx="1107996" cy="369332"/>
-          </a:xfrm>
-          <a:prstGeom prst="rect">
-            <a:avLst/>
-          </a:prstGeom>
-          <a:noFill/>
-        </p:spPr>
-        <p:txBody>
-          <a:bodyPr wrap="none" rtlCol="0">
-            <a:spAutoFit/>
-          </a:bodyPr>
-          <a:lstStyle/>
-          <a:p>
-            <a:r>
-              <a:rPr lang="zh-CN" altLang="en-US" dirty="0" smtClean="0"/>
-              <a:t>人工生态</a:t>
-            </a:r>
-            <a:endParaRPr lang="en-US" dirty="0"/>
-          </a:p>
-        </p:txBody>
-      </p:sp>
-      <p:sp>
-        <p:nvSpPr>
-          <p:cNvPr id="15" name="TextBox 14"/>
-          <p:cNvSpPr txBox="1"/>
-          <p:nvPr/>
-        </p:nvSpPr>
-        <p:spPr>
-          <a:xfrm>
-            <a:off x="6282194" y="5612191"/>
-            <a:ext cx="1107996" cy="369332"/>
-          </a:xfrm>
-          <a:prstGeom prst="rect">
-            <a:avLst/>
-          </a:prstGeom>
-          <a:noFill/>
-        </p:spPr>
-        <p:txBody>
-          <a:bodyPr wrap="none" rtlCol="0">
-            <a:spAutoFit/>
-          </a:bodyPr>
-          <a:lstStyle/>
-          <a:p>
-            <a:r>
-              <a:rPr lang="zh-CN" altLang="en-US" dirty="0" smtClean="0"/>
-              <a:t>自动控制</a:t>
-            </a:r>
-            <a:endParaRPr lang="en-US" dirty="0"/>
-          </a:p>
-        </p:txBody>
-      </p:sp>
-      <p:pic>
-        <p:nvPicPr>
-          <p:cNvPr id="16" name="Picture 15"/>
-          <p:cNvPicPr>
-            <a:picLocks noChangeAspect="1"/>
-          </p:cNvPicPr>
-          <p:nvPr/>
-        </p:nvPicPr>
-        <p:blipFill>
-          <a:blip r:embed="rId8">
-            <a:extLst>
-              <a:ext uri="{BEBA8EAE-BF5A-486C-A8C5-ECC9F3942E4B}">
-                <a14:imgProps xmlns:a14="http://schemas.microsoft.com/office/drawing/2010/main">
-                  <a14:imgLayer r:embed="rId9">
-                    <a14:imgEffect>
-                      <a14:backgroundRemoval t="0" b="96262" l="33200" r="99800"/>
-                    </a14:imgEffect>
-                  </a14:imgLayer>
-                </a14:imgProps>
-              </a:ext>
-            </a:extLst>
-          </a:blip>
-          <a:stretch>
-            <a:fillRect/>
-          </a:stretch>
-        </p:blipFill>
-        <p:spPr>
-          <a:xfrm>
-            <a:off x="2793999" y="3834190"/>
-            <a:ext cx="2217595" cy="1423696"/>
-          </a:xfrm>
-          <a:prstGeom prst="rect">
-            <a:avLst/>
-          </a:prstGeom>
-        </p:spPr>
-      </p:pic>
     </p:spTree>
     <p:extLst>
       <p:ext uri="{BB962C8B-B14F-4D97-AF65-F5344CB8AC3E}">
-        <p14:creationId xmlns:p14="http://schemas.microsoft.com/office/powerpoint/2010/main" val="2772041136"/>
+        <p14:creationId xmlns:p14="http://schemas.microsoft.com/office/powerpoint/2010/main" val="4215002195"/>
       </p:ext>
     </p:extLst>
   </p:cSld>
   <p:clrMapOvr>
     <a:masterClrMapping/>
   </p:clrMapOvr>
-  <p:timing>
-    <p:tnLst>
-      <p:par>
-        <p:cTn xmlns:p14="http://schemas.microsoft.com/office/powerpoint/2010/main" id="1" dur="indefinite" restart="never" nodeType="tmRoot">
-          <p:childTnLst>
-            <p:seq concurrent="1" nextAc="seek">
-              <p:cTn id="2" dur="indefinite" nodeType="mainSeq">
-                <p:childTnLst>
-                  <p:par>
-                    <p:cTn id="3" fill="hold">
-                      <p:stCondLst>
-                        <p:cond delay="indefinite"/>
-                      </p:stCondLst>
-                      <p:childTnLst>
-                        <p:par>
-                          <p:cTn id="4" fill="hold">
-                            <p:stCondLst>
-                              <p:cond delay="0"/>
-                            </p:stCondLst>
-                            <p:childTnLst>
-                              <p:par>
-                                <p:cTn id="5" presetID="42" presetClass="path" presetSubtype="0" accel="50000" decel="50000" fill="hold" nodeType="clickEffect">
-                                  <p:stCondLst>
-                                    <p:cond delay="0"/>
-                                  </p:stCondLst>
-                                  <p:childTnLst>
-                                    <p:animMotion origin="layout" path="M 1.11111E-6 4.44444E-6 L 0.27639 0.15185 " pathEditMode="relative" rAng="0" ptsTypes="AA">
-                                      <p:cBhvr>
-                                        <p:cTn id="6" dur="2000" fill="hold"/>
-                                        <p:tgtEl>
-                                          <p:spTgt spid="4"/>
-                                        </p:tgtEl>
-                                        <p:attrNameLst>
-                                          <p:attrName>ppt_x</p:attrName>
-                                          <p:attrName>ppt_y</p:attrName>
-                                        </p:attrNameLst>
-                                      </p:cBhvr>
-                                      <p:rCtr x="13819" y="7593"/>
-                                    </p:animMotion>
-                                  </p:childTnLst>
-                                </p:cTn>
-                              </p:par>
-                            </p:childTnLst>
-                          </p:cTn>
-                        </p:par>
-                      </p:childTnLst>
-                    </p:cTn>
-                  </p:par>
-                  <p:par>
-                    <p:cTn id="7" fill="hold">
-                      <p:stCondLst>
-                        <p:cond delay="indefinite"/>
-                      </p:stCondLst>
-                      <p:childTnLst>
-                        <p:par>
-                          <p:cTn id="8" fill="hold">
-                            <p:stCondLst>
-                              <p:cond delay="0"/>
-                            </p:stCondLst>
-                            <p:childTnLst>
-                              <p:par>
-                                <p:cTn id="9" presetID="42" presetClass="path" presetSubtype="0" accel="50000" decel="50000" fill="hold" nodeType="clickEffect">
-                                  <p:stCondLst>
-                                    <p:cond delay="0"/>
-                                  </p:stCondLst>
-                                  <p:childTnLst>
-                                    <p:animMotion origin="layout" path="M 4.44444E-6 0 L 0.00364 0.23889 " pathEditMode="relative" rAng="0" ptsTypes="AA">
-                                      <p:cBhvr>
-                                        <p:cTn id="10" dur="2000" fill="hold"/>
-                                        <p:tgtEl>
-                                          <p:spTgt spid="5"/>
-                                        </p:tgtEl>
-                                        <p:attrNameLst>
-                                          <p:attrName>ppt_x</p:attrName>
-                                          <p:attrName>ppt_y</p:attrName>
-                                        </p:attrNameLst>
-                                      </p:cBhvr>
-                                      <p:rCtr x="174" y="11944"/>
-                                    </p:animMotion>
-                                  </p:childTnLst>
-                                </p:cTn>
-                              </p:par>
-                            </p:childTnLst>
-                          </p:cTn>
-                        </p:par>
-                      </p:childTnLst>
-                    </p:cTn>
-                  </p:par>
-                  <p:par>
-                    <p:cTn id="11" fill="hold">
-                      <p:stCondLst>
-                        <p:cond delay="indefinite"/>
-                      </p:stCondLst>
-                      <p:childTnLst>
-                        <p:par>
-                          <p:cTn id="12" fill="hold">
-                            <p:stCondLst>
-                              <p:cond delay="0"/>
-                            </p:stCondLst>
-                            <p:childTnLst>
-                              <p:par>
-                                <p:cTn id="13" presetID="42" presetClass="path" presetSubtype="0" accel="50000" decel="50000" fill="hold" nodeType="clickEffect">
-                                  <p:stCondLst>
-                                    <p:cond delay="0"/>
-                                  </p:stCondLst>
-                                  <p:childTnLst>
-                                    <p:animMotion origin="layout" path="M 4.44444E-6 -4.07407E-6 L -0.29011 0.15255 " pathEditMode="relative" rAng="0" ptsTypes="AA">
-                                      <p:cBhvr>
-                                        <p:cTn id="14" dur="2000" fill="hold"/>
-                                        <p:tgtEl>
-                                          <p:spTgt spid="6"/>
-                                        </p:tgtEl>
-                                        <p:attrNameLst>
-                                          <p:attrName>ppt_x</p:attrName>
-                                          <p:attrName>ppt_y</p:attrName>
-                                        </p:attrNameLst>
-                                      </p:cBhvr>
-                                      <p:rCtr x="-14514" y="7616"/>
-                                    </p:animMotion>
-                                  </p:childTnLst>
-                                </p:cTn>
-                              </p:par>
-                            </p:childTnLst>
-                          </p:cTn>
-                        </p:par>
-                      </p:childTnLst>
-                    </p:cTn>
-                  </p:par>
-                  <p:par>
-                    <p:cTn id="15" fill="hold">
-                      <p:stCondLst>
-                        <p:cond delay="indefinite"/>
-                      </p:stCondLst>
-                      <p:childTnLst>
-                        <p:par>
-                          <p:cTn id="16" fill="hold">
-                            <p:stCondLst>
-                              <p:cond delay="0"/>
-                            </p:stCondLst>
-                            <p:childTnLst>
-                              <p:par>
-                                <p:cTn id="17" presetID="42" presetClass="path" presetSubtype="0" accel="50000" decel="50000" fill="hold" nodeType="clickEffect">
-                                  <p:stCondLst>
-                                    <p:cond delay="0"/>
-                                  </p:stCondLst>
-                                  <p:childTnLst>
-                                    <p:animMotion origin="layout" path="M -3.33333E-6 -3.7037E-7 L -0.27395 -0.11273 " pathEditMode="relative" rAng="0" ptsTypes="AA">
-                                      <p:cBhvr>
-                                        <p:cTn id="18" dur="2000" fill="hold"/>
-                                        <p:tgtEl>
-                                          <p:spTgt spid="9"/>
-                                        </p:tgtEl>
-                                        <p:attrNameLst>
-                                          <p:attrName>ppt_x</p:attrName>
-                                          <p:attrName>ppt_y</p:attrName>
-                                        </p:attrNameLst>
-                                      </p:cBhvr>
-                                      <p:rCtr x="-13698" y="-5648"/>
-                                    </p:animMotion>
-                                  </p:childTnLst>
-                                </p:cTn>
-                              </p:par>
-                            </p:childTnLst>
-                          </p:cTn>
-                        </p:par>
-                      </p:childTnLst>
-                    </p:cTn>
-                  </p:par>
-                  <p:par>
-                    <p:cTn id="19" fill="hold">
-                      <p:stCondLst>
-                        <p:cond delay="indefinite"/>
-                      </p:stCondLst>
-                      <p:childTnLst>
-                        <p:par>
-                          <p:cTn id="20" fill="hold">
-                            <p:stCondLst>
-                              <p:cond delay="0"/>
-                            </p:stCondLst>
-                            <p:childTnLst>
-                              <p:par>
-                                <p:cTn id="21" presetID="42" presetClass="path" presetSubtype="0" accel="50000" decel="50000" fill="hold" nodeType="clickEffect">
-                                  <p:stCondLst>
-                                    <p:cond delay="0"/>
-                                  </p:stCondLst>
-                                  <p:childTnLst>
-                                    <p:animMotion origin="layout" path="M -2.77778E-6 -2.59259E-6 L 0.00348 -0.26574 " pathEditMode="relative" rAng="0" ptsTypes="AA">
-                                      <p:cBhvr>
-                                        <p:cTn id="22" dur="2000" fill="hold"/>
-                                        <p:tgtEl>
-                                          <p:spTgt spid="8"/>
-                                        </p:tgtEl>
-                                        <p:attrNameLst>
-                                          <p:attrName>ppt_x</p:attrName>
-                                          <p:attrName>ppt_y</p:attrName>
-                                        </p:attrNameLst>
-                                      </p:cBhvr>
-                                      <p:rCtr x="174" y="-13287"/>
-                                    </p:animMotion>
-                                  </p:childTnLst>
-                                </p:cTn>
-                              </p:par>
-                            </p:childTnLst>
-                          </p:cTn>
-                        </p:par>
-                      </p:childTnLst>
-                    </p:cTn>
-                  </p:par>
-                  <p:par>
-                    <p:cTn id="23" fill="hold">
-                      <p:stCondLst>
-                        <p:cond delay="indefinite"/>
-                      </p:stCondLst>
-                      <p:childTnLst>
-                        <p:par>
-                          <p:cTn id="24" fill="hold">
-                            <p:stCondLst>
-                              <p:cond delay="0"/>
-                            </p:stCondLst>
-                            <p:childTnLst>
-                              <p:par>
-                                <p:cTn id="25" presetID="42" presetClass="path" presetSubtype="0" accel="50000" decel="50000" fill="hold" nodeType="clickEffect">
-                                  <p:stCondLst>
-                                    <p:cond delay="0"/>
-                                  </p:stCondLst>
-                                  <p:childTnLst>
-                                    <p:animMotion origin="layout" path="M 1.11111E-6 -3.7037E-7 L 0.27691 -0.11227 " pathEditMode="relative" rAng="0" ptsTypes="AA">
-                                      <p:cBhvr>
-                                        <p:cTn id="26" dur="2000" fill="hold"/>
-                                        <p:tgtEl>
-                                          <p:spTgt spid="7"/>
-                                        </p:tgtEl>
-                                        <p:attrNameLst>
-                                          <p:attrName>ppt_x</p:attrName>
-                                          <p:attrName>ppt_y</p:attrName>
-                                        </p:attrNameLst>
-                                      </p:cBhvr>
-                                      <p:rCtr x="13837" y="-5625"/>
-                                    </p:animMotion>
-                                  </p:childTnLst>
-                                </p:cTn>
-                              </p:par>
-                            </p:childTnLst>
-                          </p:cTn>
-                        </p:par>
-                      </p:childTnLst>
-                    </p:cTn>
-                  </p:par>
-                </p:childTnLst>
-              </p:cTn>
-              <p:prevCondLst>
-                <p:cond evt="onPrev" delay="0">
-                  <p:tgtEl>
-                    <p:sldTgt/>
-                  </p:tgtEl>
-                </p:cond>
-              </p:prevCondLst>
-              <p:nextCondLst>
-                <p:cond evt="onNext" delay="0">
-                  <p:tgtEl>
-                    <p:sldTgt/>
-                  </p:tgtEl>
-                </p:cond>
-              </p:nextCondLst>
-            </p:seq>
-          </p:childTnLst>
-        </p:cTn>
-      </p:par>
-    </p:tnLst>
-  </p:timing>
 </p:sld>
 </file>
 
-<file path=ppt/slides/slide6.xml><?xml version="1.0" encoding="utf-8"?>
-<p:sld xmlns:a="http://schemas.openxmlformats.org/drawingml/2006/main" xmlns:r="http://schemas.openxmlformats.org/officeDocument/2006/relationships" xmlns:p="http://schemas.openxmlformats.org/presentationml/2006/main">
-  <p:cSld>
-    <p:spTree>
-      <p:nvGrpSpPr>
-        <p:cNvPr id="1" name=""/>
-        <p:cNvGrpSpPr/>
-        <p:nvPr/>
-      </p:nvGrpSpPr>
-      <p:grpSpPr>
-        <a:xfrm>
-          <a:off x="0" y="0"/>
-          <a:ext cx="0" cy="0"/>
-          <a:chOff x="0" y="0"/>
-          <a:chExt cx="0" cy="0"/>
-        </a:xfrm>
-      </p:grpSpPr>
-      <p:sp>
-        <p:nvSpPr>
-          <p:cNvPr id="2" name="Title 1"/>
-          <p:cNvSpPr>
-            <a:spLocks noGrp="1"/>
-          </p:cNvSpPr>
-          <p:nvPr>
-            <p:ph type="title"/>
-          </p:nvPr>
-        </p:nvSpPr>
-        <p:spPr/>
-        <p:txBody>
-          <a:bodyPr/>
-          <a:lstStyle/>
-          <a:p>
-            <a:r>
-              <a:rPr lang="zh-CN" altLang="en-US" dirty="0" smtClean="0">
-                <a:latin typeface="华文细黑"/>
-                <a:ea typeface="华文细黑"/>
-                <a:cs typeface="华文细黑"/>
-              </a:rPr>
-              <a:t>市场需求</a:t>
-            </a:r>
-            <a:endParaRPr lang="en-US" dirty="0">
-              <a:latin typeface="华文细黑"/>
-              <a:ea typeface="华文细黑"/>
-              <a:cs typeface="华文细黑"/>
-            </a:endParaRPr>
-          </a:p>
-        </p:txBody>
-      </p:sp>
-      <p:sp>
-        <p:nvSpPr>
-          <p:cNvPr id="3" name="Content Placeholder 2"/>
-          <p:cNvSpPr>
-            <a:spLocks noGrp="1"/>
-          </p:cNvSpPr>
-          <p:nvPr>
-            <p:ph idx="1"/>
-          </p:nvPr>
-        </p:nvSpPr>
-        <p:spPr>
-          <a:xfrm>
-            <a:off x="557940" y="1882588"/>
-            <a:ext cx="8198602" cy="3953436"/>
-          </a:xfrm>
-        </p:spPr>
-        <p:txBody>
-          <a:bodyPr>
-            <a:normAutofit/>
-          </a:bodyPr>
-          <a:lstStyle/>
-          <a:p>
-            <a:r>
-              <a:rPr lang="zh-CN" altLang="en-US" dirty="0" smtClean="0">
-                <a:latin typeface="华文细黑"/>
-                <a:ea typeface="华文细黑"/>
-                <a:cs typeface="华文细黑"/>
-              </a:rPr>
-              <a:t>全球化自由贸易在遭遇贸易壁垒的环境下，催生公海国际商务社区</a:t>
-            </a:r>
-            <a:endParaRPr lang="en-US" altLang="zh-CN" dirty="0" smtClean="0">
-              <a:latin typeface="华文细黑"/>
-              <a:ea typeface="华文细黑"/>
-              <a:cs typeface="华文细黑"/>
-            </a:endParaRPr>
-          </a:p>
-          <a:p>
-            <a:endParaRPr lang="en-US" altLang="zh-CN" dirty="0" smtClean="0">
-              <a:latin typeface="华文细黑"/>
-              <a:ea typeface="华文细黑"/>
-              <a:cs typeface="华文细黑"/>
-            </a:endParaRPr>
-          </a:p>
-          <a:p>
-            <a:r>
-              <a:rPr lang="zh-CN" altLang="en-US" dirty="0" smtClean="0">
-                <a:latin typeface="华文细黑"/>
-                <a:ea typeface="华文细黑"/>
-                <a:cs typeface="华文细黑"/>
-              </a:rPr>
-              <a:t>人口增长在全球气候变迁和资源枯竭的压力下，</a:t>
-            </a:r>
-            <a:r>
-              <a:rPr lang="zh-CN" altLang="en-US" dirty="0" smtClean="0">
-                <a:latin typeface="华文细黑"/>
-                <a:ea typeface="华文细黑"/>
-                <a:cs typeface="华文细黑"/>
-              </a:rPr>
-              <a:t>产生</a:t>
-            </a:r>
-            <a:r>
-              <a:rPr lang="zh-CN" altLang="en-US" dirty="0" smtClean="0">
-                <a:latin typeface="华文细黑"/>
-                <a:ea typeface="华文细黑"/>
-                <a:cs typeface="华文细黑"/>
-              </a:rPr>
-              <a:t>向</a:t>
-            </a:r>
-            <a:r>
-              <a:rPr lang="zh-CN" altLang="en-US" dirty="0" smtClean="0">
-                <a:latin typeface="华文细黑"/>
-                <a:ea typeface="华文细黑"/>
-                <a:cs typeface="华文细黑"/>
-              </a:rPr>
-              <a:t>绿色生活方式迁</a:t>
-            </a:r>
-            <a:r>
-              <a:rPr lang="zh-CN" altLang="en-US" dirty="0" smtClean="0">
-                <a:latin typeface="华文细黑"/>
-                <a:ea typeface="华文细黑"/>
-                <a:cs typeface="华文细黑"/>
-              </a:rPr>
-              <a:t>移</a:t>
-            </a:r>
-            <a:r>
-              <a:rPr lang="zh-CN" altLang="en-US" dirty="0" smtClean="0">
-                <a:latin typeface="华文细黑"/>
-                <a:ea typeface="华文细黑"/>
-                <a:cs typeface="华文细黑"/>
-              </a:rPr>
-              <a:t>的</a:t>
-            </a:r>
-            <a:r>
-              <a:rPr lang="zh-CN" altLang="en-US" dirty="0" smtClean="0">
-                <a:latin typeface="华文细黑"/>
-                <a:ea typeface="华文细黑"/>
-                <a:cs typeface="华文细黑"/>
-              </a:rPr>
-              <a:t>内在需求</a:t>
-            </a:r>
-            <a:endParaRPr lang="en-US" altLang="zh-CN" dirty="0" smtClean="0">
-              <a:latin typeface="华文细黑"/>
-              <a:ea typeface="华文细黑"/>
-              <a:cs typeface="华文细黑"/>
-            </a:endParaRPr>
-          </a:p>
-          <a:p>
-            <a:pPr marL="0" indent="0">
-              <a:buNone/>
-            </a:pPr>
-            <a:endParaRPr lang="en-US" dirty="0" smtClean="0"/>
-          </a:p>
-          <a:p>
-            <a:pPr marL="0" indent="0">
-              <a:buNone/>
-            </a:pPr>
-            <a:r>
-              <a:rPr lang="zh-CN" altLang="en-US" dirty="0" smtClean="0">
-                <a:latin typeface="华文细黑"/>
-                <a:ea typeface="华文细黑"/>
-                <a:cs typeface="华文细黑"/>
-              </a:rPr>
-              <a:t>生态别墅在概念和内涵上，为上述需求提供了圆满解决方案。</a:t>
-            </a:r>
-            <a:endParaRPr lang="en-US" dirty="0">
-              <a:latin typeface="华文细黑"/>
-              <a:ea typeface="华文细黑"/>
-              <a:cs typeface="华文细黑"/>
-            </a:endParaRPr>
-          </a:p>
-        </p:txBody>
-      </p:sp>
-      <p:pic>
-        <p:nvPicPr>
-          <p:cNvPr id="4" name="Picture 3" descr="Blueseed_logo.png">
-            <a:hlinkClick r:id="rId2"/>
-          </p:cNvPr>
-          <p:cNvPicPr>
-            <a:picLocks noChangeAspect="1"/>
-          </p:cNvPicPr>
-          <p:nvPr/>
-        </p:nvPicPr>
-        <p:blipFill>
-          <a:blip r:embed="rId3">
-            <a:extLst>
-              <a:ext uri="{28A0092B-C50C-407E-A947-70E740481C1C}">
-                <a14:useLocalDpi xmlns:a14="http://schemas.microsoft.com/office/drawing/2010/main" val="0"/>
-              </a:ext>
-            </a:extLst>
-          </a:blip>
-          <a:stretch>
-            <a:fillRect/>
-          </a:stretch>
-        </p:blipFill>
-        <p:spPr>
-          <a:xfrm>
-            <a:off x="1973943" y="2834990"/>
-            <a:ext cx="1906390" cy="390810"/>
-          </a:xfrm>
-          <a:prstGeom prst="rect">
-            <a:avLst/>
-          </a:prstGeom>
-        </p:spPr>
-      </p:pic>
-      <p:pic>
-        <p:nvPicPr>
-          <p:cNvPr id="5" name="Picture 4" descr="logo.png">
-            <a:hlinkClick r:id="rId4"/>
-          </p:cNvPr>
-          <p:cNvPicPr>
-            <a:picLocks noChangeAspect="1"/>
-          </p:cNvPicPr>
-          <p:nvPr/>
-        </p:nvPicPr>
-        <p:blipFill>
-          <a:blip r:embed="rId5">
-            <a:extLst>
-              <a:ext uri="{28A0092B-C50C-407E-A947-70E740481C1C}">
-                <a14:useLocalDpi xmlns:a14="http://schemas.microsoft.com/office/drawing/2010/main" val="0"/>
-              </a:ext>
-            </a:extLst>
-          </a:blip>
-          <a:stretch>
-            <a:fillRect/>
-          </a:stretch>
-        </p:blipFill>
-        <p:spPr>
-          <a:xfrm>
-            <a:off x="4230915" y="2608942"/>
-            <a:ext cx="3657600" cy="711200"/>
-          </a:xfrm>
-          <a:prstGeom prst="rect">
-            <a:avLst/>
-          </a:prstGeom>
-        </p:spPr>
-      </p:pic>
-    </p:spTree>
-    <p:extLst>
-      <p:ext uri="{BB962C8B-B14F-4D97-AF65-F5344CB8AC3E}">
-        <p14:creationId xmlns:p14="http://schemas.microsoft.com/office/powerpoint/2010/main" val="843151808"/>
-      </p:ext>
-    </p:extLst>
-  </p:cSld>
-  <p:clrMapOvr>
-    <a:masterClrMapping/>
-  </p:clrMapOvr>
-  <p:timing>
-    <p:tnLst>
-      <p:par>
-        <p:cTn xmlns:p14="http://schemas.microsoft.com/office/powerpoint/2010/main" id="1" dur="indefinite" restart="never" nodeType="tmRoot"/>
-      </p:par>
-    </p:tnLst>
-  </p:timing>
-</p:sld>
-</file>
-
-<file path=ppt/slides/slide7.xml><?xml version="1.0" encoding="utf-8"?>
-<p:sld xmlns:a="http://schemas.openxmlformats.org/drawingml/2006/main" xmlns:r="http://schemas.openxmlformats.org/officeDocument/2006/relationships" xmlns:p="http://schemas.openxmlformats.org/presentationml/2006/main">
-  <p:cSld>
-    <p:spTree>
-      <p:nvGrpSpPr>
-        <p:cNvPr id="1" name=""/>
-        <p:cNvGrpSpPr/>
-        <p:nvPr/>
-      </p:nvGrpSpPr>
-      <p:grpSpPr>
-        <a:xfrm>
-          <a:off x="0" y="0"/>
-          <a:ext cx="0" cy="0"/>
-          <a:chOff x="0" y="0"/>
-          <a:chExt cx="0" cy="0"/>
-        </a:xfrm>
-      </p:grpSpPr>
-      <p:sp>
-        <p:nvSpPr>
-          <p:cNvPr id="2" name="Title 1"/>
-          <p:cNvSpPr>
-            <a:spLocks noGrp="1"/>
-          </p:cNvSpPr>
-          <p:nvPr>
-            <p:ph type="title"/>
-          </p:nvPr>
-        </p:nvSpPr>
-        <p:spPr/>
-        <p:txBody>
-          <a:bodyPr/>
-          <a:lstStyle/>
-          <a:p>
-            <a:r>
-              <a:rPr lang="zh-CN" altLang="en-US" dirty="0" smtClean="0">
-                <a:latin typeface="华文细黑"/>
-                <a:ea typeface="华文细黑"/>
-                <a:cs typeface="华文细黑"/>
-              </a:rPr>
-              <a:t>应用范围</a:t>
-            </a:r>
-            <a:endParaRPr lang="en-US" dirty="0">
-              <a:latin typeface="华文细黑"/>
-              <a:ea typeface="华文细黑"/>
-              <a:cs typeface="华文细黑"/>
-            </a:endParaRPr>
-          </a:p>
-        </p:txBody>
-      </p:sp>
-      <p:sp>
-        <p:nvSpPr>
-          <p:cNvPr id="3" name="Content Placeholder 2"/>
-          <p:cNvSpPr>
-            <a:spLocks noGrp="1"/>
-          </p:cNvSpPr>
-          <p:nvPr>
-            <p:ph idx="1"/>
-          </p:nvPr>
-        </p:nvSpPr>
-        <p:spPr/>
-        <p:txBody>
-          <a:bodyPr/>
-          <a:lstStyle/>
-          <a:p>
-            <a:r>
-              <a:rPr lang="zh-CN" altLang="en-US" dirty="0" smtClean="0">
-                <a:latin typeface="华文细黑"/>
-                <a:ea typeface="华文细黑"/>
-                <a:cs typeface="华文细黑"/>
-              </a:rPr>
-              <a:t>公海国际商务社区基础设施</a:t>
-            </a:r>
-            <a:endParaRPr lang="en-US" altLang="zh-CN" dirty="0" smtClean="0">
-              <a:latin typeface="华文细黑"/>
-              <a:ea typeface="华文细黑"/>
-              <a:cs typeface="华文细黑"/>
-            </a:endParaRPr>
-          </a:p>
-          <a:p>
-            <a:r>
-              <a:rPr lang="zh-CN" altLang="en-US" dirty="0" smtClean="0">
-                <a:latin typeface="华文细黑"/>
-                <a:ea typeface="华文细黑"/>
-                <a:cs typeface="华文细黑"/>
-              </a:rPr>
-              <a:t>边远地区兵站、科考基地</a:t>
-            </a:r>
-            <a:endParaRPr lang="en-US" altLang="zh-CN" dirty="0" smtClean="0">
-              <a:latin typeface="华文细黑"/>
-              <a:ea typeface="华文细黑"/>
-              <a:cs typeface="华文细黑"/>
-            </a:endParaRPr>
-          </a:p>
-          <a:p>
-            <a:r>
-              <a:rPr lang="zh-CN" altLang="en-US" dirty="0" smtClean="0">
-                <a:latin typeface="华文细黑"/>
-                <a:ea typeface="华文细黑"/>
-                <a:cs typeface="华文细黑"/>
-              </a:rPr>
-              <a:t>都市垂直农业基地</a:t>
-            </a:r>
-            <a:endParaRPr lang="en-US" altLang="zh-CN" dirty="0" smtClean="0">
-              <a:latin typeface="华文细黑"/>
-              <a:ea typeface="华文细黑"/>
-              <a:cs typeface="华文细黑"/>
-            </a:endParaRPr>
-          </a:p>
-          <a:p>
-            <a:r>
-              <a:rPr lang="zh-CN" altLang="en-US" dirty="0" smtClean="0">
-                <a:latin typeface="华文细黑"/>
-                <a:ea typeface="华文细黑"/>
-                <a:cs typeface="华文细黑"/>
-              </a:rPr>
-              <a:t>气候、地质灾变庇护所</a:t>
-            </a:r>
-            <a:endParaRPr lang="en-US" altLang="zh-CN" dirty="0" smtClean="0">
-              <a:latin typeface="华文细黑"/>
-              <a:ea typeface="华文细黑"/>
-              <a:cs typeface="华文细黑"/>
-            </a:endParaRPr>
-          </a:p>
-          <a:p>
-            <a:r>
-              <a:rPr lang="zh-CN" altLang="en-US" dirty="0">
-                <a:latin typeface="华文细黑"/>
-                <a:ea typeface="华文细黑"/>
-                <a:cs typeface="华文细黑"/>
-              </a:rPr>
-              <a:t>旅游度假旅店</a:t>
-            </a:r>
-            <a:endParaRPr lang="en-US" altLang="zh-CN" dirty="0">
-              <a:latin typeface="华文细黑"/>
-              <a:ea typeface="华文细黑"/>
-              <a:cs typeface="华文细黑"/>
-            </a:endParaRPr>
-          </a:p>
-          <a:p>
-            <a:pPr marL="0" indent="0">
-              <a:buNone/>
-            </a:pPr>
-            <a:endParaRPr lang="en-US" dirty="0"/>
-          </a:p>
-        </p:txBody>
-      </p:sp>
-    </p:spTree>
-    <p:extLst>
-      <p:ext uri="{BB962C8B-B14F-4D97-AF65-F5344CB8AC3E}">
-        <p14:creationId xmlns:p14="http://schemas.microsoft.com/office/powerpoint/2010/main" val="4149039828"/>
-      </p:ext>
-    </p:extLst>
-  </p:cSld>
-  <p:clrMapOvr>
-    <a:masterClrMapping/>
-  </p:clrMapOvr>
-  <p:timing>
-    <p:tnLst>
-      <p:par>
-        <p:cTn xmlns:p14="http://schemas.microsoft.com/office/powerpoint/2010/main" id="1" dur="indefinite" restart="never" nodeType="tmRoot"/>
-      </p:par>
-    </p:tnLst>
-  </p:timing>
-</p:sld>
-</file>
-
-<file path=ppt/slides/slide8.xml><?xml version="1.0" encoding="utf-8"?>
+<file path=ppt/slides/slide15.xml><?xml version="1.0" encoding="utf-8"?>
 <p:sld xmlns:a="http://schemas.openxmlformats.org/drawingml/2006/main" xmlns:r="http://schemas.openxmlformats.org/officeDocument/2006/relationships" xmlns:p="http://schemas.openxmlformats.org/presentationml/2006/main">
   <p:cSld>
     <p:spTree>
@@ -11930,7 +11426,7 @@
 </p:sld>
 </file>
 
-<file path=ppt/slides/slide9.xml><?xml version="1.0" encoding="utf-8"?>
+<file path=ppt/slides/slide16.xml><?xml version="1.0" encoding="utf-8"?>
 <p:sld xmlns:a="http://schemas.openxmlformats.org/drawingml/2006/main" xmlns:r="http://schemas.openxmlformats.org/officeDocument/2006/relationships" xmlns:p="http://schemas.openxmlformats.org/presentationml/2006/main">
   <p:cSld>
     <p:spTree>
@@ -12804,6 +12300,5259 @@
 </p:sld>
 </file>
 
+<file path=ppt/slides/slide17.xml><?xml version="1.0" encoding="utf-8"?>
+<p:sld xmlns:a="http://schemas.openxmlformats.org/drawingml/2006/main" xmlns:r="http://schemas.openxmlformats.org/officeDocument/2006/relationships" xmlns:p="http://schemas.openxmlformats.org/presentationml/2006/main">
+  <p:cSld>
+    <p:spTree>
+      <p:nvGrpSpPr>
+        <p:cNvPr id="1" name=""/>
+        <p:cNvGrpSpPr/>
+        <p:nvPr/>
+      </p:nvGrpSpPr>
+      <p:grpSpPr>
+        <a:xfrm>
+          <a:off x="0" y="0"/>
+          <a:ext cx="0" cy="0"/>
+          <a:chOff x="0" y="0"/>
+          <a:chExt cx="0" cy="0"/>
+        </a:xfrm>
+      </p:grpSpPr>
+      <p:sp>
+        <p:nvSpPr>
+          <p:cNvPr id="2" name="Title 1"/>
+          <p:cNvSpPr>
+            <a:spLocks noGrp="1"/>
+          </p:cNvSpPr>
+          <p:nvPr>
+            <p:ph type="title"/>
+          </p:nvPr>
+        </p:nvSpPr>
+        <p:spPr/>
+        <p:txBody>
+          <a:bodyPr/>
+          <a:lstStyle/>
+          <a:p>
+            <a:r>
+              <a:rPr lang="zh-CN" altLang="en-US" dirty="0" smtClean="0">
+                <a:latin typeface="华文细黑"/>
+                <a:ea typeface="华文细黑"/>
+                <a:cs typeface="华文细黑"/>
+              </a:rPr>
+              <a:t>为什么选我们</a:t>
+            </a:r>
+            <a:endParaRPr lang="en-US" dirty="0">
+              <a:latin typeface="华文细黑"/>
+              <a:ea typeface="华文细黑"/>
+              <a:cs typeface="华文细黑"/>
+            </a:endParaRPr>
+          </a:p>
+        </p:txBody>
+      </p:sp>
+      <p:sp>
+        <p:nvSpPr>
+          <p:cNvPr id="3" name="Content Placeholder 2"/>
+          <p:cNvSpPr>
+            <a:spLocks noGrp="1"/>
+          </p:cNvSpPr>
+          <p:nvPr>
+            <p:ph idx="1"/>
+          </p:nvPr>
+        </p:nvSpPr>
+        <p:spPr/>
+        <p:txBody>
+          <a:bodyPr/>
+          <a:lstStyle/>
+          <a:p>
+            <a:r>
+              <a:rPr lang="zh-CN" altLang="en-US" dirty="0" smtClean="0">
+                <a:latin typeface="华文细黑"/>
+                <a:ea typeface="华文细黑"/>
+                <a:cs typeface="华文细黑"/>
+              </a:rPr>
+              <a:t>独家专利所有者</a:t>
+            </a:r>
+            <a:endParaRPr lang="en-US" dirty="0">
+              <a:latin typeface="华文细黑"/>
+              <a:ea typeface="华文细黑"/>
+              <a:cs typeface="华文细黑"/>
+            </a:endParaRPr>
+          </a:p>
+        </p:txBody>
+      </p:sp>
+    </p:spTree>
+    <p:extLst>
+      <p:ext uri="{BB962C8B-B14F-4D97-AF65-F5344CB8AC3E}">
+        <p14:creationId xmlns:p14="http://schemas.microsoft.com/office/powerpoint/2010/main" val="1569179634"/>
+      </p:ext>
+    </p:extLst>
+  </p:cSld>
+  <p:clrMapOvr>
+    <a:masterClrMapping/>
+  </p:clrMapOvr>
+  <p:timing>
+    <p:tnLst>
+      <p:par>
+        <p:cTn xmlns:p14="http://schemas.microsoft.com/office/powerpoint/2010/main" id="1" dur="indefinite" restart="never" nodeType="tmRoot"/>
+      </p:par>
+    </p:tnLst>
+  </p:timing>
+</p:sld>
+</file>
+
+<file path=ppt/slides/slide18.xml><?xml version="1.0" encoding="utf-8"?>
+<p:sld xmlns:a="http://schemas.openxmlformats.org/drawingml/2006/main" xmlns:r="http://schemas.openxmlformats.org/officeDocument/2006/relationships" xmlns:p="http://schemas.openxmlformats.org/presentationml/2006/main">
+  <p:cSld>
+    <p:spTree>
+      <p:nvGrpSpPr>
+        <p:cNvPr id="1" name=""/>
+        <p:cNvGrpSpPr/>
+        <p:nvPr/>
+      </p:nvGrpSpPr>
+      <p:grpSpPr>
+        <a:xfrm>
+          <a:off x="0" y="0"/>
+          <a:ext cx="0" cy="0"/>
+          <a:chOff x="0" y="0"/>
+          <a:chExt cx="0" cy="0"/>
+        </a:xfrm>
+      </p:grpSpPr>
+      <p:pic>
+        <p:nvPicPr>
+          <p:cNvPr id="1026" name="Picture 2" descr="http://t3.gstatic.com/images?q=tbn:ANd9GcS8M7axQPVCX5GuEQllqaV3psMTvhFHhnrXRqqvP1MqmkqePwDG"/>
+          <p:cNvPicPr>
+            <a:picLocks noChangeAspect="1" noChangeArrowheads="1"/>
+          </p:cNvPicPr>
+          <p:nvPr/>
+        </p:nvPicPr>
+        <p:blipFill>
+          <a:blip r:embed="rId2">
+            <a:lum bright="-7000" contrast="-25000"/>
+          </a:blip>
+          <a:srcRect/>
+          <a:stretch>
+            <a:fillRect/>
+          </a:stretch>
+        </p:blipFill>
+        <p:spPr bwMode="auto">
+          <a:xfrm>
+            <a:off x="3939611" y="1991075"/>
+            <a:ext cx="4421752" cy="3170315"/>
+          </a:xfrm>
+          <a:prstGeom prst="rect">
+            <a:avLst/>
+          </a:prstGeom>
+          <a:noFill/>
+        </p:spPr>
+      </p:pic>
+      <p:sp>
+        <p:nvSpPr>
+          <p:cNvPr id="2" name="Title 1"/>
+          <p:cNvSpPr>
+            <a:spLocks noGrp="1"/>
+          </p:cNvSpPr>
+          <p:nvPr>
+            <p:ph type="title"/>
+          </p:nvPr>
+        </p:nvSpPr>
+        <p:spPr/>
+        <p:txBody>
+          <a:bodyPr/>
+          <a:lstStyle/>
+          <a:p>
+            <a:r>
+              <a:rPr lang="zh-CN" altLang="en-US" dirty="0" smtClean="0"/>
+              <a:t>谢谢！</a:t>
+            </a:r>
+            <a:endParaRPr lang="en-US" dirty="0"/>
+          </a:p>
+        </p:txBody>
+      </p:sp>
+      <p:sp>
+        <p:nvSpPr>
+          <p:cNvPr id="3" name="Content Placeholder 2"/>
+          <p:cNvSpPr>
+            <a:spLocks noGrp="1"/>
+          </p:cNvSpPr>
+          <p:nvPr>
+            <p:ph idx="1"/>
+          </p:nvPr>
+        </p:nvSpPr>
+        <p:spPr>
+          <a:xfrm>
+            <a:off x="779462" y="2208052"/>
+            <a:ext cx="7581901" cy="3953436"/>
+          </a:xfrm>
+        </p:spPr>
+        <p:txBody>
+          <a:bodyPr/>
+          <a:lstStyle/>
+          <a:p>
+            <a:r>
+              <a:rPr lang="en-US" altLang="zh-CN" dirty="0" smtClean="0"/>
+              <a:t>Thanks</a:t>
+            </a:r>
+            <a:r>
+              <a:rPr lang="zh-CN" altLang="en-US" dirty="0" smtClean="0"/>
+              <a:t>！</a:t>
+            </a:r>
+            <a:endParaRPr lang="en-US" altLang="zh-CN" dirty="0" smtClean="0"/>
+          </a:p>
+          <a:p>
+            <a:r>
+              <a:rPr lang="en-US" altLang="zh-CN" dirty="0" smtClean="0"/>
+              <a:t>Dank</a:t>
+            </a:r>
+          </a:p>
+          <a:p>
+            <a:r>
+              <a:rPr lang="ja-JP" altLang="en-US" dirty="0"/>
+              <a:t>どうも</a:t>
+            </a:r>
+            <a:r>
+              <a:rPr lang="ja-JP" altLang="en-US" dirty="0" smtClean="0"/>
+              <a:t>ありがとう</a:t>
+            </a:r>
+            <a:endParaRPr lang="en-US" altLang="ja-JP" dirty="0" smtClean="0"/>
+          </a:p>
+          <a:p>
+            <a:r>
+              <a:rPr lang="en-US" altLang="zh-CN" dirty="0" err="1" smtClean="0"/>
+              <a:t>k</a:t>
+            </a:r>
+            <a:r>
+              <a:rPr lang="en-US" dirty="0" err="1" smtClean="0"/>
+              <a:t>i’e</a:t>
+            </a:r>
+            <a:endParaRPr lang="en-US" dirty="0"/>
+          </a:p>
+        </p:txBody>
+      </p:sp>
+    </p:spTree>
+    <p:extLst>
+      <p:ext uri="{BB962C8B-B14F-4D97-AF65-F5344CB8AC3E}">
+        <p14:creationId xmlns:p14="http://schemas.microsoft.com/office/powerpoint/2010/main" val="1215046793"/>
+      </p:ext>
+    </p:extLst>
+  </p:cSld>
+  <p:clrMapOvr>
+    <a:masterClrMapping/>
+  </p:clrMapOvr>
+  <p:transition xmlns:p14="http://schemas.microsoft.com/office/powerpoint/2010/main">
+    <p:wedge/>
+  </p:transition>
+  <p:timing>
+    <p:tnLst>
+      <p:par>
+        <p:cTn xmlns:p14="http://schemas.microsoft.com/office/powerpoint/2010/main" id="1" dur="indefinite" restart="never" nodeType="tmRoot"/>
+      </p:par>
+    </p:tnLst>
+  </p:timing>
+</p:sld>
+</file>
+
+<file path=ppt/slides/slide2.xml><?xml version="1.0" encoding="utf-8"?>
+<p:sld xmlns:a="http://schemas.openxmlformats.org/drawingml/2006/main" xmlns:r="http://schemas.openxmlformats.org/officeDocument/2006/relationships" xmlns:p="http://schemas.openxmlformats.org/presentationml/2006/main">
+  <p:cSld>
+    <p:spTree>
+      <p:nvGrpSpPr>
+        <p:cNvPr id="1" name=""/>
+        <p:cNvGrpSpPr/>
+        <p:nvPr/>
+      </p:nvGrpSpPr>
+      <p:grpSpPr>
+        <a:xfrm>
+          <a:off x="0" y="0"/>
+          <a:ext cx="0" cy="0"/>
+          <a:chOff x="0" y="0"/>
+          <a:chExt cx="0" cy="0"/>
+        </a:xfrm>
+      </p:grpSpPr>
+      <p:sp>
+        <p:nvSpPr>
+          <p:cNvPr id="2" name="Title 1"/>
+          <p:cNvSpPr>
+            <a:spLocks noGrp="1"/>
+          </p:cNvSpPr>
+          <p:nvPr>
+            <p:ph type="title"/>
+          </p:nvPr>
+        </p:nvSpPr>
+        <p:spPr/>
+        <p:txBody>
+          <a:bodyPr/>
+          <a:lstStyle/>
+          <a:p>
+            <a:r>
+              <a:rPr lang="zh-CN" altLang="en-US" sz="4800" dirty="0" smtClean="0">
+                <a:latin typeface="黑体" pitchFamily="2" charset="-122"/>
+                <a:ea typeface="黑体" pitchFamily="2" charset="-122"/>
+              </a:rPr>
+              <a:t>两栖移动生态别墅是什么</a:t>
+            </a:r>
+            <a:r>
+              <a:rPr lang="zh-CN" altLang="en-US" dirty="0" smtClean="0"/>
+              <a:t>？</a:t>
+            </a:r>
+            <a:endParaRPr lang="en-US" dirty="0"/>
+          </a:p>
+        </p:txBody>
+      </p:sp>
+      <p:sp>
+        <p:nvSpPr>
+          <p:cNvPr id="3" name="Content Placeholder 2"/>
+          <p:cNvSpPr>
+            <a:spLocks noGrp="1"/>
+          </p:cNvSpPr>
+          <p:nvPr>
+            <p:ph idx="1"/>
+          </p:nvPr>
+        </p:nvSpPr>
+        <p:spPr>
+          <a:xfrm>
+            <a:off x="779462" y="1882588"/>
+            <a:ext cx="8147562" cy="3085994"/>
+          </a:xfrm>
+        </p:spPr>
+        <p:txBody>
+          <a:bodyPr>
+            <a:noAutofit/>
+          </a:bodyPr>
+          <a:lstStyle/>
+          <a:p>
+            <a:r>
+              <a:rPr lang="zh-CN" altLang="en-US" dirty="0" smtClean="0">
+                <a:latin typeface="华文细黑"/>
+                <a:ea typeface="华文细黑"/>
+                <a:cs typeface="华文细黑"/>
+              </a:rPr>
+              <a:t>是可在海洋和陆地环境中移动的生态别墅</a:t>
+            </a:r>
+            <a:endParaRPr lang="en-US" altLang="zh-CN" dirty="0" smtClean="0">
+              <a:latin typeface="华文细黑"/>
+              <a:ea typeface="华文细黑"/>
+              <a:cs typeface="华文细黑"/>
+            </a:endParaRPr>
+          </a:p>
+          <a:p>
+            <a:r>
+              <a:rPr lang="zh-CN" altLang="en-US" dirty="0" smtClean="0">
+                <a:latin typeface="华文细黑"/>
+                <a:ea typeface="华文细黑"/>
+                <a:cs typeface="华文细黑"/>
+              </a:rPr>
+              <a:t>是别墅</a:t>
+            </a:r>
+            <a:r>
+              <a:rPr lang="en-US" altLang="zh-CN" dirty="0" smtClean="0">
+                <a:latin typeface="华文细黑"/>
+                <a:ea typeface="华文细黑"/>
+                <a:cs typeface="华文细黑"/>
+              </a:rPr>
+              <a:t>      </a:t>
+            </a:r>
+            <a:r>
+              <a:rPr lang="zh-CN" altLang="en-US" dirty="0" smtClean="0">
+                <a:latin typeface="华文细黑"/>
+                <a:ea typeface="华文细黑"/>
+                <a:cs typeface="华文细黑"/>
+              </a:rPr>
+              <a:t>一种舒适的生活空间</a:t>
+            </a:r>
+            <a:endParaRPr lang="en-US" altLang="zh-CN" dirty="0" smtClean="0">
+              <a:latin typeface="华文细黑"/>
+              <a:ea typeface="华文细黑"/>
+              <a:cs typeface="华文细黑"/>
+            </a:endParaRPr>
+          </a:p>
+          <a:p>
+            <a:r>
+              <a:rPr lang="zh-CN" altLang="en-US" dirty="0" smtClean="0">
+                <a:latin typeface="华文细黑"/>
+                <a:ea typeface="华文细黑"/>
+                <a:cs typeface="华文细黑"/>
+              </a:rPr>
+              <a:t>是生态别墅</a:t>
+            </a:r>
+            <a:r>
+              <a:rPr lang="en-US" altLang="zh-CN" dirty="0" smtClean="0">
+                <a:latin typeface="华文细黑"/>
+                <a:ea typeface="华文细黑"/>
+                <a:cs typeface="华文细黑"/>
+              </a:rPr>
+              <a:t>   </a:t>
+            </a:r>
+            <a:r>
+              <a:rPr lang="zh-CN" altLang="en-US" dirty="0" smtClean="0">
+                <a:latin typeface="华文细黑"/>
+                <a:ea typeface="华文细黑"/>
+                <a:cs typeface="华文细黑"/>
+              </a:rPr>
+              <a:t>一种生态自足的、零排放的迷你生物圈</a:t>
+            </a:r>
+            <a:endParaRPr lang="en-US" altLang="zh-CN" dirty="0" smtClean="0">
+              <a:latin typeface="华文细黑"/>
+              <a:ea typeface="华文细黑"/>
+              <a:cs typeface="华文细黑"/>
+            </a:endParaRPr>
+          </a:p>
+          <a:p>
+            <a:r>
+              <a:rPr lang="zh-CN" altLang="en-US" dirty="0" smtClean="0">
+                <a:latin typeface="华文细黑"/>
+                <a:ea typeface="华文细黑"/>
+                <a:cs typeface="华文细黑"/>
+              </a:rPr>
+              <a:t>是可移动的生态别墅</a:t>
+            </a:r>
+            <a:r>
+              <a:rPr lang="en-US" altLang="zh-CN" dirty="0" smtClean="0">
+                <a:latin typeface="华文细黑"/>
+                <a:ea typeface="华文细黑"/>
+                <a:cs typeface="华文细黑"/>
+              </a:rPr>
+              <a:t>   </a:t>
+            </a:r>
+            <a:r>
+              <a:rPr lang="zh-CN" altLang="en-US" dirty="0" smtClean="0">
+                <a:latin typeface="华文细黑"/>
+                <a:ea typeface="华文细黑"/>
+                <a:cs typeface="华文细黑"/>
+              </a:rPr>
+              <a:t>一种可自主迁徙的住宅</a:t>
+            </a:r>
+            <a:endParaRPr lang="en-US" altLang="zh-CN" dirty="0" smtClean="0">
+              <a:latin typeface="华文细黑"/>
+              <a:ea typeface="华文细黑"/>
+              <a:cs typeface="华文细黑"/>
+            </a:endParaRPr>
+          </a:p>
+          <a:p>
+            <a:r>
+              <a:rPr lang="zh-CN" altLang="en-US" dirty="0" smtClean="0">
+                <a:latin typeface="华文细黑"/>
+                <a:ea typeface="华文细黑"/>
+                <a:cs typeface="华文细黑"/>
+              </a:rPr>
+              <a:t>是具有两栖功能的生态别墅</a:t>
+            </a:r>
+            <a:r>
+              <a:rPr lang="en-US" altLang="zh-CN" dirty="0" smtClean="0">
+                <a:latin typeface="华文细黑"/>
+                <a:ea typeface="华文细黑"/>
+                <a:cs typeface="华文细黑"/>
+              </a:rPr>
+              <a:t>   </a:t>
+            </a:r>
+            <a:r>
+              <a:rPr lang="zh-CN" altLang="en-US" dirty="0" smtClean="0">
+                <a:latin typeface="华文细黑"/>
+                <a:ea typeface="华文细黑"/>
+                <a:cs typeface="华文细黑"/>
+              </a:rPr>
+              <a:t>迁徙范围跨越海洋、陆地</a:t>
+            </a:r>
+            <a:endParaRPr lang="en-US" dirty="0">
+              <a:latin typeface="华文细黑"/>
+              <a:ea typeface="华文细黑"/>
+              <a:cs typeface="华文细黑"/>
+            </a:endParaRPr>
+          </a:p>
+        </p:txBody>
+      </p:sp>
+    </p:spTree>
+    <p:extLst>
+      <p:ext uri="{BB962C8B-B14F-4D97-AF65-F5344CB8AC3E}">
+        <p14:creationId xmlns:p14="http://schemas.microsoft.com/office/powerpoint/2010/main" val="2140588685"/>
+      </p:ext>
+    </p:extLst>
+  </p:cSld>
+  <p:clrMapOvr>
+    <a:masterClrMapping/>
+  </p:clrMapOvr>
+  <mc:AlternateContent xmlns:mc="http://schemas.openxmlformats.org/markup-compatibility/2006" xmlns:p14="http://schemas.microsoft.com/office/powerpoint/2010/main">
+    <mc:Choice Requires="p14">
+      <p:transition spd="slow" p14:dur="2000">
+        <p14:prism isContent="1"/>
+      </p:transition>
+    </mc:Choice>
+    <mc:Fallback xmlns="">
+      <p:transition spd="slow">
+        <p:fade/>
+      </p:transition>
+    </mc:Fallback>
+  </mc:AlternateContent>
+  <p:timing>
+    <p:tnLst>
+      <p:par>
+        <p:cTn xmlns:p14="http://schemas.microsoft.com/office/powerpoint/2010/main" id="1" dur="indefinite" restart="never" nodeType="tmRoot">
+          <p:childTnLst>
+            <p:seq concurrent="1" nextAc="seek">
+              <p:cTn id="2" dur="indefinite" nodeType="mainSeq">
+                <p:childTnLst>
+                  <p:par>
+                    <p:cTn id="3" fill="hold">
+                      <p:stCondLst>
+                        <p:cond delay="indefinite"/>
+                      </p:stCondLst>
+                      <p:childTnLst>
+                        <p:par>
+                          <p:cTn id="4" fill="hold">
+                            <p:stCondLst>
+                              <p:cond delay="0"/>
+                            </p:stCondLst>
+                            <p:childTnLst>
+                              <p:par>
+                                <p:cTn id="5" presetID="1" presetClass="entr" presetSubtype="0" fill="hold" nodeType="clickEffect">
+                                  <p:stCondLst>
+                                    <p:cond delay="0"/>
+                                  </p:stCondLst>
+                                  <p:childTnLst>
+                                    <p:set>
+                                      <p:cBhvr>
+                                        <p:cTn id="6" dur="1" fill="hold">
+                                          <p:stCondLst>
+                                            <p:cond delay="0"/>
+                                          </p:stCondLst>
+                                        </p:cTn>
+                                        <p:tgtEl>
+                                          <p:spTgt spid="3">
+                                            <p:txEl>
+                                              <p:pRg st="0" end="0"/>
+                                            </p:txEl>
+                                          </p:spTgt>
+                                        </p:tgtEl>
+                                        <p:attrNameLst>
+                                          <p:attrName>style.visibility</p:attrName>
+                                        </p:attrNameLst>
+                                      </p:cBhvr>
+                                      <p:to>
+                                        <p:strVal val="visible"/>
+                                      </p:to>
+                                    </p:set>
+                                  </p:childTnLst>
+                                </p:cTn>
+                              </p:par>
+                            </p:childTnLst>
+                          </p:cTn>
+                        </p:par>
+                      </p:childTnLst>
+                    </p:cTn>
+                  </p:par>
+                  <p:par>
+                    <p:cTn id="7" fill="hold">
+                      <p:stCondLst>
+                        <p:cond delay="indefinite"/>
+                      </p:stCondLst>
+                      <p:childTnLst>
+                        <p:par>
+                          <p:cTn id="8" fill="hold">
+                            <p:stCondLst>
+                              <p:cond delay="0"/>
+                            </p:stCondLst>
+                            <p:childTnLst>
+                              <p:par>
+                                <p:cTn id="9" presetID="12" presetClass="entr" presetSubtype="4" fill="hold" nodeType="clickEffect">
+                                  <p:stCondLst>
+                                    <p:cond delay="0"/>
+                                  </p:stCondLst>
+                                  <p:childTnLst>
+                                    <p:set>
+                                      <p:cBhvr>
+                                        <p:cTn id="10" dur="1" fill="hold">
+                                          <p:stCondLst>
+                                            <p:cond delay="0"/>
+                                          </p:stCondLst>
+                                        </p:cTn>
+                                        <p:tgtEl>
+                                          <p:spTgt spid="3">
+                                            <p:txEl>
+                                              <p:pRg st="1" end="1"/>
+                                            </p:txEl>
+                                          </p:spTgt>
+                                        </p:tgtEl>
+                                        <p:attrNameLst>
+                                          <p:attrName>style.visibility</p:attrName>
+                                        </p:attrNameLst>
+                                      </p:cBhvr>
+                                      <p:to>
+                                        <p:strVal val="visible"/>
+                                      </p:to>
+                                    </p:set>
+                                    <p:anim calcmode="lin" valueType="num">
+                                      <p:cBhvr additive="base">
+                                        <p:cTn id="11" dur="500"/>
+                                        <p:tgtEl>
+                                          <p:spTgt spid="3">
+                                            <p:txEl>
+                                              <p:pRg st="1" end="1"/>
+                                            </p:txEl>
+                                          </p:spTgt>
+                                        </p:tgtEl>
+                                        <p:attrNameLst>
+                                          <p:attrName>ppt_y</p:attrName>
+                                        </p:attrNameLst>
+                                      </p:cBhvr>
+                                      <p:tavLst>
+                                        <p:tav tm="0">
+                                          <p:val>
+                                            <p:strVal val="#ppt_y+#ppt_h*1.125000"/>
+                                          </p:val>
+                                        </p:tav>
+                                        <p:tav tm="100000">
+                                          <p:val>
+                                            <p:strVal val="#ppt_y"/>
+                                          </p:val>
+                                        </p:tav>
+                                      </p:tavLst>
+                                    </p:anim>
+                                    <p:animEffect transition="in" filter="wipe(up)">
+                                      <p:cBhvr>
+                                        <p:cTn id="12" dur="500"/>
+                                        <p:tgtEl>
+                                          <p:spTgt spid="3">
+                                            <p:txEl>
+                                              <p:pRg st="1" end="1"/>
+                                            </p:txEl>
+                                          </p:spTgt>
+                                        </p:tgtEl>
+                                      </p:cBhvr>
+                                    </p:animEffect>
+                                  </p:childTnLst>
+                                </p:cTn>
+                              </p:par>
+                            </p:childTnLst>
+                          </p:cTn>
+                        </p:par>
+                      </p:childTnLst>
+                    </p:cTn>
+                  </p:par>
+                  <p:par>
+                    <p:cTn id="13" fill="hold">
+                      <p:stCondLst>
+                        <p:cond delay="indefinite"/>
+                      </p:stCondLst>
+                      <p:childTnLst>
+                        <p:par>
+                          <p:cTn id="14" fill="hold">
+                            <p:stCondLst>
+                              <p:cond delay="0"/>
+                            </p:stCondLst>
+                            <p:childTnLst>
+                              <p:par>
+                                <p:cTn id="15" presetID="2" presetClass="entr" presetSubtype="4" fill="hold" nodeType="clickEffect">
+                                  <p:stCondLst>
+                                    <p:cond delay="0"/>
+                                  </p:stCondLst>
+                                  <p:childTnLst>
+                                    <p:set>
+                                      <p:cBhvr>
+                                        <p:cTn id="16" dur="1" fill="hold">
+                                          <p:stCondLst>
+                                            <p:cond delay="0"/>
+                                          </p:stCondLst>
+                                        </p:cTn>
+                                        <p:tgtEl>
+                                          <p:spTgt spid="3">
+                                            <p:txEl>
+                                              <p:pRg st="2" end="2"/>
+                                            </p:txEl>
+                                          </p:spTgt>
+                                        </p:tgtEl>
+                                        <p:attrNameLst>
+                                          <p:attrName>style.visibility</p:attrName>
+                                        </p:attrNameLst>
+                                      </p:cBhvr>
+                                      <p:to>
+                                        <p:strVal val="visible"/>
+                                      </p:to>
+                                    </p:set>
+                                    <p:anim calcmode="lin" valueType="num">
+                                      <p:cBhvr additive="base">
+                                        <p:cTn id="17" dur="500" fill="hold"/>
+                                        <p:tgtEl>
+                                          <p:spTgt spid="3">
+                                            <p:txEl>
+                                              <p:pRg st="2" end="2"/>
+                                            </p:txEl>
+                                          </p:spTgt>
+                                        </p:tgtEl>
+                                        <p:attrNameLst>
+                                          <p:attrName>ppt_x</p:attrName>
+                                        </p:attrNameLst>
+                                      </p:cBhvr>
+                                      <p:tavLst>
+                                        <p:tav tm="0">
+                                          <p:val>
+                                            <p:strVal val="#ppt_x"/>
+                                          </p:val>
+                                        </p:tav>
+                                        <p:tav tm="100000">
+                                          <p:val>
+                                            <p:strVal val="#ppt_x"/>
+                                          </p:val>
+                                        </p:tav>
+                                      </p:tavLst>
+                                    </p:anim>
+                                    <p:anim calcmode="lin" valueType="num">
+                                      <p:cBhvr additive="base">
+                                        <p:cTn id="18" dur="500" fill="hold"/>
+                                        <p:tgtEl>
+                                          <p:spTgt spid="3">
+                                            <p:txEl>
+                                              <p:pRg st="2" end="2"/>
+                                            </p:txEl>
+                                          </p:spTgt>
+                                        </p:tgtEl>
+                                        <p:attrNameLst>
+                                          <p:attrName>ppt_y</p:attrName>
+                                        </p:attrNameLst>
+                                      </p:cBhvr>
+                                      <p:tavLst>
+                                        <p:tav tm="0">
+                                          <p:val>
+                                            <p:strVal val="1+#ppt_h/2"/>
+                                          </p:val>
+                                        </p:tav>
+                                        <p:tav tm="100000">
+                                          <p:val>
+                                            <p:strVal val="#ppt_y"/>
+                                          </p:val>
+                                        </p:tav>
+                                      </p:tavLst>
+                                    </p:anim>
+                                  </p:childTnLst>
+                                </p:cTn>
+                              </p:par>
+                            </p:childTnLst>
+                          </p:cTn>
+                        </p:par>
+                      </p:childTnLst>
+                    </p:cTn>
+                  </p:par>
+                  <p:par>
+                    <p:cTn id="19" fill="hold">
+                      <p:stCondLst>
+                        <p:cond delay="indefinite"/>
+                      </p:stCondLst>
+                      <p:childTnLst>
+                        <p:par>
+                          <p:cTn id="20" fill="hold">
+                            <p:stCondLst>
+                              <p:cond delay="0"/>
+                            </p:stCondLst>
+                            <p:childTnLst>
+                              <p:par>
+                                <p:cTn id="21" presetID="2" presetClass="entr" presetSubtype="4" fill="hold" nodeType="clickEffect">
+                                  <p:stCondLst>
+                                    <p:cond delay="0"/>
+                                  </p:stCondLst>
+                                  <p:childTnLst>
+                                    <p:set>
+                                      <p:cBhvr>
+                                        <p:cTn id="22" dur="1" fill="hold">
+                                          <p:stCondLst>
+                                            <p:cond delay="0"/>
+                                          </p:stCondLst>
+                                        </p:cTn>
+                                        <p:tgtEl>
+                                          <p:spTgt spid="3">
+                                            <p:txEl>
+                                              <p:pRg st="3" end="3"/>
+                                            </p:txEl>
+                                          </p:spTgt>
+                                        </p:tgtEl>
+                                        <p:attrNameLst>
+                                          <p:attrName>style.visibility</p:attrName>
+                                        </p:attrNameLst>
+                                      </p:cBhvr>
+                                      <p:to>
+                                        <p:strVal val="visible"/>
+                                      </p:to>
+                                    </p:set>
+                                    <p:anim calcmode="lin" valueType="num">
+                                      <p:cBhvr additive="base">
+                                        <p:cTn id="23" dur="500" fill="hold"/>
+                                        <p:tgtEl>
+                                          <p:spTgt spid="3">
+                                            <p:txEl>
+                                              <p:pRg st="3" end="3"/>
+                                            </p:txEl>
+                                          </p:spTgt>
+                                        </p:tgtEl>
+                                        <p:attrNameLst>
+                                          <p:attrName>ppt_x</p:attrName>
+                                        </p:attrNameLst>
+                                      </p:cBhvr>
+                                      <p:tavLst>
+                                        <p:tav tm="0">
+                                          <p:val>
+                                            <p:strVal val="#ppt_x"/>
+                                          </p:val>
+                                        </p:tav>
+                                        <p:tav tm="100000">
+                                          <p:val>
+                                            <p:strVal val="#ppt_x"/>
+                                          </p:val>
+                                        </p:tav>
+                                      </p:tavLst>
+                                    </p:anim>
+                                    <p:anim calcmode="lin" valueType="num">
+                                      <p:cBhvr additive="base">
+                                        <p:cTn id="24" dur="500" fill="hold"/>
+                                        <p:tgtEl>
+                                          <p:spTgt spid="3">
+                                            <p:txEl>
+                                              <p:pRg st="3" end="3"/>
+                                            </p:txEl>
+                                          </p:spTgt>
+                                        </p:tgtEl>
+                                        <p:attrNameLst>
+                                          <p:attrName>ppt_y</p:attrName>
+                                        </p:attrNameLst>
+                                      </p:cBhvr>
+                                      <p:tavLst>
+                                        <p:tav tm="0">
+                                          <p:val>
+                                            <p:strVal val="1+#ppt_h/2"/>
+                                          </p:val>
+                                        </p:tav>
+                                        <p:tav tm="100000">
+                                          <p:val>
+                                            <p:strVal val="#ppt_y"/>
+                                          </p:val>
+                                        </p:tav>
+                                      </p:tavLst>
+                                    </p:anim>
+                                  </p:childTnLst>
+                                </p:cTn>
+                              </p:par>
+                            </p:childTnLst>
+                          </p:cTn>
+                        </p:par>
+                      </p:childTnLst>
+                    </p:cTn>
+                  </p:par>
+                  <p:par>
+                    <p:cTn id="25" fill="hold">
+                      <p:stCondLst>
+                        <p:cond delay="indefinite"/>
+                      </p:stCondLst>
+                      <p:childTnLst>
+                        <p:par>
+                          <p:cTn id="26" fill="hold">
+                            <p:stCondLst>
+                              <p:cond delay="0"/>
+                            </p:stCondLst>
+                            <p:childTnLst>
+                              <p:par>
+                                <p:cTn id="27" presetID="2" presetClass="entr" presetSubtype="4" fill="hold" nodeType="clickEffect">
+                                  <p:stCondLst>
+                                    <p:cond delay="0"/>
+                                  </p:stCondLst>
+                                  <p:childTnLst>
+                                    <p:set>
+                                      <p:cBhvr>
+                                        <p:cTn id="28" dur="1" fill="hold">
+                                          <p:stCondLst>
+                                            <p:cond delay="0"/>
+                                          </p:stCondLst>
+                                        </p:cTn>
+                                        <p:tgtEl>
+                                          <p:spTgt spid="3">
+                                            <p:txEl>
+                                              <p:pRg st="4" end="4"/>
+                                            </p:txEl>
+                                          </p:spTgt>
+                                        </p:tgtEl>
+                                        <p:attrNameLst>
+                                          <p:attrName>style.visibility</p:attrName>
+                                        </p:attrNameLst>
+                                      </p:cBhvr>
+                                      <p:to>
+                                        <p:strVal val="visible"/>
+                                      </p:to>
+                                    </p:set>
+                                    <p:anim calcmode="lin" valueType="num">
+                                      <p:cBhvr additive="base">
+                                        <p:cTn id="29" dur="500" fill="hold"/>
+                                        <p:tgtEl>
+                                          <p:spTgt spid="3">
+                                            <p:txEl>
+                                              <p:pRg st="4" end="4"/>
+                                            </p:txEl>
+                                          </p:spTgt>
+                                        </p:tgtEl>
+                                        <p:attrNameLst>
+                                          <p:attrName>ppt_x</p:attrName>
+                                        </p:attrNameLst>
+                                      </p:cBhvr>
+                                      <p:tavLst>
+                                        <p:tav tm="0">
+                                          <p:val>
+                                            <p:strVal val="#ppt_x"/>
+                                          </p:val>
+                                        </p:tav>
+                                        <p:tav tm="100000">
+                                          <p:val>
+                                            <p:strVal val="#ppt_x"/>
+                                          </p:val>
+                                        </p:tav>
+                                      </p:tavLst>
+                                    </p:anim>
+                                    <p:anim calcmode="lin" valueType="num">
+                                      <p:cBhvr additive="base">
+                                        <p:cTn id="30" dur="500" fill="hold"/>
+                                        <p:tgtEl>
+                                          <p:spTgt spid="3">
+                                            <p:txEl>
+                                              <p:pRg st="4" end="4"/>
+                                            </p:txEl>
+                                          </p:spTgt>
+                                        </p:tgtEl>
+                                        <p:attrNameLst>
+                                          <p:attrName>ppt_y</p:attrName>
+                                        </p:attrNameLst>
+                                      </p:cBhvr>
+                                      <p:tavLst>
+                                        <p:tav tm="0">
+                                          <p:val>
+                                            <p:strVal val="1+#ppt_h/2"/>
+                                          </p:val>
+                                        </p:tav>
+                                        <p:tav tm="100000">
+                                          <p:val>
+                                            <p:strVal val="#ppt_y"/>
+                                          </p:val>
+                                        </p:tav>
+                                      </p:tavLst>
+                                    </p:anim>
+                                  </p:childTnLst>
+                                </p:cTn>
+                              </p:par>
+                            </p:childTnLst>
+                          </p:cTn>
+                        </p:par>
+                      </p:childTnLst>
+                    </p:cTn>
+                  </p:par>
+                </p:childTnLst>
+              </p:cTn>
+              <p:prevCondLst>
+                <p:cond evt="onPrev" delay="0">
+                  <p:tgtEl>
+                    <p:sldTgt/>
+                  </p:tgtEl>
+                </p:cond>
+              </p:prevCondLst>
+              <p:nextCondLst>
+                <p:cond evt="onNext" delay="0">
+                  <p:tgtEl>
+                    <p:sldTgt/>
+                  </p:tgtEl>
+                </p:cond>
+              </p:nextCondLst>
+            </p:seq>
+          </p:childTnLst>
+        </p:cTn>
+      </p:par>
+    </p:tnLst>
+  </p:timing>
+</p:sld>
+</file>
+
+<file path=ppt/slides/slide3.xml><?xml version="1.0" encoding="utf-8"?>
+<p:sld xmlns:a="http://schemas.openxmlformats.org/drawingml/2006/main" xmlns:r="http://schemas.openxmlformats.org/officeDocument/2006/relationships" xmlns:p="http://schemas.openxmlformats.org/presentationml/2006/main">
+  <p:cSld>
+    <p:spTree>
+      <p:nvGrpSpPr>
+        <p:cNvPr id="1" name=""/>
+        <p:cNvGrpSpPr/>
+        <p:nvPr/>
+      </p:nvGrpSpPr>
+      <p:grpSpPr>
+        <a:xfrm>
+          <a:off x="0" y="0"/>
+          <a:ext cx="0" cy="0"/>
+          <a:chOff x="0" y="0"/>
+          <a:chExt cx="0" cy="0"/>
+        </a:xfrm>
+      </p:grpSpPr>
+      <p:sp>
+        <p:nvSpPr>
+          <p:cNvPr id="2" name="Title 1"/>
+          <p:cNvSpPr>
+            <a:spLocks noGrp="1"/>
+          </p:cNvSpPr>
+          <p:nvPr>
+            <p:ph type="title"/>
+          </p:nvPr>
+        </p:nvSpPr>
+        <p:spPr/>
+        <p:txBody>
+          <a:bodyPr/>
+          <a:lstStyle/>
+          <a:p>
+            <a:r>
+              <a:rPr lang="en-US" altLang="zh-CN" dirty="0" smtClean="0">
+                <a:latin typeface="华文细黑"/>
+                <a:ea typeface="华文细黑"/>
+                <a:cs typeface="华文细黑"/>
+              </a:rPr>
+              <a:t>VISION</a:t>
+            </a:r>
+            <a:endParaRPr lang="en-US" dirty="0">
+              <a:latin typeface="华文细黑"/>
+              <a:ea typeface="华文细黑"/>
+              <a:cs typeface="华文细黑"/>
+            </a:endParaRPr>
+          </a:p>
+        </p:txBody>
+      </p:sp>
+      <p:pic>
+        <p:nvPicPr>
+          <p:cNvPr id="4" name="Content Placeholder 3" descr="ball1.jpg"/>
+          <p:cNvPicPr>
+            <a:picLocks noGrp="1" noChangeAspect="1"/>
+          </p:cNvPicPr>
+          <p:nvPr>
+            <p:ph idx="1"/>
+          </p:nvPr>
+        </p:nvPicPr>
+        <p:blipFill rotWithShape="1">
+          <a:blip r:embed="rId2" cstate="print">
+            <a:extLst>
+              <a:ext uri="{28A0092B-C50C-407E-A947-70E740481C1C}">
+                <a14:useLocalDpi xmlns:a14="http://schemas.microsoft.com/office/drawing/2010/main" val="0"/>
+              </a:ext>
+            </a:extLst>
+          </a:blip>
+          <a:srcRect l="1164" t="13940" r="2138" b="34007"/>
+          <a:stretch/>
+        </p:blipFill>
+        <p:spPr>
+          <a:xfrm>
+            <a:off x="1029734" y="2157574"/>
+            <a:ext cx="7331629" cy="3156221"/>
+          </a:xfrm>
+          <a:prstGeom prst="rect">
+            <a:avLst/>
+          </a:prstGeom>
+          <a:ln>
+            <a:noFill/>
+          </a:ln>
+          <a:effectLst>
+            <a:softEdge rad="112500"/>
+          </a:effectLst>
+        </p:spPr>
+      </p:pic>
+    </p:spTree>
+    <p:extLst>
+      <p:ext uri="{BB962C8B-B14F-4D97-AF65-F5344CB8AC3E}">
+        <p14:creationId xmlns:p14="http://schemas.microsoft.com/office/powerpoint/2010/main" val="2449091067"/>
+      </p:ext>
+    </p:extLst>
+  </p:cSld>
+  <p:clrMapOvr>
+    <a:masterClrMapping/>
+  </p:clrMapOvr>
+  <mc:AlternateContent xmlns:mc="http://schemas.openxmlformats.org/markup-compatibility/2006" xmlns:p14="http://schemas.microsoft.com/office/powerpoint/2010/main">
+    <mc:Choice Requires="p14">
+      <p:transition spd="slow" p14:dur="1400">
+        <p14:ripple/>
+      </p:transition>
+    </mc:Choice>
+    <mc:Fallback xmlns="">
+      <p:transition spd="slow">
+        <p:fade/>
+      </p:transition>
+    </mc:Fallback>
+  </mc:AlternateContent>
+  <p:timing>
+    <p:tnLst>
+      <p:par>
+        <p:cTn xmlns:p14="http://schemas.microsoft.com/office/powerpoint/2010/main" id="1" dur="indefinite" restart="never" nodeType="tmRoot">
+          <p:childTnLst>
+            <p:seq concurrent="1" nextAc="seek">
+              <p:cTn id="2" dur="indefinite" nodeType="mainSeq">
+                <p:childTnLst>
+                  <p:par>
+                    <p:cTn id="3" fill="hold">
+                      <p:stCondLst>
+                        <p:cond delay="indefinite"/>
+                        <p:cond evt="onBegin" delay="0">
+                          <p:tn val="2"/>
+                        </p:cond>
+                      </p:stCondLst>
+                      <p:childTnLst>
+                        <p:par>
+                          <p:cTn id="4" fill="hold">
+                            <p:stCondLst>
+                              <p:cond delay="0"/>
+                            </p:stCondLst>
+                            <p:childTnLst>
+                              <p:par>
+                                <p:cTn id="5" presetID="22" presetClass="entr" presetSubtype="2" fill="hold" nodeType="withEffect">
+                                  <p:stCondLst>
+                                    <p:cond delay="0"/>
+                                  </p:stCondLst>
+                                  <p:childTnLst>
+                                    <p:set>
+                                      <p:cBhvr>
+                                        <p:cTn id="6" dur="1" fill="hold">
+                                          <p:stCondLst>
+                                            <p:cond delay="0"/>
+                                          </p:stCondLst>
+                                        </p:cTn>
+                                        <p:tgtEl>
+                                          <p:spTgt spid="4"/>
+                                        </p:tgtEl>
+                                        <p:attrNameLst>
+                                          <p:attrName>style.visibility</p:attrName>
+                                        </p:attrNameLst>
+                                      </p:cBhvr>
+                                      <p:to>
+                                        <p:strVal val="visible"/>
+                                      </p:to>
+                                    </p:set>
+                                    <p:animEffect transition="in" filter="wipe(right)">
+                                      <p:cBhvr>
+                                        <p:cTn id="7" dur="3500"/>
+                                        <p:tgtEl>
+                                          <p:spTgt spid="4"/>
+                                        </p:tgtEl>
+                                      </p:cBhvr>
+                                    </p:animEffect>
+                                  </p:childTnLst>
+                                </p:cTn>
+                              </p:par>
+                            </p:childTnLst>
+                          </p:cTn>
+                        </p:par>
+                      </p:childTnLst>
+                    </p:cTn>
+                  </p:par>
+                </p:childTnLst>
+              </p:cTn>
+              <p:prevCondLst>
+                <p:cond evt="onPrev" delay="0">
+                  <p:tgtEl>
+                    <p:sldTgt/>
+                  </p:tgtEl>
+                </p:cond>
+              </p:prevCondLst>
+              <p:nextCondLst>
+                <p:cond evt="onNext" delay="0">
+                  <p:tgtEl>
+                    <p:sldTgt/>
+                  </p:tgtEl>
+                </p:cond>
+              </p:nextCondLst>
+            </p:seq>
+          </p:childTnLst>
+        </p:cTn>
+      </p:par>
+    </p:tnLst>
+  </p:timing>
+</p:sld>
+</file>
+
+<file path=ppt/slides/slide4.xml><?xml version="1.0" encoding="utf-8"?>
+<p:sld xmlns:a="http://schemas.openxmlformats.org/drawingml/2006/main" xmlns:r="http://schemas.openxmlformats.org/officeDocument/2006/relationships" xmlns:p="http://schemas.openxmlformats.org/presentationml/2006/main">
+  <p:cSld>
+    <p:spTree>
+      <p:nvGrpSpPr>
+        <p:cNvPr id="1" name=""/>
+        <p:cNvGrpSpPr/>
+        <p:nvPr/>
+      </p:nvGrpSpPr>
+      <p:grpSpPr>
+        <a:xfrm>
+          <a:off x="0" y="0"/>
+          <a:ext cx="0" cy="0"/>
+          <a:chOff x="0" y="0"/>
+          <a:chExt cx="0" cy="0"/>
+        </a:xfrm>
+      </p:grpSpPr>
+      <p:sp>
+        <p:nvSpPr>
+          <p:cNvPr id="2" name="Title 1"/>
+          <p:cNvSpPr>
+            <a:spLocks noGrp="1"/>
+          </p:cNvSpPr>
+          <p:nvPr>
+            <p:ph type="title"/>
+          </p:nvPr>
+        </p:nvSpPr>
+        <p:spPr/>
+        <p:txBody>
+          <a:bodyPr/>
+          <a:lstStyle/>
+          <a:p>
+            <a:r>
+              <a:rPr lang="en-US" altLang="zh-CN" dirty="0" smtClean="0"/>
+              <a:t>VISION</a:t>
+            </a:r>
+            <a:endParaRPr lang="en-US" dirty="0"/>
+          </a:p>
+        </p:txBody>
+      </p:sp>
+      <p:pic>
+        <p:nvPicPr>
+          <p:cNvPr id="4" name="Content Placeholder 3" descr="ball-house.png"/>
+          <p:cNvPicPr>
+            <a:picLocks noGrp="1" noChangeAspect="1"/>
+          </p:cNvPicPr>
+          <p:nvPr>
+            <p:ph idx="1"/>
+          </p:nvPr>
+        </p:nvPicPr>
+        <p:blipFill rotWithShape="1">
+          <a:blip r:embed="rId2">
+            <a:extLst>
+              <a:ext uri="{28A0092B-C50C-407E-A947-70E740481C1C}">
+                <a14:useLocalDpi xmlns:a14="http://schemas.microsoft.com/office/drawing/2010/main" val="0"/>
+              </a:ext>
+            </a:extLst>
+          </a:blip>
+          <a:srcRect t="15243" b="9169"/>
+          <a:stretch/>
+        </p:blipFill>
+        <p:spPr>
+          <a:xfrm>
+            <a:off x="779462" y="1882587"/>
+            <a:ext cx="7581901" cy="4515793"/>
+          </a:xfrm>
+          <a:prstGeom prst="rect">
+            <a:avLst/>
+          </a:prstGeom>
+          <a:ln>
+            <a:noFill/>
+          </a:ln>
+          <a:effectLst>
+            <a:softEdge rad="112500"/>
+          </a:effectLst>
+        </p:spPr>
+      </p:pic>
+    </p:spTree>
+    <p:extLst>
+      <p:ext uri="{BB962C8B-B14F-4D97-AF65-F5344CB8AC3E}">
+        <p14:creationId xmlns:p14="http://schemas.microsoft.com/office/powerpoint/2010/main" val="1421919838"/>
+      </p:ext>
+    </p:extLst>
+  </p:cSld>
+  <p:clrMapOvr>
+    <a:masterClrMapping/>
+  </p:clrMapOvr>
+  <mc:AlternateContent xmlns:mc="http://schemas.openxmlformats.org/markup-compatibility/2006" xmlns:p14="http://schemas.microsoft.com/office/powerpoint/2010/main">
+    <mc:Choice Requires="p14">
+      <p:transition spd="slow" p14:dur="1400">
+        <p14:ripple/>
+      </p:transition>
+    </mc:Choice>
+    <mc:Fallback xmlns="">
+      <p:transition spd="slow">
+        <p:fade/>
+      </p:transition>
+    </mc:Fallback>
+  </mc:AlternateContent>
+  <p:timing>
+    <p:tnLst>
+      <p:par>
+        <p:cTn xmlns:p14="http://schemas.microsoft.com/office/powerpoint/2010/main" id="1" dur="indefinite" restart="never" nodeType="tmRoot"/>
+      </p:par>
+    </p:tnLst>
+  </p:timing>
+</p:sld>
+</file>
+
+<file path=ppt/slides/slide5.xml><?xml version="1.0" encoding="utf-8"?>
+<p:sld xmlns:a="http://schemas.openxmlformats.org/drawingml/2006/main" xmlns:r="http://schemas.openxmlformats.org/officeDocument/2006/relationships" xmlns:p="http://schemas.openxmlformats.org/presentationml/2006/main">
+  <p:cSld>
+    <p:spTree>
+      <p:nvGrpSpPr>
+        <p:cNvPr id="1" name=""/>
+        <p:cNvGrpSpPr/>
+        <p:nvPr/>
+      </p:nvGrpSpPr>
+      <p:grpSpPr>
+        <a:xfrm>
+          <a:off x="0" y="0"/>
+          <a:ext cx="0" cy="0"/>
+          <a:chOff x="0" y="0"/>
+          <a:chExt cx="0" cy="0"/>
+        </a:xfrm>
+      </p:grpSpPr>
+      <p:sp>
+        <p:nvSpPr>
+          <p:cNvPr id="2" name="Title 1"/>
+          <p:cNvSpPr>
+            <a:spLocks noGrp="1"/>
+          </p:cNvSpPr>
+          <p:nvPr>
+            <p:ph type="title"/>
+          </p:nvPr>
+        </p:nvSpPr>
+        <p:spPr/>
+        <p:txBody>
+          <a:bodyPr/>
+          <a:lstStyle/>
+          <a:p>
+            <a:r>
+              <a:rPr lang="zh-CN" altLang="en-US" dirty="0" smtClean="0">
+                <a:latin typeface="华文细黑"/>
+                <a:ea typeface="华文细黑"/>
+                <a:cs typeface="华文细黑"/>
+              </a:rPr>
+              <a:t>技术可行性</a:t>
+            </a:r>
+            <a:endParaRPr lang="en-US" dirty="0">
+              <a:latin typeface="华文细黑"/>
+              <a:ea typeface="华文细黑"/>
+              <a:cs typeface="华文细黑"/>
+            </a:endParaRPr>
+          </a:p>
+        </p:txBody>
+      </p:sp>
+      <p:sp>
+        <p:nvSpPr>
+          <p:cNvPr id="3" name="Content Placeholder 2"/>
+          <p:cNvSpPr>
+            <a:spLocks noGrp="1"/>
+          </p:cNvSpPr>
+          <p:nvPr>
+            <p:ph idx="1"/>
+          </p:nvPr>
+        </p:nvSpPr>
+        <p:spPr/>
+        <p:txBody>
+          <a:bodyPr/>
+          <a:lstStyle/>
+          <a:p>
+            <a:r>
+              <a:rPr lang="zh-CN" altLang="en-US" dirty="0" smtClean="0">
+                <a:latin typeface="华文细黑"/>
+                <a:ea typeface="华文细黑"/>
+                <a:cs typeface="华文细黑"/>
+              </a:rPr>
+              <a:t>所有技术都是基于分布在多行业中的现有成熟技术</a:t>
+            </a:r>
+            <a:endParaRPr lang="en-US" dirty="0">
+              <a:latin typeface="华文细黑"/>
+              <a:ea typeface="华文细黑"/>
+              <a:cs typeface="华文细黑"/>
+            </a:endParaRPr>
+          </a:p>
+        </p:txBody>
+      </p:sp>
+      <p:pic>
+        <p:nvPicPr>
+          <p:cNvPr id="4" name="Picture 3"/>
+          <p:cNvPicPr>
+            <a:picLocks noChangeAspect="1"/>
+          </p:cNvPicPr>
+          <p:nvPr/>
+        </p:nvPicPr>
+        <p:blipFill>
+          <a:blip r:embed="rId2" cstate="print"/>
+          <a:stretch>
+            <a:fillRect/>
+          </a:stretch>
+        </p:blipFill>
+        <p:spPr>
+          <a:xfrm>
+            <a:off x="1101876" y="2927047"/>
+            <a:ext cx="1135743" cy="908915"/>
+          </a:xfrm>
+          <a:prstGeom prst="rect">
+            <a:avLst/>
+          </a:prstGeom>
+        </p:spPr>
+      </p:pic>
+      <p:pic>
+        <p:nvPicPr>
+          <p:cNvPr id="5" name="Picture 4"/>
+          <p:cNvPicPr>
+            <a:picLocks noChangeAspect="1"/>
+          </p:cNvPicPr>
+          <p:nvPr/>
+        </p:nvPicPr>
+        <p:blipFill>
+          <a:blip r:embed="rId3"/>
+          <a:stretch>
+            <a:fillRect/>
+          </a:stretch>
+        </p:blipFill>
+        <p:spPr>
+          <a:xfrm>
+            <a:off x="3511844" y="2332609"/>
+            <a:ext cx="1307344" cy="908915"/>
+          </a:xfrm>
+          <a:prstGeom prst="rect">
+            <a:avLst/>
+          </a:prstGeom>
+        </p:spPr>
+      </p:pic>
+      <p:pic>
+        <p:nvPicPr>
+          <p:cNvPr id="6" name="Picture 5"/>
+          <p:cNvPicPr>
+            <a:picLocks noChangeAspect="1"/>
+          </p:cNvPicPr>
+          <p:nvPr/>
+        </p:nvPicPr>
+        <p:blipFill>
+          <a:blip r:embed="rId4" cstate="print"/>
+          <a:stretch>
+            <a:fillRect/>
+          </a:stretch>
+        </p:blipFill>
+        <p:spPr>
+          <a:xfrm>
+            <a:off x="6168572" y="2927047"/>
+            <a:ext cx="1366761" cy="907143"/>
+          </a:xfrm>
+          <a:prstGeom prst="rect">
+            <a:avLst/>
+          </a:prstGeom>
+        </p:spPr>
+      </p:pic>
+      <p:pic>
+        <p:nvPicPr>
+          <p:cNvPr id="7" name="Picture 6"/>
+          <p:cNvPicPr>
+            <a:picLocks noChangeAspect="1"/>
+          </p:cNvPicPr>
+          <p:nvPr/>
+        </p:nvPicPr>
+        <p:blipFill>
+          <a:blip r:embed="rId5" cstate="print"/>
+          <a:stretch>
+            <a:fillRect/>
+          </a:stretch>
+        </p:blipFill>
+        <p:spPr>
+          <a:xfrm>
+            <a:off x="1101876" y="4782457"/>
+            <a:ext cx="1135743" cy="829733"/>
+          </a:xfrm>
+          <a:prstGeom prst="rect">
+            <a:avLst/>
+          </a:prstGeom>
+        </p:spPr>
+      </p:pic>
+      <p:pic>
+        <p:nvPicPr>
+          <p:cNvPr id="8" name="Picture 7"/>
+          <p:cNvPicPr>
+            <a:picLocks noChangeAspect="1"/>
+          </p:cNvPicPr>
+          <p:nvPr/>
+        </p:nvPicPr>
+        <p:blipFill>
+          <a:blip r:embed="rId6"/>
+          <a:stretch>
+            <a:fillRect/>
+          </a:stretch>
+        </p:blipFill>
+        <p:spPr>
+          <a:xfrm>
+            <a:off x="3511844" y="5836023"/>
+            <a:ext cx="1313860" cy="829733"/>
+          </a:xfrm>
+          <a:prstGeom prst="rect">
+            <a:avLst/>
+          </a:prstGeom>
+        </p:spPr>
+      </p:pic>
+      <p:pic>
+        <p:nvPicPr>
+          <p:cNvPr id="9" name="Picture 8"/>
+          <p:cNvPicPr>
+            <a:picLocks noChangeAspect="1"/>
+          </p:cNvPicPr>
+          <p:nvPr/>
+        </p:nvPicPr>
+        <p:blipFill>
+          <a:blip r:embed="rId7" cstate="print"/>
+          <a:stretch>
+            <a:fillRect/>
+          </a:stretch>
+        </p:blipFill>
+        <p:spPr>
+          <a:xfrm>
+            <a:off x="6023429" y="4782457"/>
+            <a:ext cx="1366761" cy="829734"/>
+          </a:xfrm>
+          <a:prstGeom prst="rect">
+            <a:avLst/>
+          </a:prstGeom>
+        </p:spPr>
+      </p:pic>
+      <p:sp>
+        <p:nvSpPr>
+          <p:cNvPr id="10" name="TextBox 9"/>
+          <p:cNvSpPr txBox="1"/>
+          <p:nvPr/>
+        </p:nvSpPr>
+        <p:spPr>
+          <a:xfrm>
+            <a:off x="1200834" y="3873714"/>
+            <a:ext cx="646331" cy="369332"/>
+          </a:xfrm>
+          <a:prstGeom prst="rect">
+            <a:avLst/>
+          </a:prstGeom>
+          <a:noFill/>
+        </p:spPr>
+        <p:txBody>
+          <a:bodyPr wrap="none" rtlCol="0">
+            <a:spAutoFit/>
+          </a:bodyPr>
+          <a:lstStyle/>
+          <a:p>
+            <a:r>
+              <a:rPr lang="zh-CN" altLang="en-US" dirty="0" smtClean="0"/>
+              <a:t>航空</a:t>
+            </a:r>
+            <a:endParaRPr lang="en-US" altLang="zh-CN" dirty="0" smtClean="0"/>
+          </a:p>
+        </p:txBody>
+      </p:sp>
+      <p:sp>
+        <p:nvSpPr>
+          <p:cNvPr id="11" name="TextBox 10"/>
+          <p:cNvSpPr txBox="1"/>
+          <p:nvPr/>
+        </p:nvSpPr>
+        <p:spPr>
+          <a:xfrm>
+            <a:off x="3789215" y="3129734"/>
+            <a:ext cx="646331" cy="369332"/>
+          </a:xfrm>
+          <a:prstGeom prst="rect">
+            <a:avLst/>
+          </a:prstGeom>
+          <a:noFill/>
+        </p:spPr>
+        <p:txBody>
+          <a:bodyPr wrap="none" rtlCol="0">
+            <a:spAutoFit/>
+          </a:bodyPr>
+          <a:lstStyle/>
+          <a:p>
+            <a:r>
+              <a:rPr lang="zh-CN" altLang="en-US" dirty="0" smtClean="0"/>
+              <a:t>船舶</a:t>
+            </a:r>
+            <a:endParaRPr lang="en-US" dirty="0"/>
+          </a:p>
+        </p:txBody>
+      </p:sp>
+      <p:sp>
+        <p:nvSpPr>
+          <p:cNvPr id="12" name="TextBox 11"/>
+          <p:cNvSpPr txBox="1"/>
+          <p:nvPr/>
+        </p:nvSpPr>
+        <p:spPr>
+          <a:xfrm>
+            <a:off x="6565668" y="3834190"/>
+            <a:ext cx="646331" cy="369332"/>
+          </a:xfrm>
+          <a:prstGeom prst="rect">
+            <a:avLst/>
+          </a:prstGeom>
+          <a:noFill/>
+        </p:spPr>
+        <p:txBody>
+          <a:bodyPr wrap="none" rtlCol="0">
+            <a:spAutoFit/>
+          </a:bodyPr>
+          <a:lstStyle/>
+          <a:p>
+            <a:r>
+              <a:rPr lang="zh-CN" altLang="en-US" dirty="0" smtClean="0"/>
+              <a:t>建筑</a:t>
+            </a:r>
+            <a:endParaRPr lang="en-US" dirty="0"/>
+          </a:p>
+        </p:txBody>
+      </p:sp>
+      <p:sp>
+        <p:nvSpPr>
+          <p:cNvPr id="13" name="TextBox 12"/>
+          <p:cNvSpPr txBox="1"/>
+          <p:nvPr/>
+        </p:nvSpPr>
+        <p:spPr>
+          <a:xfrm>
+            <a:off x="1147002" y="5466692"/>
+            <a:ext cx="1107996" cy="369332"/>
+          </a:xfrm>
+          <a:prstGeom prst="rect">
+            <a:avLst/>
+          </a:prstGeom>
+          <a:noFill/>
+        </p:spPr>
+        <p:txBody>
+          <a:bodyPr wrap="none" rtlCol="0">
+            <a:spAutoFit/>
+          </a:bodyPr>
+          <a:lstStyle/>
+          <a:p>
+            <a:r>
+              <a:rPr lang="zh-CN" altLang="en-US" dirty="0" smtClean="0"/>
+              <a:t>温室农业</a:t>
+            </a:r>
+            <a:endParaRPr lang="en-US" dirty="0"/>
+          </a:p>
+        </p:txBody>
+      </p:sp>
+      <p:sp>
+        <p:nvSpPr>
+          <p:cNvPr id="14" name="TextBox 13"/>
+          <p:cNvSpPr txBox="1"/>
+          <p:nvPr/>
+        </p:nvSpPr>
+        <p:spPr>
+          <a:xfrm>
+            <a:off x="3650716" y="6481090"/>
+            <a:ext cx="1107996" cy="369332"/>
+          </a:xfrm>
+          <a:prstGeom prst="rect">
+            <a:avLst/>
+          </a:prstGeom>
+          <a:noFill/>
+        </p:spPr>
+        <p:txBody>
+          <a:bodyPr wrap="none" rtlCol="0">
+            <a:spAutoFit/>
+          </a:bodyPr>
+          <a:lstStyle/>
+          <a:p>
+            <a:r>
+              <a:rPr lang="zh-CN" altLang="en-US" dirty="0" smtClean="0"/>
+              <a:t>人工生态</a:t>
+            </a:r>
+            <a:endParaRPr lang="en-US" dirty="0"/>
+          </a:p>
+        </p:txBody>
+      </p:sp>
+      <p:sp>
+        <p:nvSpPr>
+          <p:cNvPr id="15" name="TextBox 14"/>
+          <p:cNvSpPr txBox="1"/>
+          <p:nvPr/>
+        </p:nvSpPr>
+        <p:spPr>
+          <a:xfrm>
+            <a:off x="6282194" y="5612191"/>
+            <a:ext cx="1107996" cy="369332"/>
+          </a:xfrm>
+          <a:prstGeom prst="rect">
+            <a:avLst/>
+          </a:prstGeom>
+          <a:noFill/>
+        </p:spPr>
+        <p:txBody>
+          <a:bodyPr wrap="none" rtlCol="0">
+            <a:spAutoFit/>
+          </a:bodyPr>
+          <a:lstStyle/>
+          <a:p>
+            <a:r>
+              <a:rPr lang="zh-CN" altLang="en-US" dirty="0" smtClean="0"/>
+              <a:t>自动控制</a:t>
+            </a:r>
+            <a:endParaRPr lang="en-US" dirty="0"/>
+          </a:p>
+        </p:txBody>
+      </p:sp>
+      <p:pic>
+        <p:nvPicPr>
+          <p:cNvPr id="16" name="Picture 15"/>
+          <p:cNvPicPr>
+            <a:picLocks noChangeAspect="1"/>
+          </p:cNvPicPr>
+          <p:nvPr/>
+        </p:nvPicPr>
+        <p:blipFill>
+          <a:blip r:embed="rId8">
+            <a:extLst>
+              <a:ext uri="{BEBA8EAE-BF5A-486C-A8C5-ECC9F3942E4B}">
+                <a14:imgProps xmlns:a14="http://schemas.microsoft.com/office/drawing/2010/main">
+                  <a14:imgLayer r:embed="rId9">
+                    <a14:imgEffect>
+                      <a14:backgroundRemoval t="0" b="96262" l="33200" r="99800"/>
+                    </a14:imgEffect>
+                  </a14:imgLayer>
+                </a14:imgProps>
+              </a:ext>
+            </a:extLst>
+          </a:blip>
+          <a:stretch>
+            <a:fillRect/>
+          </a:stretch>
+        </p:blipFill>
+        <p:spPr>
+          <a:xfrm>
+            <a:off x="2793999" y="3834190"/>
+            <a:ext cx="2217595" cy="1423696"/>
+          </a:xfrm>
+          <a:prstGeom prst="rect">
+            <a:avLst/>
+          </a:prstGeom>
+        </p:spPr>
+      </p:pic>
+    </p:spTree>
+    <p:extLst>
+      <p:ext uri="{BB962C8B-B14F-4D97-AF65-F5344CB8AC3E}">
+        <p14:creationId xmlns:p14="http://schemas.microsoft.com/office/powerpoint/2010/main" val="2772041136"/>
+      </p:ext>
+    </p:extLst>
+  </p:cSld>
+  <p:clrMapOvr>
+    <a:masterClrMapping/>
+  </p:clrMapOvr>
+  <p:timing>
+    <p:tnLst>
+      <p:par>
+        <p:cTn xmlns:p14="http://schemas.microsoft.com/office/powerpoint/2010/main" id="1" dur="indefinite" restart="never" nodeType="tmRoot">
+          <p:childTnLst>
+            <p:seq concurrent="1" nextAc="seek">
+              <p:cTn id="2" dur="indefinite" nodeType="mainSeq">
+                <p:childTnLst>
+                  <p:par>
+                    <p:cTn id="3" fill="hold">
+                      <p:stCondLst>
+                        <p:cond delay="indefinite"/>
+                      </p:stCondLst>
+                      <p:childTnLst>
+                        <p:par>
+                          <p:cTn id="4" fill="hold">
+                            <p:stCondLst>
+                              <p:cond delay="0"/>
+                            </p:stCondLst>
+                            <p:childTnLst>
+                              <p:par>
+                                <p:cTn id="5" presetID="42" presetClass="path" presetSubtype="0" accel="50000" decel="50000" fill="hold" nodeType="clickEffect">
+                                  <p:stCondLst>
+                                    <p:cond delay="0"/>
+                                  </p:stCondLst>
+                                  <p:childTnLst>
+                                    <p:animMotion origin="layout" path="M 1.11111E-6 4.44444E-6 L 0.27639 0.15185 " pathEditMode="relative" rAng="0" ptsTypes="AA">
+                                      <p:cBhvr>
+                                        <p:cTn id="6" dur="2000" fill="hold"/>
+                                        <p:tgtEl>
+                                          <p:spTgt spid="4"/>
+                                        </p:tgtEl>
+                                        <p:attrNameLst>
+                                          <p:attrName>ppt_x</p:attrName>
+                                          <p:attrName>ppt_y</p:attrName>
+                                        </p:attrNameLst>
+                                      </p:cBhvr>
+                                      <p:rCtr x="13819" y="7593"/>
+                                    </p:animMotion>
+                                  </p:childTnLst>
+                                </p:cTn>
+                              </p:par>
+                            </p:childTnLst>
+                          </p:cTn>
+                        </p:par>
+                      </p:childTnLst>
+                    </p:cTn>
+                  </p:par>
+                  <p:par>
+                    <p:cTn id="7" fill="hold">
+                      <p:stCondLst>
+                        <p:cond delay="indefinite"/>
+                      </p:stCondLst>
+                      <p:childTnLst>
+                        <p:par>
+                          <p:cTn id="8" fill="hold">
+                            <p:stCondLst>
+                              <p:cond delay="0"/>
+                            </p:stCondLst>
+                            <p:childTnLst>
+                              <p:par>
+                                <p:cTn id="9" presetID="42" presetClass="path" presetSubtype="0" accel="50000" decel="50000" fill="hold" nodeType="clickEffect">
+                                  <p:stCondLst>
+                                    <p:cond delay="0"/>
+                                  </p:stCondLst>
+                                  <p:childTnLst>
+                                    <p:animMotion origin="layout" path="M 4.44444E-6 0 L 0.00364 0.23889 " pathEditMode="relative" rAng="0" ptsTypes="AA">
+                                      <p:cBhvr>
+                                        <p:cTn id="10" dur="2000" fill="hold"/>
+                                        <p:tgtEl>
+                                          <p:spTgt spid="5"/>
+                                        </p:tgtEl>
+                                        <p:attrNameLst>
+                                          <p:attrName>ppt_x</p:attrName>
+                                          <p:attrName>ppt_y</p:attrName>
+                                        </p:attrNameLst>
+                                      </p:cBhvr>
+                                      <p:rCtr x="174" y="11944"/>
+                                    </p:animMotion>
+                                  </p:childTnLst>
+                                </p:cTn>
+                              </p:par>
+                            </p:childTnLst>
+                          </p:cTn>
+                        </p:par>
+                      </p:childTnLst>
+                    </p:cTn>
+                  </p:par>
+                  <p:par>
+                    <p:cTn id="11" fill="hold">
+                      <p:stCondLst>
+                        <p:cond delay="indefinite"/>
+                      </p:stCondLst>
+                      <p:childTnLst>
+                        <p:par>
+                          <p:cTn id="12" fill="hold">
+                            <p:stCondLst>
+                              <p:cond delay="0"/>
+                            </p:stCondLst>
+                            <p:childTnLst>
+                              <p:par>
+                                <p:cTn id="13" presetID="42" presetClass="path" presetSubtype="0" accel="50000" decel="50000" fill="hold" nodeType="clickEffect">
+                                  <p:stCondLst>
+                                    <p:cond delay="0"/>
+                                  </p:stCondLst>
+                                  <p:childTnLst>
+                                    <p:animMotion origin="layout" path="M 4.44444E-6 -4.07407E-6 L -0.29011 0.15255 " pathEditMode="relative" rAng="0" ptsTypes="AA">
+                                      <p:cBhvr>
+                                        <p:cTn id="14" dur="2000" fill="hold"/>
+                                        <p:tgtEl>
+                                          <p:spTgt spid="6"/>
+                                        </p:tgtEl>
+                                        <p:attrNameLst>
+                                          <p:attrName>ppt_x</p:attrName>
+                                          <p:attrName>ppt_y</p:attrName>
+                                        </p:attrNameLst>
+                                      </p:cBhvr>
+                                      <p:rCtr x="-14514" y="7616"/>
+                                    </p:animMotion>
+                                  </p:childTnLst>
+                                </p:cTn>
+                              </p:par>
+                            </p:childTnLst>
+                          </p:cTn>
+                        </p:par>
+                      </p:childTnLst>
+                    </p:cTn>
+                  </p:par>
+                  <p:par>
+                    <p:cTn id="15" fill="hold">
+                      <p:stCondLst>
+                        <p:cond delay="indefinite"/>
+                      </p:stCondLst>
+                      <p:childTnLst>
+                        <p:par>
+                          <p:cTn id="16" fill="hold">
+                            <p:stCondLst>
+                              <p:cond delay="0"/>
+                            </p:stCondLst>
+                            <p:childTnLst>
+                              <p:par>
+                                <p:cTn id="17" presetID="42" presetClass="path" presetSubtype="0" accel="50000" decel="50000" fill="hold" nodeType="clickEffect">
+                                  <p:stCondLst>
+                                    <p:cond delay="0"/>
+                                  </p:stCondLst>
+                                  <p:childTnLst>
+                                    <p:animMotion origin="layout" path="M -3.33333E-6 -3.7037E-7 L -0.27395 -0.11273 " pathEditMode="relative" rAng="0" ptsTypes="AA">
+                                      <p:cBhvr>
+                                        <p:cTn id="18" dur="2000" fill="hold"/>
+                                        <p:tgtEl>
+                                          <p:spTgt spid="9"/>
+                                        </p:tgtEl>
+                                        <p:attrNameLst>
+                                          <p:attrName>ppt_x</p:attrName>
+                                          <p:attrName>ppt_y</p:attrName>
+                                        </p:attrNameLst>
+                                      </p:cBhvr>
+                                      <p:rCtr x="-13698" y="-5648"/>
+                                    </p:animMotion>
+                                  </p:childTnLst>
+                                </p:cTn>
+                              </p:par>
+                            </p:childTnLst>
+                          </p:cTn>
+                        </p:par>
+                      </p:childTnLst>
+                    </p:cTn>
+                  </p:par>
+                  <p:par>
+                    <p:cTn id="19" fill="hold">
+                      <p:stCondLst>
+                        <p:cond delay="indefinite"/>
+                      </p:stCondLst>
+                      <p:childTnLst>
+                        <p:par>
+                          <p:cTn id="20" fill="hold">
+                            <p:stCondLst>
+                              <p:cond delay="0"/>
+                            </p:stCondLst>
+                            <p:childTnLst>
+                              <p:par>
+                                <p:cTn id="21" presetID="42" presetClass="path" presetSubtype="0" accel="50000" decel="50000" fill="hold" nodeType="clickEffect">
+                                  <p:stCondLst>
+                                    <p:cond delay="0"/>
+                                  </p:stCondLst>
+                                  <p:childTnLst>
+                                    <p:animMotion origin="layout" path="M -2.77778E-6 -2.59259E-6 L 0.00348 -0.26574 " pathEditMode="relative" rAng="0" ptsTypes="AA">
+                                      <p:cBhvr>
+                                        <p:cTn id="22" dur="2000" fill="hold"/>
+                                        <p:tgtEl>
+                                          <p:spTgt spid="8"/>
+                                        </p:tgtEl>
+                                        <p:attrNameLst>
+                                          <p:attrName>ppt_x</p:attrName>
+                                          <p:attrName>ppt_y</p:attrName>
+                                        </p:attrNameLst>
+                                      </p:cBhvr>
+                                      <p:rCtr x="174" y="-13287"/>
+                                    </p:animMotion>
+                                  </p:childTnLst>
+                                </p:cTn>
+                              </p:par>
+                            </p:childTnLst>
+                          </p:cTn>
+                        </p:par>
+                      </p:childTnLst>
+                    </p:cTn>
+                  </p:par>
+                  <p:par>
+                    <p:cTn id="23" fill="hold">
+                      <p:stCondLst>
+                        <p:cond delay="indefinite"/>
+                      </p:stCondLst>
+                      <p:childTnLst>
+                        <p:par>
+                          <p:cTn id="24" fill="hold">
+                            <p:stCondLst>
+                              <p:cond delay="0"/>
+                            </p:stCondLst>
+                            <p:childTnLst>
+                              <p:par>
+                                <p:cTn id="25" presetID="42" presetClass="path" presetSubtype="0" accel="50000" decel="50000" fill="hold" nodeType="clickEffect">
+                                  <p:stCondLst>
+                                    <p:cond delay="0"/>
+                                  </p:stCondLst>
+                                  <p:childTnLst>
+                                    <p:animMotion origin="layout" path="M 1.11111E-6 -3.7037E-7 L 0.27691 -0.11227 " pathEditMode="relative" rAng="0" ptsTypes="AA">
+                                      <p:cBhvr>
+                                        <p:cTn id="26" dur="2000" fill="hold"/>
+                                        <p:tgtEl>
+                                          <p:spTgt spid="7"/>
+                                        </p:tgtEl>
+                                        <p:attrNameLst>
+                                          <p:attrName>ppt_x</p:attrName>
+                                          <p:attrName>ppt_y</p:attrName>
+                                        </p:attrNameLst>
+                                      </p:cBhvr>
+                                      <p:rCtr x="13837" y="-5625"/>
+                                    </p:animMotion>
+                                  </p:childTnLst>
+                                </p:cTn>
+                              </p:par>
+                            </p:childTnLst>
+                          </p:cTn>
+                        </p:par>
+                      </p:childTnLst>
+                    </p:cTn>
+                  </p:par>
+                </p:childTnLst>
+              </p:cTn>
+              <p:prevCondLst>
+                <p:cond evt="onPrev" delay="0">
+                  <p:tgtEl>
+                    <p:sldTgt/>
+                  </p:tgtEl>
+                </p:cond>
+              </p:prevCondLst>
+              <p:nextCondLst>
+                <p:cond evt="onNext" delay="0">
+                  <p:tgtEl>
+                    <p:sldTgt/>
+                  </p:tgtEl>
+                </p:cond>
+              </p:nextCondLst>
+            </p:seq>
+          </p:childTnLst>
+        </p:cTn>
+      </p:par>
+    </p:tnLst>
+  </p:timing>
+</p:sld>
+</file>
+
+<file path=ppt/slides/slide6.xml><?xml version="1.0" encoding="utf-8"?>
+<p:sld xmlns:a="http://schemas.openxmlformats.org/drawingml/2006/main" xmlns:r="http://schemas.openxmlformats.org/officeDocument/2006/relationships" xmlns:p="http://schemas.openxmlformats.org/presentationml/2006/main">
+  <p:cSld>
+    <p:spTree>
+      <p:nvGrpSpPr>
+        <p:cNvPr id="1" name=""/>
+        <p:cNvGrpSpPr/>
+        <p:nvPr/>
+      </p:nvGrpSpPr>
+      <p:grpSpPr>
+        <a:xfrm>
+          <a:off x="0" y="0"/>
+          <a:ext cx="0" cy="0"/>
+          <a:chOff x="0" y="0"/>
+          <a:chExt cx="0" cy="0"/>
+        </a:xfrm>
+      </p:grpSpPr>
+      <p:sp>
+        <p:nvSpPr>
+          <p:cNvPr id="2" name="Title 1"/>
+          <p:cNvSpPr>
+            <a:spLocks noGrp="1"/>
+          </p:cNvSpPr>
+          <p:nvPr>
+            <p:ph type="title"/>
+          </p:nvPr>
+        </p:nvSpPr>
+        <p:spPr/>
+        <p:txBody>
+          <a:bodyPr/>
+          <a:lstStyle/>
+          <a:p>
+            <a:r>
+              <a:rPr lang="zh-CN" altLang="en-US" dirty="0" smtClean="0">
+                <a:latin typeface="华文细黑"/>
+                <a:ea typeface="华文细黑"/>
+                <a:cs typeface="华文细黑"/>
+              </a:rPr>
+              <a:t>市场需求</a:t>
+            </a:r>
+            <a:endParaRPr lang="en-US" dirty="0">
+              <a:latin typeface="华文细黑"/>
+              <a:ea typeface="华文细黑"/>
+              <a:cs typeface="华文细黑"/>
+            </a:endParaRPr>
+          </a:p>
+        </p:txBody>
+      </p:sp>
+      <p:sp>
+        <p:nvSpPr>
+          <p:cNvPr id="3" name="Content Placeholder 2"/>
+          <p:cNvSpPr>
+            <a:spLocks noGrp="1"/>
+          </p:cNvSpPr>
+          <p:nvPr>
+            <p:ph idx="1"/>
+          </p:nvPr>
+        </p:nvSpPr>
+        <p:spPr>
+          <a:xfrm>
+            <a:off x="557940" y="1882588"/>
+            <a:ext cx="8198602" cy="3953436"/>
+          </a:xfrm>
+        </p:spPr>
+        <p:txBody>
+          <a:bodyPr>
+            <a:normAutofit/>
+          </a:bodyPr>
+          <a:lstStyle/>
+          <a:p>
+            <a:r>
+              <a:rPr lang="zh-CN" altLang="en-US" dirty="0" smtClean="0">
+                <a:latin typeface="华文细黑"/>
+                <a:ea typeface="华文细黑"/>
+                <a:cs typeface="华文细黑"/>
+              </a:rPr>
+              <a:t>全球化自由贸易在遭遇贸易壁垒的环境下，催生公海国际商务社区</a:t>
+            </a:r>
+            <a:endParaRPr lang="en-US" altLang="zh-CN" dirty="0" smtClean="0">
+              <a:latin typeface="华文细黑"/>
+              <a:ea typeface="华文细黑"/>
+              <a:cs typeface="华文细黑"/>
+            </a:endParaRPr>
+          </a:p>
+          <a:p>
+            <a:endParaRPr lang="en-US" altLang="zh-CN" dirty="0" smtClean="0">
+              <a:latin typeface="华文细黑"/>
+              <a:ea typeface="华文细黑"/>
+              <a:cs typeface="华文细黑"/>
+            </a:endParaRPr>
+          </a:p>
+          <a:p>
+            <a:r>
+              <a:rPr lang="zh-CN" altLang="en-US" dirty="0" smtClean="0">
+                <a:latin typeface="华文细黑"/>
+                <a:ea typeface="华文细黑"/>
+                <a:cs typeface="华文细黑"/>
+              </a:rPr>
+              <a:t>人口增长在全球气候变迁和资源枯竭的压力下，产生向绿色生活方式迁移的内在需求</a:t>
+            </a:r>
+            <a:endParaRPr lang="en-US" altLang="zh-CN" dirty="0" smtClean="0">
+              <a:latin typeface="华文细黑"/>
+              <a:ea typeface="华文细黑"/>
+              <a:cs typeface="华文细黑"/>
+            </a:endParaRPr>
+          </a:p>
+          <a:p>
+            <a:pPr marL="0" indent="0">
+              <a:buNone/>
+            </a:pPr>
+            <a:endParaRPr lang="en-US" dirty="0" smtClean="0"/>
+          </a:p>
+          <a:p>
+            <a:pPr marL="0" indent="0">
+              <a:buNone/>
+            </a:pPr>
+            <a:r>
+              <a:rPr lang="zh-CN" altLang="en-US" dirty="0" smtClean="0">
+                <a:latin typeface="华文细黑"/>
+                <a:ea typeface="华文细黑"/>
+                <a:cs typeface="华文细黑"/>
+              </a:rPr>
+              <a:t>生态别墅在概念和内涵上，为上述需求提供了圆满解决方案。</a:t>
+            </a:r>
+            <a:endParaRPr lang="en-US" dirty="0">
+              <a:latin typeface="华文细黑"/>
+              <a:ea typeface="华文细黑"/>
+              <a:cs typeface="华文细黑"/>
+            </a:endParaRPr>
+          </a:p>
+        </p:txBody>
+      </p:sp>
+      <p:pic>
+        <p:nvPicPr>
+          <p:cNvPr id="4" name="Picture 3" descr="Blueseed_logo.png">
+            <a:hlinkClick r:id="rId2"/>
+          </p:cNvPr>
+          <p:cNvPicPr>
+            <a:picLocks noChangeAspect="1"/>
+          </p:cNvPicPr>
+          <p:nvPr/>
+        </p:nvPicPr>
+        <p:blipFill>
+          <a:blip r:embed="rId3">
+            <a:extLst>
+              <a:ext uri="{28A0092B-C50C-407E-A947-70E740481C1C}">
+                <a14:useLocalDpi xmlns:a14="http://schemas.microsoft.com/office/drawing/2010/main" val="0"/>
+              </a:ext>
+            </a:extLst>
+          </a:blip>
+          <a:stretch>
+            <a:fillRect/>
+          </a:stretch>
+        </p:blipFill>
+        <p:spPr>
+          <a:xfrm>
+            <a:off x="1973943" y="2834990"/>
+            <a:ext cx="1906390" cy="390810"/>
+          </a:xfrm>
+          <a:prstGeom prst="rect">
+            <a:avLst/>
+          </a:prstGeom>
+        </p:spPr>
+      </p:pic>
+      <p:pic>
+        <p:nvPicPr>
+          <p:cNvPr id="5" name="Picture 4" descr="logo.png">
+            <a:hlinkClick r:id="rId4"/>
+          </p:cNvPr>
+          <p:cNvPicPr>
+            <a:picLocks noChangeAspect="1"/>
+          </p:cNvPicPr>
+          <p:nvPr/>
+        </p:nvPicPr>
+        <p:blipFill>
+          <a:blip r:embed="rId5">
+            <a:extLst>
+              <a:ext uri="{28A0092B-C50C-407E-A947-70E740481C1C}">
+                <a14:useLocalDpi xmlns:a14="http://schemas.microsoft.com/office/drawing/2010/main" val="0"/>
+              </a:ext>
+            </a:extLst>
+          </a:blip>
+          <a:stretch>
+            <a:fillRect/>
+          </a:stretch>
+        </p:blipFill>
+        <p:spPr>
+          <a:xfrm>
+            <a:off x="4230915" y="2608942"/>
+            <a:ext cx="3657600" cy="711200"/>
+          </a:xfrm>
+          <a:prstGeom prst="rect">
+            <a:avLst/>
+          </a:prstGeom>
+        </p:spPr>
+      </p:pic>
+    </p:spTree>
+    <p:extLst>
+      <p:ext uri="{BB962C8B-B14F-4D97-AF65-F5344CB8AC3E}">
+        <p14:creationId xmlns:p14="http://schemas.microsoft.com/office/powerpoint/2010/main" val="843151808"/>
+      </p:ext>
+    </p:extLst>
+  </p:cSld>
+  <p:clrMapOvr>
+    <a:masterClrMapping/>
+  </p:clrMapOvr>
+  <p:timing>
+    <p:tnLst>
+      <p:par>
+        <p:cTn xmlns:p14="http://schemas.microsoft.com/office/powerpoint/2010/main" id="1" dur="indefinite" restart="never" nodeType="tmRoot"/>
+      </p:par>
+    </p:tnLst>
+  </p:timing>
+</p:sld>
+</file>
+
+<file path=ppt/slides/slide7.xml><?xml version="1.0" encoding="utf-8"?>
+<p:sld xmlns:a="http://schemas.openxmlformats.org/drawingml/2006/main" xmlns:r="http://schemas.openxmlformats.org/officeDocument/2006/relationships" xmlns:p="http://schemas.openxmlformats.org/presentationml/2006/main">
+  <p:cSld>
+    <p:spTree>
+      <p:nvGrpSpPr>
+        <p:cNvPr id="1" name=""/>
+        <p:cNvGrpSpPr/>
+        <p:nvPr/>
+      </p:nvGrpSpPr>
+      <p:grpSpPr>
+        <a:xfrm>
+          <a:off x="0" y="0"/>
+          <a:ext cx="0" cy="0"/>
+          <a:chOff x="0" y="0"/>
+          <a:chExt cx="0" cy="0"/>
+        </a:xfrm>
+      </p:grpSpPr>
+      <p:sp>
+        <p:nvSpPr>
+          <p:cNvPr id="2" name="Title 1"/>
+          <p:cNvSpPr>
+            <a:spLocks noGrp="1"/>
+          </p:cNvSpPr>
+          <p:nvPr>
+            <p:ph type="title"/>
+          </p:nvPr>
+        </p:nvSpPr>
+        <p:spPr/>
+        <p:txBody>
+          <a:bodyPr/>
+          <a:lstStyle/>
+          <a:p>
+            <a:r>
+              <a:rPr lang="zh-CN" altLang="en-US" dirty="0" smtClean="0">
+                <a:latin typeface="华文细黑"/>
+                <a:ea typeface="华文细黑"/>
+                <a:cs typeface="华文细黑"/>
+              </a:rPr>
+              <a:t>应用范围</a:t>
+            </a:r>
+            <a:endParaRPr lang="en-US" dirty="0">
+              <a:latin typeface="华文细黑"/>
+              <a:ea typeface="华文细黑"/>
+              <a:cs typeface="华文细黑"/>
+            </a:endParaRPr>
+          </a:p>
+        </p:txBody>
+      </p:sp>
+      <p:sp>
+        <p:nvSpPr>
+          <p:cNvPr id="3" name="Content Placeholder 2"/>
+          <p:cNvSpPr>
+            <a:spLocks noGrp="1"/>
+          </p:cNvSpPr>
+          <p:nvPr>
+            <p:ph idx="1"/>
+          </p:nvPr>
+        </p:nvSpPr>
+        <p:spPr/>
+        <p:txBody>
+          <a:bodyPr/>
+          <a:lstStyle/>
+          <a:p>
+            <a:r>
+              <a:rPr lang="zh-CN" altLang="en-US" dirty="0" smtClean="0">
+                <a:latin typeface="华文细黑"/>
+                <a:ea typeface="华文细黑"/>
+                <a:cs typeface="华文细黑"/>
+              </a:rPr>
+              <a:t>公海国际商务社区基础设施</a:t>
+            </a:r>
+            <a:endParaRPr lang="en-US" altLang="zh-CN" dirty="0" smtClean="0">
+              <a:latin typeface="华文细黑"/>
+              <a:ea typeface="华文细黑"/>
+              <a:cs typeface="华文细黑"/>
+            </a:endParaRPr>
+          </a:p>
+          <a:p>
+            <a:r>
+              <a:rPr lang="zh-CN" altLang="en-US" dirty="0" smtClean="0">
+                <a:latin typeface="华文细黑"/>
+                <a:ea typeface="华文细黑"/>
+                <a:cs typeface="华文细黑"/>
+              </a:rPr>
+              <a:t>边远地区兵站、科考基地</a:t>
+            </a:r>
+            <a:endParaRPr lang="en-US" altLang="zh-CN" dirty="0" smtClean="0">
+              <a:latin typeface="华文细黑"/>
+              <a:ea typeface="华文细黑"/>
+              <a:cs typeface="华文细黑"/>
+            </a:endParaRPr>
+          </a:p>
+          <a:p>
+            <a:r>
+              <a:rPr lang="zh-CN" altLang="en-US" dirty="0" smtClean="0">
+                <a:latin typeface="华文细黑"/>
+                <a:ea typeface="华文细黑"/>
+                <a:cs typeface="华文细黑"/>
+              </a:rPr>
+              <a:t>都市垂直农业基地</a:t>
+            </a:r>
+            <a:endParaRPr lang="en-US" altLang="zh-CN" dirty="0" smtClean="0">
+              <a:latin typeface="华文细黑"/>
+              <a:ea typeface="华文细黑"/>
+              <a:cs typeface="华文细黑"/>
+            </a:endParaRPr>
+          </a:p>
+          <a:p>
+            <a:r>
+              <a:rPr lang="zh-CN" altLang="en-US" dirty="0" smtClean="0">
+                <a:latin typeface="华文细黑"/>
+                <a:ea typeface="华文细黑"/>
+                <a:cs typeface="华文细黑"/>
+              </a:rPr>
+              <a:t>气候、地质灾变庇护所</a:t>
+            </a:r>
+            <a:endParaRPr lang="en-US" altLang="zh-CN" dirty="0" smtClean="0">
+              <a:latin typeface="华文细黑"/>
+              <a:ea typeface="华文细黑"/>
+              <a:cs typeface="华文细黑"/>
+            </a:endParaRPr>
+          </a:p>
+          <a:p>
+            <a:r>
+              <a:rPr lang="zh-CN" altLang="en-US" dirty="0">
+                <a:latin typeface="华文细黑"/>
+                <a:ea typeface="华文细黑"/>
+                <a:cs typeface="华文细黑"/>
+              </a:rPr>
+              <a:t>旅游度假旅店</a:t>
+            </a:r>
+            <a:endParaRPr lang="en-US" altLang="zh-CN" dirty="0">
+              <a:latin typeface="华文细黑"/>
+              <a:ea typeface="华文细黑"/>
+              <a:cs typeface="华文细黑"/>
+            </a:endParaRPr>
+          </a:p>
+          <a:p>
+            <a:pPr marL="0" indent="0">
+              <a:buNone/>
+            </a:pPr>
+            <a:endParaRPr lang="en-US" dirty="0"/>
+          </a:p>
+        </p:txBody>
+      </p:sp>
+    </p:spTree>
+    <p:extLst>
+      <p:ext uri="{BB962C8B-B14F-4D97-AF65-F5344CB8AC3E}">
+        <p14:creationId xmlns:p14="http://schemas.microsoft.com/office/powerpoint/2010/main" val="4149039828"/>
+      </p:ext>
+    </p:extLst>
+  </p:cSld>
+  <p:clrMapOvr>
+    <a:masterClrMapping/>
+  </p:clrMapOvr>
+  <p:timing>
+    <p:tnLst>
+      <p:par>
+        <p:cTn xmlns:p14="http://schemas.microsoft.com/office/powerpoint/2010/main" id="1" dur="indefinite" restart="never" nodeType="tmRoot"/>
+      </p:par>
+    </p:tnLst>
+  </p:timing>
+</p:sld>
+</file>
+
+<file path=ppt/slides/slide8.xml><?xml version="1.0" encoding="utf-8"?>
+<p:sld xmlns:a="http://schemas.openxmlformats.org/drawingml/2006/main" xmlns:r="http://schemas.openxmlformats.org/officeDocument/2006/relationships" xmlns:p="http://schemas.openxmlformats.org/presentationml/2006/main">
+  <p:cSld>
+    <p:spTree>
+      <p:nvGrpSpPr>
+        <p:cNvPr id="1" name=""/>
+        <p:cNvGrpSpPr/>
+        <p:nvPr/>
+      </p:nvGrpSpPr>
+      <p:grpSpPr>
+        <a:xfrm>
+          <a:off x="0" y="0"/>
+          <a:ext cx="0" cy="0"/>
+          <a:chOff x="0" y="0"/>
+          <a:chExt cx="0" cy="0"/>
+        </a:xfrm>
+      </p:grpSpPr>
+      <p:sp>
+        <p:nvSpPr>
+          <p:cNvPr id="2" name="Title 1"/>
+          <p:cNvSpPr>
+            <a:spLocks noGrp="1"/>
+          </p:cNvSpPr>
+          <p:nvPr>
+            <p:ph type="title"/>
+          </p:nvPr>
+        </p:nvSpPr>
+        <p:spPr/>
+        <p:txBody>
+          <a:bodyPr/>
+          <a:lstStyle/>
+          <a:p>
+            <a:r>
+              <a:rPr lang="en-US" altLang="zh-CN" dirty="0" smtClean="0">
+                <a:latin typeface="华文细黑"/>
+                <a:ea typeface="华文细黑"/>
+                <a:cs typeface="华文细黑"/>
+              </a:rPr>
+              <a:t>D6</a:t>
+            </a:r>
+            <a:r>
+              <a:rPr lang="zh-CN" altLang="en-US" dirty="0" smtClean="0">
+                <a:latin typeface="华文细黑"/>
+                <a:ea typeface="华文细黑"/>
+                <a:cs typeface="华文细黑"/>
+              </a:rPr>
+              <a:t>工程原型剖面</a:t>
+            </a:r>
+            <a:endParaRPr lang="en-US" dirty="0">
+              <a:latin typeface="华文细黑"/>
+              <a:ea typeface="华文细黑"/>
+              <a:cs typeface="华文细黑"/>
+            </a:endParaRPr>
+          </a:p>
+        </p:txBody>
+      </p:sp>
+      <p:sp>
+        <p:nvSpPr>
+          <p:cNvPr id="5" name="Decagon 4"/>
+          <p:cNvSpPr/>
+          <p:nvPr/>
+        </p:nvSpPr>
+        <p:spPr>
+          <a:xfrm>
+            <a:off x="3422952" y="2346476"/>
+            <a:ext cx="2673048" cy="2431143"/>
+          </a:xfrm>
+          <a:prstGeom prst="decagon">
+            <a:avLst/>
+          </a:prstGeom>
+          <a:noFill/>
+        </p:spPr>
+        <p:style>
+          <a:lnRef idx="1">
+            <a:schemeClr val="accent1"/>
+          </a:lnRef>
+          <a:fillRef idx="3">
+            <a:schemeClr val="accent1"/>
+          </a:fillRef>
+          <a:effectRef idx="2">
+            <a:schemeClr val="accent1"/>
+          </a:effectRef>
+          <a:fontRef idx="minor">
+            <a:schemeClr val="lt1"/>
+          </a:fontRef>
+        </p:style>
+        <p:txBody>
+          <a:bodyPr rtlCol="0" anchor="ctr"/>
+          <a:lstStyle/>
+          <a:p>
+            <a:pPr algn="ctr"/>
+            <a:endParaRPr lang="en-US"/>
+          </a:p>
+        </p:txBody>
+      </p:sp>
+      <p:sp>
+        <p:nvSpPr>
+          <p:cNvPr id="7" name="Rectangle 6"/>
+          <p:cNvSpPr/>
+          <p:nvPr/>
+        </p:nvSpPr>
+        <p:spPr>
+          <a:xfrm>
+            <a:off x="3882570" y="3531809"/>
+            <a:ext cx="1774807" cy="895048"/>
+          </a:xfrm>
+          <a:prstGeom prst="rect">
+            <a:avLst/>
+          </a:prstGeom>
+          <a:noFill/>
+        </p:spPr>
+        <p:style>
+          <a:lnRef idx="1">
+            <a:schemeClr val="accent1"/>
+          </a:lnRef>
+          <a:fillRef idx="3">
+            <a:schemeClr val="accent1"/>
+          </a:fillRef>
+          <a:effectRef idx="2">
+            <a:schemeClr val="accent1"/>
+          </a:effectRef>
+          <a:fontRef idx="minor">
+            <a:schemeClr val="lt1"/>
+          </a:fontRef>
+        </p:style>
+        <p:txBody>
+          <a:bodyPr rtlCol="0" anchor="ctr"/>
+          <a:lstStyle/>
+          <a:p>
+            <a:pPr algn="ctr"/>
+            <a:endParaRPr lang="en-US"/>
+          </a:p>
+        </p:txBody>
+      </p:sp>
+      <p:cxnSp>
+        <p:nvCxnSpPr>
+          <p:cNvPr id="9" name="Straight Connector 8"/>
+          <p:cNvCxnSpPr/>
+          <p:nvPr/>
+        </p:nvCxnSpPr>
+        <p:spPr>
+          <a:xfrm>
+            <a:off x="5657377" y="3727849"/>
+            <a:ext cx="387117" cy="0"/>
+          </a:xfrm>
+          <a:prstGeom prst="line">
+            <a:avLst/>
+          </a:prstGeom>
+        </p:spPr>
+        <p:style>
+          <a:lnRef idx="2">
+            <a:schemeClr val="accent1"/>
+          </a:lnRef>
+          <a:fillRef idx="0">
+            <a:schemeClr val="accent1"/>
+          </a:fillRef>
+          <a:effectRef idx="1">
+            <a:schemeClr val="accent1"/>
+          </a:effectRef>
+          <a:fontRef idx="minor">
+            <a:schemeClr val="tx1"/>
+          </a:fontRef>
+        </p:style>
+      </p:cxnSp>
+      <p:cxnSp>
+        <p:nvCxnSpPr>
+          <p:cNvPr id="15" name="Straight Connector 14"/>
+          <p:cNvCxnSpPr/>
+          <p:nvPr/>
+        </p:nvCxnSpPr>
+        <p:spPr>
+          <a:xfrm>
+            <a:off x="3422953" y="3727849"/>
+            <a:ext cx="459618" cy="0"/>
+          </a:xfrm>
+          <a:prstGeom prst="line">
+            <a:avLst/>
+          </a:prstGeom>
+        </p:spPr>
+        <p:style>
+          <a:lnRef idx="2">
+            <a:schemeClr val="accent1"/>
+          </a:lnRef>
+          <a:fillRef idx="0">
+            <a:schemeClr val="accent1"/>
+          </a:fillRef>
+          <a:effectRef idx="1">
+            <a:schemeClr val="accent1"/>
+          </a:effectRef>
+          <a:fontRef idx="minor">
+            <a:schemeClr val="tx1"/>
+          </a:fontRef>
+        </p:style>
+      </p:cxnSp>
+      <p:cxnSp>
+        <p:nvCxnSpPr>
+          <p:cNvPr id="22" name="Straight Connector 21"/>
+          <p:cNvCxnSpPr>
+            <a:stCxn id="5" idx="6"/>
+          </p:cNvCxnSpPr>
+          <p:nvPr/>
+        </p:nvCxnSpPr>
+        <p:spPr>
+          <a:xfrm>
+            <a:off x="3422952" y="3562048"/>
+            <a:ext cx="0" cy="2231571"/>
+          </a:xfrm>
+          <a:prstGeom prst="line">
+            <a:avLst/>
+          </a:prstGeom>
+        </p:spPr>
+        <p:style>
+          <a:lnRef idx="2">
+            <a:schemeClr val="accent1"/>
+          </a:lnRef>
+          <a:fillRef idx="0">
+            <a:schemeClr val="accent1"/>
+          </a:fillRef>
+          <a:effectRef idx="1">
+            <a:schemeClr val="accent1"/>
+          </a:effectRef>
+          <a:fontRef idx="minor">
+            <a:schemeClr val="tx1"/>
+          </a:fontRef>
+        </p:style>
+      </p:cxnSp>
+      <p:cxnSp>
+        <p:nvCxnSpPr>
+          <p:cNvPr id="25" name="Straight Connector 24"/>
+          <p:cNvCxnSpPr>
+            <a:stCxn id="5" idx="5"/>
+          </p:cNvCxnSpPr>
+          <p:nvPr/>
+        </p:nvCxnSpPr>
+        <p:spPr>
+          <a:xfrm flipH="1">
+            <a:off x="3664859" y="4313310"/>
+            <a:ext cx="13346" cy="1480309"/>
+          </a:xfrm>
+          <a:prstGeom prst="line">
+            <a:avLst/>
+          </a:prstGeom>
+        </p:spPr>
+        <p:style>
+          <a:lnRef idx="2">
+            <a:schemeClr val="accent1"/>
+          </a:lnRef>
+          <a:fillRef idx="0">
+            <a:schemeClr val="accent1"/>
+          </a:fillRef>
+          <a:effectRef idx="1">
+            <a:schemeClr val="accent1"/>
+          </a:effectRef>
+          <a:fontRef idx="minor">
+            <a:schemeClr val="tx1"/>
+          </a:fontRef>
+        </p:style>
+      </p:cxnSp>
+      <p:cxnSp>
+        <p:nvCxnSpPr>
+          <p:cNvPr id="29" name="Straight Connector 28"/>
+          <p:cNvCxnSpPr/>
+          <p:nvPr/>
+        </p:nvCxnSpPr>
+        <p:spPr>
+          <a:xfrm flipH="1">
+            <a:off x="4172859" y="4668762"/>
+            <a:ext cx="12095" cy="1124857"/>
+          </a:xfrm>
+          <a:prstGeom prst="line">
+            <a:avLst/>
+          </a:prstGeom>
+        </p:spPr>
+        <p:style>
+          <a:lnRef idx="2">
+            <a:schemeClr val="accent1"/>
+          </a:lnRef>
+          <a:fillRef idx="0">
+            <a:schemeClr val="accent1"/>
+          </a:fillRef>
+          <a:effectRef idx="1">
+            <a:schemeClr val="accent1"/>
+          </a:effectRef>
+          <a:fontRef idx="minor">
+            <a:schemeClr val="tx1"/>
+          </a:fontRef>
+        </p:style>
+      </p:cxnSp>
+      <p:cxnSp>
+        <p:nvCxnSpPr>
+          <p:cNvPr id="31" name="Straight Connector 30"/>
+          <p:cNvCxnSpPr/>
+          <p:nvPr/>
+        </p:nvCxnSpPr>
+        <p:spPr>
+          <a:xfrm flipH="1">
+            <a:off x="4402666" y="4777619"/>
+            <a:ext cx="24191" cy="1016000"/>
+          </a:xfrm>
+          <a:prstGeom prst="line">
+            <a:avLst/>
+          </a:prstGeom>
+        </p:spPr>
+        <p:style>
+          <a:lnRef idx="2">
+            <a:schemeClr val="accent1"/>
+          </a:lnRef>
+          <a:fillRef idx="0">
+            <a:schemeClr val="accent1"/>
+          </a:fillRef>
+          <a:effectRef idx="1">
+            <a:schemeClr val="accent1"/>
+          </a:effectRef>
+          <a:fontRef idx="minor">
+            <a:schemeClr val="tx1"/>
+          </a:fontRef>
+        </p:style>
+      </p:cxnSp>
+      <p:cxnSp>
+        <p:nvCxnSpPr>
+          <p:cNvPr id="33" name="Straight Connector 32"/>
+          <p:cNvCxnSpPr/>
+          <p:nvPr/>
+        </p:nvCxnSpPr>
+        <p:spPr>
+          <a:xfrm>
+            <a:off x="5031620" y="4777619"/>
+            <a:ext cx="12095" cy="1016000"/>
+          </a:xfrm>
+          <a:prstGeom prst="line">
+            <a:avLst/>
+          </a:prstGeom>
+        </p:spPr>
+        <p:style>
+          <a:lnRef idx="2">
+            <a:schemeClr val="accent1"/>
+          </a:lnRef>
+          <a:fillRef idx="0">
+            <a:schemeClr val="accent1"/>
+          </a:fillRef>
+          <a:effectRef idx="1">
+            <a:schemeClr val="accent1"/>
+          </a:effectRef>
+          <a:fontRef idx="minor">
+            <a:schemeClr val="tx1"/>
+          </a:fontRef>
+        </p:style>
+      </p:cxnSp>
+      <p:cxnSp>
+        <p:nvCxnSpPr>
+          <p:cNvPr id="35" name="Straight Connector 34"/>
+          <p:cNvCxnSpPr/>
+          <p:nvPr/>
+        </p:nvCxnSpPr>
+        <p:spPr>
+          <a:xfrm flipH="1">
+            <a:off x="5261430" y="4777619"/>
+            <a:ext cx="1" cy="1016000"/>
+          </a:xfrm>
+          <a:prstGeom prst="line">
+            <a:avLst/>
+          </a:prstGeom>
+        </p:spPr>
+        <p:style>
+          <a:lnRef idx="2">
+            <a:schemeClr val="accent1"/>
+          </a:lnRef>
+          <a:fillRef idx="0">
+            <a:schemeClr val="accent1"/>
+          </a:fillRef>
+          <a:effectRef idx="1">
+            <a:schemeClr val="accent1"/>
+          </a:effectRef>
+          <a:fontRef idx="minor">
+            <a:schemeClr val="tx1"/>
+          </a:fontRef>
+        </p:style>
+      </p:cxnSp>
+      <p:cxnSp>
+        <p:nvCxnSpPr>
+          <p:cNvPr id="41" name="Straight Connector 40"/>
+          <p:cNvCxnSpPr>
+            <a:stCxn id="5" idx="1"/>
+          </p:cNvCxnSpPr>
+          <p:nvPr/>
+        </p:nvCxnSpPr>
+        <p:spPr>
+          <a:xfrm>
+            <a:off x="6096000" y="3562048"/>
+            <a:ext cx="0" cy="2231571"/>
+          </a:xfrm>
+          <a:prstGeom prst="line">
+            <a:avLst/>
+          </a:prstGeom>
+        </p:spPr>
+        <p:style>
+          <a:lnRef idx="2">
+            <a:schemeClr val="accent1"/>
+          </a:lnRef>
+          <a:fillRef idx="0">
+            <a:schemeClr val="accent1"/>
+          </a:fillRef>
+          <a:effectRef idx="1">
+            <a:schemeClr val="accent1"/>
+          </a:effectRef>
+          <a:fontRef idx="minor">
+            <a:schemeClr val="tx1"/>
+          </a:fontRef>
+        </p:style>
+      </p:cxnSp>
+      <p:cxnSp>
+        <p:nvCxnSpPr>
+          <p:cNvPr id="43" name="Straight Connector 42"/>
+          <p:cNvCxnSpPr>
+            <a:stCxn id="5" idx="2"/>
+          </p:cNvCxnSpPr>
+          <p:nvPr/>
+        </p:nvCxnSpPr>
+        <p:spPr>
+          <a:xfrm>
+            <a:off x="5840747" y="4313310"/>
+            <a:ext cx="0" cy="1480309"/>
+          </a:xfrm>
+          <a:prstGeom prst="line">
+            <a:avLst/>
+          </a:prstGeom>
+        </p:spPr>
+        <p:style>
+          <a:lnRef idx="2">
+            <a:schemeClr val="accent1"/>
+          </a:lnRef>
+          <a:fillRef idx="0">
+            <a:schemeClr val="accent1"/>
+          </a:fillRef>
+          <a:effectRef idx="1">
+            <a:schemeClr val="accent1"/>
+          </a:effectRef>
+          <a:fontRef idx="minor">
+            <a:schemeClr val="tx1"/>
+          </a:fontRef>
+        </p:style>
+      </p:cxnSp>
+      <p:sp>
+        <p:nvSpPr>
+          <p:cNvPr id="46" name="Trapezoid 45"/>
+          <p:cNvSpPr/>
+          <p:nvPr/>
+        </p:nvSpPr>
+        <p:spPr>
+          <a:xfrm>
+            <a:off x="2933095" y="5793619"/>
+            <a:ext cx="1149048" cy="423333"/>
+          </a:xfrm>
+          <a:prstGeom prst="trapezoid">
+            <a:avLst/>
+          </a:prstGeom>
+          <a:noFill/>
+        </p:spPr>
+        <p:style>
+          <a:lnRef idx="1">
+            <a:schemeClr val="accent1"/>
+          </a:lnRef>
+          <a:fillRef idx="3">
+            <a:schemeClr val="accent1"/>
+          </a:fillRef>
+          <a:effectRef idx="2">
+            <a:schemeClr val="accent1"/>
+          </a:effectRef>
+          <a:fontRef idx="minor">
+            <a:schemeClr val="lt1"/>
+          </a:fontRef>
+        </p:style>
+        <p:txBody>
+          <a:bodyPr rtlCol="0" anchor="ctr"/>
+          <a:lstStyle/>
+          <a:p>
+            <a:pPr algn="ctr"/>
+            <a:endParaRPr lang="en-US"/>
+          </a:p>
+        </p:txBody>
+      </p:sp>
+      <p:sp>
+        <p:nvSpPr>
+          <p:cNvPr id="47" name="Trapezoid 46"/>
+          <p:cNvSpPr/>
+          <p:nvPr/>
+        </p:nvSpPr>
+        <p:spPr>
+          <a:xfrm>
+            <a:off x="3752782" y="5793619"/>
+            <a:ext cx="1149048" cy="423333"/>
+          </a:xfrm>
+          <a:prstGeom prst="trapezoid">
+            <a:avLst/>
+          </a:prstGeom>
+          <a:noFill/>
+        </p:spPr>
+        <p:style>
+          <a:lnRef idx="1">
+            <a:schemeClr val="accent1"/>
+          </a:lnRef>
+          <a:fillRef idx="3">
+            <a:schemeClr val="accent1"/>
+          </a:fillRef>
+          <a:effectRef idx="2">
+            <a:schemeClr val="accent1"/>
+          </a:effectRef>
+          <a:fontRef idx="minor">
+            <a:schemeClr val="lt1"/>
+          </a:fontRef>
+        </p:style>
+        <p:txBody>
+          <a:bodyPr rtlCol="0" anchor="ctr"/>
+          <a:lstStyle/>
+          <a:p>
+            <a:pPr algn="ctr"/>
+            <a:endParaRPr lang="en-US"/>
+          </a:p>
+        </p:txBody>
+      </p:sp>
+      <p:sp>
+        <p:nvSpPr>
+          <p:cNvPr id="48" name="Trapezoid 47"/>
+          <p:cNvSpPr/>
+          <p:nvPr/>
+        </p:nvSpPr>
+        <p:spPr>
+          <a:xfrm>
+            <a:off x="4559904" y="5793619"/>
+            <a:ext cx="1149048" cy="423333"/>
+          </a:xfrm>
+          <a:prstGeom prst="trapezoid">
+            <a:avLst/>
+          </a:prstGeom>
+          <a:noFill/>
+        </p:spPr>
+        <p:style>
+          <a:lnRef idx="1">
+            <a:schemeClr val="accent1"/>
+          </a:lnRef>
+          <a:fillRef idx="3">
+            <a:schemeClr val="accent1"/>
+          </a:fillRef>
+          <a:effectRef idx="2">
+            <a:schemeClr val="accent1"/>
+          </a:effectRef>
+          <a:fontRef idx="minor">
+            <a:schemeClr val="lt1"/>
+          </a:fontRef>
+        </p:style>
+        <p:txBody>
+          <a:bodyPr rtlCol="0" anchor="ctr"/>
+          <a:lstStyle/>
+          <a:p>
+            <a:pPr algn="ctr"/>
+            <a:endParaRPr lang="en-US"/>
+          </a:p>
+        </p:txBody>
+      </p:sp>
+      <p:sp>
+        <p:nvSpPr>
+          <p:cNvPr id="49" name="Trapezoid 48"/>
+          <p:cNvSpPr/>
+          <p:nvPr/>
+        </p:nvSpPr>
+        <p:spPr>
+          <a:xfrm>
+            <a:off x="5384875" y="5793619"/>
+            <a:ext cx="1149048" cy="423333"/>
+          </a:xfrm>
+          <a:prstGeom prst="trapezoid">
+            <a:avLst/>
+          </a:prstGeom>
+          <a:noFill/>
+        </p:spPr>
+        <p:style>
+          <a:lnRef idx="1">
+            <a:schemeClr val="accent1"/>
+          </a:lnRef>
+          <a:fillRef idx="3">
+            <a:schemeClr val="accent1"/>
+          </a:fillRef>
+          <a:effectRef idx="2">
+            <a:schemeClr val="accent1"/>
+          </a:effectRef>
+          <a:fontRef idx="minor">
+            <a:schemeClr val="lt1"/>
+          </a:fontRef>
+        </p:style>
+        <p:txBody>
+          <a:bodyPr rtlCol="0" anchor="ctr"/>
+          <a:lstStyle/>
+          <a:p>
+            <a:pPr algn="ctr"/>
+            <a:endParaRPr lang="en-US"/>
+          </a:p>
+        </p:txBody>
+      </p:sp>
+      <p:cxnSp>
+        <p:nvCxnSpPr>
+          <p:cNvPr id="51" name="Straight Connector 50"/>
+          <p:cNvCxnSpPr>
+            <a:endCxn id="5" idx="5"/>
+          </p:cNvCxnSpPr>
+          <p:nvPr/>
+        </p:nvCxnSpPr>
+        <p:spPr>
+          <a:xfrm>
+            <a:off x="3422953" y="4076095"/>
+            <a:ext cx="255252" cy="237215"/>
+          </a:xfrm>
+          <a:prstGeom prst="line">
+            <a:avLst/>
+          </a:prstGeom>
+        </p:spPr>
+        <p:style>
+          <a:lnRef idx="2">
+            <a:schemeClr val="accent1"/>
+          </a:lnRef>
+          <a:fillRef idx="0">
+            <a:schemeClr val="accent1"/>
+          </a:fillRef>
+          <a:effectRef idx="1">
+            <a:schemeClr val="accent1"/>
+          </a:effectRef>
+          <a:fontRef idx="minor">
+            <a:schemeClr val="tx1"/>
+          </a:fontRef>
+        </p:style>
+      </p:cxnSp>
+      <p:cxnSp>
+        <p:nvCxnSpPr>
+          <p:cNvPr id="54" name="Straight Connector 53"/>
+          <p:cNvCxnSpPr>
+            <a:stCxn id="5" idx="5"/>
+          </p:cNvCxnSpPr>
+          <p:nvPr/>
+        </p:nvCxnSpPr>
+        <p:spPr>
+          <a:xfrm flipH="1">
+            <a:off x="3422953" y="4313310"/>
+            <a:ext cx="255252" cy="355452"/>
+          </a:xfrm>
+          <a:prstGeom prst="line">
+            <a:avLst/>
+          </a:prstGeom>
+        </p:spPr>
+        <p:style>
+          <a:lnRef idx="2">
+            <a:schemeClr val="accent1"/>
+          </a:lnRef>
+          <a:fillRef idx="0">
+            <a:schemeClr val="accent1"/>
+          </a:fillRef>
+          <a:effectRef idx="1">
+            <a:schemeClr val="accent1"/>
+          </a:effectRef>
+          <a:fontRef idx="minor">
+            <a:schemeClr val="tx1"/>
+          </a:fontRef>
+        </p:style>
+      </p:cxnSp>
+      <p:cxnSp>
+        <p:nvCxnSpPr>
+          <p:cNvPr id="56" name="Straight Connector 55"/>
+          <p:cNvCxnSpPr/>
+          <p:nvPr/>
+        </p:nvCxnSpPr>
+        <p:spPr>
+          <a:xfrm>
+            <a:off x="3422952" y="4668762"/>
+            <a:ext cx="241905" cy="362857"/>
+          </a:xfrm>
+          <a:prstGeom prst="line">
+            <a:avLst/>
+          </a:prstGeom>
+        </p:spPr>
+        <p:style>
+          <a:lnRef idx="2">
+            <a:schemeClr val="accent1"/>
+          </a:lnRef>
+          <a:fillRef idx="0">
+            <a:schemeClr val="accent1"/>
+          </a:fillRef>
+          <a:effectRef idx="1">
+            <a:schemeClr val="accent1"/>
+          </a:effectRef>
+          <a:fontRef idx="minor">
+            <a:schemeClr val="tx1"/>
+          </a:fontRef>
+        </p:style>
+      </p:cxnSp>
+      <p:cxnSp>
+        <p:nvCxnSpPr>
+          <p:cNvPr id="58" name="Straight Connector 57"/>
+          <p:cNvCxnSpPr/>
+          <p:nvPr/>
+        </p:nvCxnSpPr>
+        <p:spPr>
+          <a:xfrm flipH="1">
+            <a:off x="3422952" y="5031619"/>
+            <a:ext cx="241907" cy="362857"/>
+          </a:xfrm>
+          <a:prstGeom prst="line">
+            <a:avLst/>
+          </a:prstGeom>
+        </p:spPr>
+        <p:style>
+          <a:lnRef idx="2">
+            <a:schemeClr val="accent1"/>
+          </a:lnRef>
+          <a:fillRef idx="0">
+            <a:schemeClr val="accent1"/>
+          </a:fillRef>
+          <a:effectRef idx="1">
+            <a:schemeClr val="accent1"/>
+          </a:effectRef>
+          <a:fontRef idx="minor">
+            <a:schemeClr val="tx1"/>
+          </a:fontRef>
+        </p:style>
+      </p:cxnSp>
+      <p:cxnSp>
+        <p:nvCxnSpPr>
+          <p:cNvPr id="62" name="Straight Connector 61"/>
+          <p:cNvCxnSpPr/>
+          <p:nvPr/>
+        </p:nvCxnSpPr>
+        <p:spPr>
+          <a:xfrm>
+            <a:off x="3422952" y="5394476"/>
+            <a:ext cx="241905" cy="399143"/>
+          </a:xfrm>
+          <a:prstGeom prst="line">
+            <a:avLst/>
+          </a:prstGeom>
+        </p:spPr>
+        <p:style>
+          <a:lnRef idx="2">
+            <a:schemeClr val="accent1"/>
+          </a:lnRef>
+          <a:fillRef idx="0">
+            <a:schemeClr val="accent1"/>
+          </a:fillRef>
+          <a:effectRef idx="1">
+            <a:schemeClr val="accent1"/>
+          </a:effectRef>
+          <a:fontRef idx="minor">
+            <a:schemeClr val="tx1"/>
+          </a:fontRef>
+        </p:style>
+      </p:cxnSp>
+      <p:cxnSp>
+        <p:nvCxnSpPr>
+          <p:cNvPr id="64" name="Straight Connector 63"/>
+          <p:cNvCxnSpPr/>
+          <p:nvPr/>
+        </p:nvCxnSpPr>
+        <p:spPr>
+          <a:xfrm>
+            <a:off x="4184954" y="4777619"/>
+            <a:ext cx="241903" cy="362857"/>
+          </a:xfrm>
+          <a:prstGeom prst="line">
+            <a:avLst/>
+          </a:prstGeom>
+        </p:spPr>
+        <p:style>
+          <a:lnRef idx="2">
+            <a:schemeClr val="accent1"/>
+          </a:lnRef>
+          <a:fillRef idx="0">
+            <a:schemeClr val="accent1"/>
+          </a:fillRef>
+          <a:effectRef idx="1">
+            <a:schemeClr val="accent1"/>
+          </a:effectRef>
+          <a:fontRef idx="minor">
+            <a:schemeClr val="tx1"/>
+          </a:fontRef>
+        </p:style>
+      </p:cxnSp>
+      <p:cxnSp>
+        <p:nvCxnSpPr>
+          <p:cNvPr id="66" name="Straight Connector 65"/>
+          <p:cNvCxnSpPr/>
+          <p:nvPr/>
+        </p:nvCxnSpPr>
+        <p:spPr>
+          <a:xfrm flipH="1">
+            <a:off x="4184954" y="5140476"/>
+            <a:ext cx="241903" cy="254000"/>
+          </a:xfrm>
+          <a:prstGeom prst="line">
+            <a:avLst/>
+          </a:prstGeom>
+        </p:spPr>
+        <p:style>
+          <a:lnRef idx="2">
+            <a:schemeClr val="accent1"/>
+          </a:lnRef>
+          <a:fillRef idx="0">
+            <a:schemeClr val="accent1"/>
+          </a:fillRef>
+          <a:effectRef idx="1">
+            <a:schemeClr val="accent1"/>
+          </a:effectRef>
+          <a:fontRef idx="minor">
+            <a:schemeClr val="tx1"/>
+          </a:fontRef>
+        </p:style>
+      </p:cxnSp>
+      <p:cxnSp>
+        <p:nvCxnSpPr>
+          <p:cNvPr id="69" name="Straight Connector 68"/>
+          <p:cNvCxnSpPr/>
+          <p:nvPr/>
+        </p:nvCxnSpPr>
+        <p:spPr>
+          <a:xfrm>
+            <a:off x="4184954" y="5394476"/>
+            <a:ext cx="241903" cy="399143"/>
+          </a:xfrm>
+          <a:prstGeom prst="line">
+            <a:avLst/>
+          </a:prstGeom>
+        </p:spPr>
+        <p:style>
+          <a:lnRef idx="2">
+            <a:schemeClr val="accent1"/>
+          </a:lnRef>
+          <a:fillRef idx="0">
+            <a:schemeClr val="accent1"/>
+          </a:fillRef>
+          <a:effectRef idx="1">
+            <a:schemeClr val="accent1"/>
+          </a:effectRef>
+          <a:fontRef idx="minor">
+            <a:schemeClr val="tx1"/>
+          </a:fontRef>
+        </p:style>
+      </p:cxnSp>
+      <p:cxnSp>
+        <p:nvCxnSpPr>
+          <p:cNvPr id="71" name="Straight Connector 70"/>
+          <p:cNvCxnSpPr/>
+          <p:nvPr/>
+        </p:nvCxnSpPr>
+        <p:spPr>
+          <a:xfrm flipH="1">
+            <a:off x="5043716" y="4777619"/>
+            <a:ext cx="217715" cy="362857"/>
+          </a:xfrm>
+          <a:prstGeom prst="line">
+            <a:avLst/>
+          </a:prstGeom>
+        </p:spPr>
+        <p:style>
+          <a:lnRef idx="2">
+            <a:schemeClr val="accent1"/>
+          </a:lnRef>
+          <a:fillRef idx="0">
+            <a:schemeClr val="accent1"/>
+          </a:fillRef>
+          <a:effectRef idx="1">
+            <a:schemeClr val="accent1"/>
+          </a:effectRef>
+          <a:fontRef idx="minor">
+            <a:schemeClr val="tx1"/>
+          </a:fontRef>
+        </p:style>
+      </p:cxnSp>
+      <p:cxnSp>
+        <p:nvCxnSpPr>
+          <p:cNvPr id="73" name="Straight Connector 72"/>
+          <p:cNvCxnSpPr/>
+          <p:nvPr/>
+        </p:nvCxnSpPr>
+        <p:spPr>
+          <a:xfrm>
+            <a:off x="5031620" y="5140476"/>
+            <a:ext cx="229810" cy="254000"/>
+          </a:xfrm>
+          <a:prstGeom prst="line">
+            <a:avLst/>
+          </a:prstGeom>
+        </p:spPr>
+        <p:style>
+          <a:lnRef idx="2">
+            <a:schemeClr val="accent1"/>
+          </a:lnRef>
+          <a:fillRef idx="0">
+            <a:schemeClr val="accent1"/>
+          </a:fillRef>
+          <a:effectRef idx="1">
+            <a:schemeClr val="accent1"/>
+          </a:effectRef>
+          <a:fontRef idx="minor">
+            <a:schemeClr val="tx1"/>
+          </a:fontRef>
+        </p:style>
+      </p:cxnSp>
+      <p:cxnSp>
+        <p:nvCxnSpPr>
+          <p:cNvPr id="75" name="Straight Connector 74"/>
+          <p:cNvCxnSpPr/>
+          <p:nvPr/>
+        </p:nvCxnSpPr>
+        <p:spPr>
+          <a:xfrm flipH="1">
+            <a:off x="5031620" y="5394476"/>
+            <a:ext cx="229811" cy="399143"/>
+          </a:xfrm>
+          <a:prstGeom prst="line">
+            <a:avLst/>
+          </a:prstGeom>
+        </p:spPr>
+        <p:style>
+          <a:lnRef idx="2">
+            <a:schemeClr val="accent1"/>
+          </a:lnRef>
+          <a:fillRef idx="0">
+            <a:schemeClr val="accent1"/>
+          </a:fillRef>
+          <a:effectRef idx="1">
+            <a:schemeClr val="accent1"/>
+          </a:effectRef>
+          <a:fontRef idx="minor">
+            <a:schemeClr val="tx1"/>
+          </a:fontRef>
+        </p:style>
+      </p:cxnSp>
+      <p:cxnSp>
+        <p:nvCxnSpPr>
+          <p:cNvPr id="88" name="Straight Connector 87"/>
+          <p:cNvCxnSpPr/>
+          <p:nvPr/>
+        </p:nvCxnSpPr>
+        <p:spPr>
+          <a:xfrm>
+            <a:off x="3616476" y="3096382"/>
+            <a:ext cx="810381" cy="0"/>
+          </a:xfrm>
+          <a:prstGeom prst="line">
+            <a:avLst/>
+          </a:prstGeom>
+        </p:spPr>
+        <p:style>
+          <a:lnRef idx="2">
+            <a:schemeClr val="accent1"/>
+          </a:lnRef>
+          <a:fillRef idx="0">
+            <a:schemeClr val="accent1"/>
+          </a:fillRef>
+          <a:effectRef idx="1">
+            <a:schemeClr val="accent1"/>
+          </a:effectRef>
+          <a:fontRef idx="minor">
+            <a:schemeClr val="tx1"/>
+          </a:fontRef>
+        </p:style>
+      </p:cxnSp>
+      <p:cxnSp>
+        <p:nvCxnSpPr>
+          <p:cNvPr id="94" name="Straight Connector 93"/>
+          <p:cNvCxnSpPr/>
+          <p:nvPr/>
+        </p:nvCxnSpPr>
+        <p:spPr>
+          <a:xfrm>
+            <a:off x="5043715" y="3096382"/>
+            <a:ext cx="886208" cy="0"/>
+          </a:xfrm>
+          <a:prstGeom prst="line">
+            <a:avLst/>
+          </a:prstGeom>
+        </p:spPr>
+        <p:style>
+          <a:lnRef idx="2">
+            <a:schemeClr val="accent1"/>
+          </a:lnRef>
+          <a:fillRef idx="0">
+            <a:schemeClr val="accent1"/>
+          </a:fillRef>
+          <a:effectRef idx="1">
+            <a:schemeClr val="accent1"/>
+          </a:effectRef>
+          <a:fontRef idx="minor">
+            <a:schemeClr val="tx1"/>
+          </a:fontRef>
+        </p:style>
+      </p:cxnSp>
+      <p:cxnSp>
+        <p:nvCxnSpPr>
+          <p:cNvPr id="98" name="Straight Connector 97"/>
+          <p:cNvCxnSpPr/>
+          <p:nvPr/>
+        </p:nvCxnSpPr>
+        <p:spPr>
+          <a:xfrm flipV="1">
+            <a:off x="4426857" y="3326193"/>
+            <a:ext cx="604763" cy="205616"/>
+          </a:xfrm>
+          <a:prstGeom prst="line">
+            <a:avLst/>
+          </a:prstGeom>
+          <a:ln>
+            <a:solidFill>
+              <a:schemeClr val="bg1"/>
+            </a:solidFill>
+          </a:ln>
+        </p:spPr>
+        <p:style>
+          <a:lnRef idx="2">
+            <a:schemeClr val="accent1"/>
+          </a:lnRef>
+          <a:fillRef idx="0">
+            <a:schemeClr val="accent1"/>
+          </a:fillRef>
+          <a:effectRef idx="1">
+            <a:schemeClr val="accent1"/>
+          </a:effectRef>
+          <a:fontRef idx="minor">
+            <a:schemeClr val="tx1"/>
+          </a:fontRef>
+        </p:style>
+      </p:cxnSp>
+      <p:cxnSp>
+        <p:nvCxnSpPr>
+          <p:cNvPr id="101" name="Straight Connector 100"/>
+          <p:cNvCxnSpPr/>
+          <p:nvPr/>
+        </p:nvCxnSpPr>
+        <p:spPr>
+          <a:xfrm>
+            <a:off x="4426857" y="3096382"/>
+            <a:ext cx="604763" cy="229809"/>
+          </a:xfrm>
+          <a:prstGeom prst="line">
+            <a:avLst/>
+          </a:prstGeom>
+          <a:ln>
+            <a:solidFill>
+              <a:srgbClr val="000000"/>
+            </a:solidFill>
+          </a:ln>
+        </p:spPr>
+        <p:style>
+          <a:lnRef idx="2">
+            <a:schemeClr val="accent1"/>
+          </a:lnRef>
+          <a:fillRef idx="0">
+            <a:schemeClr val="accent1"/>
+          </a:fillRef>
+          <a:effectRef idx="1">
+            <a:schemeClr val="accent1"/>
+          </a:effectRef>
+          <a:fontRef idx="minor">
+            <a:schemeClr val="tx1"/>
+          </a:fontRef>
+        </p:style>
+      </p:cxnSp>
+      <p:cxnSp>
+        <p:nvCxnSpPr>
+          <p:cNvPr id="104" name="Straight Connector 103"/>
+          <p:cNvCxnSpPr/>
+          <p:nvPr/>
+        </p:nvCxnSpPr>
+        <p:spPr>
+          <a:xfrm flipH="1">
+            <a:off x="5031620" y="3096382"/>
+            <a:ext cx="12095" cy="435427"/>
+          </a:xfrm>
+          <a:prstGeom prst="line">
+            <a:avLst/>
+          </a:prstGeom>
+        </p:spPr>
+        <p:style>
+          <a:lnRef idx="2">
+            <a:schemeClr val="accent1"/>
+          </a:lnRef>
+          <a:fillRef idx="0">
+            <a:schemeClr val="accent1"/>
+          </a:fillRef>
+          <a:effectRef idx="1">
+            <a:schemeClr val="accent1"/>
+          </a:effectRef>
+          <a:fontRef idx="minor">
+            <a:schemeClr val="tx1"/>
+          </a:fontRef>
+        </p:style>
+      </p:cxnSp>
+      <p:cxnSp>
+        <p:nvCxnSpPr>
+          <p:cNvPr id="106" name="Straight Connector 105"/>
+          <p:cNvCxnSpPr/>
+          <p:nvPr/>
+        </p:nvCxnSpPr>
+        <p:spPr>
+          <a:xfrm>
+            <a:off x="4426857" y="3096382"/>
+            <a:ext cx="0" cy="435427"/>
+          </a:xfrm>
+          <a:prstGeom prst="line">
+            <a:avLst/>
+          </a:prstGeom>
+        </p:spPr>
+        <p:style>
+          <a:lnRef idx="2">
+            <a:schemeClr val="accent1"/>
+          </a:lnRef>
+          <a:fillRef idx="0">
+            <a:schemeClr val="accent1"/>
+          </a:fillRef>
+          <a:effectRef idx="1">
+            <a:schemeClr val="accent1"/>
+          </a:effectRef>
+          <a:fontRef idx="minor">
+            <a:schemeClr val="tx1"/>
+          </a:fontRef>
+        </p:style>
+      </p:cxnSp>
+      <p:sp>
+        <p:nvSpPr>
+          <p:cNvPr id="112" name="Isosceles Triangle 111"/>
+          <p:cNvSpPr/>
+          <p:nvPr/>
+        </p:nvSpPr>
+        <p:spPr>
+          <a:xfrm>
+            <a:off x="4160762" y="1886856"/>
+            <a:ext cx="399142" cy="459619"/>
+          </a:xfrm>
+          <a:prstGeom prst="triangle">
+            <a:avLst/>
+          </a:prstGeom>
+          <a:noFill/>
+        </p:spPr>
+        <p:style>
+          <a:lnRef idx="1">
+            <a:schemeClr val="accent1"/>
+          </a:lnRef>
+          <a:fillRef idx="3">
+            <a:schemeClr val="accent1"/>
+          </a:fillRef>
+          <a:effectRef idx="2">
+            <a:schemeClr val="accent1"/>
+          </a:effectRef>
+          <a:fontRef idx="minor">
+            <a:schemeClr val="lt1"/>
+          </a:fontRef>
+        </p:style>
+        <p:txBody>
+          <a:bodyPr rtlCol="0" anchor="ctr"/>
+          <a:lstStyle/>
+          <a:p>
+            <a:pPr algn="ctr"/>
+            <a:endParaRPr lang="en-US"/>
+          </a:p>
+        </p:txBody>
+      </p:sp>
+      <p:sp>
+        <p:nvSpPr>
+          <p:cNvPr id="114" name="Isosceles Triangle 113"/>
+          <p:cNvSpPr/>
+          <p:nvPr/>
+        </p:nvSpPr>
+        <p:spPr>
+          <a:xfrm>
+            <a:off x="5026819" y="1886856"/>
+            <a:ext cx="358056" cy="459620"/>
+          </a:xfrm>
+          <a:prstGeom prst="triangle">
+            <a:avLst/>
+          </a:prstGeom>
+          <a:noFill/>
+        </p:spPr>
+        <p:style>
+          <a:lnRef idx="1">
+            <a:schemeClr val="accent1"/>
+          </a:lnRef>
+          <a:fillRef idx="3">
+            <a:schemeClr val="accent1"/>
+          </a:fillRef>
+          <a:effectRef idx="2">
+            <a:schemeClr val="accent1"/>
+          </a:effectRef>
+          <a:fontRef idx="minor">
+            <a:schemeClr val="lt1"/>
+          </a:fontRef>
+        </p:style>
+        <p:txBody>
+          <a:bodyPr rtlCol="0" anchor="ctr"/>
+          <a:lstStyle/>
+          <a:p>
+            <a:pPr algn="ctr"/>
+            <a:endParaRPr lang="en-US"/>
+          </a:p>
+        </p:txBody>
+      </p:sp>
+      <p:sp>
+        <p:nvSpPr>
+          <p:cNvPr id="115" name="Isosceles Triangle 114"/>
+          <p:cNvSpPr/>
+          <p:nvPr/>
+        </p:nvSpPr>
+        <p:spPr>
+          <a:xfrm>
+            <a:off x="4600993" y="1886857"/>
+            <a:ext cx="358056" cy="459619"/>
+          </a:xfrm>
+          <a:prstGeom prst="triangle">
+            <a:avLst/>
+          </a:prstGeom>
+          <a:noFill/>
+        </p:spPr>
+        <p:style>
+          <a:lnRef idx="1">
+            <a:schemeClr val="accent1"/>
+          </a:lnRef>
+          <a:fillRef idx="3">
+            <a:schemeClr val="accent1"/>
+          </a:fillRef>
+          <a:effectRef idx="2">
+            <a:schemeClr val="accent1"/>
+          </a:effectRef>
+          <a:fontRef idx="minor">
+            <a:schemeClr val="lt1"/>
+          </a:fontRef>
+        </p:style>
+        <p:txBody>
+          <a:bodyPr rtlCol="0" anchor="ctr"/>
+          <a:lstStyle/>
+          <a:p>
+            <a:pPr algn="ctr"/>
+            <a:endParaRPr lang="en-US"/>
+          </a:p>
+        </p:txBody>
+      </p:sp>
+      <p:cxnSp>
+        <p:nvCxnSpPr>
+          <p:cNvPr id="119" name="Straight Connector 118"/>
+          <p:cNvCxnSpPr>
+            <a:endCxn id="5" idx="2"/>
+          </p:cNvCxnSpPr>
+          <p:nvPr/>
+        </p:nvCxnSpPr>
+        <p:spPr>
+          <a:xfrm flipH="1">
+            <a:off x="5840747" y="4076095"/>
+            <a:ext cx="255253" cy="237215"/>
+          </a:xfrm>
+          <a:prstGeom prst="line">
+            <a:avLst/>
+          </a:prstGeom>
+        </p:spPr>
+        <p:style>
+          <a:lnRef idx="2">
+            <a:schemeClr val="accent1"/>
+          </a:lnRef>
+          <a:fillRef idx="0">
+            <a:schemeClr val="accent1"/>
+          </a:fillRef>
+          <a:effectRef idx="1">
+            <a:schemeClr val="accent1"/>
+          </a:effectRef>
+          <a:fontRef idx="minor">
+            <a:schemeClr val="tx1"/>
+          </a:fontRef>
+        </p:style>
+      </p:cxnSp>
+      <p:cxnSp>
+        <p:nvCxnSpPr>
+          <p:cNvPr id="123" name="Straight Connector 122"/>
+          <p:cNvCxnSpPr>
+            <a:stCxn id="5" idx="2"/>
+          </p:cNvCxnSpPr>
+          <p:nvPr/>
+        </p:nvCxnSpPr>
+        <p:spPr>
+          <a:xfrm>
+            <a:off x="5840747" y="4313310"/>
+            <a:ext cx="255253" cy="355452"/>
+          </a:xfrm>
+          <a:prstGeom prst="line">
+            <a:avLst/>
+          </a:prstGeom>
+        </p:spPr>
+        <p:style>
+          <a:lnRef idx="2">
+            <a:schemeClr val="accent1"/>
+          </a:lnRef>
+          <a:fillRef idx="0">
+            <a:schemeClr val="accent1"/>
+          </a:fillRef>
+          <a:effectRef idx="1">
+            <a:schemeClr val="accent1"/>
+          </a:effectRef>
+          <a:fontRef idx="minor">
+            <a:schemeClr val="tx1"/>
+          </a:fontRef>
+        </p:style>
+      </p:cxnSp>
+      <p:cxnSp>
+        <p:nvCxnSpPr>
+          <p:cNvPr id="125" name="Straight Connector 124"/>
+          <p:cNvCxnSpPr/>
+          <p:nvPr/>
+        </p:nvCxnSpPr>
+        <p:spPr>
+          <a:xfrm flipH="1">
+            <a:off x="5840747" y="4668762"/>
+            <a:ext cx="255254" cy="362857"/>
+          </a:xfrm>
+          <a:prstGeom prst="line">
+            <a:avLst/>
+          </a:prstGeom>
+        </p:spPr>
+        <p:style>
+          <a:lnRef idx="2">
+            <a:schemeClr val="accent1"/>
+          </a:lnRef>
+          <a:fillRef idx="0">
+            <a:schemeClr val="accent1"/>
+          </a:fillRef>
+          <a:effectRef idx="1">
+            <a:schemeClr val="accent1"/>
+          </a:effectRef>
+          <a:fontRef idx="minor">
+            <a:schemeClr val="tx1"/>
+          </a:fontRef>
+        </p:style>
+      </p:cxnSp>
+      <p:cxnSp>
+        <p:nvCxnSpPr>
+          <p:cNvPr id="127" name="Straight Connector 126"/>
+          <p:cNvCxnSpPr/>
+          <p:nvPr/>
+        </p:nvCxnSpPr>
+        <p:spPr>
+          <a:xfrm>
+            <a:off x="5840747" y="5031619"/>
+            <a:ext cx="255253" cy="362857"/>
+          </a:xfrm>
+          <a:prstGeom prst="line">
+            <a:avLst/>
+          </a:prstGeom>
+        </p:spPr>
+        <p:style>
+          <a:lnRef idx="2">
+            <a:schemeClr val="accent1"/>
+          </a:lnRef>
+          <a:fillRef idx="0">
+            <a:schemeClr val="accent1"/>
+          </a:fillRef>
+          <a:effectRef idx="1">
+            <a:schemeClr val="accent1"/>
+          </a:effectRef>
+          <a:fontRef idx="minor">
+            <a:schemeClr val="tx1"/>
+          </a:fontRef>
+        </p:style>
+      </p:cxnSp>
+      <p:cxnSp>
+        <p:nvCxnSpPr>
+          <p:cNvPr id="129" name="Straight Connector 128"/>
+          <p:cNvCxnSpPr/>
+          <p:nvPr/>
+        </p:nvCxnSpPr>
+        <p:spPr>
+          <a:xfrm flipH="1">
+            <a:off x="5840747" y="5394476"/>
+            <a:ext cx="255254" cy="399143"/>
+          </a:xfrm>
+          <a:prstGeom prst="line">
+            <a:avLst/>
+          </a:prstGeom>
+        </p:spPr>
+        <p:style>
+          <a:lnRef idx="2">
+            <a:schemeClr val="accent1"/>
+          </a:lnRef>
+          <a:fillRef idx="0">
+            <a:schemeClr val="accent1"/>
+          </a:fillRef>
+          <a:effectRef idx="1">
+            <a:schemeClr val="accent1"/>
+          </a:effectRef>
+          <a:fontRef idx="minor">
+            <a:schemeClr val="tx1"/>
+          </a:fontRef>
+        </p:style>
+      </p:cxnSp>
+      <p:sp>
+        <p:nvSpPr>
+          <p:cNvPr id="172" name="TextBox 171"/>
+          <p:cNvSpPr txBox="1"/>
+          <p:nvPr/>
+        </p:nvSpPr>
+        <p:spPr>
+          <a:xfrm>
+            <a:off x="5708952" y="1896180"/>
+            <a:ext cx="2031325" cy="369332"/>
+          </a:xfrm>
+          <a:prstGeom prst="rect">
+            <a:avLst/>
+          </a:prstGeom>
+          <a:noFill/>
+        </p:spPr>
+        <p:txBody>
+          <a:bodyPr wrap="none" rtlCol="0">
+            <a:spAutoFit/>
+          </a:bodyPr>
+          <a:lstStyle/>
+          <a:p>
+            <a:r>
+              <a:rPr lang="zh-CN" altLang="en-US" dirty="0" smtClean="0"/>
+              <a:t>风－光联合转换器</a:t>
+            </a:r>
+            <a:endParaRPr lang="en-US" dirty="0"/>
+          </a:p>
+        </p:txBody>
+      </p:sp>
+      <p:sp>
+        <p:nvSpPr>
+          <p:cNvPr id="176" name="TextBox 175"/>
+          <p:cNvSpPr txBox="1"/>
+          <p:nvPr/>
+        </p:nvSpPr>
+        <p:spPr>
+          <a:xfrm>
+            <a:off x="4276879" y="3891429"/>
+            <a:ext cx="877163" cy="369332"/>
+          </a:xfrm>
+          <a:prstGeom prst="rect">
+            <a:avLst/>
+          </a:prstGeom>
+          <a:noFill/>
+        </p:spPr>
+        <p:txBody>
+          <a:bodyPr wrap="none" rtlCol="0">
+            <a:spAutoFit/>
+          </a:bodyPr>
+          <a:lstStyle/>
+          <a:p>
+            <a:r>
+              <a:rPr lang="zh-CN" altLang="en-US" dirty="0" smtClean="0"/>
+              <a:t>居住仓</a:t>
+            </a:r>
+            <a:endParaRPr lang="en-US" dirty="0"/>
+          </a:p>
+        </p:txBody>
+      </p:sp>
+      <p:sp>
+        <p:nvSpPr>
+          <p:cNvPr id="181" name="TextBox 180"/>
+          <p:cNvSpPr txBox="1"/>
+          <p:nvPr/>
+        </p:nvSpPr>
+        <p:spPr>
+          <a:xfrm>
+            <a:off x="5929923" y="2571206"/>
+            <a:ext cx="1107996" cy="369332"/>
+          </a:xfrm>
+          <a:prstGeom prst="rect">
+            <a:avLst/>
+          </a:prstGeom>
+          <a:noFill/>
+        </p:spPr>
+        <p:txBody>
+          <a:bodyPr wrap="none" rtlCol="0">
+            <a:spAutoFit/>
+          </a:bodyPr>
+          <a:lstStyle/>
+          <a:p>
+            <a:r>
+              <a:rPr lang="zh-CN" altLang="en-US" dirty="0" smtClean="0"/>
+              <a:t>上层甲板</a:t>
+            </a:r>
+            <a:endParaRPr lang="en-US" dirty="0"/>
+          </a:p>
+        </p:txBody>
+      </p:sp>
+      <p:sp>
+        <p:nvSpPr>
+          <p:cNvPr id="182" name="TextBox 181"/>
+          <p:cNvSpPr txBox="1"/>
+          <p:nvPr/>
+        </p:nvSpPr>
+        <p:spPr>
+          <a:xfrm>
+            <a:off x="6183923" y="3192716"/>
+            <a:ext cx="877163" cy="369332"/>
+          </a:xfrm>
+          <a:prstGeom prst="rect">
+            <a:avLst/>
+          </a:prstGeom>
+          <a:noFill/>
+        </p:spPr>
+        <p:txBody>
+          <a:bodyPr wrap="none" rtlCol="0">
+            <a:spAutoFit/>
+          </a:bodyPr>
+          <a:lstStyle/>
+          <a:p>
+            <a:r>
+              <a:rPr lang="zh-CN" altLang="en-US" dirty="0" smtClean="0"/>
+              <a:t>主甲板</a:t>
+            </a:r>
+            <a:endParaRPr lang="en-US" dirty="0"/>
+          </a:p>
+        </p:txBody>
+      </p:sp>
+      <p:cxnSp>
+        <p:nvCxnSpPr>
+          <p:cNvPr id="186" name="Straight Arrow Connector 185"/>
+          <p:cNvCxnSpPr>
+            <a:stCxn id="172" idx="1"/>
+          </p:cNvCxnSpPr>
+          <p:nvPr/>
+        </p:nvCxnSpPr>
+        <p:spPr>
+          <a:xfrm flipH="1">
+            <a:off x="5384875" y="2080846"/>
+            <a:ext cx="324077" cy="48846"/>
+          </a:xfrm>
+          <a:prstGeom prst="straightConnector1">
+            <a:avLst/>
+          </a:prstGeom>
+          <a:ln>
+            <a:solidFill>
+              <a:srgbClr val="7C9BA5"/>
+            </a:solidFill>
+            <a:tailEnd type="arrow"/>
+          </a:ln>
+        </p:spPr>
+        <p:style>
+          <a:lnRef idx="2">
+            <a:schemeClr val="accent1"/>
+          </a:lnRef>
+          <a:fillRef idx="0">
+            <a:schemeClr val="accent1"/>
+          </a:fillRef>
+          <a:effectRef idx="1">
+            <a:schemeClr val="accent1"/>
+          </a:effectRef>
+          <a:fontRef idx="minor">
+            <a:schemeClr val="tx1"/>
+          </a:fontRef>
+        </p:style>
+      </p:cxnSp>
+      <p:cxnSp>
+        <p:nvCxnSpPr>
+          <p:cNvPr id="188" name="Straight Arrow Connector 187"/>
+          <p:cNvCxnSpPr>
+            <a:stCxn id="181" idx="1"/>
+          </p:cNvCxnSpPr>
+          <p:nvPr/>
+        </p:nvCxnSpPr>
+        <p:spPr>
+          <a:xfrm flipH="1">
+            <a:off x="5657377" y="2755872"/>
+            <a:ext cx="272546" cy="262820"/>
+          </a:xfrm>
+          <a:prstGeom prst="straightConnector1">
+            <a:avLst/>
+          </a:prstGeom>
+          <a:ln>
+            <a:solidFill>
+              <a:srgbClr val="7C9BA5"/>
+            </a:solidFill>
+            <a:tailEnd type="arrow"/>
+          </a:ln>
+        </p:spPr>
+        <p:style>
+          <a:lnRef idx="2">
+            <a:schemeClr val="accent1"/>
+          </a:lnRef>
+          <a:fillRef idx="0">
+            <a:schemeClr val="accent1"/>
+          </a:fillRef>
+          <a:effectRef idx="1">
+            <a:schemeClr val="accent1"/>
+          </a:effectRef>
+          <a:fontRef idx="minor">
+            <a:schemeClr val="tx1"/>
+          </a:fontRef>
+        </p:style>
+      </p:cxnSp>
+      <p:cxnSp>
+        <p:nvCxnSpPr>
+          <p:cNvPr id="190" name="Straight Arrow Connector 189"/>
+          <p:cNvCxnSpPr>
+            <a:stCxn id="182" idx="1"/>
+          </p:cNvCxnSpPr>
+          <p:nvPr/>
+        </p:nvCxnSpPr>
+        <p:spPr>
+          <a:xfrm flipH="1">
+            <a:off x="5708953" y="3377382"/>
+            <a:ext cx="474970" cy="154427"/>
+          </a:xfrm>
+          <a:prstGeom prst="straightConnector1">
+            <a:avLst/>
+          </a:prstGeom>
+          <a:ln>
+            <a:solidFill>
+              <a:srgbClr val="7C9BA5"/>
+            </a:solidFill>
+            <a:tailEnd type="arrow"/>
+          </a:ln>
+        </p:spPr>
+        <p:style>
+          <a:lnRef idx="2">
+            <a:schemeClr val="accent1"/>
+          </a:lnRef>
+          <a:fillRef idx="0">
+            <a:schemeClr val="accent1"/>
+          </a:fillRef>
+          <a:effectRef idx="1">
+            <a:schemeClr val="accent1"/>
+          </a:effectRef>
+          <a:fontRef idx="minor">
+            <a:schemeClr val="tx1"/>
+          </a:fontRef>
+        </p:style>
+      </p:cxnSp>
+      <p:sp>
+        <p:nvSpPr>
+          <p:cNvPr id="191" name="TextBox 190"/>
+          <p:cNvSpPr txBox="1"/>
+          <p:nvPr/>
+        </p:nvSpPr>
+        <p:spPr>
+          <a:xfrm>
+            <a:off x="2060526" y="3377382"/>
+            <a:ext cx="646331" cy="369332"/>
+          </a:xfrm>
+          <a:prstGeom prst="rect">
+            <a:avLst/>
+          </a:prstGeom>
+          <a:noFill/>
+        </p:spPr>
+        <p:txBody>
+          <a:bodyPr wrap="none" rtlCol="0">
+            <a:spAutoFit/>
+          </a:bodyPr>
+          <a:lstStyle/>
+          <a:p>
+            <a:r>
+              <a:rPr lang="zh-CN" altLang="en-US" dirty="0" smtClean="0"/>
+              <a:t>外壳</a:t>
+            </a:r>
+            <a:endParaRPr lang="en-US" dirty="0"/>
+          </a:p>
+        </p:txBody>
+      </p:sp>
+      <p:cxnSp>
+        <p:nvCxnSpPr>
+          <p:cNvPr id="193" name="Straight Arrow Connector 192"/>
+          <p:cNvCxnSpPr>
+            <a:stCxn id="191" idx="3"/>
+          </p:cNvCxnSpPr>
+          <p:nvPr/>
+        </p:nvCxnSpPr>
+        <p:spPr>
+          <a:xfrm flipV="1">
+            <a:off x="2706857" y="3377382"/>
+            <a:ext cx="716095" cy="184666"/>
+          </a:xfrm>
+          <a:prstGeom prst="straightConnector1">
+            <a:avLst/>
+          </a:prstGeom>
+          <a:ln>
+            <a:solidFill>
+              <a:srgbClr val="7C9BA5"/>
+            </a:solidFill>
+            <a:tailEnd type="arrow"/>
+          </a:ln>
+        </p:spPr>
+        <p:style>
+          <a:lnRef idx="2">
+            <a:schemeClr val="accent1"/>
+          </a:lnRef>
+          <a:fillRef idx="0">
+            <a:schemeClr val="accent1"/>
+          </a:fillRef>
+          <a:effectRef idx="1">
+            <a:schemeClr val="accent1"/>
+          </a:effectRef>
+          <a:fontRef idx="minor">
+            <a:schemeClr val="tx1"/>
+          </a:fontRef>
+        </p:style>
+      </p:cxnSp>
+      <p:sp>
+        <p:nvSpPr>
+          <p:cNvPr id="194" name="TextBox 193"/>
+          <p:cNvSpPr txBox="1"/>
+          <p:nvPr/>
+        </p:nvSpPr>
+        <p:spPr>
+          <a:xfrm>
+            <a:off x="2383692" y="4777154"/>
+            <a:ext cx="646331" cy="369332"/>
+          </a:xfrm>
+          <a:prstGeom prst="rect">
+            <a:avLst/>
+          </a:prstGeom>
+          <a:noFill/>
+        </p:spPr>
+        <p:txBody>
+          <a:bodyPr wrap="none" rtlCol="0">
+            <a:spAutoFit/>
+          </a:bodyPr>
+          <a:lstStyle/>
+          <a:p>
+            <a:r>
+              <a:rPr lang="zh-CN" altLang="en-US" dirty="0" smtClean="0"/>
+              <a:t>支架</a:t>
+            </a:r>
+            <a:endParaRPr lang="en-US" dirty="0"/>
+          </a:p>
+        </p:txBody>
+      </p:sp>
+      <p:cxnSp>
+        <p:nvCxnSpPr>
+          <p:cNvPr id="196" name="Straight Arrow Connector 195"/>
+          <p:cNvCxnSpPr>
+            <a:stCxn id="194" idx="3"/>
+          </p:cNvCxnSpPr>
+          <p:nvPr/>
+        </p:nvCxnSpPr>
+        <p:spPr>
+          <a:xfrm flipV="1">
+            <a:off x="3030023" y="4953000"/>
+            <a:ext cx="392929" cy="8820"/>
+          </a:xfrm>
+          <a:prstGeom prst="straightConnector1">
+            <a:avLst/>
+          </a:prstGeom>
+          <a:ln>
+            <a:solidFill>
+              <a:srgbClr val="7C9BA5"/>
+            </a:solidFill>
+            <a:tailEnd type="arrow"/>
+          </a:ln>
+        </p:spPr>
+        <p:style>
+          <a:lnRef idx="2">
+            <a:schemeClr val="accent1"/>
+          </a:lnRef>
+          <a:fillRef idx="0">
+            <a:schemeClr val="accent1"/>
+          </a:fillRef>
+          <a:effectRef idx="1">
+            <a:schemeClr val="accent1"/>
+          </a:effectRef>
+          <a:fontRef idx="minor">
+            <a:schemeClr val="tx1"/>
+          </a:fontRef>
+        </p:style>
+      </p:cxnSp>
+      <p:sp>
+        <p:nvSpPr>
+          <p:cNvPr id="197" name="TextBox 196"/>
+          <p:cNvSpPr txBox="1"/>
+          <p:nvPr/>
+        </p:nvSpPr>
+        <p:spPr>
+          <a:xfrm>
+            <a:off x="6897077" y="6216952"/>
+            <a:ext cx="646331" cy="369332"/>
+          </a:xfrm>
+          <a:prstGeom prst="rect">
+            <a:avLst/>
+          </a:prstGeom>
+          <a:noFill/>
+        </p:spPr>
+        <p:txBody>
+          <a:bodyPr wrap="none" rtlCol="0">
+            <a:spAutoFit/>
+          </a:bodyPr>
+          <a:lstStyle/>
+          <a:p>
+            <a:r>
+              <a:rPr lang="zh-CN" altLang="en-US" dirty="0" smtClean="0"/>
+              <a:t>基座</a:t>
+            </a:r>
+            <a:endParaRPr lang="en-US" altLang="zh-CN" dirty="0" smtClean="0"/>
+          </a:p>
+        </p:txBody>
+      </p:sp>
+      <p:cxnSp>
+        <p:nvCxnSpPr>
+          <p:cNvPr id="199" name="Straight Arrow Connector 198"/>
+          <p:cNvCxnSpPr>
+            <a:stCxn id="197" idx="1"/>
+          </p:cNvCxnSpPr>
+          <p:nvPr/>
+        </p:nvCxnSpPr>
+        <p:spPr>
+          <a:xfrm flipH="1" flipV="1">
+            <a:off x="6457462" y="6216952"/>
+            <a:ext cx="439615" cy="184666"/>
+          </a:xfrm>
+          <a:prstGeom prst="straightConnector1">
+            <a:avLst/>
+          </a:prstGeom>
+          <a:ln>
+            <a:solidFill>
+              <a:srgbClr val="7C9BA5"/>
+            </a:solidFill>
+            <a:tailEnd type="arrow"/>
+          </a:ln>
+        </p:spPr>
+        <p:style>
+          <a:lnRef idx="2">
+            <a:schemeClr val="accent1"/>
+          </a:lnRef>
+          <a:fillRef idx="0">
+            <a:schemeClr val="accent1"/>
+          </a:fillRef>
+          <a:effectRef idx="1">
+            <a:schemeClr val="accent1"/>
+          </a:effectRef>
+          <a:fontRef idx="minor">
+            <a:schemeClr val="tx1"/>
+          </a:fontRef>
+        </p:style>
+      </p:cxnSp>
+      <p:sp>
+        <p:nvSpPr>
+          <p:cNvPr id="202" name="TextBox 201"/>
+          <p:cNvSpPr txBox="1"/>
+          <p:nvPr/>
+        </p:nvSpPr>
+        <p:spPr>
+          <a:xfrm>
+            <a:off x="1992922" y="6032286"/>
+            <a:ext cx="646331" cy="369332"/>
+          </a:xfrm>
+          <a:prstGeom prst="rect">
+            <a:avLst/>
+          </a:prstGeom>
+          <a:noFill/>
+        </p:spPr>
+        <p:txBody>
+          <a:bodyPr wrap="none" rtlCol="0">
+            <a:spAutoFit/>
+          </a:bodyPr>
+          <a:lstStyle/>
+          <a:p>
+            <a:r>
+              <a:rPr lang="zh-CN" altLang="en-US" dirty="0" smtClean="0"/>
+              <a:t>基座</a:t>
+            </a:r>
+            <a:endParaRPr lang="en-US" dirty="0"/>
+          </a:p>
+        </p:txBody>
+      </p:sp>
+      <p:cxnSp>
+        <p:nvCxnSpPr>
+          <p:cNvPr id="204" name="Straight Arrow Connector 203"/>
+          <p:cNvCxnSpPr>
+            <a:stCxn id="202" idx="3"/>
+            <a:endCxn id="46" idx="1"/>
+          </p:cNvCxnSpPr>
+          <p:nvPr/>
+        </p:nvCxnSpPr>
+        <p:spPr>
+          <a:xfrm flipV="1">
+            <a:off x="2639253" y="6005286"/>
+            <a:ext cx="346759" cy="211666"/>
+          </a:xfrm>
+          <a:prstGeom prst="straightConnector1">
+            <a:avLst/>
+          </a:prstGeom>
+          <a:ln>
+            <a:solidFill>
+              <a:srgbClr val="7C9BA5"/>
+            </a:solidFill>
+            <a:tailEnd type="arrow"/>
+          </a:ln>
+        </p:spPr>
+        <p:style>
+          <a:lnRef idx="2">
+            <a:schemeClr val="accent1"/>
+          </a:lnRef>
+          <a:fillRef idx="0">
+            <a:schemeClr val="accent1"/>
+          </a:fillRef>
+          <a:effectRef idx="1">
+            <a:schemeClr val="accent1"/>
+          </a:effectRef>
+          <a:fontRef idx="minor">
+            <a:schemeClr val="tx1"/>
+          </a:fontRef>
+        </p:style>
+      </p:cxnSp>
+      <p:sp>
+        <p:nvSpPr>
+          <p:cNvPr id="205" name="TextBox 204"/>
+          <p:cNvSpPr txBox="1"/>
+          <p:nvPr/>
+        </p:nvSpPr>
+        <p:spPr>
+          <a:xfrm>
+            <a:off x="6560513" y="4299430"/>
+            <a:ext cx="2031325" cy="369332"/>
+          </a:xfrm>
+          <a:prstGeom prst="rect">
+            <a:avLst/>
+          </a:prstGeom>
+          <a:noFill/>
+        </p:spPr>
+        <p:txBody>
+          <a:bodyPr wrap="none" rtlCol="0">
+            <a:spAutoFit/>
+          </a:bodyPr>
+          <a:lstStyle/>
+          <a:p>
+            <a:r>
+              <a:rPr lang="zh-CN" altLang="en-US" dirty="0" smtClean="0"/>
+              <a:t>循环处理／电池仓</a:t>
+            </a:r>
+            <a:endParaRPr lang="en-US" dirty="0"/>
+          </a:p>
+        </p:txBody>
+      </p:sp>
+      <p:cxnSp>
+        <p:nvCxnSpPr>
+          <p:cNvPr id="207" name="Straight Arrow Connector 206"/>
+          <p:cNvCxnSpPr>
+            <a:stCxn id="205" idx="1"/>
+          </p:cNvCxnSpPr>
+          <p:nvPr/>
+        </p:nvCxnSpPr>
+        <p:spPr>
+          <a:xfrm flipH="1">
+            <a:off x="5154042" y="4484096"/>
+            <a:ext cx="1406471" cy="87904"/>
+          </a:xfrm>
+          <a:prstGeom prst="straightConnector1">
+            <a:avLst/>
+          </a:prstGeom>
+          <a:ln>
+            <a:solidFill>
+              <a:schemeClr val="bg2"/>
+            </a:solidFill>
+            <a:tailEnd type="arrow"/>
+          </a:ln>
+        </p:spPr>
+        <p:style>
+          <a:lnRef idx="2">
+            <a:schemeClr val="accent1"/>
+          </a:lnRef>
+          <a:fillRef idx="0">
+            <a:schemeClr val="accent1"/>
+          </a:fillRef>
+          <a:effectRef idx="1">
+            <a:schemeClr val="accent1"/>
+          </a:effectRef>
+          <a:fontRef idx="minor">
+            <a:schemeClr val="tx1"/>
+          </a:fontRef>
+        </p:style>
+      </p:cxnSp>
+      <p:sp>
+        <p:nvSpPr>
+          <p:cNvPr id="208" name="Rectangle 207"/>
+          <p:cNvSpPr/>
+          <p:nvPr/>
+        </p:nvSpPr>
+        <p:spPr>
+          <a:xfrm>
+            <a:off x="4559904" y="4777154"/>
+            <a:ext cx="399145" cy="175846"/>
+          </a:xfrm>
+          <a:prstGeom prst="rect">
+            <a:avLst/>
+          </a:prstGeom>
+          <a:noFill/>
+        </p:spPr>
+        <p:style>
+          <a:lnRef idx="1">
+            <a:schemeClr val="accent1"/>
+          </a:lnRef>
+          <a:fillRef idx="3">
+            <a:schemeClr val="accent1"/>
+          </a:fillRef>
+          <a:effectRef idx="2">
+            <a:schemeClr val="accent1"/>
+          </a:effectRef>
+          <a:fontRef idx="minor">
+            <a:schemeClr val="lt1"/>
+          </a:fontRef>
+        </p:style>
+        <p:txBody>
+          <a:bodyPr rtlCol="0" anchor="ctr"/>
+          <a:lstStyle/>
+          <a:p>
+            <a:pPr algn="ctr"/>
+            <a:endParaRPr lang="en-US"/>
+          </a:p>
+        </p:txBody>
+      </p:sp>
+      <p:sp>
+        <p:nvSpPr>
+          <p:cNvPr id="209" name="TextBox 208"/>
+          <p:cNvSpPr txBox="1"/>
+          <p:nvPr/>
+        </p:nvSpPr>
+        <p:spPr>
+          <a:xfrm>
+            <a:off x="6633308" y="5137666"/>
+            <a:ext cx="1107996" cy="369332"/>
+          </a:xfrm>
+          <a:prstGeom prst="rect">
+            <a:avLst/>
+          </a:prstGeom>
+          <a:noFill/>
+        </p:spPr>
+        <p:txBody>
+          <a:bodyPr wrap="none" rtlCol="0">
+            <a:spAutoFit/>
+          </a:bodyPr>
+          <a:lstStyle/>
+          <a:p>
+            <a:r>
+              <a:rPr lang="zh-CN" altLang="en-US" dirty="0" smtClean="0"/>
+              <a:t>发动机仓</a:t>
+            </a:r>
+            <a:endParaRPr lang="en-US" dirty="0"/>
+          </a:p>
+        </p:txBody>
+      </p:sp>
+      <p:cxnSp>
+        <p:nvCxnSpPr>
+          <p:cNvPr id="211" name="Straight Arrow Connector 210"/>
+          <p:cNvCxnSpPr>
+            <a:stCxn id="209" idx="1"/>
+            <a:endCxn id="208" idx="3"/>
+          </p:cNvCxnSpPr>
+          <p:nvPr/>
+        </p:nvCxnSpPr>
+        <p:spPr>
+          <a:xfrm flipH="1" flipV="1">
+            <a:off x="4959049" y="4865077"/>
+            <a:ext cx="1674259" cy="457255"/>
+          </a:xfrm>
+          <a:prstGeom prst="straightConnector1">
+            <a:avLst/>
+          </a:prstGeom>
+          <a:ln>
+            <a:solidFill>
+              <a:srgbClr val="7C9BA5"/>
+            </a:solidFill>
+            <a:tailEnd type="arrow"/>
+          </a:ln>
+        </p:spPr>
+        <p:style>
+          <a:lnRef idx="2">
+            <a:schemeClr val="accent1"/>
+          </a:lnRef>
+          <a:fillRef idx="0">
+            <a:schemeClr val="accent1"/>
+          </a:fillRef>
+          <a:effectRef idx="1">
+            <a:schemeClr val="accent1"/>
+          </a:effectRef>
+          <a:fontRef idx="minor">
+            <a:schemeClr val="tx1"/>
+          </a:fontRef>
+        </p:style>
+      </p:cxnSp>
+      <p:sp>
+        <p:nvSpPr>
+          <p:cNvPr id="213" name="Rectangle 212"/>
+          <p:cNvSpPr/>
+          <p:nvPr/>
+        </p:nvSpPr>
+        <p:spPr>
+          <a:xfrm>
+            <a:off x="4426857" y="2346476"/>
+            <a:ext cx="616859" cy="105601"/>
+          </a:xfrm>
+          <a:prstGeom prst="rect">
+            <a:avLst/>
+          </a:prstGeom>
+          <a:noFill/>
+        </p:spPr>
+        <p:style>
+          <a:lnRef idx="1">
+            <a:schemeClr val="accent1"/>
+          </a:lnRef>
+          <a:fillRef idx="3">
+            <a:schemeClr val="accent1"/>
+          </a:fillRef>
+          <a:effectRef idx="2">
+            <a:schemeClr val="accent1"/>
+          </a:effectRef>
+          <a:fontRef idx="minor">
+            <a:schemeClr val="lt1"/>
+          </a:fontRef>
+        </p:style>
+        <p:txBody>
+          <a:bodyPr rtlCol="0" anchor="ctr"/>
+          <a:lstStyle/>
+          <a:p>
+            <a:pPr algn="ctr"/>
+            <a:endParaRPr lang="en-US"/>
+          </a:p>
+        </p:txBody>
+      </p:sp>
+      <p:sp>
+        <p:nvSpPr>
+          <p:cNvPr id="215" name="TextBox 214"/>
+          <p:cNvSpPr txBox="1"/>
+          <p:nvPr/>
+        </p:nvSpPr>
+        <p:spPr>
+          <a:xfrm>
+            <a:off x="1368029" y="2649360"/>
+            <a:ext cx="2031325" cy="369332"/>
+          </a:xfrm>
+          <a:prstGeom prst="rect">
+            <a:avLst/>
+          </a:prstGeom>
+          <a:noFill/>
+        </p:spPr>
+        <p:txBody>
+          <a:bodyPr wrap="none" rtlCol="0">
+            <a:spAutoFit/>
+          </a:bodyPr>
+          <a:lstStyle/>
+          <a:p>
+            <a:r>
+              <a:rPr lang="zh-CN" altLang="en-US" dirty="0" smtClean="0"/>
+              <a:t>水蒸汽冷却回收器</a:t>
+            </a:r>
+            <a:endParaRPr lang="en-US" altLang="zh-CN" dirty="0" smtClean="0"/>
+          </a:p>
+        </p:txBody>
+      </p:sp>
+      <p:cxnSp>
+        <p:nvCxnSpPr>
+          <p:cNvPr id="217" name="Straight Arrow Connector 216"/>
+          <p:cNvCxnSpPr>
+            <a:stCxn id="215" idx="3"/>
+          </p:cNvCxnSpPr>
+          <p:nvPr/>
+        </p:nvCxnSpPr>
+        <p:spPr>
+          <a:xfrm flipV="1">
+            <a:off x="3399354" y="2452077"/>
+            <a:ext cx="1027503" cy="381949"/>
+          </a:xfrm>
+          <a:prstGeom prst="straightConnector1">
+            <a:avLst/>
+          </a:prstGeom>
+          <a:ln>
+            <a:solidFill>
+              <a:srgbClr val="7C9BA5"/>
+            </a:solidFill>
+            <a:tailEnd type="arrow"/>
+          </a:ln>
+        </p:spPr>
+        <p:style>
+          <a:lnRef idx="2">
+            <a:schemeClr val="accent1"/>
+          </a:lnRef>
+          <a:fillRef idx="0">
+            <a:schemeClr val="accent1"/>
+          </a:fillRef>
+          <a:effectRef idx="1">
+            <a:schemeClr val="accent1"/>
+          </a:effectRef>
+          <a:fontRef idx="minor">
+            <a:schemeClr val="tx1"/>
+          </a:fontRef>
+        </p:style>
+      </p:cxnSp>
+    </p:spTree>
+    <p:extLst>
+      <p:ext uri="{BB962C8B-B14F-4D97-AF65-F5344CB8AC3E}">
+        <p14:creationId xmlns:p14="http://schemas.microsoft.com/office/powerpoint/2010/main" val="120484840"/>
+      </p:ext>
+    </p:extLst>
+  </p:cSld>
+  <p:clrMapOvr>
+    <a:masterClrMapping/>
+  </p:clrMapOvr>
+  <p:timing>
+    <p:tnLst>
+      <p:par>
+        <p:cTn xmlns:p14="http://schemas.microsoft.com/office/powerpoint/2010/main" id="1" dur="indefinite" restart="never" nodeType="tmRoot"/>
+      </p:par>
+    </p:tnLst>
+  </p:timing>
+</p:sld>
+</file>
+
+<file path=ppt/slides/slide9.xml><?xml version="1.0" encoding="utf-8"?>
+<p:sld xmlns:a="http://schemas.openxmlformats.org/drawingml/2006/main" xmlns:r="http://schemas.openxmlformats.org/officeDocument/2006/relationships" xmlns:p="http://schemas.openxmlformats.org/presentationml/2006/main">
+  <p:cSld>
+    <p:spTree>
+      <p:nvGrpSpPr>
+        <p:cNvPr id="1" name=""/>
+        <p:cNvGrpSpPr/>
+        <p:nvPr/>
+      </p:nvGrpSpPr>
+      <p:grpSpPr>
+        <a:xfrm>
+          <a:off x="0" y="0"/>
+          <a:ext cx="0" cy="0"/>
+          <a:chOff x="0" y="0"/>
+          <a:chExt cx="0" cy="0"/>
+        </a:xfrm>
+      </p:grpSpPr>
+      <p:sp>
+        <p:nvSpPr>
+          <p:cNvPr id="2" name="Title 1"/>
+          <p:cNvSpPr>
+            <a:spLocks noGrp="1"/>
+          </p:cNvSpPr>
+          <p:nvPr>
+            <p:ph type="title"/>
+          </p:nvPr>
+        </p:nvSpPr>
+        <p:spPr/>
+        <p:txBody>
+          <a:bodyPr/>
+          <a:lstStyle/>
+          <a:p>
+            <a:r>
+              <a:rPr lang="en-US" altLang="zh-CN" dirty="0" smtClean="0">
+                <a:latin typeface="华文细黑"/>
+                <a:ea typeface="华文细黑"/>
+                <a:cs typeface="华文细黑"/>
+              </a:rPr>
+              <a:t>D6</a:t>
+            </a:r>
+            <a:r>
+              <a:rPr lang="zh-CN" altLang="en-US" dirty="0" smtClean="0">
+                <a:latin typeface="华文细黑"/>
+                <a:ea typeface="华文细黑"/>
+                <a:cs typeface="华文细黑"/>
+              </a:rPr>
+              <a:t>工程原型俯视</a:t>
+            </a:r>
+            <a:endParaRPr lang="en-US" dirty="0">
+              <a:latin typeface="华文细黑"/>
+              <a:ea typeface="华文细黑"/>
+              <a:cs typeface="华文细黑"/>
+            </a:endParaRPr>
+          </a:p>
+        </p:txBody>
+      </p:sp>
+      <p:sp>
+        <p:nvSpPr>
+          <p:cNvPr id="7" name="Hexagon 6"/>
+          <p:cNvSpPr/>
+          <p:nvPr/>
+        </p:nvSpPr>
+        <p:spPr>
+          <a:xfrm>
+            <a:off x="2435531" y="3119717"/>
+            <a:ext cx="1060704" cy="914400"/>
+          </a:xfrm>
+          <a:prstGeom prst="hexagon">
+            <a:avLst/>
+          </a:prstGeom>
+          <a:solidFill>
+            <a:schemeClr val="tx2"/>
+          </a:solidFill>
+        </p:spPr>
+        <p:style>
+          <a:lnRef idx="1">
+            <a:schemeClr val="accent1"/>
+          </a:lnRef>
+          <a:fillRef idx="3">
+            <a:schemeClr val="accent1"/>
+          </a:fillRef>
+          <a:effectRef idx="2">
+            <a:schemeClr val="accent1"/>
+          </a:effectRef>
+          <a:fontRef idx="minor">
+            <a:schemeClr val="lt1"/>
+          </a:fontRef>
+        </p:style>
+        <p:txBody>
+          <a:bodyPr rtlCol="0" anchor="ctr"/>
+          <a:lstStyle/>
+          <a:p>
+            <a:pPr algn="ctr"/>
+            <a:endParaRPr lang="en-US"/>
+          </a:p>
+        </p:txBody>
+      </p:sp>
+      <p:sp>
+        <p:nvSpPr>
+          <p:cNvPr id="8" name="Hexagon 7"/>
+          <p:cNvSpPr/>
+          <p:nvPr/>
+        </p:nvSpPr>
+        <p:spPr>
+          <a:xfrm>
+            <a:off x="4569131" y="1912470"/>
+            <a:ext cx="1060704" cy="914400"/>
+          </a:xfrm>
+          <a:prstGeom prst="hexagon">
+            <a:avLst/>
+          </a:prstGeom>
+          <a:solidFill>
+            <a:schemeClr val="tx2"/>
+          </a:solidFill>
+        </p:spPr>
+        <p:style>
+          <a:lnRef idx="1">
+            <a:schemeClr val="accent1"/>
+          </a:lnRef>
+          <a:fillRef idx="3">
+            <a:schemeClr val="accent1"/>
+          </a:fillRef>
+          <a:effectRef idx="2">
+            <a:schemeClr val="accent1"/>
+          </a:effectRef>
+          <a:fontRef idx="minor">
+            <a:schemeClr val="lt1"/>
+          </a:fontRef>
+        </p:style>
+        <p:txBody>
+          <a:bodyPr rtlCol="0" anchor="ctr"/>
+          <a:lstStyle/>
+          <a:p>
+            <a:pPr algn="ctr"/>
+            <a:endParaRPr lang="en-US"/>
+          </a:p>
+        </p:txBody>
+      </p:sp>
+      <p:sp>
+        <p:nvSpPr>
+          <p:cNvPr id="9" name="Hexagon 8"/>
+          <p:cNvSpPr/>
+          <p:nvPr/>
+        </p:nvSpPr>
+        <p:spPr>
+          <a:xfrm>
+            <a:off x="3085412" y="1912470"/>
+            <a:ext cx="1060704" cy="914400"/>
+          </a:xfrm>
+          <a:prstGeom prst="hexagon">
+            <a:avLst/>
+          </a:prstGeom>
+          <a:solidFill>
+            <a:schemeClr val="tx2"/>
+          </a:solidFill>
+        </p:spPr>
+        <p:style>
+          <a:lnRef idx="1">
+            <a:schemeClr val="accent1"/>
+          </a:lnRef>
+          <a:fillRef idx="3">
+            <a:schemeClr val="accent1"/>
+          </a:fillRef>
+          <a:effectRef idx="2">
+            <a:schemeClr val="accent1"/>
+          </a:effectRef>
+          <a:fontRef idx="minor">
+            <a:schemeClr val="lt1"/>
+          </a:fontRef>
+        </p:style>
+        <p:txBody>
+          <a:bodyPr rtlCol="0" anchor="ctr"/>
+          <a:lstStyle/>
+          <a:p>
+            <a:pPr algn="ctr"/>
+            <a:endParaRPr lang="en-US"/>
+          </a:p>
+        </p:txBody>
+      </p:sp>
+      <p:sp>
+        <p:nvSpPr>
+          <p:cNvPr id="10" name="Hexagon 9"/>
+          <p:cNvSpPr/>
+          <p:nvPr/>
+        </p:nvSpPr>
+        <p:spPr>
+          <a:xfrm>
+            <a:off x="3122705" y="4186517"/>
+            <a:ext cx="1060704" cy="914400"/>
+          </a:xfrm>
+          <a:prstGeom prst="hexagon">
+            <a:avLst/>
+          </a:prstGeom>
+          <a:solidFill>
+            <a:schemeClr val="tx2"/>
+          </a:solidFill>
+        </p:spPr>
+        <p:style>
+          <a:lnRef idx="1">
+            <a:schemeClr val="accent1"/>
+          </a:lnRef>
+          <a:fillRef idx="3">
+            <a:schemeClr val="accent1"/>
+          </a:fillRef>
+          <a:effectRef idx="2">
+            <a:schemeClr val="accent1"/>
+          </a:effectRef>
+          <a:fontRef idx="minor">
+            <a:schemeClr val="lt1"/>
+          </a:fontRef>
+        </p:style>
+        <p:txBody>
+          <a:bodyPr rtlCol="0" anchor="ctr"/>
+          <a:lstStyle/>
+          <a:p>
+            <a:pPr algn="ctr"/>
+            <a:endParaRPr lang="en-US"/>
+          </a:p>
+        </p:txBody>
+      </p:sp>
+      <p:sp>
+        <p:nvSpPr>
+          <p:cNvPr id="11" name="Hexagon 10"/>
+          <p:cNvSpPr/>
+          <p:nvPr/>
+        </p:nvSpPr>
+        <p:spPr>
+          <a:xfrm>
+            <a:off x="4494425" y="4246281"/>
+            <a:ext cx="1060704" cy="914400"/>
+          </a:xfrm>
+          <a:prstGeom prst="hexagon">
+            <a:avLst/>
+          </a:prstGeom>
+          <a:solidFill>
+            <a:schemeClr val="tx2"/>
+          </a:solidFill>
+        </p:spPr>
+        <p:style>
+          <a:lnRef idx="1">
+            <a:schemeClr val="accent1"/>
+          </a:lnRef>
+          <a:fillRef idx="3">
+            <a:schemeClr val="accent1"/>
+          </a:fillRef>
+          <a:effectRef idx="2">
+            <a:schemeClr val="accent1"/>
+          </a:effectRef>
+          <a:fontRef idx="minor">
+            <a:schemeClr val="lt1"/>
+          </a:fontRef>
+        </p:style>
+        <p:txBody>
+          <a:bodyPr rtlCol="0" anchor="ctr"/>
+          <a:lstStyle/>
+          <a:p>
+            <a:pPr algn="ctr"/>
+            <a:endParaRPr lang="en-US"/>
+          </a:p>
+        </p:txBody>
+      </p:sp>
+      <p:sp>
+        <p:nvSpPr>
+          <p:cNvPr id="12" name="Hexagon 11"/>
+          <p:cNvSpPr/>
+          <p:nvPr/>
+        </p:nvSpPr>
+        <p:spPr>
+          <a:xfrm>
+            <a:off x="5274354" y="3082365"/>
+            <a:ext cx="1060704" cy="914400"/>
+          </a:xfrm>
+          <a:prstGeom prst="hexagon">
+            <a:avLst/>
+          </a:prstGeom>
+          <a:solidFill>
+            <a:schemeClr val="tx2"/>
+          </a:solidFill>
+        </p:spPr>
+        <p:style>
+          <a:lnRef idx="1">
+            <a:schemeClr val="accent1"/>
+          </a:lnRef>
+          <a:fillRef idx="3">
+            <a:schemeClr val="accent1"/>
+          </a:fillRef>
+          <a:effectRef idx="2">
+            <a:schemeClr val="accent1"/>
+          </a:effectRef>
+          <a:fontRef idx="minor">
+            <a:schemeClr val="lt1"/>
+          </a:fontRef>
+        </p:style>
+        <p:txBody>
+          <a:bodyPr rtlCol="0" anchor="ctr"/>
+          <a:lstStyle/>
+          <a:p>
+            <a:pPr algn="ctr"/>
+            <a:endParaRPr lang="en-US"/>
+          </a:p>
+        </p:txBody>
+      </p:sp>
+      <p:sp>
+        <p:nvSpPr>
+          <p:cNvPr id="6" name="Dodecagon 5"/>
+          <p:cNvSpPr/>
+          <p:nvPr/>
+        </p:nvSpPr>
+        <p:spPr>
+          <a:xfrm>
+            <a:off x="3085412" y="2209798"/>
+            <a:ext cx="2599765" cy="2554941"/>
+          </a:xfrm>
+          <a:prstGeom prst="dodecagon">
+            <a:avLst/>
+          </a:prstGeom>
+          <a:solidFill>
+            <a:schemeClr val="tx2"/>
+          </a:solidFill>
+        </p:spPr>
+        <p:style>
+          <a:lnRef idx="1">
+            <a:schemeClr val="accent1"/>
+          </a:lnRef>
+          <a:fillRef idx="3">
+            <a:schemeClr val="accent1"/>
+          </a:fillRef>
+          <a:effectRef idx="2">
+            <a:schemeClr val="accent1"/>
+          </a:effectRef>
+          <a:fontRef idx="minor">
+            <a:schemeClr val="lt1"/>
+          </a:fontRef>
+        </p:style>
+        <p:txBody>
+          <a:bodyPr rtlCol="0" anchor="ctr"/>
+          <a:lstStyle/>
+          <a:p>
+            <a:pPr algn="ctr"/>
+            <a:endParaRPr lang="en-US"/>
+          </a:p>
+        </p:txBody>
+      </p:sp>
+      <p:sp>
+        <p:nvSpPr>
+          <p:cNvPr id="13" name="Oval 12"/>
+          <p:cNvSpPr/>
+          <p:nvPr/>
+        </p:nvSpPr>
+        <p:spPr>
+          <a:xfrm>
+            <a:off x="4185323" y="2898589"/>
+            <a:ext cx="383808" cy="367551"/>
+          </a:xfrm>
+          <a:prstGeom prst="ellipse">
+            <a:avLst/>
+          </a:prstGeom>
+          <a:solidFill>
+            <a:schemeClr val="tx2"/>
+          </a:solidFill>
+        </p:spPr>
+        <p:style>
+          <a:lnRef idx="1">
+            <a:schemeClr val="accent1"/>
+          </a:lnRef>
+          <a:fillRef idx="3">
+            <a:schemeClr val="accent1"/>
+          </a:fillRef>
+          <a:effectRef idx="2">
+            <a:schemeClr val="accent1"/>
+          </a:effectRef>
+          <a:fontRef idx="minor">
+            <a:schemeClr val="lt1"/>
+          </a:fontRef>
+        </p:style>
+        <p:txBody>
+          <a:bodyPr rtlCol="0" anchor="ctr"/>
+          <a:lstStyle/>
+          <a:p>
+            <a:pPr algn="ctr"/>
+            <a:endParaRPr lang="en-US"/>
+          </a:p>
+        </p:txBody>
+      </p:sp>
+      <p:sp>
+        <p:nvSpPr>
+          <p:cNvPr id="14" name="Oval 13"/>
+          <p:cNvSpPr/>
+          <p:nvPr/>
+        </p:nvSpPr>
+        <p:spPr>
+          <a:xfrm>
+            <a:off x="3808806" y="3575420"/>
+            <a:ext cx="383808" cy="367551"/>
+          </a:xfrm>
+          <a:prstGeom prst="ellipse">
+            <a:avLst/>
+          </a:prstGeom>
+          <a:solidFill>
+            <a:schemeClr val="tx2"/>
+          </a:solidFill>
+        </p:spPr>
+        <p:style>
+          <a:lnRef idx="1">
+            <a:schemeClr val="accent1"/>
+          </a:lnRef>
+          <a:fillRef idx="3">
+            <a:schemeClr val="accent1"/>
+          </a:fillRef>
+          <a:effectRef idx="2">
+            <a:schemeClr val="accent1"/>
+          </a:effectRef>
+          <a:fontRef idx="minor">
+            <a:schemeClr val="lt1"/>
+          </a:fontRef>
+        </p:style>
+        <p:txBody>
+          <a:bodyPr rtlCol="0" anchor="ctr"/>
+          <a:lstStyle/>
+          <a:p>
+            <a:pPr algn="ctr"/>
+            <a:endParaRPr lang="en-US"/>
+          </a:p>
+        </p:txBody>
+      </p:sp>
+      <p:sp>
+        <p:nvSpPr>
+          <p:cNvPr id="15" name="Oval 14"/>
+          <p:cNvSpPr/>
+          <p:nvPr/>
+        </p:nvSpPr>
+        <p:spPr>
+          <a:xfrm>
+            <a:off x="4569131" y="3575420"/>
+            <a:ext cx="383808" cy="367551"/>
+          </a:xfrm>
+          <a:prstGeom prst="ellipse">
+            <a:avLst/>
+          </a:prstGeom>
+          <a:solidFill>
+            <a:schemeClr val="tx2"/>
+          </a:solidFill>
+        </p:spPr>
+        <p:style>
+          <a:lnRef idx="1">
+            <a:schemeClr val="accent1"/>
+          </a:lnRef>
+          <a:fillRef idx="3">
+            <a:schemeClr val="accent1"/>
+          </a:fillRef>
+          <a:effectRef idx="2">
+            <a:schemeClr val="accent1"/>
+          </a:effectRef>
+          <a:fontRef idx="minor">
+            <a:schemeClr val="lt1"/>
+          </a:fontRef>
+        </p:style>
+        <p:txBody>
+          <a:bodyPr rtlCol="0" anchor="ctr"/>
+          <a:lstStyle/>
+          <a:p>
+            <a:pPr algn="ctr"/>
+            <a:endParaRPr lang="en-US"/>
+          </a:p>
+        </p:txBody>
+      </p:sp>
+      <p:sp>
+        <p:nvSpPr>
+          <p:cNvPr id="16" name="TextBox 15"/>
+          <p:cNvSpPr txBox="1"/>
+          <p:nvPr/>
+        </p:nvSpPr>
+        <p:spPr>
+          <a:xfrm>
+            <a:off x="7141882" y="3526118"/>
+            <a:ext cx="646331" cy="369332"/>
+          </a:xfrm>
+          <a:prstGeom prst="rect">
+            <a:avLst/>
+          </a:prstGeom>
+          <a:noFill/>
+        </p:spPr>
+        <p:txBody>
+          <a:bodyPr wrap="none" rtlCol="0">
+            <a:spAutoFit/>
+          </a:bodyPr>
+          <a:lstStyle/>
+          <a:p>
+            <a:r>
+              <a:rPr lang="zh-CN" altLang="en-US" dirty="0" smtClean="0"/>
+              <a:t>基座</a:t>
+            </a:r>
+            <a:endParaRPr lang="en-US" dirty="0"/>
+          </a:p>
+        </p:txBody>
+      </p:sp>
+      <p:cxnSp>
+        <p:nvCxnSpPr>
+          <p:cNvPr id="18" name="Straight Arrow Connector 17"/>
+          <p:cNvCxnSpPr>
+            <a:stCxn id="16" idx="1"/>
+            <a:endCxn id="12" idx="0"/>
+          </p:cNvCxnSpPr>
+          <p:nvPr/>
+        </p:nvCxnSpPr>
+        <p:spPr>
+          <a:xfrm flipH="1" flipV="1">
+            <a:off x="6335058" y="3539565"/>
+            <a:ext cx="806824" cy="171219"/>
+          </a:xfrm>
+          <a:prstGeom prst="straightConnector1">
+            <a:avLst/>
+          </a:prstGeom>
+          <a:ln>
+            <a:tailEnd type="arrow"/>
+          </a:ln>
+        </p:spPr>
+        <p:style>
+          <a:lnRef idx="2">
+            <a:schemeClr val="accent1"/>
+          </a:lnRef>
+          <a:fillRef idx="0">
+            <a:schemeClr val="accent1"/>
+          </a:fillRef>
+          <a:effectRef idx="1">
+            <a:schemeClr val="accent1"/>
+          </a:effectRef>
+          <a:fontRef idx="minor">
+            <a:schemeClr val="tx1"/>
+          </a:fontRef>
+        </p:style>
+      </p:cxnSp>
+      <p:sp>
+        <p:nvSpPr>
+          <p:cNvPr id="19" name="TextBox 18"/>
+          <p:cNvSpPr txBox="1"/>
+          <p:nvPr/>
+        </p:nvSpPr>
+        <p:spPr>
+          <a:xfrm>
+            <a:off x="6559176" y="2330824"/>
+            <a:ext cx="671353" cy="369332"/>
+          </a:xfrm>
+          <a:prstGeom prst="rect">
+            <a:avLst/>
+          </a:prstGeom>
+          <a:noFill/>
+        </p:spPr>
+        <p:txBody>
+          <a:bodyPr wrap="none" rtlCol="0">
+            <a:spAutoFit/>
+          </a:bodyPr>
+          <a:lstStyle/>
+          <a:p>
+            <a:r>
+              <a:rPr lang="zh-CN" altLang="en-US" dirty="0" smtClean="0"/>
+              <a:t>主体</a:t>
+            </a:r>
+            <a:endParaRPr lang="en-US" dirty="0"/>
+          </a:p>
+        </p:txBody>
+      </p:sp>
+      <p:cxnSp>
+        <p:nvCxnSpPr>
+          <p:cNvPr id="21" name="Straight Arrow Connector 20"/>
+          <p:cNvCxnSpPr>
+            <a:stCxn id="19" idx="1"/>
+          </p:cNvCxnSpPr>
+          <p:nvPr/>
+        </p:nvCxnSpPr>
+        <p:spPr>
+          <a:xfrm flipH="1">
+            <a:off x="5555129" y="2515490"/>
+            <a:ext cx="1004047" cy="383099"/>
+          </a:xfrm>
+          <a:prstGeom prst="straightConnector1">
+            <a:avLst/>
+          </a:prstGeom>
+          <a:ln>
+            <a:tailEnd type="arrow"/>
+          </a:ln>
+        </p:spPr>
+        <p:style>
+          <a:lnRef idx="2">
+            <a:schemeClr val="accent1"/>
+          </a:lnRef>
+          <a:fillRef idx="0">
+            <a:schemeClr val="accent1"/>
+          </a:fillRef>
+          <a:effectRef idx="1">
+            <a:schemeClr val="accent1"/>
+          </a:effectRef>
+          <a:fontRef idx="minor">
+            <a:schemeClr val="tx1"/>
+          </a:fontRef>
+        </p:style>
+      </p:cxnSp>
+      <p:sp>
+        <p:nvSpPr>
+          <p:cNvPr id="22" name="Rectangle 21"/>
+          <p:cNvSpPr/>
+          <p:nvPr/>
+        </p:nvSpPr>
+        <p:spPr>
+          <a:xfrm>
+            <a:off x="816754" y="2146158"/>
+            <a:ext cx="2031325" cy="369332"/>
+          </a:xfrm>
+          <a:prstGeom prst="rect">
+            <a:avLst/>
+          </a:prstGeom>
+        </p:spPr>
+        <p:txBody>
+          <a:bodyPr wrap="none">
+            <a:spAutoFit/>
+          </a:bodyPr>
+          <a:lstStyle/>
+          <a:p>
+            <a:r>
+              <a:rPr lang="zh-CN" altLang="en-US" dirty="0"/>
+              <a:t>风－光联合转换器</a:t>
+            </a:r>
+            <a:endParaRPr lang="en-US" dirty="0"/>
+          </a:p>
+        </p:txBody>
+      </p:sp>
+      <p:cxnSp>
+        <p:nvCxnSpPr>
+          <p:cNvPr id="24" name="Straight Arrow Connector 23"/>
+          <p:cNvCxnSpPr/>
+          <p:nvPr/>
+        </p:nvCxnSpPr>
+        <p:spPr>
+          <a:xfrm>
+            <a:off x="2644588" y="2515490"/>
+            <a:ext cx="1501528" cy="566875"/>
+          </a:xfrm>
+          <a:prstGeom prst="straightConnector1">
+            <a:avLst/>
+          </a:prstGeom>
+          <a:ln>
+            <a:solidFill>
+              <a:srgbClr val="7C9BA5"/>
+            </a:solidFill>
+            <a:tailEnd type="arrow"/>
+          </a:ln>
+        </p:spPr>
+        <p:style>
+          <a:lnRef idx="2">
+            <a:schemeClr val="accent1"/>
+          </a:lnRef>
+          <a:fillRef idx="0">
+            <a:schemeClr val="accent1"/>
+          </a:fillRef>
+          <a:effectRef idx="1">
+            <a:schemeClr val="accent1"/>
+          </a:effectRef>
+          <a:fontRef idx="minor">
+            <a:schemeClr val="tx1"/>
+          </a:fontRef>
+        </p:style>
+      </p:cxnSp>
+    </p:spTree>
+    <p:extLst>
+      <p:ext uri="{BB962C8B-B14F-4D97-AF65-F5344CB8AC3E}">
+        <p14:creationId xmlns:p14="http://schemas.microsoft.com/office/powerpoint/2010/main" val="464940928"/>
+      </p:ext>
+    </p:extLst>
+  </p:cSld>
+  <p:clrMapOvr>
+    <a:masterClrMapping/>
+  </p:clrMapOvr>
+  <p:timing>
+    <p:tnLst>
+      <p:par>
+        <p:cTn xmlns:p14="http://schemas.microsoft.com/office/powerpoint/2010/main" id="1" dur="indefinite" restart="never" nodeType="tmRoot"/>
+      </p:par>
+    </p:tnLst>
+  </p:timing>
+</p:sld>
+</file>
+
 <file path=ppt/theme/theme1.xml><?xml version="1.0" encoding="utf-8"?>
 <a:theme xmlns:a="http://schemas.openxmlformats.org/drawingml/2006/main" name="Orbit">
   <a:themeElements>

--- a/bp.pptx
+++ b/bp.pptx
@@ -18,11 +18,12 @@
     <p:sldId id="270" r:id="rId12"/>
     <p:sldId id="271" r:id="rId13"/>
     <p:sldId id="272" r:id="rId14"/>
-    <p:sldId id="273" r:id="rId15"/>
-    <p:sldId id="262" r:id="rId16"/>
-    <p:sldId id="263" r:id="rId17"/>
-    <p:sldId id="260" r:id="rId18"/>
-    <p:sldId id="266" r:id="rId19"/>
+    <p:sldId id="274" r:id="rId15"/>
+    <p:sldId id="273" r:id="rId16"/>
+    <p:sldId id="262" r:id="rId17"/>
+    <p:sldId id="263" r:id="rId18"/>
+    <p:sldId id="260" r:id="rId19"/>
+    <p:sldId id="266" r:id="rId20"/>
   </p:sldIdLst>
   <p:sldSz cx="9144000" cy="6858000" type="screen4x3"/>
   <p:notesSz cx="6858000" cy="9144000"/>
@@ -5332,7 +5333,7 @@
             <a:fld id="{70BA1CFD-BFF0-48BC-9BA5-4974D7A6AB15}" type="datetimeFigureOut">
               <a:rPr lang="en-US" smtClean="0"/>
               <a:pPr/>
-              <a:t>10/16/13</a:t>
+              <a:t>10/17/13</a:t>
             </a:fld>
             <a:endParaRPr lang="en-US"/>
           </a:p>
@@ -5691,7 +5692,7 @@
             <a:fld id="{70BA1CFD-BFF0-48BC-9BA5-4974D7A6AB15}" type="datetimeFigureOut">
               <a:rPr lang="en-US" smtClean="0"/>
               <a:pPr/>
-              <a:t>10/16/13</a:t>
+              <a:t>10/17/13</a:t>
             </a:fld>
             <a:endParaRPr lang="en-US"/>
           </a:p>
@@ -5862,7 +5863,7 @@
             <a:fld id="{70BA1CFD-BFF0-48BC-9BA5-4974D7A6AB15}" type="datetimeFigureOut">
               <a:rPr lang="en-US" smtClean="0"/>
               <a:pPr/>
-              <a:t>10/16/13</a:t>
+              <a:t>10/17/13</a:t>
             </a:fld>
             <a:endParaRPr lang="en-US"/>
           </a:p>
@@ -6043,7 +6044,7 @@
             <a:fld id="{70BA1CFD-BFF0-48BC-9BA5-4974D7A6AB15}" type="datetimeFigureOut">
               <a:rPr lang="en-US" smtClean="0"/>
               <a:pPr/>
-              <a:t>10/16/13</a:t>
+              <a:t>10/17/13</a:t>
             </a:fld>
             <a:endParaRPr lang="en-US"/>
           </a:p>
@@ -6214,7 +6215,7 @@
             <a:fld id="{70BA1CFD-BFF0-48BC-9BA5-4974D7A6AB15}" type="datetimeFigureOut">
               <a:rPr lang="en-US" smtClean="0"/>
               <a:pPr/>
-              <a:t>10/16/13</a:t>
+              <a:t>10/17/13</a:t>
             </a:fld>
             <a:endParaRPr lang="en-US"/>
           </a:p>
@@ -6493,7 +6494,7 @@
             <a:fld id="{70BA1CFD-BFF0-48BC-9BA5-4974D7A6AB15}" type="datetimeFigureOut">
               <a:rPr lang="en-US" smtClean="0"/>
               <a:pPr/>
-              <a:t>10/16/13</a:t>
+              <a:t>10/17/13</a:t>
             </a:fld>
             <a:endParaRPr lang="en-US"/>
           </a:p>
@@ -6787,7 +6788,7 @@
             <a:fld id="{70BA1CFD-BFF0-48BC-9BA5-4974D7A6AB15}" type="datetimeFigureOut">
               <a:rPr lang="en-US" smtClean="0"/>
               <a:pPr/>
-              <a:t>10/16/13</a:t>
+              <a:t>10/17/13</a:t>
             </a:fld>
             <a:endParaRPr lang="en-US"/>
           </a:p>
@@ -7225,7 +7226,7 @@
             <a:fld id="{70BA1CFD-BFF0-48BC-9BA5-4974D7A6AB15}" type="datetimeFigureOut">
               <a:rPr lang="en-US" smtClean="0"/>
               <a:pPr/>
-              <a:t>10/16/13</a:t>
+              <a:t>10/17/13</a:t>
             </a:fld>
             <a:endParaRPr lang="en-US"/>
           </a:p>
@@ -7340,7 +7341,7 @@
             <a:fld id="{70BA1CFD-BFF0-48BC-9BA5-4974D7A6AB15}" type="datetimeFigureOut">
               <a:rPr lang="en-US" smtClean="0"/>
               <a:pPr/>
-              <a:t>10/16/13</a:t>
+              <a:t>10/17/13</a:t>
             </a:fld>
             <a:endParaRPr lang="en-US"/>
           </a:p>
@@ -7432,7 +7433,7 @@
             <a:fld id="{70BA1CFD-BFF0-48BC-9BA5-4974D7A6AB15}" type="datetimeFigureOut">
               <a:rPr lang="en-US" smtClean="0"/>
               <a:pPr/>
-              <a:t>10/16/13</a:t>
+              <a:t>10/17/13</a:t>
             </a:fld>
             <a:endParaRPr lang="en-US"/>
           </a:p>
@@ -7771,7 +7772,7 @@
             <a:fld id="{70BA1CFD-BFF0-48BC-9BA5-4974D7A6AB15}" type="datetimeFigureOut">
               <a:rPr lang="en-US" smtClean="0"/>
               <a:pPr/>
-              <a:t>10/16/13</a:t>
+              <a:t>10/17/13</a:t>
             </a:fld>
             <a:endParaRPr lang="en-US"/>
           </a:p>
@@ -8088,7 +8089,7 @@
             <a:fld id="{70BA1CFD-BFF0-48BC-9BA5-4974D7A6AB15}" type="datetimeFigureOut">
               <a:rPr lang="en-US" smtClean="0"/>
               <a:pPr/>
-              <a:t>10/16/13</a:t>
+              <a:t>10/17/13</a:t>
             </a:fld>
             <a:endParaRPr lang="en-US"/>
           </a:p>
@@ -8336,7 +8337,7 @@
             <a:fld id="{70BA1CFD-BFF0-48BC-9BA5-4974D7A6AB15}" type="datetimeFigureOut">
               <a:rPr lang="en-US" smtClean="0"/>
               <a:pPr/>
-              <a:t>10/16/13</a:t>
+              <a:t>10/17/13</a:t>
             </a:fld>
             <a:endParaRPr lang="en-US"/>
           </a:p>
@@ -9799,7 +9800,7 @@
         <p:spPr>
           <a:xfrm>
             <a:off x="4616824" y="1598705"/>
-            <a:ext cx="2420470" cy="687295"/>
+            <a:ext cx="1374588" cy="687295"/>
           </a:xfrm>
           <a:prstGeom prst="rect">
             <a:avLst/>
@@ -9824,6 +9825,10 @@
           <a:lstStyle/>
           <a:p>
             <a:pPr algn="ctr"/>
+            <a:r>
+              <a:rPr lang="zh-CN" altLang="en-US" dirty="0" smtClean="0"/>
+              <a:t>卫生间</a:t>
+            </a:r>
             <a:endParaRPr lang="en-US" dirty="0"/>
           </a:p>
         </p:txBody>
@@ -9881,10 +9886,34 @@
           <a:lstStyle/>
           <a:p>
             <a:r>
-              <a:rPr lang="zh-CN" altLang="en-US" dirty="0" smtClean="0"/>
-              <a:t>基座单元</a:t>
+              <a:rPr lang="zh-CN" altLang="en-US" dirty="0" smtClean="0">
+                <a:latin typeface="华文细黑"/>
+                <a:ea typeface="华文细黑"/>
+                <a:cs typeface="华文细黑"/>
+              </a:rPr>
+              <a:t>基座</a:t>
             </a:r>
-            <a:endParaRPr lang="en-US" dirty="0"/>
+            <a:r>
+              <a:rPr lang="zh-CN" altLang="en-US" dirty="0" smtClean="0">
+                <a:latin typeface="华文细黑"/>
+                <a:ea typeface="华文细黑"/>
+                <a:cs typeface="华文细黑"/>
+              </a:rPr>
+              <a:t>动力</a:t>
+            </a:r>
+            <a:r>
+              <a:rPr lang="zh-CN" altLang="en-US" dirty="0" smtClean="0">
+                <a:latin typeface="华文细黑"/>
+                <a:ea typeface="华文细黑"/>
+                <a:cs typeface="华文细黑"/>
+              </a:rPr>
+              <a:t>单元</a:t>
+            </a:r>
+            <a:endParaRPr lang="en-US" dirty="0">
+              <a:latin typeface="华文细黑"/>
+              <a:ea typeface="华文细黑"/>
+              <a:cs typeface="华文细黑"/>
+            </a:endParaRPr>
           </a:p>
         </p:txBody>
       </p:sp>
@@ -9943,6 +9972,10 @@
           <a:prstGeom prst="ellipse">
             <a:avLst/>
           </a:prstGeom>
+          <a:solidFill>
+            <a:schemeClr val="bg1"/>
+          </a:solidFill>
+          <a:effectLst/>
         </p:spPr>
         <p:style>
           <a:lnRef idx="1">
@@ -10019,6 +10052,10 @@
           <a:prstGeom prst="rect">
             <a:avLst/>
           </a:prstGeom>
+          <a:solidFill>
+            <a:schemeClr val="bg1"/>
+          </a:solidFill>
+          <a:effectLst/>
         </p:spPr>
         <p:style>
           <a:lnRef idx="1">
@@ -10057,6 +10094,9 @@
           <a:prstGeom prst="rect">
             <a:avLst/>
           </a:prstGeom>
+          <a:solidFill>
+            <a:schemeClr val="bg2"/>
+          </a:solidFill>
         </p:spPr>
         <p:style>
           <a:lnRef idx="1">
@@ -10095,6 +10135,9 @@
           <a:prstGeom prst="rect">
             <a:avLst/>
           </a:prstGeom>
+          <a:solidFill>
+            <a:schemeClr val="bg2"/>
+          </a:solidFill>
         </p:spPr>
         <p:style>
           <a:lnRef idx="1">
@@ -10211,8 +10254,8 @@
         </p:nvSpPr>
         <p:spPr>
           <a:xfrm rot="8191752">
-            <a:off x="2059267" y="2772337"/>
-            <a:ext cx="493058" cy="493059"/>
+            <a:off x="2040316" y="2779891"/>
+            <a:ext cx="506755" cy="472328"/>
           </a:xfrm>
           <a:prstGeom prst="diagStripe">
             <a:avLst/>
@@ -10284,6 +10327,657 @@
                 <a:schemeClr val="tx1"/>
               </a:solidFill>
             </a:endParaRPr>
+          </a:p>
+        </p:txBody>
+      </p:sp>
+      <p:sp useBgFill="1">
+        <p:nvSpPr>
+          <p:cNvPr id="3" name="Oval 2"/>
+          <p:cNvSpPr/>
+          <p:nvPr/>
+        </p:nvSpPr>
+        <p:spPr>
+          <a:xfrm>
+            <a:off x="6200589" y="2090239"/>
+            <a:ext cx="194234" cy="914400"/>
+          </a:xfrm>
+          <a:prstGeom prst="ellipse">
+            <a:avLst/>
+          </a:prstGeom>
+        </p:spPr>
+        <p:style>
+          <a:lnRef idx="1">
+            <a:schemeClr val="accent1"/>
+          </a:lnRef>
+          <a:fillRef idx="3">
+            <a:schemeClr val="accent1"/>
+          </a:fillRef>
+          <a:effectRef idx="2">
+            <a:schemeClr val="accent1"/>
+          </a:effectRef>
+          <a:fontRef idx="minor">
+            <a:schemeClr val="lt1"/>
+          </a:fontRef>
+        </p:style>
+        <p:txBody>
+          <a:bodyPr rtlCol="0" anchor="ctr"/>
+          <a:lstStyle/>
+          <a:p>
+            <a:pPr algn="ctr"/>
+            <a:endParaRPr lang="en-US"/>
+          </a:p>
+        </p:txBody>
+      </p:sp>
+      <p:sp>
+        <p:nvSpPr>
+          <p:cNvPr id="5" name="Oval 4"/>
+          <p:cNvSpPr/>
+          <p:nvPr/>
+        </p:nvSpPr>
+        <p:spPr>
+          <a:xfrm>
+            <a:off x="6394823" y="2465291"/>
+            <a:ext cx="552824" cy="205051"/>
+          </a:xfrm>
+          <a:prstGeom prst="ellipse">
+            <a:avLst/>
+          </a:prstGeom>
+        </p:spPr>
+        <p:style>
+          <a:lnRef idx="1">
+            <a:schemeClr val="accent1"/>
+          </a:lnRef>
+          <a:fillRef idx="3">
+            <a:schemeClr val="accent1"/>
+          </a:fillRef>
+          <a:effectRef idx="2">
+            <a:schemeClr val="accent1"/>
+          </a:effectRef>
+          <a:fontRef idx="minor">
+            <a:schemeClr val="lt1"/>
+          </a:fontRef>
+        </p:style>
+        <p:txBody>
+          <a:bodyPr rtlCol="0" anchor="ctr"/>
+          <a:lstStyle/>
+          <a:p>
+            <a:pPr algn="ctr"/>
+            <a:endParaRPr lang="en-US"/>
+          </a:p>
+        </p:txBody>
+      </p:sp>
+      <p:sp>
+        <p:nvSpPr>
+          <p:cNvPr id="18" name="Oval 17"/>
+          <p:cNvSpPr/>
+          <p:nvPr/>
+        </p:nvSpPr>
+        <p:spPr>
+          <a:xfrm>
+            <a:off x="5647765" y="2465294"/>
+            <a:ext cx="552824" cy="205051"/>
+          </a:xfrm>
+          <a:prstGeom prst="ellipse">
+            <a:avLst/>
+          </a:prstGeom>
+        </p:spPr>
+        <p:style>
+          <a:lnRef idx="1">
+            <a:schemeClr val="accent1"/>
+          </a:lnRef>
+          <a:fillRef idx="3">
+            <a:schemeClr val="accent1"/>
+          </a:fillRef>
+          <a:effectRef idx="2">
+            <a:schemeClr val="accent1"/>
+          </a:effectRef>
+          <a:fontRef idx="minor">
+            <a:schemeClr val="lt1"/>
+          </a:fontRef>
+        </p:style>
+        <p:txBody>
+          <a:bodyPr rtlCol="0" anchor="ctr"/>
+          <a:lstStyle/>
+          <a:p>
+            <a:pPr algn="ctr"/>
+            <a:endParaRPr lang="en-US"/>
+          </a:p>
+        </p:txBody>
+      </p:sp>
+      <p:sp>
+        <p:nvSpPr>
+          <p:cNvPr id="11" name="TextBox 10"/>
+          <p:cNvSpPr txBox="1"/>
+          <p:nvPr/>
+        </p:nvSpPr>
+        <p:spPr>
+          <a:xfrm>
+            <a:off x="6712955" y="4572000"/>
+            <a:ext cx="877163" cy="369332"/>
+          </a:xfrm>
+          <a:prstGeom prst="rect">
+            <a:avLst/>
+          </a:prstGeom>
+          <a:noFill/>
+        </p:spPr>
+        <p:txBody>
+          <a:bodyPr wrap="none" rtlCol="0">
+            <a:spAutoFit/>
+          </a:bodyPr>
+          <a:lstStyle/>
+          <a:p>
+            <a:r>
+              <a:rPr lang="zh-CN" altLang="en-US" dirty="0" smtClean="0"/>
+              <a:t>压载仓</a:t>
+            </a:r>
+            <a:endParaRPr lang="en-US" dirty="0"/>
+          </a:p>
+        </p:txBody>
+      </p:sp>
+      <p:cxnSp>
+        <p:nvCxnSpPr>
+          <p:cNvPr id="14" name="Straight Arrow Connector 13"/>
+          <p:cNvCxnSpPr>
+            <a:stCxn id="11" idx="0"/>
+          </p:cNvCxnSpPr>
+          <p:nvPr/>
+        </p:nvCxnSpPr>
+        <p:spPr>
+          <a:xfrm flipV="1">
+            <a:off x="7151537" y="3526118"/>
+            <a:ext cx="117346" cy="1045882"/>
+          </a:xfrm>
+          <a:prstGeom prst="straightConnector1">
+            <a:avLst/>
+          </a:prstGeom>
+          <a:ln>
+            <a:tailEnd type="arrow"/>
+          </a:ln>
+        </p:spPr>
+        <p:style>
+          <a:lnRef idx="2">
+            <a:schemeClr val="accent1"/>
+          </a:lnRef>
+          <a:fillRef idx="0">
+            <a:schemeClr val="accent1"/>
+          </a:fillRef>
+          <a:effectRef idx="1">
+            <a:schemeClr val="accent1"/>
+          </a:effectRef>
+          <a:fontRef idx="minor">
+            <a:schemeClr val="tx1"/>
+          </a:fontRef>
+        </p:style>
+      </p:cxnSp>
+      <p:sp>
+        <p:nvSpPr>
+          <p:cNvPr id="22" name="TextBox 21"/>
+          <p:cNvSpPr txBox="1"/>
+          <p:nvPr/>
+        </p:nvSpPr>
+        <p:spPr>
+          <a:xfrm>
+            <a:off x="3615766" y="3884706"/>
+            <a:ext cx="1107996" cy="369332"/>
+          </a:xfrm>
+          <a:prstGeom prst="rect">
+            <a:avLst/>
+          </a:prstGeom>
+          <a:noFill/>
+        </p:spPr>
+        <p:txBody>
+          <a:bodyPr wrap="none" rtlCol="0">
+            <a:spAutoFit/>
+          </a:bodyPr>
+          <a:lstStyle/>
+          <a:p>
+            <a:r>
+              <a:rPr lang="zh-CN" altLang="en-US" dirty="0" smtClean="0"/>
+              <a:t>推力通道</a:t>
+            </a:r>
+            <a:endParaRPr lang="en-US" dirty="0"/>
+          </a:p>
+        </p:txBody>
+      </p:sp>
+      <p:cxnSp>
+        <p:nvCxnSpPr>
+          <p:cNvPr id="24" name="Straight Arrow Connector 23"/>
+          <p:cNvCxnSpPr/>
+          <p:nvPr/>
+        </p:nvCxnSpPr>
+        <p:spPr>
+          <a:xfrm flipH="1" flipV="1">
+            <a:off x="2748566" y="3018850"/>
+            <a:ext cx="1330375" cy="865856"/>
+          </a:xfrm>
+          <a:prstGeom prst="straightConnector1">
+            <a:avLst/>
+          </a:prstGeom>
+          <a:ln>
+            <a:tailEnd type="arrow"/>
+          </a:ln>
+        </p:spPr>
+        <p:style>
+          <a:lnRef idx="2">
+            <a:schemeClr val="accent1"/>
+          </a:lnRef>
+          <a:fillRef idx="0">
+            <a:schemeClr val="accent1"/>
+          </a:fillRef>
+          <a:effectRef idx="1">
+            <a:schemeClr val="accent1"/>
+          </a:effectRef>
+          <a:fontRef idx="minor">
+            <a:schemeClr val="tx1"/>
+          </a:fontRef>
+        </p:style>
+      </p:cxnSp>
+      <p:cxnSp>
+        <p:nvCxnSpPr>
+          <p:cNvPr id="28" name="Straight Arrow Connector 27"/>
+          <p:cNvCxnSpPr>
+            <a:stCxn id="22" idx="0"/>
+          </p:cNvCxnSpPr>
+          <p:nvPr/>
+        </p:nvCxnSpPr>
+        <p:spPr>
+          <a:xfrm flipV="1">
+            <a:off x="4169764" y="3061448"/>
+            <a:ext cx="1776824" cy="823258"/>
+          </a:xfrm>
+          <a:prstGeom prst="straightConnector1">
+            <a:avLst/>
+          </a:prstGeom>
+          <a:ln>
+            <a:tailEnd type="arrow"/>
+          </a:ln>
+        </p:spPr>
+        <p:style>
+          <a:lnRef idx="2">
+            <a:schemeClr val="accent1"/>
+          </a:lnRef>
+          <a:fillRef idx="0">
+            <a:schemeClr val="accent1"/>
+          </a:fillRef>
+          <a:effectRef idx="1">
+            <a:schemeClr val="accent1"/>
+          </a:effectRef>
+          <a:fontRef idx="minor">
+            <a:schemeClr val="tx1"/>
+          </a:fontRef>
+        </p:style>
+      </p:cxnSp>
+      <p:sp>
+        <p:nvSpPr>
+          <p:cNvPr id="29" name="TextBox 28"/>
+          <p:cNvSpPr txBox="1"/>
+          <p:nvPr/>
+        </p:nvSpPr>
+        <p:spPr>
+          <a:xfrm>
+            <a:off x="3770716" y="1905573"/>
+            <a:ext cx="646331" cy="369332"/>
+          </a:xfrm>
+          <a:prstGeom prst="rect">
+            <a:avLst/>
+          </a:prstGeom>
+          <a:noFill/>
+        </p:spPr>
+        <p:txBody>
+          <a:bodyPr wrap="none" rtlCol="0">
+            <a:spAutoFit/>
+          </a:bodyPr>
+          <a:lstStyle/>
+          <a:p>
+            <a:r>
+              <a:rPr lang="zh-CN" altLang="en-US" dirty="0" smtClean="0"/>
+              <a:t>涡扇</a:t>
+            </a:r>
+            <a:endParaRPr lang="en-US" dirty="0"/>
+          </a:p>
+        </p:txBody>
+      </p:sp>
+      <p:cxnSp>
+        <p:nvCxnSpPr>
+          <p:cNvPr id="31" name="Straight Arrow Connector 30"/>
+          <p:cNvCxnSpPr>
+            <a:stCxn id="29" idx="3"/>
+          </p:cNvCxnSpPr>
+          <p:nvPr/>
+        </p:nvCxnSpPr>
+        <p:spPr>
+          <a:xfrm>
+            <a:off x="4417047" y="2090239"/>
+            <a:ext cx="1678953" cy="231603"/>
+          </a:xfrm>
+          <a:prstGeom prst="straightConnector1">
+            <a:avLst/>
+          </a:prstGeom>
+          <a:ln>
+            <a:solidFill>
+              <a:srgbClr val="4F81BD"/>
+            </a:solidFill>
+            <a:tailEnd type="arrow"/>
+          </a:ln>
+        </p:spPr>
+        <p:style>
+          <a:lnRef idx="2">
+            <a:schemeClr val="accent1"/>
+          </a:lnRef>
+          <a:fillRef idx="0">
+            <a:schemeClr val="accent1"/>
+          </a:fillRef>
+          <a:effectRef idx="1">
+            <a:schemeClr val="accent1"/>
+          </a:effectRef>
+          <a:fontRef idx="minor">
+            <a:schemeClr val="tx1"/>
+          </a:fontRef>
+        </p:style>
+      </p:cxnSp>
+      <p:cxnSp>
+        <p:nvCxnSpPr>
+          <p:cNvPr id="33" name="Straight Arrow Connector 32"/>
+          <p:cNvCxnSpPr>
+            <a:stCxn id="29" idx="1"/>
+            <a:endCxn id="15" idx="2"/>
+          </p:cNvCxnSpPr>
+          <p:nvPr/>
+        </p:nvCxnSpPr>
+        <p:spPr>
+          <a:xfrm flipH="1">
+            <a:off x="2631606" y="2090239"/>
+            <a:ext cx="1139110" cy="549001"/>
+          </a:xfrm>
+          <a:prstGeom prst="straightConnector1">
+            <a:avLst/>
+          </a:prstGeom>
+          <a:ln>
+            <a:solidFill>
+              <a:srgbClr val="4F81BD"/>
+            </a:solidFill>
+            <a:tailEnd type="arrow"/>
+          </a:ln>
+        </p:spPr>
+        <p:style>
+          <a:lnRef idx="2">
+            <a:schemeClr val="accent1"/>
+          </a:lnRef>
+          <a:fillRef idx="0">
+            <a:schemeClr val="accent1"/>
+          </a:fillRef>
+          <a:effectRef idx="1">
+            <a:schemeClr val="accent1"/>
+          </a:effectRef>
+          <a:fontRef idx="minor">
+            <a:schemeClr val="tx1"/>
+          </a:fontRef>
+        </p:style>
+      </p:cxnSp>
+      <p:sp>
+        <p:nvSpPr>
+          <p:cNvPr id="34" name="Oval 33"/>
+          <p:cNvSpPr/>
+          <p:nvPr/>
+        </p:nvSpPr>
+        <p:spPr>
+          <a:xfrm>
+            <a:off x="5946588" y="3061448"/>
+            <a:ext cx="747058" cy="747059"/>
+          </a:xfrm>
+          <a:prstGeom prst="ellipse">
+            <a:avLst/>
+          </a:prstGeom>
+          <a:ln/>
+        </p:spPr>
+        <p:style>
+          <a:lnRef idx="1">
+            <a:schemeClr val="accent3"/>
+          </a:lnRef>
+          <a:fillRef idx="2">
+            <a:schemeClr val="accent3"/>
+          </a:fillRef>
+          <a:effectRef idx="1">
+            <a:schemeClr val="accent3"/>
+          </a:effectRef>
+          <a:fontRef idx="minor">
+            <a:schemeClr val="dk1"/>
+          </a:fontRef>
+        </p:style>
+        <p:txBody>
+          <a:bodyPr rtlCol="0" anchor="ctr"/>
+          <a:lstStyle/>
+          <a:p>
+            <a:pPr algn="ctr"/>
+            <a:endParaRPr lang="en-US"/>
+          </a:p>
+        </p:txBody>
+      </p:sp>
+      <p:sp>
+        <p:nvSpPr>
+          <p:cNvPr id="41" name="TextBox 40"/>
+          <p:cNvSpPr txBox="1"/>
+          <p:nvPr/>
+        </p:nvSpPr>
+        <p:spPr>
+          <a:xfrm>
+            <a:off x="4526340" y="4661647"/>
+            <a:ext cx="1569660" cy="369332"/>
+          </a:xfrm>
+          <a:prstGeom prst="rect">
+            <a:avLst/>
+          </a:prstGeom>
+          <a:noFill/>
+        </p:spPr>
+        <p:txBody>
+          <a:bodyPr wrap="none" rtlCol="0">
+            <a:spAutoFit/>
+          </a:bodyPr>
+          <a:lstStyle/>
+          <a:p>
+            <a:r>
+              <a:rPr lang="zh-CN" altLang="en-US" dirty="0" smtClean="0"/>
+              <a:t>矢量推进通道</a:t>
+            </a:r>
+            <a:endParaRPr lang="en-US" altLang="zh-CN" dirty="0" smtClean="0"/>
+          </a:p>
+        </p:txBody>
+      </p:sp>
+      <p:cxnSp>
+        <p:nvCxnSpPr>
+          <p:cNvPr id="43" name="Straight Arrow Connector 42"/>
+          <p:cNvCxnSpPr/>
+          <p:nvPr/>
+        </p:nvCxnSpPr>
+        <p:spPr>
+          <a:xfrm flipV="1">
+            <a:off x="5647765" y="3645647"/>
+            <a:ext cx="552824" cy="926353"/>
+          </a:xfrm>
+          <a:prstGeom prst="straightConnector1">
+            <a:avLst/>
+          </a:prstGeom>
+          <a:ln>
+            <a:tailEnd type="arrow"/>
+          </a:ln>
+        </p:spPr>
+        <p:style>
+          <a:lnRef idx="2">
+            <a:schemeClr val="accent1"/>
+          </a:lnRef>
+          <a:fillRef idx="0">
+            <a:schemeClr val="accent1"/>
+          </a:fillRef>
+          <a:effectRef idx="1">
+            <a:schemeClr val="accent1"/>
+          </a:effectRef>
+          <a:fontRef idx="minor">
+            <a:schemeClr val="tx1"/>
+          </a:fontRef>
+        </p:style>
+      </p:cxnSp>
+      <p:cxnSp>
+        <p:nvCxnSpPr>
+          <p:cNvPr id="45" name="Straight Connector 44"/>
+          <p:cNvCxnSpPr/>
+          <p:nvPr/>
+        </p:nvCxnSpPr>
+        <p:spPr>
+          <a:xfrm>
+            <a:off x="2052035" y="3284395"/>
+            <a:ext cx="0" cy="524112"/>
+          </a:xfrm>
+          <a:prstGeom prst="line">
+            <a:avLst/>
+          </a:prstGeom>
+          <a:ln>
+            <a:prstDash val="sysDash"/>
+          </a:ln>
+        </p:spPr>
+        <p:style>
+          <a:lnRef idx="2">
+            <a:schemeClr val="accent1"/>
+          </a:lnRef>
+          <a:fillRef idx="0">
+            <a:schemeClr val="accent1"/>
+          </a:fillRef>
+          <a:effectRef idx="1">
+            <a:schemeClr val="accent1"/>
+          </a:effectRef>
+          <a:fontRef idx="minor">
+            <a:schemeClr val="tx1"/>
+          </a:fontRef>
+        </p:style>
+      </p:cxnSp>
+      <p:cxnSp>
+        <p:nvCxnSpPr>
+          <p:cNvPr id="47" name="Straight Connector 46"/>
+          <p:cNvCxnSpPr/>
+          <p:nvPr/>
+        </p:nvCxnSpPr>
+        <p:spPr>
+          <a:xfrm>
+            <a:off x="2631606" y="3284395"/>
+            <a:ext cx="0" cy="524112"/>
+          </a:xfrm>
+          <a:prstGeom prst="line">
+            <a:avLst/>
+          </a:prstGeom>
+          <a:ln>
+            <a:prstDash val="sysDash"/>
+          </a:ln>
+        </p:spPr>
+        <p:style>
+          <a:lnRef idx="2">
+            <a:schemeClr val="accent1"/>
+          </a:lnRef>
+          <a:fillRef idx="0">
+            <a:schemeClr val="accent1"/>
+          </a:fillRef>
+          <a:effectRef idx="1">
+            <a:schemeClr val="accent1"/>
+          </a:effectRef>
+          <a:fontRef idx="minor">
+            <a:schemeClr val="tx1"/>
+          </a:fontRef>
+        </p:style>
+      </p:cxnSp>
+      <p:cxnSp>
+        <p:nvCxnSpPr>
+          <p:cNvPr id="49" name="Straight Arrow Connector 48"/>
+          <p:cNvCxnSpPr/>
+          <p:nvPr/>
+        </p:nvCxnSpPr>
+        <p:spPr>
+          <a:xfrm flipH="1" flipV="1">
+            <a:off x="2452512" y="3808507"/>
+            <a:ext cx="1964535" cy="1030502"/>
+          </a:xfrm>
+          <a:prstGeom prst="straightConnector1">
+            <a:avLst/>
+          </a:prstGeom>
+          <a:ln>
+            <a:tailEnd type="arrow"/>
+          </a:ln>
+        </p:spPr>
+        <p:style>
+          <a:lnRef idx="2">
+            <a:schemeClr val="accent1"/>
+          </a:lnRef>
+          <a:fillRef idx="0">
+            <a:schemeClr val="accent1"/>
+          </a:fillRef>
+          <a:effectRef idx="1">
+            <a:schemeClr val="accent1"/>
+          </a:effectRef>
+          <a:fontRef idx="minor">
+            <a:schemeClr val="tx1"/>
+          </a:fontRef>
+        </p:style>
+      </p:cxnSp>
+      <p:sp>
+        <p:nvSpPr>
+          <p:cNvPr id="50" name="Oval 49"/>
+          <p:cNvSpPr/>
+          <p:nvPr/>
+        </p:nvSpPr>
+        <p:spPr>
+          <a:xfrm>
+            <a:off x="2170467" y="2567221"/>
+            <a:ext cx="340437" cy="330345"/>
+          </a:xfrm>
+          <a:prstGeom prst="ellipse">
+            <a:avLst/>
+          </a:prstGeom>
+          <a:gradFill flip="none" rotWithShape="1">
+            <a:gsLst>
+              <a:gs pos="98000">
+                <a:schemeClr val="accent1">
+                  <a:shade val="30000"/>
+                  <a:satMod val="100000"/>
+                </a:schemeClr>
+              </a:gs>
+              <a:gs pos="52000">
+                <a:schemeClr val="accent1">
+                  <a:shade val="90000"/>
+                  <a:satMod val="100000"/>
+                </a:schemeClr>
+              </a:gs>
+              <a:gs pos="5000">
+                <a:schemeClr val="accent1">
+                  <a:tint val="90000"/>
+                  <a:shade val="100000"/>
+                  <a:satMod val="150000"/>
+                </a:schemeClr>
+              </a:gs>
+            </a:gsLst>
+            <a:path path="circle">
+              <a:fillToRect l="50000" t="50000" r="50000" b="50000"/>
+            </a:path>
+            <a:tileRect/>
+          </a:gradFill>
+          <a:effectLst/>
+        </p:spPr>
+        <p:style>
+          <a:lnRef idx="1">
+            <a:schemeClr val="accent1"/>
+          </a:lnRef>
+          <a:fillRef idx="3">
+            <a:schemeClr val="accent1"/>
+          </a:fillRef>
+          <a:effectRef idx="2">
+            <a:schemeClr val="accent1"/>
+          </a:effectRef>
+          <a:fontRef idx="minor">
+            <a:schemeClr val="lt1"/>
+          </a:fontRef>
+        </p:style>
+        <p:txBody>
+          <a:bodyPr rtlCol="0" anchor="ctr"/>
+          <a:lstStyle/>
+          <a:p>
+            <a:pPr algn="ctr"/>
+            <a:endParaRPr lang="en-US"/>
           </a:p>
         </p:txBody>
       </p:sp>
@@ -10386,7 +11080,7 @@
         </p:nvSpPr>
         <p:spPr>
           <a:xfrm>
-            <a:off x="3406708" y="2934446"/>
+            <a:off x="3377511" y="2958352"/>
             <a:ext cx="1060704" cy="914400"/>
           </a:xfrm>
           <a:prstGeom prst="hexagon">
@@ -10538,7 +11232,7 @@
         </p:nvSpPr>
         <p:spPr>
           <a:xfrm>
-            <a:off x="3406708" y="2020046"/>
+            <a:off x="3377511" y="2020046"/>
             <a:ext cx="1060704" cy="914400"/>
           </a:xfrm>
           <a:prstGeom prst="hexagon">
@@ -10623,16 +11317,16 @@
         </p:spPr>
         <p:style>
           <a:lnRef idx="1">
-            <a:schemeClr val="accent1"/>
+            <a:schemeClr val="dk1"/>
           </a:lnRef>
-          <a:fillRef idx="3">
-            <a:schemeClr val="accent1"/>
+          <a:fillRef idx="2">
+            <a:schemeClr val="dk1"/>
           </a:fillRef>
-          <a:effectRef idx="2">
-            <a:schemeClr val="accent1"/>
+          <a:effectRef idx="1">
+            <a:schemeClr val="dk1"/>
           </a:effectRef>
           <a:fontRef idx="minor">
-            <a:schemeClr val="lt1"/>
+            <a:schemeClr val="dk1"/>
           </a:fontRef>
         </p:style>
         <p:txBody>
@@ -10661,16 +11355,16 @@
         </p:spPr>
         <p:style>
           <a:lnRef idx="1">
-            <a:schemeClr val="accent1"/>
+            <a:schemeClr val="dk1"/>
           </a:lnRef>
-          <a:fillRef idx="3">
-            <a:schemeClr val="accent1"/>
+          <a:fillRef idx="2">
+            <a:schemeClr val="dk1"/>
           </a:fillRef>
-          <a:effectRef idx="2">
-            <a:schemeClr val="accent1"/>
+          <a:effectRef idx="1">
+            <a:schemeClr val="dk1"/>
           </a:effectRef>
           <a:fontRef idx="minor">
-            <a:schemeClr val="lt1"/>
+            <a:schemeClr val="dk1"/>
           </a:fontRef>
         </p:style>
         <p:txBody>
@@ -10691,7 +11385,7 @@
         <p:spPr>
           <a:xfrm>
             <a:off x="4467412" y="2696880"/>
-            <a:ext cx="468497" cy="475131"/>
+            <a:ext cx="500774" cy="475131"/>
           </a:xfrm>
           <a:prstGeom prst="ellipse">
             <a:avLst/>
@@ -10699,16 +11393,16 @@
         </p:spPr>
         <p:style>
           <a:lnRef idx="1">
-            <a:schemeClr val="accent1"/>
+            <a:schemeClr val="dk1"/>
           </a:lnRef>
-          <a:fillRef idx="3">
-            <a:schemeClr val="accent1"/>
+          <a:fillRef idx="2">
+            <a:schemeClr val="dk1"/>
           </a:fillRef>
-          <a:effectRef idx="2">
-            <a:schemeClr val="accent1"/>
+          <a:effectRef idx="1">
+            <a:schemeClr val="dk1"/>
           </a:effectRef>
           <a:fontRef idx="minor">
-            <a:schemeClr val="lt1"/>
+            <a:schemeClr val="dk1"/>
           </a:fontRef>
         </p:style>
         <p:txBody>
@@ -10767,7 +11461,7 @@
           <a:p>
             <a:r>
               <a:rPr lang="zh-CN" altLang="en-US" dirty="0" smtClean="0"/>
-              <a:t>水循环流程</a:t>
+              <a:t>动力特性</a:t>
             </a:r>
             <a:endParaRPr lang="en-US" dirty="0"/>
           </a:p>
@@ -10788,6 +11482,78 @@
           <a:bodyPr/>
           <a:lstStyle/>
           <a:p>
+            <a:endParaRPr lang="en-US" dirty="0"/>
+          </a:p>
+        </p:txBody>
+      </p:sp>
+    </p:spTree>
+    <p:extLst>
+      <p:ext uri="{BB962C8B-B14F-4D97-AF65-F5344CB8AC3E}">
+        <p14:creationId xmlns:p14="http://schemas.microsoft.com/office/powerpoint/2010/main" val="117478191"/>
+      </p:ext>
+    </p:extLst>
+  </p:cSld>
+  <p:clrMapOvr>
+    <a:masterClrMapping/>
+  </p:clrMapOvr>
+</p:sld>
+</file>
+
+<file path=ppt/slides/slide15.xml><?xml version="1.0" encoding="utf-8"?>
+<p:sld xmlns:a="http://schemas.openxmlformats.org/drawingml/2006/main" xmlns:r="http://schemas.openxmlformats.org/officeDocument/2006/relationships" xmlns:p="http://schemas.openxmlformats.org/presentationml/2006/main">
+  <p:cSld>
+    <p:spTree>
+      <p:nvGrpSpPr>
+        <p:cNvPr id="1" name=""/>
+        <p:cNvGrpSpPr/>
+        <p:nvPr/>
+      </p:nvGrpSpPr>
+      <p:grpSpPr>
+        <a:xfrm>
+          <a:off x="0" y="0"/>
+          <a:ext cx="0" cy="0"/>
+          <a:chOff x="0" y="0"/>
+          <a:chExt cx="0" cy="0"/>
+        </a:xfrm>
+      </p:grpSpPr>
+      <p:sp>
+        <p:nvSpPr>
+          <p:cNvPr id="2" name="Title 1"/>
+          <p:cNvSpPr>
+            <a:spLocks noGrp="1"/>
+          </p:cNvSpPr>
+          <p:nvPr>
+            <p:ph type="title"/>
+          </p:nvPr>
+        </p:nvSpPr>
+        <p:spPr/>
+        <p:txBody>
+          <a:bodyPr/>
+          <a:lstStyle/>
+          <a:p>
+            <a:r>
+              <a:rPr lang="zh-CN" altLang="en-US" dirty="0" smtClean="0"/>
+              <a:t>水循环流程</a:t>
+            </a:r>
+            <a:endParaRPr lang="en-US" dirty="0"/>
+          </a:p>
+        </p:txBody>
+      </p:sp>
+      <p:sp>
+        <p:nvSpPr>
+          <p:cNvPr id="3" name="Content Placeholder 2"/>
+          <p:cNvSpPr>
+            <a:spLocks noGrp="1"/>
+          </p:cNvSpPr>
+          <p:nvPr>
+            <p:ph idx="1"/>
+          </p:nvPr>
+        </p:nvSpPr>
+        <p:spPr/>
+        <p:txBody>
+          <a:bodyPr/>
+          <a:lstStyle/>
+          <a:p>
             <a:endParaRPr lang="en-US"/>
           </a:p>
         </p:txBody>
@@ -10805,7 +11571,7 @@
 </p:sld>
 </file>
 
-<file path=ppt/slides/slide15.xml><?xml version="1.0" encoding="utf-8"?>
+<file path=ppt/slides/slide16.xml><?xml version="1.0" encoding="utf-8"?>
 <p:sld xmlns:a="http://schemas.openxmlformats.org/drawingml/2006/main" xmlns:r="http://schemas.openxmlformats.org/officeDocument/2006/relationships" xmlns:p="http://schemas.openxmlformats.org/presentationml/2006/main">
   <p:cSld>
     <p:spTree>
@@ -11426,7 +12192,7 @@
 </p:sld>
 </file>
 
-<file path=ppt/slides/slide16.xml><?xml version="1.0" encoding="utf-8"?>
+<file path=ppt/slides/slide17.xml><?xml version="1.0" encoding="utf-8"?>
 <p:sld xmlns:a="http://schemas.openxmlformats.org/drawingml/2006/main" xmlns:r="http://schemas.openxmlformats.org/officeDocument/2006/relationships" xmlns:p="http://schemas.openxmlformats.org/presentationml/2006/main">
   <p:cSld>
     <p:spTree>
@@ -12300,7 +13066,7 @@
 </p:sld>
 </file>
 
-<file path=ppt/slides/slide17.xml><?xml version="1.0" encoding="utf-8"?>
+<file path=ppt/slides/slide18.xml><?xml version="1.0" encoding="utf-8"?>
 <p:sld xmlns:a="http://schemas.openxmlformats.org/drawingml/2006/main" xmlns:r="http://schemas.openxmlformats.org/officeDocument/2006/relationships" xmlns:p="http://schemas.openxmlformats.org/presentationml/2006/main">
   <p:cSld>
     <p:spTree>
@@ -12399,7 +13165,7 @@
 </p:sld>
 </file>
 
-<file path=ppt/slides/slide18.xml><?xml version="1.0" encoding="utf-8"?>
+<file path=ppt/slides/slide19.xml><?xml version="1.0" encoding="utf-8"?>
 <p:sld xmlns:a="http://schemas.openxmlformats.org/drawingml/2006/main" xmlns:r="http://schemas.openxmlformats.org/officeDocument/2006/relationships" xmlns:p="http://schemas.openxmlformats.org/presentationml/2006/main">
   <p:cSld>
     <p:spTree>
